--- a/Slide_20520605_VoAnhKiet.pptx
+++ b/Slide_20520605_VoAnhKiet.pptx
@@ -5,7 +5,7 @@
     <p:sldMasterId id="2147483660" r:id="rId1"/>
   </p:sldMasterIdLst>
   <p:notesMasterIdLst>
-    <p:notesMasterId r:id="rId24"/>
+    <p:notesMasterId r:id="rId26"/>
   </p:notesMasterIdLst>
   <p:sldIdLst>
     <p:sldId id="456" r:id="rId2"/>
@@ -26,10 +26,12 @@
     <p:sldId id="623" r:id="rId17"/>
     <p:sldId id="607" r:id="rId18"/>
     <p:sldId id="606" r:id="rId19"/>
-    <p:sldId id="600" r:id="rId20"/>
-    <p:sldId id="594" r:id="rId21"/>
-    <p:sldId id="612" r:id="rId22"/>
-    <p:sldId id="587" r:id="rId23"/>
+    <p:sldId id="624" r:id="rId20"/>
+    <p:sldId id="625" r:id="rId21"/>
+    <p:sldId id="600" r:id="rId22"/>
+    <p:sldId id="594" r:id="rId23"/>
+    <p:sldId id="626" r:id="rId24"/>
+    <p:sldId id="587" r:id="rId25"/>
   </p:sldIdLst>
   <p:sldSz cx="9144000" cy="6858000" type="screen4x3"/>
   <p:notesSz cx="6858000" cy="9144000"/>
@@ -521,6 +523,30 @@
     </pc:docChg>
   </pc:docChgLst>
   <pc:docChgLst>
+    <pc:chgData name="Phan Thế Duy" userId="5e9b9ff8-8bfd-40c4-a934-0fae842c79b4" providerId="ADAL" clId="{FBC1AA16-DC26-448B-8343-D0F3E02D0C1F}"/>
+    <pc:docChg chg="undo custSel modSld">
+      <pc:chgData name="Phan Thế Duy" userId="5e9b9ff8-8bfd-40c4-a934-0fae842c79b4" providerId="ADAL" clId="{FBC1AA16-DC26-448B-8343-D0F3E02D0C1F}" dt="2022-04-18T03:42:50.949" v="14" actId="20577"/>
+      <pc:docMkLst>
+        <pc:docMk/>
+      </pc:docMkLst>
+      <pc:sldChg chg="modSp mod">
+        <pc:chgData name="Phan Thế Duy" userId="5e9b9ff8-8bfd-40c4-a934-0fae842c79b4" providerId="ADAL" clId="{FBC1AA16-DC26-448B-8343-D0F3E02D0C1F}" dt="2022-04-18T03:42:50.949" v="14" actId="20577"/>
+        <pc:sldMkLst>
+          <pc:docMk/>
+          <pc:sldMk cId="0" sldId="456"/>
+        </pc:sldMkLst>
+        <pc:spChg chg="mod">
+          <ac:chgData name="Phan Thế Duy" userId="5e9b9ff8-8bfd-40c4-a934-0fae842c79b4" providerId="ADAL" clId="{FBC1AA16-DC26-448B-8343-D0F3E02D0C1F}" dt="2022-04-18T03:42:50.949" v="14" actId="20577"/>
+          <ac:spMkLst>
+            <pc:docMk/>
+            <pc:sldMk cId="0" sldId="456"/>
+            <ac:spMk id="106" creationId="{00000000-0000-0000-0000-000000000000}"/>
+          </ac:spMkLst>
+        </pc:spChg>
+      </pc:sldChg>
+    </pc:docChg>
+  </pc:docChgLst>
+  <pc:docChgLst>
     <pc:chgData name="Trịnh Minh Hoàng" userId="0b55e2e9-bc5a-4f5c-9d1d-2595fdb70851" providerId="ADAL" clId="{043F0346-A467-4F0B-A6ED-9B9133B07E4F}"/>
     <pc:docChg chg="undo custSel addSld delSld modSld sldOrd">
       <pc:chgData name="Trịnh Minh Hoàng" userId="0b55e2e9-bc5a-4f5c-9d1d-2595fdb70851" providerId="ADAL" clId="{043F0346-A467-4F0B-A6ED-9B9133B07E4F}" dt="2023-07-02T15:34:00.210" v="4110" actId="14100"/>
@@ -1190,30 +1216,6 @@
             <pc:docMk/>
             <pc:sldMk cId="3408194910" sldId="617"/>
             <ac:spMk id="16" creationId="{711BF7A4-3C63-2B65-24A4-66B50E86D26B}"/>
-          </ac:spMkLst>
-        </pc:spChg>
-      </pc:sldChg>
-    </pc:docChg>
-  </pc:docChgLst>
-  <pc:docChgLst>
-    <pc:chgData name="Phan Thế Duy" userId="5e9b9ff8-8bfd-40c4-a934-0fae842c79b4" providerId="ADAL" clId="{FBC1AA16-DC26-448B-8343-D0F3E02D0C1F}"/>
-    <pc:docChg chg="undo custSel modSld">
-      <pc:chgData name="Phan Thế Duy" userId="5e9b9ff8-8bfd-40c4-a934-0fae842c79b4" providerId="ADAL" clId="{FBC1AA16-DC26-448B-8343-D0F3E02D0C1F}" dt="2022-04-18T03:42:50.949" v="14" actId="20577"/>
-      <pc:docMkLst>
-        <pc:docMk/>
-      </pc:docMkLst>
-      <pc:sldChg chg="modSp mod">
-        <pc:chgData name="Phan Thế Duy" userId="5e9b9ff8-8bfd-40c4-a934-0fae842c79b4" providerId="ADAL" clId="{FBC1AA16-DC26-448B-8343-D0F3E02D0C1F}" dt="2022-04-18T03:42:50.949" v="14" actId="20577"/>
-        <pc:sldMkLst>
-          <pc:docMk/>
-          <pc:sldMk cId="0" sldId="456"/>
-        </pc:sldMkLst>
-        <pc:spChg chg="mod">
-          <ac:chgData name="Phan Thế Duy" userId="5e9b9ff8-8bfd-40c4-a934-0fae842c79b4" providerId="ADAL" clId="{FBC1AA16-DC26-448B-8343-D0F3E02D0C1F}" dt="2022-04-18T03:42:50.949" v="14" actId="20577"/>
-          <ac:spMkLst>
-            <pc:docMk/>
-            <pc:sldMk cId="0" sldId="456"/>
-            <ac:spMk id="106" creationId="{00000000-0000-0000-0000-000000000000}"/>
           </ac:spMkLst>
         </pc:spChg>
       </pc:sldChg>
@@ -9822,8 +9824,8 @@
         </p:blipFill>
         <p:spPr>
           <a:xfrm>
-            <a:off x="1321787" y="1916570"/>
-            <a:ext cx="6500423" cy="4061812"/>
+            <a:off x="1040883" y="1765742"/>
+            <a:ext cx="7062231" cy="4412860"/>
           </a:xfrm>
           <a:prstGeom prst="rect">
             <a:avLst/>
@@ -13706,7 +13708,7 @@
           <p:cNvPr id="2" name="Title 1">
             <a:extLst>
               <a:ext uri="{FF2B5EF4-FFF2-40B4-BE49-F238E27FC236}">
-                <a16:creationId xmlns:a16="http://schemas.microsoft.com/office/drawing/2014/main" id="{B76FF0C8-6542-4400-B404-1788A5C9E3D1}"/>
+                <a16:creationId xmlns:a16="http://schemas.microsoft.com/office/drawing/2014/main" id="{B1A3F0E4-A39E-4FBD-A3DB-A06BECA6D659}"/>
               </a:ext>
             </a:extLst>
           </p:cNvPr>
@@ -13719,30 +13721,15 @@
         </p:nvSpPr>
         <p:spPr/>
         <p:txBody>
-          <a:bodyPr/>
+          <a:bodyPr>
+            <a:normAutofit/>
+          </a:bodyPr>
           <a:lstStyle/>
           <a:p>
             <a:r>
-              <a:rPr lang="en-US" err="1"/>
-              <a:t>Nội</a:t>
-            </a:r>
-            <a:r>
-              <a:rPr lang="en-US"/>
-              <a:t> dung </a:t>
-            </a:r>
-            <a:r>
-              <a:rPr lang="en-US" err="1"/>
-              <a:t>báo</a:t>
-            </a:r>
-            <a:r>
-              <a:rPr lang="en-US"/>
-              <a:t> </a:t>
-            </a:r>
-            <a:r>
-              <a:rPr lang="en-US" err="1"/>
-              <a:t>cáo</a:t>
-            </a:r>
-            <a:endParaRPr lang="en-US"/>
+              <a:rPr lang="vi-VN"/>
+              <a:t>Phần III: Thực nghiệm và Đánh giá</a:t>
+            </a:r>
           </a:p>
         </p:txBody>
       </p:sp>
@@ -13751,7 +13738,7 @@
           <p:cNvPr id="3" name="Content Placeholder 2">
             <a:extLst>
               <a:ext uri="{FF2B5EF4-FFF2-40B4-BE49-F238E27FC236}">
-                <a16:creationId xmlns:a16="http://schemas.microsoft.com/office/drawing/2014/main" id="{DDB11A3D-6222-417B-B8D9-AB891FD40BE0}"/>
+                <a16:creationId xmlns:a16="http://schemas.microsoft.com/office/drawing/2014/main" id="{F7F20B2A-785F-41B4-A36C-5305D857EDB5}"/>
               </a:ext>
             </a:extLst>
           </p:cNvPr>
@@ -13762,266 +13749,80 @@
             <p:ph idx="1"/>
           </p:nvPr>
         </p:nvSpPr>
-        <p:spPr/>
+        <p:spPr>
+          <a:xfrm>
+            <a:off x="0" y="955335"/>
+            <a:ext cx="9144000" cy="510111"/>
+          </a:xfrm>
+        </p:spPr>
         <p:txBody>
-          <a:bodyPr vert="horz" lIns="91440" tIns="45720" rIns="91440" bIns="45720" rtlCol="0" anchor="t">
+          <a:bodyPr>
             <a:normAutofit/>
           </a:bodyPr>
           <a:lstStyle/>
           <a:p>
-            <a:pPr marL="292735" indent="-292735" defTabSz="385571">
-              <a:spcBef>
-                <a:spcPts val="2700"/>
-              </a:spcBef>
-              <a:defRPr sz="1800"/>
+            <a:pPr marL="0" indent="0">
+              <a:buNone/>
             </a:pPr>
             <a:r>
-              <a:rPr lang="vi-VN" sz="3200" b="1"/>
-              <a:t>Phần I: </a:t>
-            </a:r>
-            <a:r>
-              <a:rPr lang="en-US" sz="3200" b="1"/>
-              <a:t>Lý do </a:t>
-            </a:r>
-            <a:r>
-              <a:rPr lang="en-US" sz="3200" b="1" err="1"/>
-              <a:t>chọn</a:t>
-            </a:r>
-            <a:r>
-              <a:rPr lang="en-US" sz="3200" b="1"/>
-              <a:t> </a:t>
-            </a:r>
-            <a:r>
-              <a:rPr lang="en-US" sz="3200" b="1" err="1"/>
-              <a:t>đề</a:t>
-            </a:r>
-            <a:r>
-              <a:rPr lang="en-US" sz="3200" b="1"/>
-              <a:t> </a:t>
-            </a:r>
-            <a:r>
-              <a:rPr lang="en-US" sz="3200" b="1" err="1"/>
-              <a:t>tài</a:t>
-            </a:r>
-            <a:endParaRPr lang="vi-VN" sz="3200"/>
-          </a:p>
-          <a:p>
-            <a:pPr marL="292735" indent="-292735" defTabSz="385571">
-              <a:spcBef>
-                <a:spcPts val="2700"/>
-              </a:spcBef>
-              <a:defRPr sz="1800"/>
+              <a:rPr lang="en-US" b="1" dirty="0" err="1"/>
+              <a:t>Kết</a:t>
+            </a:r>
+            <a:r>
+              <a:rPr lang="en-US" b="1" dirty="0"/>
+              <a:t> </a:t>
+            </a:r>
+            <a:r>
+              <a:rPr lang="en-US" b="1" dirty="0" err="1"/>
+              <a:t>quả</a:t>
+            </a:r>
+            <a:r>
+              <a:rPr lang="en-US" b="1" dirty="0"/>
+              <a:t> </a:t>
+            </a:r>
+            <a:r>
+              <a:rPr lang="en-US" b="1" dirty="0" err="1"/>
+              <a:t>thực</a:t>
+            </a:r>
+            <a:r>
+              <a:rPr lang="en-US" b="1" dirty="0"/>
+              <a:t> </a:t>
+            </a:r>
+            <a:r>
+              <a:rPr lang="en-US" b="1" dirty="0" err="1"/>
+              <a:t>nghiệm</a:t>
+            </a:r>
+            <a:endParaRPr lang="en-US" dirty="0"/>
+          </a:p>
+          <a:p>
+            <a:pPr marL="0" indent="0">
+              <a:buNone/>
             </a:pPr>
-            <a:r>
-              <a:rPr lang="vi-VN" sz="3200" b="1"/>
-              <a:t>Phần II:</a:t>
-            </a:r>
-            <a:r>
-              <a:rPr lang="en-US" sz="3200" b="1"/>
-              <a:t> </a:t>
-            </a:r>
-            <a:r>
-              <a:rPr lang="en-US" sz="3200" b="1" err="1"/>
-              <a:t>Phương</a:t>
-            </a:r>
-            <a:r>
-              <a:rPr lang="en-US" sz="3200" b="1"/>
-              <a:t> </a:t>
-            </a:r>
-            <a:r>
-              <a:rPr lang="en-US" sz="3200" b="1" err="1"/>
-              <a:t>pháp</a:t>
-            </a:r>
-            <a:r>
-              <a:rPr lang="en-US" sz="3200" b="1"/>
-              <a:t> </a:t>
-            </a:r>
-            <a:r>
-              <a:rPr lang="en-US" sz="3200" b="1" err="1"/>
-              <a:t>thiết</a:t>
-            </a:r>
-            <a:r>
-              <a:rPr lang="en-US" sz="3200" b="1"/>
-              <a:t> </a:t>
-            </a:r>
-            <a:r>
-              <a:rPr lang="en-US" sz="3200" b="1" err="1"/>
-              <a:t>kế</a:t>
-            </a:r>
-            <a:endParaRPr lang="en-US" sz="3200" b="1"/>
-          </a:p>
-          <a:p>
-            <a:pPr marL="292735" indent="-292735" defTabSz="385571">
-              <a:spcBef>
-                <a:spcPts val="2700"/>
-              </a:spcBef>
-              <a:defRPr sz="1800"/>
+            <a:endParaRPr lang="en-US" dirty="0"/>
+          </a:p>
+          <a:p>
+            <a:pPr marL="0" indent="0">
+              <a:buNone/>
             </a:pPr>
-            <a:r>
-              <a:rPr lang="en-US" sz="3200" b="1" err="1"/>
-              <a:t>Phần</a:t>
-            </a:r>
-            <a:r>
-              <a:rPr lang="en-US" sz="3200" b="1"/>
-              <a:t> III: </a:t>
-            </a:r>
-            <a:r>
-              <a:rPr lang="en-US" sz="3200" b="1" err="1"/>
-              <a:t>Thực</a:t>
-            </a:r>
-            <a:r>
-              <a:rPr lang="en-US" sz="3200" b="1"/>
-              <a:t> </a:t>
-            </a:r>
-            <a:r>
-              <a:rPr lang="en-US" sz="3200" b="1" err="1"/>
-              <a:t>nghiệm</a:t>
-            </a:r>
-            <a:r>
-              <a:rPr lang="en-US" sz="3200" b="1"/>
-              <a:t> </a:t>
-            </a:r>
-            <a:r>
-              <a:rPr lang="en-US" sz="3200" b="1" err="1"/>
-              <a:t>và</a:t>
-            </a:r>
-            <a:r>
-              <a:rPr lang="en-US" sz="3200" b="1"/>
-              <a:t> </a:t>
-            </a:r>
-            <a:r>
-              <a:rPr lang="en-US" sz="3200" b="1" err="1"/>
-              <a:t>Đánh</a:t>
-            </a:r>
-            <a:r>
-              <a:rPr lang="en-US" sz="3200" b="1"/>
-              <a:t> </a:t>
-            </a:r>
-            <a:r>
-              <a:rPr lang="en-US" sz="3200" b="1" err="1"/>
-              <a:t>giá</a:t>
-            </a:r>
-            <a:endParaRPr lang="en-US" sz="3200" b="1"/>
-          </a:p>
-          <a:p>
-            <a:pPr marL="292735" indent="-292735" defTabSz="385571">
-              <a:spcBef>
-                <a:spcPts val="2700"/>
-              </a:spcBef>
-              <a:defRPr sz="1800"/>
+            <a:endParaRPr lang="en-US" dirty="0"/>
+          </a:p>
+          <a:p>
+            <a:pPr marL="0" indent="0">
+              <a:buNone/>
             </a:pPr>
-            <a:r>
-              <a:rPr lang="en-US" sz="3200" b="1" err="1">
-                <a:solidFill>
-                  <a:srgbClr val="FF0000"/>
-                </a:solidFill>
-              </a:rPr>
-              <a:t>Phần</a:t>
-            </a:r>
-            <a:r>
-              <a:rPr lang="en-US" sz="3200" b="1">
-                <a:solidFill>
-                  <a:srgbClr val="FF0000"/>
-                </a:solidFill>
-              </a:rPr>
-              <a:t> IV: </a:t>
-            </a:r>
-            <a:r>
-              <a:rPr lang="en-US" sz="3200" b="1" err="1">
-                <a:solidFill>
-                  <a:srgbClr val="FF0000"/>
-                </a:solidFill>
-              </a:rPr>
-              <a:t>Kết</a:t>
-            </a:r>
-            <a:r>
-              <a:rPr lang="en-US" sz="3200" b="1">
-                <a:solidFill>
-                  <a:srgbClr val="FF0000"/>
-                </a:solidFill>
-              </a:rPr>
-              <a:t> </a:t>
-            </a:r>
-            <a:r>
-              <a:rPr lang="en-US" sz="3200" b="1" err="1">
-                <a:solidFill>
-                  <a:srgbClr val="FF0000"/>
-                </a:solidFill>
-              </a:rPr>
-              <a:t>luận</a:t>
-            </a:r>
-            <a:r>
-              <a:rPr lang="en-US" sz="3200" b="1">
-                <a:solidFill>
-                  <a:srgbClr val="FF0000"/>
-                </a:solidFill>
-              </a:rPr>
-              <a:t> </a:t>
-            </a:r>
-            <a:r>
-              <a:rPr lang="en-US" sz="3200" b="1" err="1">
-                <a:solidFill>
-                  <a:srgbClr val="FF0000"/>
-                </a:solidFill>
-              </a:rPr>
-              <a:t>và</a:t>
-            </a:r>
-            <a:r>
-              <a:rPr lang="en-US" sz="3200" b="1">
-                <a:solidFill>
-                  <a:srgbClr val="FF0000"/>
-                </a:solidFill>
-              </a:rPr>
-              <a:t> </a:t>
-            </a:r>
-            <a:r>
-              <a:rPr lang="en-US" sz="3200" b="1" err="1">
-                <a:solidFill>
-                  <a:srgbClr val="FF0000"/>
-                </a:solidFill>
-              </a:rPr>
-              <a:t>hướng</a:t>
-            </a:r>
-            <a:r>
-              <a:rPr lang="en-US" sz="3200" b="1">
-                <a:solidFill>
-                  <a:srgbClr val="FF0000"/>
-                </a:solidFill>
-              </a:rPr>
-              <a:t> </a:t>
-            </a:r>
-            <a:r>
-              <a:rPr lang="en-US" sz="3200" b="1" err="1">
-                <a:solidFill>
-                  <a:srgbClr val="FF0000"/>
-                </a:solidFill>
-              </a:rPr>
-              <a:t>phát</a:t>
-            </a:r>
-            <a:r>
-              <a:rPr lang="en-US" sz="3200" b="1">
-                <a:solidFill>
-                  <a:srgbClr val="FF0000"/>
-                </a:solidFill>
-              </a:rPr>
-              <a:t> </a:t>
-            </a:r>
-            <a:r>
-              <a:rPr lang="en-US" sz="3200" b="1" err="1">
-                <a:solidFill>
-                  <a:srgbClr val="FF0000"/>
-                </a:solidFill>
-              </a:rPr>
-              <a:t>triển</a:t>
-            </a:r>
-            <a:endParaRPr lang="en-US" sz="3200" b="1">
-              <a:solidFill>
-                <a:srgbClr val="FF0000"/>
-              </a:solidFill>
-            </a:endParaRPr>
-          </a:p>
-          <a:p>
-            <a:endParaRPr lang="en-US" sz="3200"/>
+            <a:endParaRPr lang="en-US" dirty="0"/>
+          </a:p>
+          <a:p>
+            <a:pPr marL="0" indent="0">
+              <a:buNone/>
+            </a:pPr>
+            <a:endParaRPr lang="en-US" dirty="0"/>
+          </a:p>
+          <a:p>
+            <a:pPr marL="0" indent="0">
+              <a:buNone/>
+            </a:pPr>
+            <a:endParaRPr lang="en-US" dirty="0"/>
           </a:p>
         </p:txBody>
       </p:sp>
@@ -14030,7 +13831,7 @@
           <p:cNvPr id="4" name="Slide Number Placeholder 3">
             <a:extLst>
               <a:ext uri="{FF2B5EF4-FFF2-40B4-BE49-F238E27FC236}">
-                <a16:creationId xmlns:a16="http://schemas.microsoft.com/office/drawing/2014/main" id="{89C7F963-A803-41DD-917D-D09655D4C986}"/>
+                <a16:creationId xmlns:a16="http://schemas.microsoft.com/office/drawing/2014/main" id="{2CDAC51C-DEF1-4458-89B9-2A4E445D7380}"/>
               </a:ext>
             </a:extLst>
           </p:cNvPr>
@@ -14055,10 +13856,941 @@
           </a:p>
         </p:txBody>
       </p:sp>
+      <p:graphicFrame>
+        <p:nvGraphicFramePr>
+          <p:cNvPr id="6" name="Table 5">
+            <a:extLst>
+              <a:ext uri="{FF2B5EF4-FFF2-40B4-BE49-F238E27FC236}">
+                <a16:creationId xmlns:a16="http://schemas.microsoft.com/office/drawing/2014/main" id="{4F78F114-8992-5900-8D61-F8602671C79F}"/>
+              </a:ext>
+            </a:extLst>
+          </p:cNvPr>
+          <p:cNvGraphicFramePr>
+            <a:graphicFrameLocks noGrp="1"/>
+          </p:cNvGraphicFramePr>
+          <p:nvPr>
+            <p:extLst>
+              <p:ext uri="{D42A27DB-BD31-4B8C-83A1-F6EECF244321}">
+                <p14:modId xmlns:p14="http://schemas.microsoft.com/office/powerpoint/2010/main" val="2109342604"/>
+              </p:ext>
+            </p:extLst>
+          </p:nvPr>
+        </p:nvGraphicFramePr>
+        <p:xfrm>
+          <a:off x="432062" y="1465446"/>
+          <a:ext cx="8279875" cy="4919535"/>
+        </p:xfrm>
+        <a:graphic>
+          <a:graphicData uri="http://schemas.openxmlformats.org/drawingml/2006/table">
+            <a:tbl>
+              <a:tblPr firstRow="1" bandRow="1">
+                <a:tableStyleId>{5C22544A-7EE6-4342-B048-85BDC9FD1C3A}</a:tableStyleId>
+              </a:tblPr>
+              <a:tblGrid>
+                <a:gridCol w="1655975">
+                  <a:extLst>
+                    <a:ext uri="{9D8B030D-6E8A-4147-A177-3AD203B41FA5}">
+                      <a16:colId xmlns:a16="http://schemas.microsoft.com/office/drawing/2014/main" val="439401120"/>
+                    </a:ext>
+                  </a:extLst>
+                </a:gridCol>
+                <a:gridCol w="1655975">
+                  <a:extLst>
+                    <a:ext uri="{9D8B030D-6E8A-4147-A177-3AD203B41FA5}">
+                      <a16:colId xmlns:a16="http://schemas.microsoft.com/office/drawing/2014/main" val="3290019796"/>
+                    </a:ext>
+                  </a:extLst>
+                </a:gridCol>
+                <a:gridCol w="1655975">
+                  <a:extLst>
+                    <a:ext uri="{9D8B030D-6E8A-4147-A177-3AD203B41FA5}">
+                      <a16:colId xmlns:a16="http://schemas.microsoft.com/office/drawing/2014/main" val="578810969"/>
+                    </a:ext>
+                  </a:extLst>
+                </a:gridCol>
+                <a:gridCol w="1655975">
+                  <a:extLst>
+                    <a:ext uri="{9D8B030D-6E8A-4147-A177-3AD203B41FA5}">
+                      <a16:colId xmlns:a16="http://schemas.microsoft.com/office/drawing/2014/main" val="1086922"/>
+                    </a:ext>
+                  </a:extLst>
+                </a:gridCol>
+                <a:gridCol w="1655975">
+                  <a:extLst>
+                    <a:ext uri="{9D8B030D-6E8A-4147-A177-3AD203B41FA5}">
+                      <a16:colId xmlns:a16="http://schemas.microsoft.com/office/drawing/2014/main" val="3078818838"/>
+                    </a:ext>
+                  </a:extLst>
+                </a:gridCol>
+              </a:tblGrid>
+              <a:tr h="475495">
+                <a:tc>
+                  <a:txBody>
+                    <a:bodyPr/>
+                    <a:lstStyle/>
+                    <a:p>
+                      <a:pPr algn="ctr"/>
+                      <a:r>
+                        <a:rPr lang="en-US" dirty="0"/>
+                        <a:t>Model</a:t>
+                      </a:r>
+                      <a:endParaRPr lang="vi-VN" dirty="0"/>
+                    </a:p>
+                  </a:txBody>
+                  <a:tcPr/>
+                </a:tc>
+                <a:tc>
+                  <a:txBody>
+                    <a:bodyPr/>
+                    <a:lstStyle/>
+                    <a:p>
+                      <a:pPr algn="ctr"/>
+                      <a:r>
+                        <a:rPr lang="en-US" dirty="0"/>
+                        <a:t>Accuracy</a:t>
+                      </a:r>
+                      <a:endParaRPr lang="vi-VN" dirty="0"/>
+                    </a:p>
+                  </a:txBody>
+                  <a:tcPr/>
+                </a:tc>
+                <a:tc>
+                  <a:txBody>
+                    <a:bodyPr/>
+                    <a:lstStyle/>
+                    <a:p>
+                      <a:pPr algn="ctr"/>
+                      <a:r>
+                        <a:rPr lang="en-US" dirty="0"/>
+                        <a:t>Precision</a:t>
+                      </a:r>
+                      <a:endParaRPr lang="vi-VN" dirty="0"/>
+                    </a:p>
+                  </a:txBody>
+                  <a:tcPr/>
+                </a:tc>
+                <a:tc>
+                  <a:txBody>
+                    <a:bodyPr/>
+                    <a:lstStyle/>
+                    <a:p>
+                      <a:pPr algn="ctr"/>
+                      <a:r>
+                        <a:rPr lang="en-US" dirty="0"/>
+                        <a:t>Recall</a:t>
+                      </a:r>
+                      <a:endParaRPr lang="vi-VN" dirty="0"/>
+                    </a:p>
+                  </a:txBody>
+                  <a:tcPr/>
+                </a:tc>
+                <a:tc>
+                  <a:txBody>
+                    <a:bodyPr/>
+                    <a:lstStyle/>
+                    <a:p>
+                      <a:pPr algn="ctr"/>
+                      <a:r>
+                        <a:rPr lang="en-US" dirty="0"/>
+                        <a:t>F1-Score</a:t>
+                      </a:r>
+                      <a:endParaRPr lang="vi-VN" dirty="0"/>
+                    </a:p>
+                  </a:txBody>
+                  <a:tcPr/>
+                </a:tc>
+                <a:extLst>
+                  <a:ext uri="{0D108BD9-81ED-4DB2-BD59-A6C34878D82A}">
+                    <a16:rowId xmlns:a16="http://schemas.microsoft.com/office/drawing/2014/main" val="3066565015"/>
+                  </a:ext>
+                </a:extLst>
+              </a:tr>
+              <a:tr h="475495">
+                <a:tc>
+                  <a:txBody>
+                    <a:bodyPr/>
+                    <a:lstStyle/>
+                    <a:p>
+                      <a:pPr algn="ctr"/>
+                      <a:r>
+                        <a:rPr lang="en-US" dirty="0"/>
+                        <a:t>Decision Tree</a:t>
+                      </a:r>
+                      <a:endParaRPr lang="vi-VN" dirty="0"/>
+                    </a:p>
+                  </a:txBody>
+                  <a:tcPr/>
+                </a:tc>
+                <a:tc>
+                  <a:txBody>
+                    <a:bodyPr/>
+                    <a:lstStyle/>
+                    <a:p>
+                      <a:pPr algn="ctr"/>
+                      <a:r>
+                        <a:rPr lang="en-US" dirty="0"/>
+                        <a:t>0.8519</a:t>
+                      </a:r>
+                      <a:endParaRPr lang="vi-VN" dirty="0"/>
+                    </a:p>
+                  </a:txBody>
+                  <a:tcPr/>
+                </a:tc>
+                <a:tc>
+                  <a:txBody>
+                    <a:bodyPr/>
+                    <a:lstStyle/>
+                    <a:p>
+                      <a:pPr algn="ctr"/>
+                      <a:r>
+                        <a:rPr lang="en-US" dirty="0"/>
+                        <a:t>0.8209</a:t>
+                      </a:r>
+                      <a:endParaRPr lang="vi-VN" dirty="0"/>
+                    </a:p>
+                  </a:txBody>
+                  <a:tcPr/>
+                </a:tc>
+                <a:tc>
+                  <a:txBody>
+                    <a:bodyPr/>
+                    <a:lstStyle/>
+                    <a:p>
+                      <a:pPr algn="ctr"/>
+                      <a:r>
+                        <a:rPr lang="en-US" dirty="0"/>
+                        <a:t>0.8730</a:t>
+                      </a:r>
+                      <a:endParaRPr lang="vi-VN" dirty="0"/>
+                    </a:p>
+                  </a:txBody>
+                  <a:tcPr/>
+                </a:tc>
+                <a:tc>
+                  <a:txBody>
+                    <a:bodyPr/>
+                    <a:lstStyle/>
+                    <a:p>
+                      <a:pPr algn="ctr"/>
+                      <a:r>
+                        <a:rPr lang="en-US" dirty="0"/>
+                        <a:t>0.8462</a:t>
+                      </a:r>
+                      <a:endParaRPr lang="vi-VN" dirty="0"/>
+                    </a:p>
+                  </a:txBody>
+                  <a:tcPr/>
+                </a:tc>
+                <a:extLst>
+                  <a:ext uri="{0D108BD9-81ED-4DB2-BD59-A6C34878D82A}">
+                    <a16:rowId xmlns:a16="http://schemas.microsoft.com/office/drawing/2014/main" val="2708833062"/>
+                  </a:ext>
+                </a:extLst>
+              </a:tr>
+              <a:tr h="475495">
+                <a:tc>
+                  <a:txBody>
+                    <a:bodyPr/>
+                    <a:lstStyle/>
+                    <a:p>
+                      <a:pPr algn="ctr"/>
+                      <a:r>
+                        <a:rPr lang="en-US" dirty="0"/>
+                        <a:t>Random Forest</a:t>
+                      </a:r>
+                      <a:endParaRPr lang="vi-VN" dirty="0"/>
+                    </a:p>
+                  </a:txBody>
+                  <a:tcPr/>
+                </a:tc>
+                <a:tc>
+                  <a:txBody>
+                    <a:bodyPr/>
+                    <a:lstStyle/>
+                    <a:p>
+                      <a:pPr algn="ctr"/>
+                      <a:r>
+                        <a:rPr lang="en-US" dirty="0"/>
+                        <a:t>0.7312</a:t>
+                      </a:r>
+                      <a:endParaRPr lang="vi-VN" dirty="0"/>
+                    </a:p>
+                  </a:txBody>
+                  <a:tcPr/>
+                </a:tc>
+                <a:tc>
+                  <a:txBody>
+                    <a:bodyPr/>
+                    <a:lstStyle/>
+                    <a:p>
+                      <a:pPr algn="ctr"/>
+                      <a:r>
+                        <a:rPr lang="en-US" dirty="0"/>
+                        <a:t>0.6324</a:t>
+                      </a:r>
+                      <a:endParaRPr lang="vi-VN" dirty="0"/>
+                    </a:p>
+                  </a:txBody>
+                  <a:tcPr/>
+                </a:tc>
+                <a:tc>
+                  <a:txBody>
+                    <a:bodyPr/>
+                    <a:lstStyle/>
+                    <a:p>
+                      <a:pPr algn="ctr"/>
+                      <a:r>
+                        <a:rPr lang="en-US" b="1" dirty="0"/>
+                        <a:t>1.0000</a:t>
+                      </a:r>
+                      <a:endParaRPr lang="vi-VN" b="1" dirty="0"/>
+                    </a:p>
+                  </a:txBody>
+                  <a:tcPr/>
+                </a:tc>
+                <a:tc>
+                  <a:txBody>
+                    <a:bodyPr/>
+                    <a:lstStyle/>
+                    <a:p>
+                      <a:pPr algn="ctr"/>
+                      <a:r>
+                        <a:rPr lang="en-US" dirty="0"/>
+                        <a:t>0.7748</a:t>
+                      </a:r>
+                      <a:endParaRPr lang="vi-VN" dirty="0"/>
+                    </a:p>
+                  </a:txBody>
+                  <a:tcPr/>
+                </a:tc>
+                <a:extLst>
+                  <a:ext uri="{0D108BD9-81ED-4DB2-BD59-A6C34878D82A}">
+                    <a16:rowId xmlns:a16="http://schemas.microsoft.com/office/drawing/2014/main" val="2340256846"/>
+                  </a:ext>
+                </a:extLst>
+              </a:tr>
+              <a:tr h="475495">
+                <a:tc>
+                  <a:txBody>
+                    <a:bodyPr/>
+                    <a:lstStyle/>
+                    <a:p>
+                      <a:pPr algn="ctr"/>
+                      <a:r>
+                        <a:rPr lang="en-US" dirty="0" err="1"/>
+                        <a:t>XGBoost</a:t>
+                      </a:r>
+                      <a:endParaRPr lang="en-US" dirty="0"/>
+                    </a:p>
+                  </a:txBody>
+                  <a:tcPr/>
+                </a:tc>
+                <a:tc>
+                  <a:txBody>
+                    <a:bodyPr/>
+                    <a:lstStyle/>
+                    <a:p>
+                      <a:pPr algn="ctr"/>
+                      <a:r>
+                        <a:rPr lang="en-US" dirty="0"/>
+                        <a:t>0.6211</a:t>
+                      </a:r>
+                      <a:endParaRPr lang="vi-VN" dirty="0"/>
+                    </a:p>
+                  </a:txBody>
+                  <a:tcPr/>
+                </a:tc>
+                <a:tc>
+                  <a:txBody>
+                    <a:bodyPr/>
+                    <a:lstStyle/>
+                    <a:p>
+                      <a:pPr algn="ctr"/>
+                      <a:r>
+                        <a:rPr lang="en-US" dirty="0"/>
+                        <a:t>0.5485</a:t>
+                      </a:r>
+                      <a:endParaRPr lang="vi-VN" dirty="0"/>
+                    </a:p>
+                  </a:txBody>
+                  <a:tcPr/>
+                </a:tc>
+                <a:tc>
+                  <a:txBody>
+                    <a:bodyPr/>
+                    <a:lstStyle/>
+                    <a:p>
+                      <a:pPr algn="ctr"/>
+                      <a:r>
+                        <a:rPr lang="en-US" dirty="0"/>
+                        <a:t>0.9924</a:t>
+                      </a:r>
+                      <a:endParaRPr lang="vi-VN" dirty="0"/>
+                    </a:p>
+                  </a:txBody>
+                  <a:tcPr/>
+                </a:tc>
+                <a:tc>
+                  <a:txBody>
+                    <a:bodyPr/>
+                    <a:lstStyle/>
+                    <a:p>
+                      <a:pPr algn="ctr"/>
+                      <a:r>
+                        <a:rPr lang="en-US" dirty="0"/>
+                        <a:t>0.7065</a:t>
+                      </a:r>
+                      <a:endParaRPr lang="vi-VN" dirty="0"/>
+                    </a:p>
+                  </a:txBody>
+                  <a:tcPr/>
+                </a:tc>
+                <a:extLst>
+                  <a:ext uri="{0D108BD9-81ED-4DB2-BD59-A6C34878D82A}">
+                    <a16:rowId xmlns:a16="http://schemas.microsoft.com/office/drawing/2014/main" val="2699896054"/>
+                  </a:ext>
+                </a:extLst>
+              </a:tr>
+              <a:tr h="475495">
+                <a:tc>
+                  <a:txBody>
+                    <a:bodyPr/>
+                    <a:lstStyle/>
+                    <a:p>
+                      <a:pPr algn="ctr"/>
+                      <a:r>
+                        <a:rPr lang="en-US" dirty="0"/>
+                        <a:t>SVM</a:t>
+                      </a:r>
+                      <a:endParaRPr lang="vi-VN" dirty="0"/>
+                    </a:p>
+                  </a:txBody>
+                  <a:tcPr/>
+                </a:tc>
+                <a:tc>
+                  <a:txBody>
+                    <a:bodyPr/>
+                    <a:lstStyle/>
+                    <a:p>
+                      <a:pPr algn="ctr"/>
+                      <a:r>
+                        <a:rPr lang="en-US" dirty="0"/>
+                        <a:t>0.8458</a:t>
+                      </a:r>
+                      <a:endParaRPr lang="vi-VN" dirty="0"/>
+                    </a:p>
+                  </a:txBody>
+                  <a:tcPr/>
+                </a:tc>
+                <a:tc>
+                  <a:txBody>
+                    <a:bodyPr/>
+                    <a:lstStyle/>
+                    <a:p>
+                      <a:pPr algn="ctr"/>
+                      <a:r>
+                        <a:rPr lang="en-US" dirty="0"/>
+                        <a:t>0.7551</a:t>
+                      </a:r>
+                      <a:endParaRPr lang="vi-VN" dirty="0"/>
+                    </a:p>
+                  </a:txBody>
+                  <a:tcPr/>
+                </a:tc>
+                <a:tc>
+                  <a:txBody>
+                    <a:bodyPr/>
+                    <a:lstStyle/>
+                    <a:p>
+                      <a:pPr algn="ctr"/>
+                      <a:r>
+                        <a:rPr lang="en-US" dirty="0"/>
+                        <a:t>0.9911</a:t>
+                      </a:r>
+                      <a:endParaRPr lang="vi-VN" dirty="0"/>
+                    </a:p>
+                  </a:txBody>
+                  <a:tcPr/>
+                </a:tc>
+                <a:tc>
+                  <a:txBody>
+                    <a:bodyPr/>
+                    <a:lstStyle/>
+                    <a:p>
+                      <a:pPr algn="ctr"/>
+                      <a:r>
+                        <a:rPr lang="en-US" dirty="0"/>
+                        <a:t>0.8571</a:t>
+                      </a:r>
+                      <a:endParaRPr lang="vi-VN" dirty="0"/>
+                    </a:p>
+                  </a:txBody>
+                  <a:tcPr/>
+                </a:tc>
+                <a:extLst>
+                  <a:ext uri="{0D108BD9-81ED-4DB2-BD59-A6C34878D82A}">
+                    <a16:rowId xmlns:a16="http://schemas.microsoft.com/office/drawing/2014/main" val="685426911"/>
+                  </a:ext>
+                </a:extLst>
+              </a:tr>
+              <a:tr h="475495">
+                <a:tc>
+                  <a:txBody>
+                    <a:bodyPr/>
+                    <a:lstStyle/>
+                    <a:p>
+                      <a:pPr algn="ctr"/>
+                      <a:r>
+                        <a:rPr lang="en-US" dirty="0"/>
+                        <a:t>Logistic Regression</a:t>
+                      </a:r>
+                      <a:endParaRPr lang="vi-VN" dirty="0"/>
+                    </a:p>
+                  </a:txBody>
+                  <a:tcPr/>
+                </a:tc>
+                <a:tc>
+                  <a:txBody>
+                    <a:bodyPr/>
+                    <a:lstStyle/>
+                    <a:p>
+                      <a:pPr algn="ctr"/>
+                      <a:r>
+                        <a:rPr lang="en-US" dirty="0"/>
+                        <a:t>0.9000</a:t>
+                      </a:r>
+                      <a:endParaRPr lang="vi-VN" dirty="0"/>
+                    </a:p>
+                  </a:txBody>
+                  <a:tcPr/>
+                </a:tc>
+                <a:tc>
+                  <a:txBody>
+                    <a:bodyPr/>
+                    <a:lstStyle/>
+                    <a:p>
+                      <a:pPr algn="ctr"/>
+                      <a:r>
+                        <a:rPr lang="en-US" dirty="0"/>
+                        <a:t>0.9071</a:t>
+                      </a:r>
+                      <a:endParaRPr lang="vi-VN" dirty="0"/>
+                    </a:p>
+                  </a:txBody>
+                  <a:tcPr/>
+                </a:tc>
+                <a:tc>
+                  <a:txBody>
+                    <a:bodyPr/>
+                    <a:lstStyle/>
+                    <a:p>
+                      <a:pPr algn="ctr"/>
+                      <a:r>
+                        <a:rPr lang="en-US" dirty="0"/>
+                        <a:t>0.8864</a:t>
+                      </a:r>
+                      <a:endParaRPr lang="vi-VN" dirty="0"/>
+                    </a:p>
+                  </a:txBody>
+                  <a:tcPr/>
+                </a:tc>
+                <a:tc>
+                  <a:txBody>
+                    <a:bodyPr/>
+                    <a:lstStyle/>
+                    <a:p>
+                      <a:pPr algn="ctr"/>
+                      <a:r>
+                        <a:rPr lang="en-US" dirty="0"/>
+                        <a:t>0.8967</a:t>
+                      </a:r>
+                      <a:endParaRPr lang="vi-VN" dirty="0"/>
+                    </a:p>
+                  </a:txBody>
+                  <a:tcPr/>
+                </a:tc>
+                <a:extLst>
+                  <a:ext uri="{0D108BD9-81ED-4DB2-BD59-A6C34878D82A}">
+                    <a16:rowId xmlns:a16="http://schemas.microsoft.com/office/drawing/2014/main" val="1016587384"/>
+                  </a:ext>
+                </a:extLst>
+              </a:tr>
+              <a:tr h="475495">
+                <a:tc>
+                  <a:txBody>
+                    <a:bodyPr/>
+                    <a:lstStyle/>
+                    <a:p>
+                      <a:pPr algn="ctr"/>
+                      <a:r>
+                        <a:rPr lang="en-US" dirty="0"/>
+                        <a:t>CNN</a:t>
+                      </a:r>
+                      <a:endParaRPr lang="vi-VN" dirty="0"/>
+                    </a:p>
+                  </a:txBody>
+                  <a:tcPr/>
+                </a:tc>
+                <a:tc>
+                  <a:txBody>
+                    <a:bodyPr/>
+                    <a:lstStyle/>
+                    <a:p>
+                      <a:pPr algn="ctr"/>
+                      <a:r>
+                        <a:rPr lang="en-US" dirty="0"/>
+                        <a:t>0.9000</a:t>
+                      </a:r>
+                      <a:endParaRPr lang="vi-VN" dirty="0"/>
+                    </a:p>
+                  </a:txBody>
+                  <a:tcPr/>
+                </a:tc>
+                <a:tc>
+                  <a:txBody>
+                    <a:bodyPr/>
+                    <a:lstStyle/>
+                    <a:p>
+                      <a:pPr algn="ctr"/>
+                      <a:r>
+                        <a:rPr lang="en-US" dirty="0"/>
+                        <a:t>0.8235</a:t>
+                      </a:r>
+                      <a:endParaRPr lang="vi-VN" dirty="0"/>
+                    </a:p>
+                  </a:txBody>
+                  <a:tcPr/>
+                </a:tc>
+                <a:tc>
+                  <a:txBody>
+                    <a:bodyPr/>
+                    <a:lstStyle/>
+                    <a:p>
+                      <a:pPr algn="ctr"/>
+                      <a:r>
+                        <a:rPr lang="en-US" b="1" dirty="0"/>
+                        <a:t>1.0000</a:t>
+                      </a:r>
+                      <a:endParaRPr lang="vi-VN" b="1" dirty="0"/>
+                    </a:p>
+                  </a:txBody>
+                  <a:tcPr/>
+                </a:tc>
+                <a:tc>
+                  <a:txBody>
+                    <a:bodyPr/>
+                    <a:lstStyle/>
+                    <a:p>
+                      <a:pPr algn="ctr"/>
+                      <a:r>
+                        <a:rPr lang="en-US" dirty="0"/>
+                        <a:t>0.9032</a:t>
+                      </a:r>
+                      <a:endParaRPr lang="vi-VN" dirty="0"/>
+                    </a:p>
+                  </a:txBody>
+                  <a:tcPr/>
+                </a:tc>
+                <a:extLst>
+                  <a:ext uri="{0D108BD9-81ED-4DB2-BD59-A6C34878D82A}">
+                    <a16:rowId xmlns:a16="http://schemas.microsoft.com/office/drawing/2014/main" val="3253311579"/>
+                  </a:ext>
+                </a:extLst>
+              </a:tr>
+              <a:tr h="475495">
+                <a:tc>
+                  <a:txBody>
+                    <a:bodyPr/>
+                    <a:lstStyle/>
+                    <a:p>
+                      <a:pPr algn="ctr"/>
+                      <a:r>
+                        <a:rPr lang="en-US" dirty="0"/>
+                        <a:t>LSTM</a:t>
+                      </a:r>
+                      <a:endParaRPr lang="vi-VN" dirty="0"/>
+                    </a:p>
+                  </a:txBody>
+                  <a:tcPr/>
+                </a:tc>
+                <a:tc>
+                  <a:txBody>
+                    <a:bodyPr/>
+                    <a:lstStyle/>
+                    <a:p>
+                      <a:pPr algn="ctr"/>
+                      <a:r>
+                        <a:rPr lang="en-US" dirty="0"/>
+                        <a:t>0.5500</a:t>
+                      </a:r>
+                      <a:endParaRPr lang="vi-VN" dirty="0"/>
+                    </a:p>
+                  </a:txBody>
+                  <a:tcPr/>
+                </a:tc>
+                <a:tc>
+                  <a:txBody>
+                    <a:bodyPr/>
+                    <a:lstStyle/>
+                    <a:p>
+                      <a:pPr algn="ctr"/>
+                      <a:r>
+                        <a:rPr lang="en-US" dirty="0"/>
+                        <a:t>0.5500</a:t>
+                      </a:r>
+                      <a:endParaRPr lang="vi-VN" dirty="0"/>
+                    </a:p>
+                  </a:txBody>
+                  <a:tcPr/>
+                </a:tc>
+                <a:tc>
+                  <a:txBody>
+                    <a:bodyPr/>
+                    <a:lstStyle/>
+                    <a:p>
+                      <a:pPr algn="ctr"/>
+                      <a:r>
+                        <a:rPr lang="en-US" b="1" dirty="0"/>
+                        <a:t>1.0000</a:t>
+                      </a:r>
+                      <a:endParaRPr lang="vi-VN" b="1" dirty="0"/>
+                    </a:p>
+                  </a:txBody>
+                  <a:tcPr/>
+                </a:tc>
+                <a:tc>
+                  <a:txBody>
+                    <a:bodyPr/>
+                    <a:lstStyle/>
+                    <a:p>
+                      <a:pPr algn="ctr"/>
+                      <a:r>
+                        <a:rPr lang="en-US" dirty="0"/>
+                        <a:t>0.7100</a:t>
+                      </a:r>
+                      <a:endParaRPr lang="vi-VN" dirty="0"/>
+                    </a:p>
+                  </a:txBody>
+                  <a:tcPr/>
+                </a:tc>
+                <a:extLst>
+                  <a:ext uri="{0D108BD9-81ED-4DB2-BD59-A6C34878D82A}">
+                    <a16:rowId xmlns:a16="http://schemas.microsoft.com/office/drawing/2014/main" val="2240706391"/>
+                  </a:ext>
+                </a:extLst>
+              </a:tr>
+              <a:tr h="475495">
+                <a:tc>
+                  <a:txBody>
+                    <a:bodyPr/>
+                    <a:lstStyle/>
+                    <a:p>
+                      <a:pPr algn="ctr"/>
+                      <a:r>
+                        <a:rPr lang="en-US" dirty="0"/>
+                        <a:t>FNN</a:t>
+                      </a:r>
+                      <a:endParaRPr lang="vi-VN" dirty="0"/>
+                    </a:p>
+                  </a:txBody>
+                  <a:tcPr/>
+                </a:tc>
+                <a:tc>
+                  <a:txBody>
+                    <a:bodyPr/>
+                    <a:lstStyle/>
+                    <a:p>
+                      <a:pPr algn="ctr"/>
+                      <a:r>
+                        <a:rPr lang="en-US" dirty="0"/>
+                        <a:t>0.8125</a:t>
+                      </a:r>
+                      <a:endParaRPr lang="vi-VN" dirty="0"/>
+                    </a:p>
+                  </a:txBody>
+                  <a:tcPr/>
+                </a:tc>
+                <a:tc>
+                  <a:txBody>
+                    <a:bodyPr/>
+                    <a:lstStyle/>
+                    <a:p>
+                      <a:pPr algn="ctr"/>
+                      <a:r>
+                        <a:rPr lang="en-US" dirty="0"/>
+                        <a:t>0.8636</a:t>
+                      </a:r>
+                      <a:endParaRPr lang="vi-VN" dirty="0"/>
+                    </a:p>
+                  </a:txBody>
+                  <a:tcPr/>
+                </a:tc>
+                <a:tc>
+                  <a:txBody>
+                    <a:bodyPr/>
+                    <a:lstStyle/>
+                    <a:p>
+                      <a:pPr algn="ctr"/>
+                      <a:r>
+                        <a:rPr lang="en-US" dirty="0"/>
+                        <a:t>0.7037</a:t>
+                      </a:r>
+                      <a:endParaRPr lang="vi-VN" dirty="0"/>
+                    </a:p>
+                  </a:txBody>
+                  <a:tcPr/>
+                </a:tc>
+                <a:tc>
+                  <a:txBody>
+                    <a:bodyPr/>
+                    <a:lstStyle/>
+                    <a:p>
+                      <a:pPr algn="ctr"/>
+                      <a:r>
+                        <a:rPr lang="en-US" dirty="0"/>
+                        <a:t>0.7755</a:t>
+                      </a:r>
+                      <a:endParaRPr lang="vi-VN" dirty="0"/>
+                    </a:p>
+                  </a:txBody>
+                  <a:tcPr/>
+                </a:tc>
+                <a:extLst>
+                  <a:ext uri="{0D108BD9-81ED-4DB2-BD59-A6C34878D82A}">
+                    <a16:rowId xmlns:a16="http://schemas.microsoft.com/office/drawing/2014/main" val="4211944611"/>
+                  </a:ext>
+                </a:extLst>
+              </a:tr>
+              <a:tr h="475495">
+                <a:tc>
+                  <a:txBody>
+                    <a:bodyPr/>
+                    <a:lstStyle/>
+                    <a:p>
+                      <a:pPr algn="ctr"/>
+                      <a:r>
+                        <a:rPr lang="en-US" b="1" dirty="0" err="1">
+                          <a:solidFill>
+                            <a:srgbClr val="FF0000"/>
+                          </a:solidFill>
+                        </a:rPr>
+                        <a:t>RoBERTa</a:t>
+                      </a:r>
+                      <a:endParaRPr lang="vi-VN" b="1" dirty="0">
+                        <a:solidFill>
+                          <a:srgbClr val="FF0000"/>
+                        </a:solidFill>
+                      </a:endParaRPr>
+                    </a:p>
+                  </a:txBody>
+                  <a:tcPr/>
+                </a:tc>
+                <a:tc>
+                  <a:txBody>
+                    <a:bodyPr/>
+                    <a:lstStyle/>
+                    <a:p>
+                      <a:pPr algn="ctr"/>
+                      <a:r>
+                        <a:rPr lang="en-US" b="1" dirty="0">
+                          <a:solidFill>
+                            <a:srgbClr val="FF0000"/>
+                          </a:solidFill>
+                        </a:rPr>
+                        <a:t>0.9667</a:t>
+                      </a:r>
+                      <a:endParaRPr lang="vi-VN" b="1" dirty="0">
+                        <a:solidFill>
+                          <a:srgbClr val="FF0000"/>
+                        </a:solidFill>
+                      </a:endParaRPr>
+                    </a:p>
+                  </a:txBody>
+                  <a:tcPr/>
+                </a:tc>
+                <a:tc>
+                  <a:txBody>
+                    <a:bodyPr/>
+                    <a:lstStyle/>
+                    <a:p>
+                      <a:pPr algn="ctr"/>
+                      <a:r>
+                        <a:rPr lang="en-US" b="1" dirty="0">
+                          <a:solidFill>
+                            <a:srgbClr val="FF0000"/>
+                          </a:solidFill>
+                        </a:rPr>
+                        <a:t>1.0000</a:t>
+                      </a:r>
+                      <a:endParaRPr lang="vi-VN" b="1" dirty="0">
+                        <a:solidFill>
+                          <a:srgbClr val="FF0000"/>
+                        </a:solidFill>
+                      </a:endParaRPr>
+                    </a:p>
+                  </a:txBody>
+                  <a:tcPr/>
+                </a:tc>
+                <a:tc>
+                  <a:txBody>
+                    <a:bodyPr/>
+                    <a:lstStyle/>
+                    <a:p>
+                      <a:pPr algn="ctr"/>
+                      <a:r>
+                        <a:rPr lang="en-US" b="1" dirty="0">
+                          <a:solidFill>
+                            <a:srgbClr val="FF0000"/>
+                          </a:solidFill>
+                        </a:rPr>
+                        <a:t>0.8750</a:t>
+                      </a:r>
+                      <a:endParaRPr lang="vi-VN" b="1" dirty="0">
+                        <a:solidFill>
+                          <a:srgbClr val="FF0000"/>
+                        </a:solidFill>
+                      </a:endParaRPr>
+                    </a:p>
+                  </a:txBody>
+                  <a:tcPr/>
+                </a:tc>
+                <a:tc>
+                  <a:txBody>
+                    <a:bodyPr/>
+                    <a:lstStyle/>
+                    <a:p>
+                      <a:pPr algn="ctr"/>
+                      <a:r>
+                        <a:rPr lang="en-US" b="1" dirty="0">
+                          <a:solidFill>
+                            <a:srgbClr val="FF0000"/>
+                          </a:solidFill>
+                        </a:rPr>
+                        <a:t>0.9333</a:t>
+                      </a:r>
+                      <a:endParaRPr lang="vi-VN" b="1" dirty="0">
+                        <a:solidFill>
+                          <a:srgbClr val="FF0000"/>
+                        </a:solidFill>
+                      </a:endParaRPr>
+                    </a:p>
+                  </a:txBody>
+                  <a:tcPr/>
+                </a:tc>
+                <a:extLst>
+                  <a:ext uri="{0D108BD9-81ED-4DB2-BD59-A6C34878D82A}">
+                    <a16:rowId xmlns:a16="http://schemas.microsoft.com/office/drawing/2014/main" val="1625448359"/>
+                  </a:ext>
+                </a:extLst>
+              </a:tr>
+            </a:tbl>
+          </a:graphicData>
+        </a:graphic>
+      </p:graphicFrame>
     </p:spTree>
     <p:extLst>
       <p:ext uri="{BB962C8B-B14F-4D97-AF65-F5344CB8AC3E}">
-        <p14:creationId xmlns:p14="http://schemas.microsoft.com/office/powerpoint/2010/main" val="3352479870"/>
+        <p14:creationId xmlns:p14="http://schemas.microsoft.com/office/powerpoint/2010/main" val="70703869"/>
       </p:ext>
     </p:extLst>
   </p:cSld>
@@ -14427,7 +15159,7 @@
           <p:cNvPr id="2" name="Title 1">
             <a:extLst>
               <a:ext uri="{FF2B5EF4-FFF2-40B4-BE49-F238E27FC236}">
-                <a16:creationId xmlns:a16="http://schemas.microsoft.com/office/drawing/2014/main" id="{8702FCD4-3209-E8AE-E1E9-E312424B65F3}"/>
+                <a16:creationId xmlns:a16="http://schemas.microsoft.com/office/drawing/2014/main" id="{B1A3F0E4-A39E-4FBD-A3DB-A06BECA6D659}"/>
               </a:ext>
             </a:extLst>
           </p:cNvPr>
@@ -14447,58 +15179,8 @@
           <a:p>
             <a:r>
               <a:rPr lang="vi-VN"/>
-              <a:t>Phần IV: Kết luận và hướng phát triển</a:t>
-            </a:r>
-            <a:endParaRPr lang="en-US"/>
-          </a:p>
-        </p:txBody>
-      </p:sp>
-      <p:sp>
-        <p:nvSpPr>
-          <p:cNvPr id="3" name="Content Placeholder 2">
-            <a:extLst>
-              <a:ext uri="{FF2B5EF4-FFF2-40B4-BE49-F238E27FC236}">
-                <a16:creationId xmlns:a16="http://schemas.microsoft.com/office/drawing/2014/main" id="{F13E7D59-4069-CF18-72D7-100149EA374D}"/>
-              </a:ext>
-            </a:extLst>
-          </p:cNvPr>
-          <p:cNvSpPr>
-            <a:spLocks noGrp="1"/>
-          </p:cNvSpPr>
-          <p:nvPr>
-            <p:ph idx="1"/>
-          </p:nvPr>
-        </p:nvSpPr>
-        <p:spPr/>
-        <p:txBody>
-          <a:bodyPr/>
-          <a:lstStyle/>
-          <a:p>
-            <a:pPr marL="0" indent="0">
-              <a:buNone/>
-            </a:pPr>
-            <a:r>
-              <a:rPr lang="en-US" b="1" dirty="0" err="1"/>
-              <a:t>Kết</a:t>
-            </a:r>
-            <a:r>
-              <a:rPr lang="en-US" b="1" dirty="0"/>
-              <a:t> </a:t>
-            </a:r>
-            <a:r>
-              <a:rPr lang="en-US" b="1" dirty="0" err="1"/>
-              <a:t>luận</a:t>
-            </a:r>
-            <a:r>
-              <a:rPr lang="en-US" b="1" dirty="0"/>
-              <a:t>:</a:t>
-            </a:r>
-          </a:p>
-          <a:p>
-            <a:pPr marL="0" indent="0">
-              <a:buNone/>
-            </a:pPr>
-            <a:endParaRPr lang="en-US" dirty="0"/>
+              <a:t>Phần III: Thực nghiệm và Đánh giá</a:t>
+            </a:r>
           </a:p>
         </p:txBody>
       </p:sp>
@@ -14507,7 +15189,7 @@
           <p:cNvPr id="4" name="Slide Number Placeholder 3">
             <a:extLst>
               <a:ext uri="{FF2B5EF4-FFF2-40B4-BE49-F238E27FC236}">
-                <a16:creationId xmlns:a16="http://schemas.microsoft.com/office/drawing/2014/main" id="{4EAA5658-CA57-8D22-AD11-C48B20FCB3E7}"/>
+                <a16:creationId xmlns:a16="http://schemas.microsoft.com/office/drawing/2014/main" id="{2CDAC51C-DEF1-4458-89B9-2A4E445D7380}"/>
               </a:ext>
             </a:extLst>
           </p:cNvPr>
@@ -14532,10 +15214,805 @@
           </a:p>
         </p:txBody>
       </p:sp>
+      <p:sp>
+        <p:nvSpPr>
+          <p:cNvPr id="7" name="Rectangle 1">
+            <a:extLst>
+              <a:ext uri="{FF2B5EF4-FFF2-40B4-BE49-F238E27FC236}">
+                <a16:creationId xmlns:a16="http://schemas.microsoft.com/office/drawing/2014/main" id="{FFAFFBD8-4EB0-D312-F038-941C1DF048C9}"/>
+              </a:ext>
+            </a:extLst>
+          </p:cNvPr>
+          <p:cNvSpPr>
+            <a:spLocks noChangeArrowheads="1"/>
+          </p:cNvSpPr>
+          <p:nvPr/>
+        </p:nvSpPr>
+        <p:spPr bwMode="auto">
+          <a:xfrm>
+            <a:off x="1717675" y="2401888"/>
+            <a:ext cx="9144000" cy="0"/>
+          </a:xfrm>
+          <a:prstGeom prst="rect">
+            <a:avLst/>
+          </a:prstGeom>
+          <a:noFill/>
+          <a:ln>
+            <a:noFill/>
+          </a:ln>
+          <a:effectLst/>
+          <a:extLst>
+            <a:ext uri="{909E8E84-426E-40DD-AFC4-6F175D3DCCD1}">
+              <a14:hiddenFill xmlns:a14="http://schemas.microsoft.com/office/drawing/2010/main">
+                <a:solidFill>
+                  <a:schemeClr val="accent1"/>
+                </a:solidFill>
+              </a14:hiddenFill>
+            </a:ext>
+            <a:ext uri="{91240B29-F687-4F45-9708-019B960494DF}">
+              <a14:hiddenLine xmlns:a14="http://schemas.microsoft.com/office/drawing/2010/main" w="9525">
+                <a:solidFill>
+                  <a:schemeClr val="tx1"/>
+                </a:solidFill>
+                <a:miter lim="800000"/>
+                <a:headEnd/>
+                <a:tailEnd/>
+              </a14:hiddenLine>
+            </a:ext>
+            <a:ext uri="{AF507438-7753-43E0-B8FC-AC1667EBCBE1}">
+              <a14:hiddenEffects xmlns:a14="http://schemas.microsoft.com/office/drawing/2010/main">
+                <a:effectLst>
+                  <a:outerShdw dist="35921" dir="2700000" algn="ctr" rotWithShape="0">
+                    <a:schemeClr val="bg2"/>
+                  </a:outerShdw>
+                </a:effectLst>
+              </a14:hiddenEffects>
+            </a:ext>
+          </a:extLst>
+        </p:spPr>
+        <p:txBody>
+          <a:bodyPr vert="horz" wrap="square" lIns="91440" tIns="45720" rIns="91440" bIns="45720" numCol="1" anchor="ctr" anchorCtr="0" compatLnSpc="1">
+            <a:prstTxWarp prst="textNoShape">
+              <a:avLst/>
+            </a:prstTxWarp>
+            <a:spAutoFit/>
+          </a:bodyPr>
+          <a:lstStyle>
+            <a:lvl1pPr eaLnBrk="0" fontAlgn="base" hangingPunct="0">
+              <a:spcBef>
+                <a:spcPct val="0"/>
+              </a:spcBef>
+              <a:spcAft>
+                <a:spcPct val="0"/>
+              </a:spcAft>
+              <a:defRPr>
+                <a:solidFill>
+                  <a:schemeClr val="tx1"/>
+                </a:solidFill>
+                <a:latin typeface="Arial" panose="020B0604020202020204" pitchFamily="34" charset="0"/>
+              </a:defRPr>
+            </a:lvl1pPr>
+            <a:lvl2pPr eaLnBrk="0" fontAlgn="base" hangingPunct="0">
+              <a:spcBef>
+                <a:spcPct val="0"/>
+              </a:spcBef>
+              <a:spcAft>
+                <a:spcPct val="0"/>
+              </a:spcAft>
+              <a:defRPr>
+                <a:solidFill>
+                  <a:schemeClr val="tx1"/>
+                </a:solidFill>
+                <a:latin typeface="Arial" panose="020B0604020202020204" pitchFamily="34" charset="0"/>
+              </a:defRPr>
+            </a:lvl2pPr>
+            <a:lvl3pPr eaLnBrk="0" fontAlgn="base" hangingPunct="0">
+              <a:spcBef>
+                <a:spcPct val="0"/>
+              </a:spcBef>
+              <a:spcAft>
+                <a:spcPct val="0"/>
+              </a:spcAft>
+              <a:defRPr>
+                <a:solidFill>
+                  <a:schemeClr val="tx1"/>
+                </a:solidFill>
+                <a:latin typeface="Arial" panose="020B0604020202020204" pitchFamily="34" charset="0"/>
+              </a:defRPr>
+            </a:lvl3pPr>
+            <a:lvl4pPr eaLnBrk="0" fontAlgn="base" hangingPunct="0">
+              <a:spcBef>
+                <a:spcPct val="0"/>
+              </a:spcBef>
+              <a:spcAft>
+                <a:spcPct val="0"/>
+              </a:spcAft>
+              <a:defRPr>
+                <a:solidFill>
+                  <a:schemeClr val="tx1"/>
+                </a:solidFill>
+                <a:latin typeface="Arial" panose="020B0604020202020204" pitchFamily="34" charset="0"/>
+              </a:defRPr>
+            </a:lvl4pPr>
+            <a:lvl5pPr eaLnBrk="0" fontAlgn="base" hangingPunct="0">
+              <a:spcBef>
+                <a:spcPct val="0"/>
+              </a:spcBef>
+              <a:spcAft>
+                <a:spcPct val="0"/>
+              </a:spcAft>
+              <a:defRPr>
+                <a:solidFill>
+                  <a:schemeClr val="tx1"/>
+                </a:solidFill>
+                <a:latin typeface="Arial" panose="020B0604020202020204" pitchFamily="34" charset="0"/>
+              </a:defRPr>
+            </a:lvl5pPr>
+            <a:lvl6pPr eaLnBrk="0" fontAlgn="base" hangingPunct="0">
+              <a:spcBef>
+                <a:spcPct val="0"/>
+              </a:spcBef>
+              <a:spcAft>
+                <a:spcPct val="0"/>
+              </a:spcAft>
+              <a:defRPr>
+                <a:solidFill>
+                  <a:schemeClr val="tx1"/>
+                </a:solidFill>
+                <a:latin typeface="Arial" panose="020B0604020202020204" pitchFamily="34" charset="0"/>
+              </a:defRPr>
+            </a:lvl6pPr>
+            <a:lvl7pPr eaLnBrk="0" fontAlgn="base" hangingPunct="0">
+              <a:spcBef>
+                <a:spcPct val="0"/>
+              </a:spcBef>
+              <a:spcAft>
+                <a:spcPct val="0"/>
+              </a:spcAft>
+              <a:defRPr>
+                <a:solidFill>
+                  <a:schemeClr val="tx1"/>
+                </a:solidFill>
+                <a:latin typeface="Arial" panose="020B0604020202020204" pitchFamily="34" charset="0"/>
+              </a:defRPr>
+            </a:lvl7pPr>
+            <a:lvl8pPr eaLnBrk="0" fontAlgn="base" hangingPunct="0">
+              <a:spcBef>
+                <a:spcPct val="0"/>
+              </a:spcBef>
+              <a:spcAft>
+                <a:spcPct val="0"/>
+              </a:spcAft>
+              <a:defRPr>
+                <a:solidFill>
+                  <a:schemeClr val="tx1"/>
+                </a:solidFill>
+                <a:latin typeface="Arial" panose="020B0604020202020204" pitchFamily="34" charset="0"/>
+              </a:defRPr>
+            </a:lvl8pPr>
+            <a:lvl9pPr eaLnBrk="0" fontAlgn="base" hangingPunct="0">
+              <a:spcBef>
+                <a:spcPct val="0"/>
+              </a:spcBef>
+              <a:spcAft>
+                <a:spcPct val="0"/>
+              </a:spcAft>
+              <a:defRPr>
+                <a:solidFill>
+                  <a:schemeClr val="tx1"/>
+                </a:solidFill>
+                <a:latin typeface="Arial" panose="020B0604020202020204" pitchFamily="34" charset="0"/>
+              </a:defRPr>
+            </a:lvl9pPr>
+          </a:lstStyle>
+          <a:p>
+            <a:pPr marL="0" marR="0" lvl="0" indent="0" algn="l" defTabSz="914400" rtl="0" eaLnBrk="0" fontAlgn="base" latinLnBrk="0" hangingPunct="0">
+              <a:lnSpc>
+                <a:spcPct val="100000"/>
+              </a:lnSpc>
+              <a:spcBef>
+                <a:spcPct val="0"/>
+              </a:spcBef>
+              <a:spcAft>
+                <a:spcPct val="0"/>
+              </a:spcAft>
+              <a:buClrTx/>
+              <a:buSzTx/>
+              <a:buFontTx/>
+              <a:buNone/>
+              <a:tabLst/>
+            </a:pPr>
+            <a:r>
+              <a:rPr kumimoji="0" lang="en-US" altLang="en-US" sz="1800" b="0" i="0" u="none" strike="noStrike" cap="none" normalizeH="0" baseline="0">
+                <a:ln>
+                  <a:noFill/>
+                </a:ln>
+                <a:solidFill>
+                  <a:srgbClr val="000000"/>
+                </a:solidFill>
+                <a:effectLst/>
+                <a:latin typeface="Times New Roman" panose="02020603050405020304" pitchFamily="18" charset="0"/>
+                <a:cs typeface="Times New Roman" panose="02020603050405020304" pitchFamily="18" charset="0"/>
+              </a:rPr>
+              <a:t> </a:t>
+            </a:r>
+            <a:endParaRPr kumimoji="0" lang="en-US" altLang="en-US" sz="1800" b="0" i="0" u="none" strike="noStrike" cap="none" normalizeH="0" baseline="0">
+              <a:ln>
+                <a:noFill/>
+              </a:ln>
+              <a:solidFill>
+                <a:schemeClr val="tx1"/>
+              </a:solidFill>
+              <a:effectLst/>
+            </a:endParaRPr>
+          </a:p>
+          <a:p>
+            <a:pPr marL="0" marR="0" lvl="0" indent="0" algn="l" defTabSz="914400" rtl="0" eaLnBrk="0" fontAlgn="base" latinLnBrk="0" hangingPunct="0">
+              <a:lnSpc>
+                <a:spcPct val="100000"/>
+              </a:lnSpc>
+              <a:spcBef>
+                <a:spcPct val="0"/>
+              </a:spcBef>
+              <a:spcAft>
+                <a:spcPct val="0"/>
+              </a:spcAft>
+              <a:buClrTx/>
+              <a:buSzTx/>
+              <a:buFontTx/>
+              <a:buNone/>
+              <a:tabLst/>
+            </a:pPr>
+            <a:endParaRPr kumimoji="0" lang="en-US" altLang="en-US" sz="1800" b="0" i="0" u="none" strike="noStrike" cap="none" normalizeH="0" baseline="0">
+              <a:ln>
+                <a:noFill/>
+              </a:ln>
+              <a:solidFill>
+                <a:schemeClr val="tx1"/>
+              </a:solidFill>
+              <a:effectLst/>
+              <a:latin typeface="Arial" panose="020B0604020202020204" pitchFamily="34" charset="0"/>
+            </a:endParaRPr>
+          </a:p>
+        </p:txBody>
+      </p:sp>
+      <p:sp>
+        <p:nvSpPr>
+          <p:cNvPr id="8" name="Rectangle 1">
+            <a:extLst>
+              <a:ext uri="{FF2B5EF4-FFF2-40B4-BE49-F238E27FC236}">
+                <a16:creationId xmlns:a16="http://schemas.microsoft.com/office/drawing/2014/main" id="{9BE9374B-BCF5-9046-707A-F3202BF0C93A}"/>
+              </a:ext>
+            </a:extLst>
+          </p:cNvPr>
+          <p:cNvSpPr>
+            <a:spLocks noChangeArrowheads="1"/>
+          </p:cNvSpPr>
+          <p:nvPr/>
+        </p:nvSpPr>
+        <p:spPr bwMode="auto">
+          <a:xfrm>
+            <a:off x="1635125" y="3360738"/>
+            <a:ext cx="9144000" cy="0"/>
+          </a:xfrm>
+          <a:prstGeom prst="rect">
+            <a:avLst/>
+          </a:prstGeom>
+          <a:noFill/>
+          <a:ln>
+            <a:noFill/>
+          </a:ln>
+          <a:effectLst/>
+          <a:extLst>
+            <a:ext uri="{909E8E84-426E-40DD-AFC4-6F175D3DCCD1}">
+              <a14:hiddenFill xmlns:a14="http://schemas.microsoft.com/office/drawing/2010/main">
+                <a:solidFill>
+                  <a:schemeClr val="accent1"/>
+                </a:solidFill>
+              </a14:hiddenFill>
+            </a:ext>
+            <a:ext uri="{91240B29-F687-4F45-9708-019B960494DF}">
+              <a14:hiddenLine xmlns:a14="http://schemas.microsoft.com/office/drawing/2010/main" w="9525">
+                <a:solidFill>
+                  <a:schemeClr val="tx1"/>
+                </a:solidFill>
+                <a:miter lim="800000"/>
+                <a:headEnd/>
+                <a:tailEnd/>
+              </a14:hiddenLine>
+            </a:ext>
+            <a:ext uri="{AF507438-7753-43E0-B8FC-AC1667EBCBE1}">
+              <a14:hiddenEffects xmlns:a14="http://schemas.microsoft.com/office/drawing/2010/main">
+                <a:effectLst>
+                  <a:outerShdw dist="35921" dir="2700000" algn="ctr" rotWithShape="0">
+                    <a:schemeClr val="bg2"/>
+                  </a:outerShdw>
+                </a:effectLst>
+              </a14:hiddenEffects>
+            </a:ext>
+          </a:extLst>
+        </p:spPr>
+        <p:txBody>
+          <a:bodyPr vert="horz" wrap="square" lIns="91440" tIns="45720" rIns="91440" bIns="45720" numCol="1" anchor="ctr" anchorCtr="0" compatLnSpc="1">
+            <a:prstTxWarp prst="textNoShape">
+              <a:avLst/>
+            </a:prstTxWarp>
+            <a:spAutoFit/>
+          </a:bodyPr>
+          <a:lstStyle>
+            <a:lvl1pPr eaLnBrk="0" fontAlgn="base" hangingPunct="0">
+              <a:spcBef>
+                <a:spcPct val="0"/>
+              </a:spcBef>
+              <a:spcAft>
+                <a:spcPct val="0"/>
+              </a:spcAft>
+              <a:defRPr>
+                <a:solidFill>
+                  <a:schemeClr val="tx1"/>
+                </a:solidFill>
+                <a:latin typeface="Arial" panose="020B0604020202020204" pitchFamily="34" charset="0"/>
+              </a:defRPr>
+            </a:lvl1pPr>
+            <a:lvl2pPr eaLnBrk="0" fontAlgn="base" hangingPunct="0">
+              <a:spcBef>
+                <a:spcPct val="0"/>
+              </a:spcBef>
+              <a:spcAft>
+                <a:spcPct val="0"/>
+              </a:spcAft>
+              <a:defRPr>
+                <a:solidFill>
+                  <a:schemeClr val="tx1"/>
+                </a:solidFill>
+                <a:latin typeface="Arial" panose="020B0604020202020204" pitchFamily="34" charset="0"/>
+              </a:defRPr>
+            </a:lvl2pPr>
+            <a:lvl3pPr eaLnBrk="0" fontAlgn="base" hangingPunct="0">
+              <a:spcBef>
+                <a:spcPct val="0"/>
+              </a:spcBef>
+              <a:spcAft>
+                <a:spcPct val="0"/>
+              </a:spcAft>
+              <a:defRPr>
+                <a:solidFill>
+                  <a:schemeClr val="tx1"/>
+                </a:solidFill>
+                <a:latin typeface="Arial" panose="020B0604020202020204" pitchFamily="34" charset="0"/>
+              </a:defRPr>
+            </a:lvl3pPr>
+            <a:lvl4pPr eaLnBrk="0" fontAlgn="base" hangingPunct="0">
+              <a:spcBef>
+                <a:spcPct val="0"/>
+              </a:spcBef>
+              <a:spcAft>
+                <a:spcPct val="0"/>
+              </a:spcAft>
+              <a:defRPr>
+                <a:solidFill>
+                  <a:schemeClr val="tx1"/>
+                </a:solidFill>
+                <a:latin typeface="Arial" panose="020B0604020202020204" pitchFamily="34" charset="0"/>
+              </a:defRPr>
+            </a:lvl4pPr>
+            <a:lvl5pPr eaLnBrk="0" fontAlgn="base" hangingPunct="0">
+              <a:spcBef>
+                <a:spcPct val="0"/>
+              </a:spcBef>
+              <a:spcAft>
+                <a:spcPct val="0"/>
+              </a:spcAft>
+              <a:defRPr>
+                <a:solidFill>
+                  <a:schemeClr val="tx1"/>
+                </a:solidFill>
+                <a:latin typeface="Arial" panose="020B0604020202020204" pitchFamily="34" charset="0"/>
+              </a:defRPr>
+            </a:lvl5pPr>
+            <a:lvl6pPr eaLnBrk="0" fontAlgn="base" hangingPunct="0">
+              <a:spcBef>
+                <a:spcPct val="0"/>
+              </a:spcBef>
+              <a:spcAft>
+                <a:spcPct val="0"/>
+              </a:spcAft>
+              <a:defRPr>
+                <a:solidFill>
+                  <a:schemeClr val="tx1"/>
+                </a:solidFill>
+                <a:latin typeface="Arial" panose="020B0604020202020204" pitchFamily="34" charset="0"/>
+              </a:defRPr>
+            </a:lvl6pPr>
+            <a:lvl7pPr eaLnBrk="0" fontAlgn="base" hangingPunct="0">
+              <a:spcBef>
+                <a:spcPct val="0"/>
+              </a:spcBef>
+              <a:spcAft>
+                <a:spcPct val="0"/>
+              </a:spcAft>
+              <a:defRPr>
+                <a:solidFill>
+                  <a:schemeClr val="tx1"/>
+                </a:solidFill>
+                <a:latin typeface="Arial" panose="020B0604020202020204" pitchFamily="34" charset="0"/>
+              </a:defRPr>
+            </a:lvl7pPr>
+            <a:lvl8pPr eaLnBrk="0" fontAlgn="base" hangingPunct="0">
+              <a:spcBef>
+                <a:spcPct val="0"/>
+              </a:spcBef>
+              <a:spcAft>
+                <a:spcPct val="0"/>
+              </a:spcAft>
+              <a:defRPr>
+                <a:solidFill>
+                  <a:schemeClr val="tx1"/>
+                </a:solidFill>
+                <a:latin typeface="Arial" panose="020B0604020202020204" pitchFamily="34" charset="0"/>
+              </a:defRPr>
+            </a:lvl8pPr>
+            <a:lvl9pPr eaLnBrk="0" fontAlgn="base" hangingPunct="0">
+              <a:spcBef>
+                <a:spcPct val="0"/>
+              </a:spcBef>
+              <a:spcAft>
+                <a:spcPct val="0"/>
+              </a:spcAft>
+              <a:defRPr>
+                <a:solidFill>
+                  <a:schemeClr val="tx1"/>
+                </a:solidFill>
+                <a:latin typeface="Arial" panose="020B0604020202020204" pitchFamily="34" charset="0"/>
+              </a:defRPr>
+            </a:lvl9pPr>
+          </a:lstStyle>
+          <a:p>
+            <a:pPr marL="0" marR="0" lvl="0" indent="0" algn="l" defTabSz="914400" rtl="0" eaLnBrk="0" fontAlgn="base" latinLnBrk="0" hangingPunct="0">
+              <a:lnSpc>
+                <a:spcPct val="100000"/>
+              </a:lnSpc>
+              <a:spcBef>
+                <a:spcPct val="0"/>
+              </a:spcBef>
+              <a:spcAft>
+                <a:spcPct val="0"/>
+              </a:spcAft>
+              <a:buClrTx/>
+              <a:buSzTx/>
+              <a:buFontTx/>
+              <a:buNone/>
+              <a:tabLst/>
+            </a:pPr>
+            <a:r>
+              <a:rPr kumimoji="0" lang="vi-VN" altLang="vi-VN" sz="1800" b="0" i="0" u="none" strike="noStrike" cap="none" normalizeH="0" baseline="0">
+                <a:ln>
+                  <a:noFill/>
+                </a:ln>
+                <a:solidFill>
+                  <a:srgbClr val="000000"/>
+                </a:solidFill>
+                <a:effectLst/>
+                <a:latin typeface="Times New Roman" panose="02020603050405020304" pitchFamily="18" charset="0"/>
+                <a:cs typeface="Times New Roman" panose="02020603050405020304" pitchFamily="18" charset="0"/>
+              </a:rPr>
+              <a:t> </a:t>
+            </a:r>
+            <a:endParaRPr kumimoji="0" lang="vi-VN" altLang="vi-VN" sz="1800" b="0" i="0" u="none" strike="noStrike" cap="none" normalizeH="0" baseline="0">
+              <a:ln>
+                <a:noFill/>
+              </a:ln>
+              <a:solidFill>
+                <a:schemeClr val="tx1"/>
+              </a:solidFill>
+              <a:effectLst/>
+            </a:endParaRPr>
+          </a:p>
+          <a:p>
+            <a:pPr marL="0" marR="0" lvl="0" indent="0" algn="l" defTabSz="914400" rtl="0" eaLnBrk="0" fontAlgn="base" latinLnBrk="0" hangingPunct="0">
+              <a:lnSpc>
+                <a:spcPct val="100000"/>
+              </a:lnSpc>
+              <a:spcBef>
+                <a:spcPct val="0"/>
+              </a:spcBef>
+              <a:spcAft>
+                <a:spcPct val="0"/>
+              </a:spcAft>
+              <a:buClrTx/>
+              <a:buSzTx/>
+              <a:buFontTx/>
+              <a:buNone/>
+              <a:tabLst/>
+            </a:pPr>
+            <a:endParaRPr kumimoji="0" lang="vi-VN" altLang="vi-VN" sz="1800" b="0" i="0" u="none" strike="noStrike" cap="none" normalizeH="0" baseline="0">
+              <a:ln>
+                <a:noFill/>
+              </a:ln>
+              <a:solidFill>
+                <a:schemeClr val="tx1"/>
+              </a:solidFill>
+              <a:effectLst/>
+              <a:latin typeface="Arial" panose="020B0604020202020204" pitchFamily="34" charset="0"/>
+            </a:endParaRPr>
+          </a:p>
+        </p:txBody>
+      </p:sp>
+      <p:sp>
+        <p:nvSpPr>
+          <p:cNvPr id="12" name="Chỗ dành sẵn cho Nội dung 2">
+            <a:extLst>
+              <a:ext uri="{FF2B5EF4-FFF2-40B4-BE49-F238E27FC236}">
+                <a16:creationId xmlns:a16="http://schemas.microsoft.com/office/drawing/2014/main" id="{957DF237-A22F-0192-DCC5-568E6C23ABC4}"/>
+              </a:ext>
+            </a:extLst>
+          </p:cNvPr>
+          <p:cNvSpPr txBox="1">
+            <a:spLocks/>
+          </p:cNvSpPr>
+          <p:nvPr/>
+        </p:nvSpPr>
+        <p:spPr>
+          <a:xfrm>
+            <a:off x="169947" y="924154"/>
+            <a:ext cx="4185238" cy="510112"/>
+          </a:xfrm>
+          <a:prstGeom prst="rect">
+            <a:avLst/>
+          </a:prstGeom>
+        </p:spPr>
+        <p:txBody>
+          <a:bodyPr vert="horz" lIns="91440" tIns="45720" rIns="91440" bIns="45720" rtlCol="0">
+            <a:normAutofit/>
+          </a:bodyPr>
+          <a:lstStyle>
+            <a:lvl1pPr marL="228600" indent="-228600" algn="l" defTabSz="914400" rtl="0" eaLnBrk="1" latinLnBrk="0" hangingPunct="1">
+              <a:lnSpc>
+                <a:spcPct val="90000"/>
+              </a:lnSpc>
+              <a:spcBef>
+                <a:spcPts val="1000"/>
+              </a:spcBef>
+              <a:buFont typeface="Arial" panose="020B0604020202020204" pitchFamily="34" charset="0"/>
+              <a:buChar char="•"/>
+              <a:defRPr sz="2800" kern="1200">
+                <a:solidFill>
+                  <a:schemeClr val="tx1"/>
+                </a:solidFill>
+                <a:latin typeface="Arial" panose="020B0604020202020204" pitchFamily="34" charset="0"/>
+                <a:ea typeface="+mn-ea"/>
+                <a:cs typeface="Arial" panose="020B0604020202020204" pitchFamily="34" charset="0"/>
+              </a:defRPr>
+            </a:lvl1pPr>
+            <a:lvl2pPr marL="685800" indent="-228600" algn="l" defTabSz="914400" rtl="0" eaLnBrk="1" latinLnBrk="0" hangingPunct="1">
+              <a:lnSpc>
+                <a:spcPct val="90000"/>
+              </a:lnSpc>
+              <a:spcBef>
+                <a:spcPts val="500"/>
+              </a:spcBef>
+              <a:buFont typeface="Arial" panose="020B0604020202020204" pitchFamily="34" charset="0"/>
+              <a:buChar char="•"/>
+              <a:defRPr sz="2400" kern="1200">
+                <a:solidFill>
+                  <a:schemeClr val="tx1"/>
+                </a:solidFill>
+                <a:latin typeface="Arial" panose="020B0604020202020204" pitchFamily="34" charset="0"/>
+                <a:ea typeface="+mn-ea"/>
+                <a:cs typeface="Arial" panose="020B0604020202020204" pitchFamily="34" charset="0"/>
+              </a:defRPr>
+            </a:lvl2pPr>
+            <a:lvl3pPr marL="1143000" indent="-228600" algn="l" defTabSz="914400" rtl="0" eaLnBrk="1" latinLnBrk="0" hangingPunct="1">
+              <a:lnSpc>
+                <a:spcPct val="90000"/>
+              </a:lnSpc>
+              <a:spcBef>
+                <a:spcPts val="500"/>
+              </a:spcBef>
+              <a:buFont typeface="Arial" panose="020B0604020202020204" pitchFamily="34" charset="0"/>
+              <a:buChar char="•"/>
+              <a:defRPr sz="2000" kern="1200">
+                <a:solidFill>
+                  <a:schemeClr val="tx1"/>
+                </a:solidFill>
+                <a:latin typeface="Arial" panose="020B0604020202020204" pitchFamily="34" charset="0"/>
+                <a:ea typeface="+mn-ea"/>
+                <a:cs typeface="Arial" panose="020B0604020202020204" pitchFamily="34" charset="0"/>
+              </a:defRPr>
+            </a:lvl3pPr>
+            <a:lvl4pPr marL="1600200" indent="-228600" algn="l" defTabSz="914400" rtl="0" eaLnBrk="1" latinLnBrk="0" hangingPunct="1">
+              <a:lnSpc>
+                <a:spcPct val="90000"/>
+              </a:lnSpc>
+              <a:spcBef>
+                <a:spcPts val="500"/>
+              </a:spcBef>
+              <a:buFont typeface="Arial" panose="020B0604020202020204" pitchFamily="34" charset="0"/>
+              <a:buChar char="•"/>
+              <a:defRPr sz="1800" kern="1200">
+                <a:solidFill>
+                  <a:schemeClr val="tx1"/>
+                </a:solidFill>
+                <a:latin typeface="Arial" panose="020B0604020202020204" pitchFamily="34" charset="0"/>
+                <a:ea typeface="+mn-ea"/>
+                <a:cs typeface="Arial" panose="020B0604020202020204" pitchFamily="34" charset="0"/>
+              </a:defRPr>
+            </a:lvl4pPr>
+            <a:lvl5pPr marL="2057400" indent="-228600" algn="l" defTabSz="914400" rtl="0" eaLnBrk="1" latinLnBrk="0" hangingPunct="1">
+              <a:lnSpc>
+                <a:spcPct val="90000"/>
+              </a:lnSpc>
+              <a:spcBef>
+                <a:spcPts val="500"/>
+              </a:spcBef>
+              <a:buFont typeface="Arial" panose="020B0604020202020204" pitchFamily="34" charset="0"/>
+              <a:buChar char="•"/>
+              <a:defRPr sz="1800" kern="1200">
+                <a:solidFill>
+                  <a:schemeClr val="tx1"/>
+                </a:solidFill>
+                <a:latin typeface="Arial" panose="020B0604020202020204" pitchFamily="34" charset="0"/>
+                <a:ea typeface="+mn-ea"/>
+                <a:cs typeface="Arial" panose="020B0604020202020204" pitchFamily="34" charset="0"/>
+              </a:defRPr>
+            </a:lvl5pPr>
+            <a:lvl6pPr marL="2514600" indent="-228600" algn="l" defTabSz="914400" rtl="0" eaLnBrk="1" latinLnBrk="0" hangingPunct="1">
+              <a:lnSpc>
+                <a:spcPct val="90000"/>
+              </a:lnSpc>
+              <a:spcBef>
+                <a:spcPts val="500"/>
+              </a:spcBef>
+              <a:buFont typeface="Arial" panose="020B0604020202020204" pitchFamily="34" charset="0"/>
+              <a:buChar char="•"/>
+              <a:defRPr sz="1800" kern="1200">
+                <a:solidFill>
+                  <a:schemeClr val="tx1"/>
+                </a:solidFill>
+                <a:latin typeface="+mn-lt"/>
+                <a:ea typeface="+mn-ea"/>
+                <a:cs typeface="+mn-cs"/>
+              </a:defRPr>
+            </a:lvl6pPr>
+            <a:lvl7pPr marL="2971800" indent="-228600" algn="l" defTabSz="914400" rtl="0" eaLnBrk="1" latinLnBrk="0" hangingPunct="1">
+              <a:lnSpc>
+                <a:spcPct val="90000"/>
+              </a:lnSpc>
+              <a:spcBef>
+                <a:spcPts val="500"/>
+              </a:spcBef>
+              <a:buFont typeface="Arial" panose="020B0604020202020204" pitchFamily="34" charset="0"/>
+              <a:buChar char="•"/>
+              <a:defRPr sz="1800" kern="1200">
+                <a:solidFill>
+                  <a:schemeClr val="tx1"/>
+                </a:solidFill>
+                <a:latin typeface="+mn-lt"/>
+                <a:ea typeface="+mn-ea"/>
+                <a:cs typeface="+mn-cs"/>
+              </a:defRPr>
+            </a:lvl7pPr>
+            <a:lvl8pPr marL="3429000" indent="-228600" algn="l" defTabSz="914400" rtl="0" eaLnBrk="1" latinLnBrk="0" hangingPunct="1">
+              <a:lnSpc>
+                <a:spcPct val="90000"/>
+              </a:lnSpc>
+              <a:spcBef>
+                <a:spcPts val="500"/>
+              </a:spcBef>
+              <a:buFont typeface="Arial" panose="020B0604020202020204" pitchFamily="34" charset="0"/>
+              <a:buChar char="•"/>
+              <a:defRPr sz="1800" kern="1200">
+                <a:solidFill>
+                  <a:schemeClr val="tx1"/>
+                </a:solidFill>
+                <a:latin typeface="+mn-lt"/>
+                <a:ea typeface="+mn-ea"/>
+                <a:cs typeface="+mn-cs"/>
+              </a:defRPr>
+            </a:lvl8pPr>
+            <a:lvl9pPr marL="3886200" indent="-228600" algn="l" defTabSz="914400" rtl="0" eaLnBrk="1" latinLnBrk="0" hangingPunct="1">
+              <a:lnSpc>
+                <a:spcPct val="90000"/>
+              </a:lnSpc>
+              <a:spcBef>
+                <a:spcPts val="500"/>
+              </a:spcBef>
+              <a:buFont typeface="Arial" panose="020B0604020202020204" pitchFamily="34" charset="0"/>
+              <a:buChar char="•"/>
+              <a:defRPr sz="1800" kern="1200">
+                <a:solidFill>
+                  <a:schemeClr val="tx1"/>
+                </a:solidFill>
+                <a:latin typeface="+mn-lt"/>
+                <a:ea typeface="+mn-ea"/>
+                <a:cs typeface="+mn-cs"/>
+              </a:defRPr>
+            </a:lvl9pPr>
+          </a:lstStyle>
+          <a:p>
+            <a:pPr marL="0" indent="0">
+              <a:buFont typeface="Arial" panose="020B0604020202020204" pitchFamily="34" charset="0"/>
+              <a:buNone/>
+            </a:pPr>
+            <a:r>
+              <a:rPr lang="en-US" b="1" dirty="0" err="1"/>
+              <a:t>Kết</a:t>
+            </a:r>
+            <a:r>
+              <a:rPr lang="en-US" b="1" dirty="0"/>
+              <a:t> </a:t>
+            </a:r>
+            <a:r>
+              <a:rPr lang="en-US" b="1" dirty="0" err="1"/>
+              <a:t>quả</a:t>
+            </a:r>
+            <a:r>
+              <a:rPr lang="en-US" b="1" dirty="0"/>
+              <a:t> </a:t>
+            </a:r>
+            <a:r>
+              <a:rPr lang="en-US" b="1" dirty="0" err="1"/>
+              <a:t>thực</a:t>
+            </a:r>
+            <a:r>
+              <a:rPr lang="en-US" b="1" dirty="0"/>
+              <a:t> </a:t>
+            </a:r>
+            <a:r>
+              <a:rPr lang="en-US" b="1" dirty="0" err="1"/>
+              <a:t>nghiệm</a:t>
+            </a:r>
+            <a:endParaRPr lang="en-US" b="1" dirty="0"/>
+          </a:p>
+          <a:p>
+            <a:pPr marL="0" indent="0">
+              <a:buFont typeface="Arial" panose="020B0604020202020204" pitchFamily="34" charset="0"/>
+              <a:buNone/>
+            </a:pPr>
+            <a:endParaRPr lang="en-US" b="1" dirty="0"/>
+          </a:p>
+        </p:txBody>
+      </p:sp>
+      <p:pic>
+        <p:nvPicPr>
+          <p:cNvPr id="5" name="Picture 4" descr="A graph with blue bars and text&#10;&#10;Description automatically generated">
+            <a:extLst>
+              <a:ext uri="{FF2B5EF4-FFF2-40B4-BE49-F238E27FC236}">
+                <a16:creationId xmlns:a16="http://schemas.microsoft.com/office/drawing/2014/main" id="{F5B2002C-062D-622C-F7B3-12EF1292F819}"/>
+              </a:ext>
+            </a:extLst>
+          </p:cNvPr>
+          <p:cNvPicPr>
+            <a:picLocks noChangeAspect="1"/>
+          </p:cNvPicPr>
+          <p:nvPr/>
+        </p:nvPicPr>
+        <p:blipFill>
+          <a:blip r:embed="rId2">
+            <a:extLst>
+              <a:ext uri="{28A0092B-C50C-407E-A947-70E740481C1C}">
+                <a14:useLocalDpi xmlns:a14="http://schemas.microsoft.com/office/drawing/2010/main" val="0"/>
+              </a:ext>
+            </a:extLst>
+          </a:blip>
+          <a:stretch>
+            <a:fillRect/>
+          </a:stretch>
+        </p:blipFill>
+        <p:spPr>
+          <a:xfrm>
+            <a:off x="127951" y="1856696"/>
+            <a:ext cx="8725519" cy="3450594"/>
+          </a:xfrm>
+          <a:prstGeom prst="rect">
+            <a:avLst/>
+          </a:prstGeom>
+        </p:spPr>
+      </p:pic>
     </p:spTree>
     <p:extLst>
       <p:ext uri="{BB962C8B-B14F-4D97-AF65-F5344CB8AC3E}">
-        <p14:creationId xmlns:p14="http://schemas.microsoft.com/office/powerpoint/2010/main" val="234714044"/>
+        <p14:creationId xmlns:p14="http://schemas.microsoft.com/office/powerpoint/2010/main" val="3645076715"/>
       </p:ext>
     </p:extLst>
   </p:cSld>
@@ -14546,6 +16023,390 @@
 </file>
 
 <file path=ppt/slides/slide21.xml><?xml version="1.0" encoding="utf-8"?>
+<p:sld xmlns:a="http://schemas.openxmlformats.org/drawingml/2006/main" xmlns:r="http://schemas.openxmlformats.org/officeDocument/2006/relationships" xmlns:p="http://schemas.openxmlformats.org/presentationml/2006/main">
+  <p:cSld>
+    <p:spTree>
+      <p:nvGrpSpPr>
+        <p:cNvPr id="1" name=""/>
+        <p:cNvGrpSpPr/>
+        <p:nvPr/>
+      </p:nvGrpSpPr>
+      <p:grpSpPr>
+        <a:xfrm>
+          <a:off x="0" y="0"/>
+          <a:ext cx="0" cy="0"/>
+          <a:chOff x="0" y="0"/>
+          <a:chExt cx="0" cy="0"/>
+        </a:xfrm>
+      </p:grpSpPr>
+      <p:sp>
+        <p:nvSpPr>
+          <p:cNvPr id="2" name="Title 1">
+            <a:extLst>
+              <a:ext uri="{FF2B5EF4-FFF2-40B4-BE49-F238E27FC236}">
+                <a16:creationId xmlns:a16="http://schemas.microsoft.com/office/drawing/2014/main" id="{B76FF0C8-6542-4400-B404-1788A5C9E3D1}"/>
+              </a:ext>
+            </a:extLst>
+          </p:cNvPr>
+          <p:cNvSpPr>
+            <a:spLocks noGrp="1"/>
+          </p:cNvSpPr>
+          <p:nvPr>
+            <p:ph type="title"/>
+          </p:nvPr>
+        </p:nvSpPr>
+        <p:spPr/>
+        <p:txBody>
+          <a:bodyPr/>
+          <a:lstStyle/>
+          <a:p>
+            <a:r>
+              <a:rPr lang="en-US" err="1"/>
+              <a:t>Nội</a:t>
+            </a:r>
+            <a:r>
+              <a:rPr lang="en-US"/>
+              <a:t> dung </a:t>
+            </a:r>
+            <a:r>
+              <a:rPr lang="en-US" err="1"/>
+              <a:t>báo</a:t>
+            </a:r>
+            <a:r>
+              <a:rPr lang="en-US"/>
+              <a:t> </a:t>
+            </a:r>
+            <a:r>
+              <a:rPr lang="en-US" err="1"/>
+              <a:t>cáo</a:t>
+            </a:r>
+            <a:endParaRPr lang="en-US"/>
+          </a:p>
+        </p:txBody>
+      </p:sp>
+      <p:sp>
+        <p:nvSpPr>
+          <p:cNvPr id="3" name="Content Placeholder 2">
+            <a:extLst>
+              <a:ext uri="{FF2B5EF4-FFF2-40B4-BE49-F238E27FC236}">
+                <a16:creationId xmlns:a16="http://schemas.microsoft.com/office/drawing/2014/main" id="{DDB11A3D-6222-417B-B8D9-AB891FD40BE0}"/>
+              </a:ext>
+            </a:extLst>
+          </p:cNvPr>
+          <p:cNvSpPr>
+            <a:spLocks noGrp="1"/>
+          </p:cNvSpPr>
+          <p:nvPr>
+            <p:ph idx="1"/>
+          </p:nvPr>
+        </p:nvSpPr>
+        <p:spPr/>
+        <p:txBody>
+          <a:bodyPr vert="horz" lIns="91440" tIns="45720" rIns="91440" bIns="45720" rtlCol="0" anchor="t">
+            <a:normAutofit/>
+          </a:bodyPr>
+          <a:lstStyle/>
+          <a:p>
+            <a:pPr marL="292735" indent="-292735" defTabSz="385571">
+              <a:spcBef>
+                <a:spcPts val="2700"/>
+              </a:spcBef>
+              <a:defRPr sz="1800"/>
+            </a:pPr>
+            <a:r>
+              <a:rPr lang="vi-VN" sz="3200" b="1"/>
+              <a:t>Phần I: </a:t>
+            </a:r>
+            <a:r>
+              <a:rPr lang="en-US" sz="3200" b="1"/>
+              <a:t>Lý do </a:t>
+            </a:r>
+            <a:r>
+              <a:rPr lang="en-US" sz="3200" b="1" err="1"/>
+              <a:t>chọn</a:t>
+            </a:r>
+            <a:r>
+              <a:rPr lang="en-US" sz="3200" b="1"/>
+              <a:t> </a:t>
+            </a:r>
+            <a:r>
+              <a:rPr lang="en-US" sz="3200" b="1" err="1"/>
+              <a:t>đề</a:t>
+            </a:r>
+            <a:r>
+              <a:rPr lang="en-US" sz="3200" b="1"/>
+              <a:t> </a:t>
+            </a:r>
+            <a:r>
+              <a:rPr lang="en-US" sz="3200" b="1" err="1"/>
+              <a:t>tài</a:t>
+            </a:r>
+            <a:endParaRPr lang="vi-VN" sz="3200"/>
+          </a:p>
+          <a:p>
+            <a:pPr marL="292735" indent="-292735" defTabSz="385571">
+              <a:spcBef>
+                <a:spcPts val="2700"/>
+              </a:spcBef>
+              <a:defRPr sz="1800"/>
+            </a:pPr>
+            <a:r>
+              <a:rPr lang="vi-VN" sz="3200" b="1"/>
+              <a:t>Phần II:</a:t>
+            </a:r>
+            <a:r>
+              <a:rPr lang="en-US" sz="3200" b="1"/>
+              <a:t> </a:t>
+            </a:r>
+            <a:r>
+              <a:rPr lang="en-US" sz="3200" b="1" err="1"/>
+              <a:t>Phương</a:t>
+            </a:r>
+            <a:r>
+              <a:rPr lang="en-US" sz="3200" b="1"/>
+              <a:t> </a:t>
+            </a:r>
+            <a:r>
+              <a:rPr lang="en-US" sz="3200" b="1" err="1"/>
+              <a:t>pháp</a:t>
+            </a:r>
+            <a:r>
+              <a:rPr lang="en-US" sz="3200" b="1"/>
+              <a:t> </a:t>
+            </a:r>
+            <a:r>
+              <a:rPr lang="en-US" sz="3200" b="1" err="1"/>
+              <a:t>thiết</a:t>
+            </a:r>
+            <a:r>
+              <a:rPr lang="en-US" sz="3200" b="1"/>
+              <a:t> </a:t>
+            </a:r>
+            <a:r>
+              <a:rPr lang="en-US" sz="3200" b="1" err="1"/>
+              <a:t>kế</a:t>
+            </a:r>
+            <a:endParaRPr lang="en-US" sz="3200" b="1"/>
+          </a:p>
+          <a:p>
+            <a:pPr marL="292735" indent="-292735" defTabSz="385571">
+              <a:spcBef>
+                <a:spcPts val="2700"/>
+              </a:spcBef>
+              <a:defRPr sz="1800"/>
+            </a:pPr>
+            <a:r>
+              <a:rPr lang="en-US" sz="3200" b="1" err="1"/>
+              <a:t>Phần</a:t>
+            </a:r>
+            <a:r>
+              <a:rPr lang="en-US" sz="3200" b="1"/>
+              <a:t> III: </a:t>
+            </a:r>
+            <a:r>
+              <a:rPr lang="en-US" sz="3200" b="1" err="1"/>
+              <a:t>Thực</a:t>
+            </a:r>
+            <a:r>
+              <a:rPr lang="en-US" sz="3200" b="1"/>
+              <a:t> </a:t>
+            </a:r>
+            <a:r>
+              <a:rPr lang="en-US" sz="3200" b="1" err="1"/>
+              <a:t>nghiệm</a:t>
+            </a:r>
+            <a:r>
+              <a:rPr lang="en-US" sz="3200" b="1"/>
+              <a:t> </a:t>
+            </a:r>
+            <a:r>
+              <a:rPr lang="en-US" sz="3200" b="1" err="1"/>
+              <a:t>và</a:t>
+            </a:r>
+            <a:r>
+              <a:rPr lang="en-US" sz="3200" b="1"/>
+              <a:t> </a:t>
+            </a:r>
+            <a:r>
+              <a:rPr lang="en-US" sz="3200" b="1" err="1"/>
+              <a:t>Đánh</a:t>
+            </a:r>
+            <a:r>
+              <a:rPr lang="en-US" sz="3200" b="1"/>
+              <a:t> </a:t>
+            </a:r>
+            <a:r>
+              <a:rPr lang="en-US" sz="3200" b="1" err="1"/>
+              <a:t>giá</a:t>
+            </a:r>
+            <a:endParaRPr lang="en-US" sz="3200" b="1"/>
+          </a:p>
+          <a:p>
+            <a:pPr marL="292735" indent="-292735" defTabSz="385571">
+              <a:spcBef>
+                <a:spcPts val="2700"/>
+              </a:spcBef>
+              <a:defRPr sz="1800"/>
+            </a:pPr>
+            <a:r>
+              <a:rPr lang="en-US" sz="3200" b="1" err="1">
+                <a:solidFill>
+                  <a:srgbClr val="FF0000"/>
+                </a:solidFill>
+              </a:rPr>
+              <a:t>Phần</a:t>
+            </a:r>
+            <a:r>
+              <a:rPr lang="en-US" sz="3200" b="1">
+                <a:solidFill>
+                  <a:srgbClr val="FF0000"/>
+                </a:solidFill>
+              </a:rPr>
+              <a:t> IV: </a:t>
+            </a:r>
+            <a:r>
+              <a:rPr lang="en-US" sz="3200" b="1" err="1">
+                <a:solidFill>
+                  <a:srgbClr val="FF0000"/>
+                </a:solidFill>
+              </a:rPr>
+              <a:t>Kết</a:t>
+            </a:r>
+            <a:r>
+              <a:rPr lang="en-US" sz="3200" b="1">
+                <a:solidFill>
+                  <a:srgbClr val="FF0000"/>
+                </a:solidFill>
+              </a:rPr>
+              <a:t> </a:t>
+            </a:r>
+            <a:r>
+              <a:rPr lang="en-US" sz="3200" b="1" err="1">
+                <a:solidFill>
+                  <a:srgbClr val="FF0000"/>
+                </a:solidFill>
+              </a:rPr>
+              <a:t>luận</a:t>
+            </a:r>
+            <a:r>
+              <a:rPr lang="en-US" sz="3200" b="1">
+                <a:solidFill>
+                  <a:srgbClr val="FF0000"/>
+                </a:solidFill>
+              </a:rPr>
+              <a:t> </a:t>
+            </a:r>
+            <a:r>
+              <a:rPr lang="en-US" sz="3200" b="1" err="1">
+                <a:solidFill>
+                  <a:srgbClr val="FF0000"/>
+                </a:solidFill>
+              </a:rPr>
+              <a:t>và</a:t>
+            </a:r>
+            <a:r>
+              <a:rPr lang="en-US" sz="3200" b="1">
+                <a:solidFill>
+                  <a:srgbClr val="FF0000"/>
+                </a:solidFill>
+              </a:rPr>
+              <a:t> </a:t>
+            </a:r>
+            <a:r>
+              <a:rPr lang="en-US" sz="3200" b="1" err="1">
+                <a:solidFill>
+                  <a:srgbClr val="FF0000"/>
+                </a:solidFill>
+              </a:rPr>
+              <a:t>hướng</a:t>
+            </a:r>
+            <a:r>
+              <a:rPr lang="en-US" sz="3200" b="1">
+                <a:solidFill>
+                  <a:srgbClr val="FF0000"/>
+                </a:solidFill>
+              </a:rPr>
+              <a:t> </a:t>
+            </a:r>
+            <a:r>
+              <a:rPr lang="en-US" sz="3200" b="1" err="1">
+                <a:solidFill>
+                  <a:srgbClr val="FF0000"/>
+                </a:solidFill>
+              </a:rPr>
+              <a:t>phát</a:t>
+            </a:r>
+            <a:r>
+              <a:rPr lang="en-US" sz="3200" b="1">
+                <a:solidFill>
+                  <a:srgbClr val="FF0000"/>
+                </a:solidFill>
+              </a:rPr>
+              <a:t> </a:t>
+            </a:r>
+            <a:r>
+              <a:rPr lang="en-US" sz="3200" b="1" err="1">
+                <a:solidFill>
+                  <a:srgbClr val="FF0000"/>
+                </a:solidFill>
+              </a:rPr>
+              <a:t>triển</a:t>
+            </a:r>
+            <a:endParaRPr lang="en-US" sz="3200" b="1">
+              <a:solidFill>
+                <a:srgbClr val="FF0000"/>
+              </a:solidFill>
+            </a:endParaRPr>
+          </a:p>
+          <a:p>
+            <a:endParaRPr lang="en-US" sz="3200"/>
+          </a:p>
+        </p:txBody>
+      </p:sp>
+      <p:sp>
+        <p:nvSpPr>
+          <p:cNvPr id="4" name="Slide Number Placeholder 3">
+            <a:extLst>
+              <a:ext uri="{FF2B5EF4-FFF2-40B4-BE49-F238E27FC236}">
+                <a16:creationId xmlns:a16="http://schemas.microsoft.com/office/drawing/2014/main" id="{89C7F963-A803-41DD-917D-D09655D4C986}"/>
+              </a:ext>
+            </a:extLst>
+          </p:cNvPr>
+          <p:cNvSpPr>
+            <a:spLocks noGrp="1"/>
+          </p:cNvSpPr>
+          <p:nvPr>
+            <p:ph type="sldNum" sz="quarter" idx="12"/>
+          </p:nvPr>
+        </p:nvSpPr>
+        <p:spPr/>
+        <p:txBody>
+          <a:bodyPr/>
+          <a:lstStyle/>
+          <a:p>
+            <a:fld id="{B487F271-60DF-4592-BB7F-B45BB4441AA9}" type="slidenum">
+              <a:rPr lang="en-US" smtClean="0"/>
+              <a:pPr/>
+              <a:t>21</a:t>
+            </a:fld>
+            <a:endParaRPr lang="en-US"/>
+          </a:p>
+        </p:txBody>
+      </p:sp>
+    </p:spTree>
+    <p:extLst>
+      <p:ext uri="{BB962C8B-B14F-4D97-AF65-F5344CB8AC3E}">
+        <p14:creationId xmlns:p14="http://schemas.microsoft.com/office/powerpoint/2010/main" val="3352479870"/>
+      </p:ext>
+    </p:extLst>
+  </p:cSld>
+  <p:clrMapOvr>
+    <a:masterClrMapping/>
+  </p:clrMapOvr>
+</p:sld>
+</file>
+
+<file path=ppt/slides/slide22.xml><?xml version="1.0" encoding="utf-8"?>
 <p:sld xmlns:a="http://schemas.openxmlformats.org/drawingml/2006/main" xmlns:r="http://schemas.openxmlformats.org/officeDocument/2006/relationships" xmlns:p="http://schemas.openxmlformats.org/presentationml/2006/main">
   <p:cSld>
     <p:spTree>
@@ -14595,10 +16456,10 @@
       </p:sp>
       <p:sp>
         <p:nvSpPr>
-          <p:cNvPr id="3" name="Content Placeholder 2">
+          <p:cNvPr id="4" name="Slide Number Placeholder 3">
             <a:extLst>
               <a:ext uri="{FF2B5EF4-FFF2-40B4-BE49-F238E27FC236}">
-                <a16:creationId xmlns:a16="http://schemas.microsoft.com/office/drawing/2014/main" id="{F13E7D59-4069-CF18-72D7-100149EA374D}"/>
+                <a16:creationId xmlns:a16="http://schemas.microsoft.com/office/drawing/2014/main" id="{4EAA5658-CA57-8D22-AD11-C48B20FCB3E7}"/>
               </a:ext>
             </a:extLst>
           </p:cNvPr>
@@ -14606,7 +16467,7 @@
             <a:spLocks noGrp="1"/>
           </p:cNvSpPr>
           <p:nvPr>
-            <p:ph idx="1"/>
+            <p:ph type="sldNum" sz="quarter" idx="12"/>
           </p:nvPr>
         </p:nvSpPr>
         <p:spPr/>
@@ -14614,34 +16475,691 @@
           <a:bodyPr/>
           <a:lstStyle/>
           <a:p>
+            <a:fld id="{B487F271-60DF-4592-BB7F-B45BB4441AA9}" type="slidenum">
+              <a:rPr lang="en-US" smtClean="0"/>
+              <a:pPr/>
+              <a:t>22</a:t>
+            </a:fld>
+            <a:endParaRPr lang="en-US"/>
+          </a:p>
+        </p:txBody>
+      </p:sp>
+      <p:sp>
+        <p:nvSpPr>
+          <p:cNvPr id="7" name="Chỗ dành sẵn cho Nội dung 2">
+            <a:extLst>
+              <a:ext uri="{FF2B5EF4-FFF2-40B4-BE49-F238E27FC236}">
+                <a16:creationId xmlns:a16="http://schemas.microsoft.com/office/drawing/2014/main" id="{CDC90EE7-79FC-AC01-CE61-87E3AFF73EC1}"/>
+              </a:ext>
+            </a:extLst>
+          </p:cNvPr>
+          <p:cNvSpPr txBox="1">
+            <a:spLocks/>
+          </p:cNvSpPr>
+          <p:nvPr/>
+        </p:nvSpPr>
+        <p:spPr>
+          <a:xfrm>
+            <a:off x="169946" y="1033296"/>
+            <a:ext cx="8594557" cy="5290319"/>
+          </a:xfrm>
+          <a:prstGeom prst="rect">
+            <a:avLst/>
+          </a:prstGeom>
+        </p:spPr>
+        <p:txBody>
+          <a:bodyPr vert="horz" lIns="91440" tIns="45720" rIns="91440" bIns="45720" rtlCol="0">
+            <a:normAutofit/>
+          </a:bodyPr>
+          <a:lstStyle>
+            <a:lvl1pPr marL="228600" indent="-228600" algn="l" defTabSz="914400" rtl="0" eaLnBrk="1" latinLnBrk="0" hangingPunct="1">
+              <a:lnSpc>
+                <a:spcPct val="90000"/>
+              </a:lnSpc>
+              <a:spcBef>
+                <a:spcPts val="1000"/>
+              </a:spcBef>
+              <a:buFont typeface="Arial" panose="020B0604020202020204" pitchFamily="34" charset="0"/>
+              <a:buChar char="•"/>
+              <a:defRPr sz="2800" kern="1200">
+                <a:solidFill>
+                  <a:schemeClr val="tx1"/>
+                </a:solidFill>
+                <a:latin typeface="Arial" panose="020B0604020202020204" pitchFamily="34" charset="0"/>
+                <a:ea typeface="+mn-ea"/>
+                <a:cs typeface="Arial" panose="020B0604020202020204" pitchFamily="34" charset="0"/>
+              </a:defRPr>
+            </a:lvl1pPr>
+            <a:lvl2pPr marL="685800" indent="-228600" algn="l" defTabSz="914400" rtl="0" eaLnBrk="1" latinLnBrk="0" hangingPunct="1">
+              <a:lnSpc>
+                <a:spcPct val="90000"/>
+              </a:lnSpc>
+              <a:spcBef>
+                <a:spcPts val="500"/>
+              </a:spcBef>
+              <a:buFont typeface="Arial" panose="020B0604020202020204" pitchFamily="34" charset="0"/>
+              <a:buChar char="•"/>
+              <a:defRPr sz="2400" kern="1200">
+                <a:solidFill>
+                  <a:schemeClr val="tx1"/>
+                </a:solidFill>
+                <a:latin typeface="Arial" panose="020B0604020202020204" pitchFamily="34" charset="0"/>
+                <a:ea typeface="+mn-ea"/>
+                <a:cs typeface="Arial" panose="020B0604020202020204" pitchFamily="34" charset="0"/>
+              </a:defRPr>
+            </a:lvl2pPr>
+            <a:lvl3pPr marL="1143000" indent="-228600" algn="l" defTabSz="914400" rtl="0" eaLnBrk="1" latinLnBrk="0" hangingPunct="1">
+              <a:lnSpc>
+                <a:spcPct val="90000"/>
+              </a:lnSpc>
+              <a:spcBef>
+                <a:spcPts val="500"/>
+              </a:spcBef>
+              <a:buFont typeface="Arial" panose="020B0604020202020204" pitchFamily="34" charset="0"/>
+              <a:buChar char="•"/>
+              <a:defRPr sz="2000" kern="1200">
+                <a:solidFill>
+                  <a:schemeClr val="tx1"/>
+                </a:solidFill>
+                <a:latin typeface="Arial" panose="020B0604020202020204" pitchFamily="34" charset="0"/>
+                <a:ea typeface="+mn-ea"/>
+                <a:cs typeface="Arial" panose="020B0604020202020204" pitchFamily="34" charset="0"/>
+              </a:defRPr>
+            </a:lvl3pPr>
+            <a:lvl4pPr marL="1600200" indent="-228600" algn="l" defTabSz="914400" rtl="0" eaLnBrk="1" latinLnBrk="0" hangingPunct="1">
+              <a:lnSpc>
+                <a:spcPct val="90000"/>
+              </a:lnSpc>
+              <a:spcBef>
+                <a:spcPts val="500"/>
+              </a:spcBef>
+              <a:buFont typeface="Arial" panose="020B0604020202020204" pitchFamily="34" charset="0"/>
+              <a:buChar char="•"/>
+              <a:defRPr sz="1800" kern="1200">
+                <a:solidFill>
+                  <a:schemeClr val="tx1"/>
+                </a:solidFill>
+                <a:latin typeface="Arial" panose="020B0604020202020204" pitchFamily="34" charset="0"/>
+                <a:ea typeface="+mn-ea"/>
+                <a:cs typeface="Arial" panose="020B0604020202020204" pitchFamily="34" charset="0"/>
+              </a:defRPr>
+            </a:lvl4pPr>
+            <a:lvl5pPr marL="2057400" indent="-228600" algn="l" defTabSz="914400" rtl="0" eaLnBrk="1" latinLnBrk="0" hangingPunct="1">
+              <a:lnSpc>
+                <a:spcPct val="90000"/>
+              </a:lnSpc>
+              <a:spcBef>
+                <a:spcPts val="500"/>
+              </a:spcBef>
+              <a:buFont typeface="Arial" panose="020B0604020202020204" pitchFamily="34" charset="0"/>
+              <a:buChar char="•"/>
+              <a:defRPr sz="1800" kern="1200">
+                <a:solidFill>
+                  <a:schemeClr val="tx1"/>
+                </a:solidFill>
+                <a:latin typeface="Arial" panose="020B0604020202020204" pitchFamily="34" charset="0"/>
+                <a:ea typeface="+mn-ea"/>
+                <a:cs typeface="Arial" panose="020B0604020202020204" pitchFamily="34" charset="0"/>
+              </a:defRPr>
+            </a:lvl5pPr>
+            <a:lvl6pPr marL="2514600" indent="-228600" algn="l" defTabSz="914400" rtl="0" eaLnBrk="1" latinLnBrk="0" hangingPunct="1">
+              <a:lnSpc>
+                <a:spcPct val="90000"/>
+              </a:lnSpc>
+              <a:spcBef>
+                <a:spcPts val="500"/>
+              </a:spcBef>
+              <a:buFont typeface="Arial" panose="020B0604020202020204" pitchFamily="34" charset="0"/>
+              <a:buChar char="•"/>
+              <a:defRPr sz="1800" kern="1200">
+                <a:solidFill>
+                  <a:schemeClr val="tx1"/>
+                </a:solidFill>
+                <a:latin typeface="+mn-lt"/>
+                <a:ea typeface="+mn-ea"/>
+                <a:cs typeface="+mn-cs"/>
+              </a:defRPr>
+            </a:lvl6pPr>
+            <a:lvl7pPr marL="2971800" indent="-228600" algn="l" defTabSz="914400" rtl="0" eaLnBrk="1" latinLnBrk="0" hangingPunct="1">
+              <a:lnSpc>
+                <a:spcPct val="90000"/>
+              </a:lnSpc>
+              <a:spcBef>
+                <a:spcPts val="500"/>
+              </a:spcBef>
+              <a:buFont typeface="Arial" panose="020B0604020202020204" pitchFamily="34" charset="0"/>
+              <a:buChar char="•"/>
+              <a:defRPr sz="1800" kern="1200">
+                <a:solidFill>
+                  <a:schemeClr val="tx1"/>
+                </a:solidFill>
+                <a:latin typeface="+mn-lt"/>
+                <a:ea typeface="+mn-ea"/>
+                <a:cs typeface="+mn-cs"/>
+              </a:defRPr>
+            </a:lvl7pPr>
+            <a:lvl8pPr marL="3429000" indent="-228600" algn="l" defTabSz="914400" rtl="0" eaLnBrk="1" latinLnBrk="0" hangingPunct="1">
+              <a:lnSpc>
+                <a:spcPct val="90000"/>
+              </a:lnSpc>
+              <a:spcBef>
+                <a:spcPts val="500"/>
+              </a:spcBef>
+              <a:buFont typeface="Arial" panose="020B0604020202020204" pitchFamily="34" charset="0"/>
+              <a:buChar char="•"/>
+              <a:defRPr sz="1800" kern="1200">
+                <a:solidFill>
+                  <a:schemeClr val="tx1"/>
+                </a:solidFill>
+                <a:latin typeface="+mn-lt"/>
+                <a:ea typeface="+mn-ea"/>
+                <a:cs typeface="+mn-cs"/>
+              </a:defRPr>
+            </a:lvl8pPr>
+            <a:lvl9pPr marL="3886200" indent="-228600" algn="l" defTabSz="914400" rtl="0" eaLnBrk="1" latinLnBrk="0" hangingPunct="1">
+              <a:lnSpc>
+                <a:spcPct val="90000"/>
+              </a:lnSpc>
+              <a:spcBef>
+                <a:spcPts val="500"/>
+              </a:spcBef>
+              <a:buFont typeface="Arial" panose="020B0604020202020204" pitchFamily="34" charset="0"/>
+              <a:buChar char="•"/>
+              <a:defRPr sz="1800" kern="1200">
+                <a:solidFill>
+                  <a:schemeClr val="tx1"/>
+                </a:solidFill>
+                <a:latin typeface="+mn-lt"/>
+                <a:ea typeface="+mn-ea"/>
+                <a:cs typeface="+mn-cs"/>
+              </a:defRPr>
+            </a:lvl9pPr>
+          </a:lstStyle>
+          <a:p>
+            <a:pPr marL="0" indent="0">
+              <a:buFont typeface="Arial" panose="020B0604020202020204" pitchFamily="34" charset="0"/>
+              <a:buNone/>
+            </a:pPr>
+            <a:r>
+              <a:rPr lang="en-US" b="1" dirty="0" err="1"/>
+              <a:t>Kết</a:t>
+            </a:r>
+            <a:r>
+              <a:rPr lang="en-US" b="1" dirty="0"/>
+              <a:t> </a:t>
+            </a:r>
+            <a:r>
+              <a:rPr lang="en-US" b="1" dirty="0" err="1"/>
+              <a:t>luận</a:t>
+            </a:r>
+            <a:endParaRPr lang="en-US" b="1" dirty="0"/>
+          </a:p>
+          <a:p>
+            <a:pPr marL="0" indent="0">
+              <a:buFont typeface="Arial" panose="020B0604020202020204" pitchFamily="34" charset="0"/>
+              <a:buNone/>
+            </a:pPr>
+            <a:endParaRPr lang="en-US" b="1" dirty="0"/>
+          </a:p>
+          <a:p>
+            <a:r>
+              <a:rPr lang="en-US" dirty="0" err="1"/>
+              <a:t>Xác</a:t>
+            </a:r>
+            <a:r>
+              <a:rPr lang="en-US" dirty="0"/>
+              <a:t> </a:t>
+            </a:r>
+            <a:r>
+              <a:rPr lang="en-US" dirty="0" err="1"/>
+              <a:t>định</a:t>
+            </a:r>
+            <a:r>
+              <a:rPr lang="en-US" dirty="0"/>
+              <a:t> </a:t>
+            </a:r>
+            <a:r>
+              <a:rPr lang="en-US" dirty="0" err="1"/>
+              <a:t>được</a:t>
+            </a:r>
+            <a:r>
+              <a:rPr lang="en-US" dirty="0"/>
+              <a:t> </a:t>
+            </a:r>
+            <a:r>
+              <a:rPr lang="en-US" dirty="0" err="1"/>
+              <a:t>các</a:t>
+            </a:r>
+            <a:r>
+              <a:rPr lang="en-US" dirty="0"/>
+              <a:t> </a:t>
+            </a:r>
+            <a:r>
+              <a:rPr lang="en-US" dirty="0" err="1"/>
+              <a:t>lỗ</a:t>
+            </a:r>
+            <a:r>
+              <a:rPr lang="en-US" dirty="0"/>
+              <a:t> </a:t>
+            </a:r>
+            <a:r>
+              <a:rPr lang="en-US" dirty="0" err="1"/>
+              <a:t>hỏng</a:t>
+            </a:r>
+            <a:r>
+              <a:rPr lang="en-US" dirty="0"/>
+              <a:t> </a:t>
+            </a:r>
+            <a:r>
+              <a:rPr lang="en-US" dirty="0" err="1"/>
+              <a:t>cơ</a:t>
+            </a:r>
+            <a:r>
+              <a:rPr lang="en-US" dirty="0"/>
+              <a:t> </a:t>
+            </a:r>
+            <a:r>
+              <a:rPr lang="en-US" dirty="0" err="1"/>
+              <a:t>bản</a:t>
+            </a:r>
+            <a:r>
+              <a:rPr lang="en-US" dirty="0"/>
+              <a:t> </a:t>
+            </a:r>
+            <a:r>
+              <a:rPr lang="en-US" dirty="0" err="1"/>
+              <a:t>và</a:t>
+            </a:r>
+            <a:r>
+              <a:rPr lang="en-US" dirty="0"/>
+              <a:t> </a:t>
+            </a:r>
+            <a:r>
+              <a:rPr lang="en-US" dirty="0" err="1"/>
+              <a:t>xây</a:t>
+            </a:r>
+            <a:r>
+              <a:rPr lang="en-US" dirty="0"/>
+              <a:t> </a:t>
+            </a:r>
+            <a:r>
+              <a:rPr lang="en-US" dirty="0" err="1"/>
+              <a:t>dựng</a:t>
+            </a:r>
+            <a:r>
+              <a:rPr lang="en-US" dirty="0"/>
+              <a:t> </a:t>
+            </a:r>
+            <a:r>
+              <a:rPr lang="en-US" dirty="0" err="1"/>
+              <a:t>tập</a:t>
+            </a:r>
+            <a:r>
+              <a:rPr lang="en-US" dirty="0"/>
+              <a:t> </a:t>
+            </a:r>
+            <a:r>
+              <a:rPr lang="en-US" dirty="0" err="1"/>
+              <a:t>dữ</a:t>
+            </a:r>
+            <a:r>
+              <a:rPr lang="en-US" dirty="0"/>
+              <a:t> </a:t>
+            </a:r>
+            <a:r>
+              <a:rPr lang="en-US" dirty="0" err="1"/>
+              <a:t>liệu</a:t>
+            </a:r>
+            <a:r>
+              <a:rPr lang="en-US" dirty="0"/>
+              <a:t> </a:t>
+            </a:r>
+            <a:r>
+              <a:rPr lang="en-US" dirty="0" err="1"/>
+              <a:t>lỗ</a:t>
+            </a:r>
+            <a:r>
+              <a:rPr lang="en-US" dirty="0"/>
+              <a:t> </a:t>
+            </a:r>
+            <a:r>
+              <a:rPr lang="en-US" dirty="0" err="1"/>
+              <a:t>hỏng</a:t>
+            </a:r>
+            <a:r>
+              <a:rPr lang="en-US" dirty="0"/>
+              <a:t> </a:t>
+            </a:r>
+            <a:r>
+              <a:rPr lang="en-US" dirty="0" err="1"/>
+              <a:t>CrossChainSentinel</a:t>
+            </a:r>
+            <a:r>
+              <a:rPr lang="en-US" dirty="0"/>
+              <a:t> </a:t>
+            </a:r>
+            <a:r>
+              <a:rPr lang="en-US" dirty="0" err="1"/>
+              <a:t>trong</a:t>
+            </a:r>
+            <a:r>
+              <a:rPr lang="en-US" dirty="0"/>
+              <a:t> </a:t>
+            </a:r>
+            <a:r>
+              <a:rPr lang="en-US" dirty="0" err="1"/>
+              <a:t>hợp</a:t>
+            </a:r>
+            <a:r>
+              <a:rPr lang="en-US" dirty="0"/>
+              <a:t> </a:t>
+            </a:r>
+            <a:r>
+              <a:rPr lang="en-US" dirty="0" err="1"/>
+              <a:t>đồng</a:t>
+            </a:r>
+            <a:r>
+              <a:rPr lang="en-US" dirty="0"/>
+              <a:t> </a:t>
+            </a:r>
+            <a:r>
+              <a:rPr lang="en-US" dirty="0" err="1"/>
+              <a:t>thông</a:t>
+            </a:r>
+            <a:r>
+              <a:rPr lang="en-US" dirty="0"/>
+              <a:t> </a:t>
+            </a:r>
+            <a:r>
+              <a:rPr lang="en-US" dirty="0" err="1"/>
+              <a:t>minh</a:t>
+            </a:r>
+            <a:r>
+              <a:rPr lang="en-US" dirty="0"/>
+              <a:t> </a:t>
+            </a:r>
+            <a:r>
+              <a:rPr lang="en-US" dirty="0" err="1"/>
+              <a:t>cho</a:t>
+            </a:r>
+            <a:r>
+              <a:rPr lang="en-US" dirty="0"/>
+              <a:t> </a:t>
+            </a:r>
+            <a:r>
+              <a:rPr lang="en-US" dirty="0" err="1"/>
+              <a:t>mạng</a:t>
+            </a:r>
+            <a:r>
+              <a:rPr lang="en-US" dirty="0"/>
+              <a:t> </a:t>
+            </a:r>
+            <a:r>
+              <a:rPr lang="en-US" dirty="0" err="1"/>
+              <a:t>liên</a:t>
+            </a:r>
+            <a:r>
+              <a:rPr lang="en-US" dirty="0"/>
+              <a:t> </a:t>
+            </a:r>
+            <a:r>
+              <a:rPr lang="en-US" dirty="0" err="1"/>
+              <a:t>chuỗi</a:t>
+            </a:r>
+            <a:endParaRPr lang="en-US" dirty="0"/>
+          </a:p>
+          <a:p>
+            <a:endParaRPr lang="en-US" dirty="0"/>
+          </a:p>
+          <a:p>
+            <a:r>
+              <a:rPr lang="en-US" dirty="0" err="1"/>
+              <a:t>Triển</a:t>
+            </a:r>
+            <a:r>
+              <a:rPr lang="en-US" dirty="0"/>
+              <a:t> </a:t>
+            </a:r>
+            <a:r>
+              <a:rPr lang="en-US" dirty="0" err="1"/>
+              <a:t>khai</a:t>
+            </a:r>
+            <a:r>
+              <a:rPr lang="en-US" dirty="0"/>
+              <a:t> </a:t>
+            </a:r>
+            <a:r>
+              <a:rPr lang="en-US" dirty="0" err="1"/>
+              <a:t>các</a:t>
+            </a:r>
+            <a:r>
+              <a:rPr lang="en-US" dirty="0"/>
+              <a:t> </a:t>
+            </a:r>
+            <a:r>
+              <a:rPr lang="en-US" dirty="0" err="1"/>
+              <a:t>mô</a:t>
+            </a:r>
+            <a:r>
+              <a:rPr lang="en-US" dirty="0"/>
+              <a:t> </a:t>
+            </a:r>
+            <a:r>
+              <a:rPr lang="en-US" dirty="0" err="1"/>
+              <a:t>hình</a:t>
+            </a:r>
+            <a:r>
+              <a:rPr lang="en-US" dirty="0"/>
+              <a:t> </a:t>
+            </a:r>
+            <a:r>
+              <a:rPr lang="en-US" dirty="0" err="1"/>
+              <a:t>ChainSniper</a:t>
+            </a:r>
+            <a:r>
+              <a:rPr lang="en-US" dirty="0"/>
+              <a:t> - </a:t>
+            </a:r>
+            <a:r>
+              <a:rPr lang="en-US" dirty="0" err="1"/>
+              <a:t>ứng</a:t>
+            </a:r>
+            <a:r>
+              <a:rPr lang="en-US" dirty="0"/>
+              <a:t> </a:t>
+            </a:r>
+            <a:r>
+              <a:rPr lang="en-US" dirty="0" err="1"/>
+              <a:t>dụng</a:t>
+            </a:r>
+            <a:r>
+              <a:rPr lang="en-US" dirty="0"/>
+              <a:t> </a:t>
+            </a:r>
+            <a:r>
+              <a:rPr lang="en-US" dirty="0" err="1"/>
+              <a:t>học</a:t>
+            </a:r>
+            <a:r>
+              <a:rPr lang="en-US" dirty="0"/>
+              <a:t> </a:t>
+            </a:r>
+            <a:r>
+              <a:rPr lang="en-US" dirty="0" err="1"/>
+              <a:t>máy</a:t>
+            </a:r>
+            <a:r>
+              <a:rPr lang="en-US" dirty="0"/>
+              <a:t> </a:t>
+            </a:r>
+            <a:r>
+              <a:rPr lang="en-US" dirty="0" err="1"/>
+              <a:t>và</a:t>
+            </a:r>
+            <a:r>
+              <a:rPr lang="en-US" dirty="0"/>
+              <a:t> </a:t>
+            </a:r>
+            <a:r>
+              <a:rPr lang="en-US" dirty="0" err="1"/>
+              <a:t>học</a:t>
+            </a:r>
+            <a:r>
+              <a:rPr lang="en-US" dirty="0"/>
+              <a:t> </a:t>
+            </a:r>
+            <a:r>
+              <a:rPr lang="en-US" dirty="0" err="1"/>
+              <a:t>sâu</a:t>
+            </a:r>
+            <a:r>
+              <a:rPr lang="en-US" dirty="0"/>
+              <a:t> </a:t>
+            </a:r>
+            <a:r>
+              <a:rPr lang="en-US" dirty="0" err="1"/>
+              <a:t>trong</a:t>
+            </a:r>
+            <a:r>
+              <a:rPr lang="en-US" dirty="0"/>
+              <a:t> </a:t>
+            </a:r>
+            <a:r>
+              <a:rPr lang="en-US" dirty="0" err="1"/>
+              <a:t>việc</a:t>
+            </a:r>
+            <a:r>
+              <a:rPr lang="en-US" dirty="0"/>
+              <a:t> </a:t>
+            </a:r>
+            <a:r>
+              <a:rPr lang="en-US" dirty="0" err="1"/>
+              <a:t>phát</a:t>
+            </a:r>
+            <a:r>
+              <a:rPr lang="en-US" dirty="0"/>
+              <a:t> </a:t>
+            </a:r>
+            <a:r>
+              <a:rPr lang="en-US" dirty="0" err="1"/>
+              <a:t>hiện</a:t>
+            </a:r>
+            <a:r>
+              <a:rPr lang="en-US" dirty="0"/>
+              <a:t> </a:t>
+            </a:r>
+            <a:r>
+              <a:rPr lang="en-US" dirty="0" err="1"/>
+              <a:t>lỗ</a:t>
+            </a:r>
+            <a:r>
+              <a:rPr lang="en-US" dirty="0"/>
+              <a:t> </a:t>
+            </a:r>
+            <a:r>
+              <a:rPr lang="en-US" dirty="0" err="1"/>
+              <a:t>hỏng</a:t>
+            </a:r>
+            <a:r>
+              <a:rPr lang="en-US" dirty="0"/>
+              <a:t> </a:t>
+            </a:r>
+            <a:r>
+              <a:rPr lang="en-US" dirty="0" err="1"/>
+              <a:t>một</a:t>
+            </a:r>
+            <a:r>
+              <a:rPr lang="en-US" dirty="0"/>
+              <a:t> </a:t>
+            </a:r>
+            <a:r>
+              <a:rPr lang="en-US" dirty="0" err="1"/>
+              <a:t>cách</a:t>
+            </a:r>
+            <a:r>
+              <a:rPr lang="en-US" dirty="0"/>
+              <a:t> </a:t>
+            </a:r>
+            <a:r>
+              <a:rPr lang="en-US" dirty="0" err="1"/>
+              <a:t>tự</a:t>
+            </a:r>
+            <a:r>
+              <a:rPr lang="en-US" dirty="0"/>
+              <a:t> </a:t>
+            </a:r>
+            <a:r>
+              <a:rPr lang="en-US" dirty="0" err="1"/>
+              <a:t>động</a:t>
+            </a:r>
+            <a:endParaRPr lang="en-US" dirty="0"/>
+          </a:p>
+          <a:p>
             <a:pPr marL="0" indent="0">
               <a:buNone/>
             </a:pPr>
-            <a:r>
-              <a:rPr lang="en-US" b="1" dirty="0" err="1"/>
-              <a:t>Hướng</a:t>
-            </a:r>
-            <a:r>
-              <a:rPr lang="en-US" b="1" dirty="0"/>
-              <a:t> </a:t>
-            </a:r>
-            <a:r>
-              <a:rPr lang="en-US" b="1" dirty="0" err="1"/>
-              <a:t>phát</a:t>
-            </a:r>
-            <a:r>
-              <a:rPr lang="en-US" b="1" dirty="0"/>
-              <a:t> </a:t>
-            </a:r>
-            <a:r>
-              <a:rPr lang="en-US" b="1" dirty="0" err="1"/>
-              <a:t>triển</a:t>
-            </a:r>
-            <a:r>
-              <a:rPr lang="en-US" b="1" dirty="0"/>
-              <a:t>:</a:t>
-            </a:r>
             <a:endParaRPr lang="en-US" dirty="0"/>
+          </a:p>
+        </p:txBody>
+      </p:sp>
+    </p:spTree>
+    <p:extLst>
+      <p:ext uri="{BB962C8B-B14F-4D97-AF65-F5344CB8AC3E}">
+        <p14:creationId xmlns:p14="http://schemas.microsoft.com/office/powerpoint/2010/main" val="234714044"/>
+      </p:ext>
+    </p:extLst>
+  </p:cSld>
+  <p:clrMapOvr>
+    <a:masterClrMapping/>
+  </p:clrMapOvr>
+</p:sld>
+</file>
+
+<file path=ppt/slides/slide23.xml><?xml version="1.0" encoding="utf-8"?>
+<p:sld xmlns:a="http://schemas.openxmlformats.org/drawingml/2006/main" xmlns:r="http://schemas.openxmlformats.org/officeDocument/2006/relationships" xmlns:p="http://schemas.openxmlformats.org/presentationml/2006/main">
+  <p:cSld>
+    <p:spTree>
+      <p:nvGrpSpPr>
+        <p:cNvPr id="1" name=""/>
+        <p:cNvGrpSpPr/>
+        <p:nvPr/>
+      </p:nvGrpSpPr>
+      <p:grpSpPr>
+        <a:xfrm>
+          <a:off x="0" y="0"/>
+          <a:ext cx="0" cy="0"/>
+          <a:chOff x="0" y="0"/>
+          <a:chExt cx="0" cy="0"/>
+        </a:xfrm>
+      </p:grpSpPr>
+      <p:sp>
+        <p:nvSpPr>
+          <p:cNvPr id="2" name="Title 1">
+            <a:extLst>
+              <a:ext uri="{FF2B5EF4-FFF2-40B4-BE49-F238E27FC236}">
+                <a16:creationId xmlns:a16="http://schemas.microsoft.com/office/drawing/2014/main" id="{8702FCD4-3209-E8AE-E1E9-E312424B65F3}"/>
+              </a:ext>
+            </a:extLst>
+          </p:cNvPr>
+          <p:cNvSpPr>
+            <a:spLocks noGrp="1"/>
+          </p:cNvSpPr>
+          <p:nvPr>
+            <p:ph type="title"/>
+          </p:nvPr>
+        </p:nvSpPr>
+        <p:spPr/>
+        <p:txBody>
+          <a:bodyPr>
+            <a:normAutofit/>
+          </a:bodyPr>
+          <a:lstStyle/>
+          <a:p>
+            <a:r>
+              <a:rPr lang="vi-VN"/>
+              <a:t>Phần IV: Kết luận và hướng phát triển</a:t>
+            </a:r>
+            <a:endParaRPr lang="en-US"/>
           </a:p>
         </p:txBody>
       </p:sp>
@@ -14669,16 +17187,500 @@
             <a:fld id="{B487F271-60DF-4592-BB7F-B45BB4441AA9}" type="slidenum">
               <a:rPr lang="en-US" smtClean="0"/>
               <a:pPr/>
-              <a:t>21</a:t>
+              <a:t>23</a:t>
             </a:fld>
             <a:endParaRPr lang="en-US"/>
+          </a:p>
+        </p:txBody>
+      </p:sp>
+      <p:sp>
+        <p:nvSpPr>
+          <p:cNvPr id="7" name="Chỗ dành sẵn cho Nội dung 2">
+            <a:extLst>
+              <a:ext uri="{FF2B5EF4-FFF2-40B4-BE49-F238E27FC236}">
+                <a16:creationId xmlns:a16="http://schemas.microsoft.com/office/drawing/2014/main" id="{CDC90EE7-79FC-AC01-CE61-87E3AFF73EC1}"/>
+              </a:ext>
+            </a:extLst>
+          </p:cNvPr>
+          <p:cNvSpPr txBox="1">
+            <a:spLocks/>
+          </p:cNvSpPr>
+          <p:nvPr/>
+        </p:nvSpPr>
+        <p:spPr>
+          <a:xfrm>
+            <a:off x="169946" y="1033296"/>
+            <a:ext cx="8594557" cy="5290319"/>
+          </a:xfrm>
+          <a:prstGeom prst="rect">
+            <a:avLst/>
+          </a:prstGeom>
+        </p:spPr>
+        <p:txBody>
+          <a:bodyPr vert="horz" lIns="91440" tIns="45720" rIns="91440" bIns="45720" rtlCol="0">
+            <a:normAutofit/>
+          </a:bodyPr>
+          <a:lstStyle>
+            <a:lvl1pPr marL="228600" indent="-228600" algn="l" defTabSz="914400" rtl="0" eaLnBrk="1" latinLnBrk="0" hangingPunct="1">
+              <a:lnSpc>
+                <a:spcPct val="90000"/>
+              </a:lnSpc>
+              <a:spcBef>
+                <a:spcPts val="1000"/>
+              </a:spcBef>
+              <a:buFont typeface="Arial" panose="020B0604020202020204" pitchFamily="34" charset="0"/>
+              <a:buChar char="•"/>
+              <a:defRPr sz="2800" kern="1200">
+                <a:solidFill>
+                  <a:schemeClr val="tx1"/>
+                </a:solidFill>
+                <a:latin typeface="Arial" panose="020B0604020202020204" pitchFamily="34" charset="0"/>
+                <a:ea typeface="+mn-ea"/>
+                <a:cs typeface="Arial" panose="020B0604020202020204" pitchFamily="34" charset="0"/>
+              </a:defRPr>
+            </a:lvl1pPr>
+            <a:lvl2pPr marL="685800" indent="-228600" algn="l" defTabSz="914400" rtl="0" eaLnBrk="1" latinLnBrk="0" hangingPunct="1">
+              <a:lnSpc>
+                <a:spcPct val="90000"/>
+              </a:lnSpc>
+              <a:spcBef>
+                <a:spcPts val="500"/>
+              </a:spcBef>
+              <a:buFont typeface="Arial" panose="020B0604020202020204" pitchFamily="34" charset="0"/>
+              <a:buChar char="•"/>
+              <a:defRPr sz="2400" kern="1200">
+                <a:solidFill>
+                  <a:schemeClr val="tx1"/>
+                </a:solidFill>
+                <a:latin typeface="Arial" panose="020B0604020202020204" pitchFamily="34" charset="0"/>
+                <a:ea typeface="+mn-ea"/>
+                <a:cs typeface="Arial" panose="020B0604020202020204" pitchFamily="34" charset="0"/>
+              </a:defRPr>
+            </a:lvl2pPr>
+            <a:lvl3pPr marL="1143000" indent="-228600" algn="l" defTabSz="914400" rtl="0" eaLnBrk="1" latinLnBrk="0" hangingPunct="1">
+              <a:lnSpc>
+                <a:spcPct val="90000"/>
+              </a:lnSpc>
+              <a:spcBef>
+                <a:spcPts val="500"/>
+              </a:spcBef>
+              <a:buFont typeface="Arial" panose="020B0604020202020204" pitchFamily="34" charset="0"/>
+              <a:buChar char="•"/>
+              <a:defRPr sz="2000" kern="1200">
+                <a:solidFill>
+                  <a:schemeClr val="tx1"/>
+                </a:solidFill>
+                <a:latin typeface="Arial" panose="020B0604020202020204" pitchFamily="34" charset="0"/>
+                <a:ea typeface="+mn-ea"/>
+                <a:cs typeface="Arial" panose="020B0604020202020204" pitchFamily="34" charset="0"/>
+              </a:defRPr>
+            </a:lvl3pPr>
+            <a:lvl4pPr marL="1600200" indent="-228600" algn="l" defTabSz="914400" rtl="0" eaLnBrk="1" latinLnBrk="0" hangingPunct="1">
+              <a:lnSpc>
+                <a:spcPct val="90000"/>
+              </a:lnSpc>
+              <a:spcBef>
+                <a:spcPts val="500"/>
+              </a:spcBef>
+              <a:buFont typeface="Arial" panose="020B0604020202020204" pitchFamily="34" charset="0"/>
+              <a:buChar char="•"/>
+              <a:defRPr sz="1800" kern="1200">
+                <a:solidFill>
+                  <a:schemeClr val="tx1"/>
+                </a:solidFill>
+                <a:latin typeface="Arial" panose="020B0604020202020204" pitchFamily="34" charset="0"/>
+                <a:ea typeface="+mn-ea"/>
+                <a:cs typeface="Arial" panose="020B0604020202020204" pitchFamily="34" charset="0"/>
+              </a:defRPr>
+            </a:lvl4pPr>
+            <a:lvl5pPr marL="2057400" indent="-228600" algn="l" defTabSz="914400" rtl="0" eaLnBrk="1" latinLnBrk="0" hangingPunct="1">
+              <a:lnSpc>
+                <a:spcPct val="90000"/>
+              </a:lnSpc>
+              <a:spcBef>
+                <a:spcPts val="500"/>
+              </a:spcBef>
+              <a:buFont typeface="Arial" panose="020B0604020202020204" pitchFamily="34" charset="0"/>
+              <a:buChar char="•"/>
+              <a:defRPr sz="1800" kern="1200">
+                <a:solidFill>
+                  <a:schemeClr val="tx1"/>
+                </a:solidFill>
+                <a:latin typeface="Arial" panose="020B0604020202020204" pitchFamily="34" charset="0"/>
+                <a:ea typeface="+mn-ea"/>
+                <a:cs typeface="Arial" panose="020B0604020202020204" pitchFamily="34" charset="0"/>
+              </a:defRPr>
+            </a:lvl5pPr>
+            <a:lvl6pPr marL="2514600" indent="-228600" algn="l" defTabSz="914400" rtl="0" eaLnBrk="1" latinLnBrk="0" hangingPunct="1">
+              <a:lnSpc>
+                <a:spcPct val="90000"/>
+              </a:lnSpc>
+              <a:spcBef>
+                <a:spcPts val="500"/>
+              </a:spcBef>
+              <a:buFont typeface="Arial" panose="020B0604020202020204" pitchFamily="34" charset="0"/>
+              <a:buChar char="•"/>
+              <a:defRPr sz="1800" kern="1200">
+                <a:solidFill>
+                  <a:schemeClr val="tx1"/>
+                </a:solidFill>
+                <a:latin typeface="+mn-lt"/>
+                <a:ea typeface="+mn-ea"/>
+                <a:cs typeface="+mn-cs"/>
+              </a:defRPr>
+            </a:lvl6pPr>
+            <a:lvl7pPr marL="2971800" indent="-228600" algn="l" defTabSz="914400" rtl="0" eaLnBrk="1" latinLnBrk="0" hangingPunct="1">
+              <a:lnSpc>
+                <a:spcPct val="90000"/>
+              </a:lnSpc>
+              <a:spcBef>
+                <a:spcPts val="500"/>
+              </a:spcBef>
+              <a:buFont typeface="Arial" panose="020B0604020202020204" pitchFamily="34" charset="0"/>
+              <a:buChar char="•"/>
+              <a:defRPr sz="1800" kern="1200">
+                <a:solidFill>
+                  <a:schemeClr val="tx1"/>
+                </a:solidFill>
+                <a:latin typeface="+mn-lt"/>
+                <a:ea typeface="+mn-ea"/>
+                <a:cs typeface="+mn-cs"/>
+              </a:defRPr>
+            </a:lvl7pPr>
+            <a:lvl8pPr marL="3429000" indent="-228600" algn="l" defTabSz="914400" rtl="0" eaLnBrk="1" latinLnBrk="0" hangingPunct="1">
+              <a:lnSpc>
+                <a:spcPct val="90000"/>
+              </a:lnSpc>
+              <a:spcBef>
+                <a:spcPts val="500"/>
+              </a:spcBef>
+              <a:buFont typeface="Arial" panose="020B0604020202020204" pitchFamily="34" charset="0"/>
+              <a:buChar char="•"/>
+              <a:defRPr sz="1800" kern="1200">
+                <a:solidFill>
+                  <a:schemeClr val="tx1"/>
+                </a:solidFill>
+                <a:latin typeface="+mn-lt"/>
+                <a:ea typeface="+mn-ea"/>
+                <a:cs typeface="+mn-cs"/>
+              </a:defRPr>
+            </a:lvl8pPr>
+            <a:lvl9pPr marL="3886200" indent="-228600" algn="l" defTabSz="914400" rtl="0" eaLnBrk="1" latinLnBrk="0" hangingPunct="1">
+              <a:lnSpc>
+                <a:spcPct val="90000"/>
+              </a:lnSpc>
+              <a:spcBef>
+                <a:spcPts val="500"/>
+              </a:spcBef>
+              <a:buFont typeface="Arial" panose="020B0604020202020204" pitchFamily="34" charset="0"/>
+              <a:buChar char="•"/>
+              <a:defRPr sz="1800" kern="1200">
+                <a:solidFill>
+                  <a:schemeClr val="tx1"/>
+                </a:solidFill>
+                <a:latin typeface="+mn-lt"/>
+                <a:ea typeface="+mn-ea"/>
+                <a:cs typeface="+mn-cs"/>
+              </a:defRPr>
+            </a:lvl9pPr>
+          </a:lstStyle>
+          <a:p>
+            <a:pPr marL="0" indent="0">
+              <a:buFont typeface="Arial" panose="020B0604020202020204" pitchFamily="34" charset="0"/>
+              <a:buNone/>
+            </a:pPr>
+            <a:r>
+              <a:rPr lang="en-US" b="1" dirty="0" err="1"/>
+              <a:t>Hướng</a:t>
+            </a:r>
+            <a:r>
+              <a:rPr lang="en-US" b="1" dirty="0"/>
+              <a:t> </a:t>
+            </a:r>
+            <a:r>
+              <a:rPr lang="en-US" b="1" dirty="0" err="1"/>
+              <a:t>phát</a:t>
+            </a:r>
+            <a:r>
+              <a:rPr lang="en-US" b="1" dirty="0"/>
+              <a:t> </a:t>
+            </a:r>
+            <a:r>
+              <a:rPr lang="en-US" b="1" dirty="0" err="1"/>
+              <a:t>triển</a:t>
+            </a:r>
+            <a:endParaRPr lang="en-US" b="1" dirty="0"/>
+          </a:p>
+          <a:p>
+            <a:pPr marL="0" indent="0">
+              <a:buFont typeface="Arial" panose="020B0604020202020204" pitchFamily="34" charset="0"/>
+              <a:buNone/>
+            </a:pPr>
+            <a:endParaRPr lang="en-US" b="1" dirty="0"/>
+          </a:p>
+          <a:p>
+            <a:r>
+              <a:rPr lang="en-US" dirty="0" err="1"/>
+              <a:t>Mở</a:t>
+            </a:r>
+            <a:r>
+              <a:rPr lang="en-US" dirty="0"/>
+              <a:t> </a:t>
+            </a:r>
+            <a:r>
+              <a:rPr lang="en-US" dirty="0" err="1"/>
+              <a:t>rộng</a:t>
+            </a:r>
+            <a:r>
+              <a:rPr lang="en-US" dirty="0"/>
+              <a:t> </a:t>
+            </a:r>
+            <a:r>
+              <a:rPr lang="en-US" dirty="0" err="1"/>
+              <a:t>và</a:t>
+            </a:r>
+            <a:r>
+              <a:rPr lang="en-US" dirty="0"/>
+              <a:t> </a:t>
+            </a:r>
+            <a:r>
+              <a:rPr lang="en-US" dirty="0" err="1"/>
+              <a:t>đa</a:t>
+            </a:r>
+            <a:r>
+              <a:rPr lang="en-US" dirty="0"/>
+              <a:t> </a:t>
+            </a:r>
+            <a:r>
+              <a:rPr lang="en-US" dirty="0" err="1"/>
+              <a:t>dạng</a:t>
+            </a:r>
+            <a:r>
+              <a:rPr lang="en-US" dirty="0"/>
+              <a:t> </a:t>
+            </a:r>
+            <a:r>
+              <a:rPr lang="en-US" dirty="0" err="1"/>
+              <a:t>hóa</a:t>
+            </a:r>
+            <a:r>
+              <a:rPr lang="en-US" dirty="0"/>
+              <a:t> </a:t>
+            </a:r>
+            <a:r>
+              <a:rPr lang="en-US" dirty="0" err="1"/>
+              <a:t>tập</a:t>
+            </a:r>
+            <a:r>
+              <a:rPr lang="en-US" dirty="0"/>
+              <a:t> </a:t>
+            </a:r>
+            <a:r>
+              <a:rPr lang="en-US" dirty="0" err="1"/>
+              <a:t>dữ</a:t>
+            </a:r>
+            <a:r>
+              <a:rPr lang="en-US" dirty="0"/>
+              <a:t> </a:t>
+            </a:r>
+            <a:r>
+              <a:rPr lang="en-US" dirty="0" err="1"/>
+              <a:t>liệu</a:t>
+            </a:r>
+            <a:endParaRPr lang="en-US" dirty="0"/>
+          </a:p>
+          <a:p>
+            <a:pPr marL="0" indent="0">
+              <a:buNone/>
+            </a:pPr>
+            <a:endParaRPr lang="en-US" dirty="0"/>
+          </a:p>
+          <a:p>
+            <a:r>
+              <a:rPr lang="en-US" dirty="0" err="1"/>
+              <a:t>Mở</a:t>
+            </a:r>
+            <a:r>
+              <a:rPr lang="en-US" dirty="0"/>
+              <a:t> </a:t>
+            </a:r>
+            <a:r>
+              <a:rPr lang="en-US" dirty="0" err="1"/>
+              <a:t>rộng</a:t>
+            </a:r>
+            <a:r>
+              <a:rPr lang="en-US" dirty="0"/>
+              <a:t> </a:t>
+            </a:r>
+            <a:r>
+              <a:rPr lang="en-US" dirty="0" err="1"/>
+              <a:t>việc</a:t>
+            </a:r>
+            <a:r>
+              <a:rPr lang="en-US" dirty="0"/>
+              <a:t> </a:t>
+            </a:r>
+            <a:r>
+              <a:rPr lang="en-US" dirty="0" err="1"/>
+              <a:t>phát</a:t>
+            </a:r>
+            <a:r>
+              <a:rPr lang="en-US" dirty="0"/>
+              <a:t> </a:t>
+            </a:r>
+            <a:r>
+              <a:rPr lang="en-US" dirty="0" err="1"/>
+              <a:t>hiện</a:t>
+            </a:r>
+            <a:r>
+              <a:rPr lang="en-US" dirty="0"/>
+              <a:t> </a:t>
+            </a:r>
+            <a:r>
+              <a:rPr lang="en-US" dirty="0" err="1"/>
+              <a:t>lỗ</a:t>
+            </a:r>
+            <a:r>
+              <a:rPr lang="en-US" dirty="0"/>
+              <a:t> </a:t>
+            </a:r>
+            <a:r>
+              <a:rPr lang="en-US" dirty="0" err="1"/>
+              <a:t>hỏng</a:t>
+            </a:r>
+            <a:r>
+              <a:rPr lang="en-US" dirty="0"/>
+              <a:t> </a:t>
+            </a:r>
+            <a:r>
+              <a:rPr lang="en-US" dirty="0" err="1"/>
+              <a:t>trên</a:t>
+            </a:r>
+            <a:r>
+              <a:rPr lang="en-US" dirty="0"/>
+              <a:t> </a:t>
+            </a:r>
+            <a:r>
+              <a:rPr lang="en-US" dirty="0" err="1"/>
+              <a:t>nhiều</a:t>
+            </a:r>
+            <a:r>
+              <a:rPr lang="en-US" dirty="0"/>
+              <a:t> </a:t>
+            </a:r>
+            <a:r>
+              <a:rPr lang="en-US" dirty="0" err="1"/>
+              <a:t>nền</a:t>
+            </a:r>
+            <a:r>
+              <a:rPr lang="en-US" dirty="0"/>
+              <a:t> </a:t>
+            </a:r>
+            <a:r>
+              <a:rPr lang="en-US" dirty="0" err="1"/>
+              <a:t>tảng</a:t>
+            </a:r>
+            <a:r>
+              <a:rPr lang="en-US" dirty="0"/>
+              <a:t> </a:t>
+            </a:r>
+            <a:r>
+              <a:rPr lang="en-US" dirty="0" err="1"/>
+              <a:t>khác</a:t>
+            </a:r>
+            <a:endParaRPr lang="en-US" dirty="0"/>
+          </a:p>
+          <a:p>
+            <a:endParaRPr lang="en-US" dirty="0"/>
+          </a:p>
+          <a:p>
+            <a:r>
+              <a:rPr lang="en-US" dirty="0" err="1"/>
+              <a:t>Mở</a:t>
+            </a:r>
+            <a:r>
+              <a:rPr lang="en-US" dirty="0"/>
+              <a:t> </a:t>
+            </a:r>
+            <a:r>
+              <a:rPr lang="en-US" dirty="0" err="1"/>
+              <a:t>rộng</a:t>
+            </a:r>
+            <a:r>
+              <a:rPr lang="en-US" dirty="0"/>
+              <a:t> </a:t>
+            </a:r>
+            <a:r>
+              <a:rPr lang="en-US" dirty="0" err="1"/>
+              <a:t>sử</a:t>
+            </a:r>
+            <a:r>
+              <a:rPr lang="en-US" dirty="0"/>
+              <a:t> </a:t>
+            </a:r>
+            <a:r>
+              <a:rPr lang="en-US" dirty="0" err="1"/>
+              <a:t>phương</a:t>
+            </a:r>
+            <a:r>
+              <a:rPr lang="en-US" dirty="0"/>
+              <a:t> </a:t>
+            </a:r>
+            <a:r>
+              <a:rPr lang="en-US" dirty="0" err="1"/>
+              <a:t>pháp</a:t>
+            </a:r>
+            <a:r>
+              <a:rPr lang="en-US" dirty="0"/>
+              <a:t> </a:t>
+            </a:r>
+            <a:r>
+              <a:rPr lang="en-US" dirty="0" err="1"/>
+              <a:t>học</a:t>
+            </a:r>
+            <a:r>
+              <a:rPr lang="en-US" dirty="0"/>
+              <a:t> </a:t>
+            </a:r>
+            <a:r>
+              <a:rPr lang="en-US" dirty="0" err="1"/>
+              <a:t>sâu</a:t>
+            </a:r>
+            <a:r>
+              <a:rPr lang="en-US" dirty="0"/>
+              <a:t> </a:t>
+            </a:r>
+            <a:r>
+              <a:rPr lang="en-US" dirty="0" err="1"/>
+              <a:t>đa</a:t>
+            </a:r>
+            <a:r>
+              <a:rPr lang="en-US" dirty="0"/>
+              <a:t> </a:t>
+            </a:r>
+            <a:r>
+              <a:rPr lang="en-US" dirty="0" err="1"/>
+              <a:t>phương</a:t>
+            </a:r>
+            <a:r>
+              <a:rPr lang="en-US" dirty="0"/>
+              <a:t> </a:t>
+            </a:r>
+            <a:r>
+              <a:rPr lang="en-US" dirty="0" err="1"/>
+              <a:t>thức</a:t>
+            </a:r>
+            <a:r>
+              <a:rPr lang="en-US" dirty="0"/>
+              <a:t>, semi-supervised active learning</a:t>
+            </a:r>
           </a:p>
         </p:txBody>
       </p:sp>
     </p:spTree>
     <p:extLst>
       <p:ext uri="{BB962C8B-B14F-4D97-AF65-F5344CB8AC3E}">
-        <p14:creationId xmlns:p14="http://schemas.microsoft.com/office/powerpoint/2010/main" val="4014759166"/>
+        <p14:creationId xmlns:p14="http://schemas.microsoft.com/office/powerpoint/2010/main" val="1833149305"/>
       </p:ext>
     </p:extLst>
   </p:cSld>
@@ -14688,7 +17690,7 @@
 </p:sld>
 </file>
 
-<file path=ppt/slides/slide22.xml><?xml version="1.0" encoding="utf-8"?>
+<file path=ppt/slides/slide24.xml><?xml version="1.0" encoding="utf-8"?>
 <p:sld xmlns:a="http://schemas.openxmlformats.org/drawingml/2006/main" xmlns:r="http://schemas.openxmlformats.org/officeDocument/2006/relationships" xmlns:p="http://schemas.openxmlformats.org/presentationml/2006/main">
   <p:cSld>
     <p:spTree>
@@ -17678,8 +20680,8 @@
         </p:blipFill>
         <p:spPr>
           <a:xfrm>
-            <a:off x="-1" y="2254566"/>
-            <a:ext cx="9144000" cy="2775813"/>
+            <a:off x="-61275" y="2205872"/>
+            <a:ext cx="9266549" cy="3082565"/>
           </a:xfrm>
           <a:prstGeom prst="rect">
             <a:avLst/>

--- a/Slide_20520605_VoAnhKiet.pptx
+++ b/Slide_20520605_VoAnhKiet.pptx
@@ -523,30 +523,6 @@
     </pc:docChg>
   </pc:docChgLst>
   <pc:docChgLst>
-    <pc:chgData name="Phan Thế Duy" userId="5e9b9ff8-8bfd-40c4-a934-0fae842c79b4" providerId="ADAL" clId="{FBC1AA16-DC26-448B-8343-D0F3E02D0C1F}"/>
-    <pc:docChg chg="undo custSel modSld">
-      <pc:chgData name="Phan Thế Duy" userId="5e9b9ff8-8bfd-40c4-a934-0fae842c79b4" providerId="ADAL" clId="{FBC1AA16-DC26-448B-8343-D0F3E02D0C1F}" dt="2022-04-18T03:42:50.949" v="14" actId="20577"/>
-      <pc:docMkLst>
-        <pc:docMk/>
-      </pc:docMkLst>
-      <pc:sldChg chg="modSp mod">
-        <pc:chgData name="Phan Thế Duy" userId="5e9b9ff8-8bfd-40c4-a934-0fae842c79b4" providerId="ADAL" clId="{FBC1AA16-DC26-448B-8343-D0F3E02D0C1F}" dt="2022-04-18T03:42:50.949" v="14" actId="20577"/>
-        <pc:sldMkLst>
-          <pc:docMk/>
-          <pc:sldMk cId="0" sldId="456"/>
-        </pc:sldMkLst>
-        <pc:spChg chg="mod">
-          <ac:chgData name="Phan Thế Duy" userId="5e9b9ff8-8bfd-40c4-a934-0fae842c79b4" providerId="ADAL" clId="{FBC1AA16-DC26-448B-8343-D0F3E02D0C1F}" dt="2022-04-18T03:42:50.949" v="14" actId="20577"/>
-          <ac:spMkLst>
-            <pc:docMk/>
-            <pc:sldMk cId="0" sldId="456"/>
-            <ac:spMk id="106" creationId="{00000000-0000-0000-0000-000000000000}"/>
-          </ac:spMkLst>
-        </pc:spChg>
-      </pc:sldChg>
-    </pc:docChg>
-  </pc:docChgLst>
-  <pc:docChgLst>
     <pc:chgData name="Trịnh Minh Hoàng" userId="0b55e2e9-bc5a-4f5c-9d1d-2595fdb70851" providerId="ADAL" clId="{043F0346-A467-4F0B-A6ED-9B9133B07E4F}"/>
     <pc:docChg chg="undo custSel addSld delSld modSld sldOrd">
       <pc:chgData name="Trịnh Minh Hoàng" userId="0b55e2e9-bc5a-4f5c-9d1d-2595fdb70851" providerId="ADAL" clId="{043F0346-A467-4F0B-A6ED-9B9133B07E4F}" dt="2023-07-02T15:34:00.210" v="4110" actId="14100"/>
@@ -1216,6 +1192,30 @@
             <pc:docMk/>
             <pc:sldMk cId="3408194910" sldId="617"/>
             <ac:spMk id="16" creationId="{711BF7A4-3C63-2B65-24A4-66B50E86D26B}"/>
+          </ac:spMkLst>
+        </pc:spChg>
+      </pc:sldChg>
+    </pc:docChg>
+  </pc:docChgLst>
+  <pc:docChgLst>
+    <pc:chgData name="Phan Thế Duy" userId="5e9b9ff8-8bfd-40c4-a934-0fae842c79b4" providerId="ADAL" clId="{FBC1AA16-DC26-448B-8343-D0F3E02D0C1F}"/>
+    <pc:docChg chg="undo custSel modSld">
+      <pc:chgData name="Phan Thế Duy" userId="5e9b9ff8-8bfd-40c4-a934-0fae842c79b4" providerId="ADAL" clId="{FBC1AA16-DC26-448B-8343-D0F3E02D0C1F}" dt="2022-04-18T03:42:50.949" v="14" actId="20577"/>
+      <pc:docMkLst>
+        <pc:docMk/>
+      </pc:docMkLst>
+      <pc:sldChg chg="modSp mod">
+        <pc:chgData name="Phan Thế Duy" userId="5e9b9ff8-8bfd-40c4-a934-0fae842c79b4" providerId="ADAL" clId="{FBC1AA16-DC26-448B-8343-D0F3E02D0C1F}" dt="2022-04-18T03:42:50.949" v="14" actId="20577"/>
+        <pc:sldMkLst>
+          <pc:docMk/>
+          <pc:sldMk cId="0" sldId="456"/>
+        </pc:sldMkLst>
+        <pc:spChg chg="mod">
+          <ac:chgData name="Phan Thế Duy" userId="5e9b9ff8-8bfd-40c4-a934-0fae842c79b4" providerId="ADAL" clId="{FBC1AA16-DC26-448B-8343-D0F3E02D0C1F}" dt="2022-04-18T03:42:50.949" v="14" actId="20577"/>
+          <ac:spMkLst>
+            <pc:docMk/>
+            <pc:sldMk cId="0" sldId="456"/>
+            <ac:spMk id="106" creationId="{00000000-0000-0000-0000-000000000000}"/>
           </ac:spMkLst>
         </pc:spChg>
       </pc:sldChg>
@@ -4235,7 +4235,7 @@
           <a:p>
             <a:fld id="{E587A635-B0CF-4472-8408-4DCADBE094BF}" type="datetimeFigureOut">
               <a:rPr lang="en-US" smtClean="0"/>
-              <a:t>12/26/2023</a:t>
+              <a:t>12/31/2023</a:t>
             </a:fld>
             <a:endParaRPr lang="en-US"/>
           </a:p>
@@ -4751,7 +4751,7 @@
           <a:p>
             <a:fld id="{3132BAE4-EF96-401E-9835-FEF9D1E36FF4}" type="datetime1">
               <a:rPr lang="en-US" smtClean="0"/>
-              <a:t>12/26/2023</a:t>
+              <a:t>12/31/2023</a:t>
             </a:fld>
             <a:endParaRPr lang="en-US"/>
           </a:p>
@@ -4919,7 +4919,7 @@
           <a:p>
             <a:fld id="{1D91AC6C-1BC6-47FA-9DC8-070F2A5615A2}" type="datetime1">
               <a:rPr lang="en-US" smtClean="0"/>
-              <a:t>12/26/2023</a:t>
+              <a:t>12/31/2023</a:t>
             </a:fld>
             <a:endParaRPr lang="en-US"/>
           </a:p>
@@ -5097,7 +5097,7 @@
           <a:p>
             <a:fld id="{F236F4F4-7454-4D5D-B0E5-ADD7BEA612DE}" type="datetime1">
               <a:rPr lang="en-US" smtClean="0"/>
-              <a:t>12/26/2023</a:t>
+              <a:t>12/31/2023</a:t>
             </a:fld>
             <a:endParaRPr lang="en-US"/>
           </a:p>
@@ -6038,7 +6038,7 @@
           <a:p>
             <a:fld id="{F8FD31F5-B86C-42C2-9B18-CACBD66E1162}" type="datetime1">
               <a:rPr lang="en-US" smtClean="0"/>
-              <a:t>12/26/2023</a:t>
+              <a:t>12/31/2023</a:t>
             </a:fld>
             <a:endParaRPr lang="en-US"/>
           </a:p>
@@ -6267,7 +6267,7 @@
           <a:p>
             <a:fld id="{42F8B556-B1D1-491C-89AB-66731DCC77DE}" type="datetime1">
               <a:rPr lang="en-US" smtClean="0"/>
-              <a:t>12/26/2023</a:t>
+              <a:t>12/31/2023</a:t>
             </a:fld>
             <a:endParaRPr lang="en-US"/>
           </a:p>
@@ -6631,7 +6631,7 @@
           <a:p>
             <a:fld id="{EEDAD88C-F643-4BA5-9C82-72FA2262C860}" type="datetime1">
               <a:rPr lang="en-US" smtClean="0"/>
-              <a:t>12/26/2023</a:t>
+              <a:t>12/31/2023</a:t>
             </a:fld>
             <a:endParaRPr lang="en-US"/>
           </a:p>
@@ -6748,7 +6748,7 @@
           <a:p>
             <a:fld id="{E609ABF0-587C-4552-A769-0D8B5734B185}" type="datetime1">
               <a:rPr lang="en-US" smtClean="0"/>
-              <a:t>12/26/2023</a:t>
+              <a:t>12/31/2023</a:t>
             </a:fld>
             <a:endParaRPr lang="en-US"/>
           </a:p>
@@ -6843,7 +6843,7 @@
           <a:p>
             <a:fld id="{A77393E2-C834-4338-A398-5464AB7866F5}" type="datetime1">
               <a:rPr lang="en-US" smtClean="0"/>
-              <a:t>12/26/2023</a:t>
+              <a:t>12/31/2023</a:t>
             </a:fld>
             <a:endParaRPr lang="en-US"/>
           </a:p>
@@ -7118,7 +7118,7 @@
           <a:p>
             <a:fld id="{2891DBC9-E6B0-4610-A49D-534249B0763B}" type="datetime1">
               <a:rPr lang="en-US" smtClean="0"/>
-              <a:t>12/26/2023</a:t>
+              <a:t>12/31/2023</a:t>
             </a:fld>
             <a:endParaRPr lang="en-US"/>
           </a:p>
@@ -7373,7 +7373,7 @@
           <a:p>
             <a:fld id="{184A8F27-1C85-43B1-B996-E57117C13630}" type="datetime1">
               <a:rPr lang="en-US" smtClean="0"/>
-              <a:t>12/26/2023</a:t>
+              <a:t>12/31/2023</a:t>
             </a:fld>
             <a:endParaRPr lang="en-US"/>
           </a:p>
@@ -7584,7 +7584,7 @@
           <a:p>
             <a:fld id="{EC887FB8-3E84-421F-B192-10C24D654A3B}" type="datetime1">
               <a:rPr lang="en-US" smtClean="0"/>
-              <a:t>12/26/2023</a:t>
+              <a:t>12/31/2023</a:t>
             </a:fld>
             <a:endParaRPr lang="en-US"/>
           </a:p>
@@ -19041,10 +19041,10 @@
       </p:sp>
       <p:pic>
         <p:nvPicPr>
-          <p:cNvPr id="8" name="Picture 7" descr="A blue and pink paper with a blue background&#10;&#10;Description automatically generated with medium confidence">
+          <p:cNvPr id="6" name="Picture 5" descr="A blue rectangular sign with icons and symbols&#10;&#10;Description automatically generated with medium confidence">
             <a:extLst>
               <a:ext uri="{FF2B5EF4-FFF2-40B4-BE49-F238E27FC236}">
-                <a16:creationId xmlns:a16="http://schemas.microsoft.com/office/drawing/2014/main" id="{283ECB0B-E76E-98A8-6C5B-6CC4A45A2BBD}"/>
+                <a16:creationId xmlns:a16="http://schemas.microsoft.com/office/drawing/2014/main" id="{48549310-8EBF-E83B-DC3E-9D248C5BDA6E}"/>
               </a:ext>
             </a:extLst>
           </p:cNvPr>
@@ -19067,8 +19067,8 @@
         </p:blipFill>
         <p:spPr>
           <a:xfrm>
-            <a:off x="1065229" y="1715217"/>
-            <a:ext cx="7013542" cy="3879171"/>
+            <a:off x="1141515" y="1597412"/>
+            <a:ext cx="6860969" cy="4608284"/>
           </a:xfrm>
           <a:prstGeom prst="rect">
             <a:avLst/>
@@ -19248,10 +19248,10 @@
       </p:sp>
       <p:pic>
         <p:nvPicPr>
-          <p:cNvPr id="6" name="Picture 5" descr="A brain and gear with lines and dots&#10;&#10;Description automatically generated">
+          <p:cNvPr id="12" name="Picture 11" descr="A computer code with text&#10;&#10;Description automatically generated">
             <a:extLst>
               <a:ext uri="{FF2B5EF4-FFF2-40B4-BE49-F238E27FC236}">
-                <a16:creationId xmlns:a16="http://schemas.microsoft.com/office/drawing/2014/main" id="{EE503BCE-4104-1735-1A3D-0D8CE700B779}"/>
+                <a16:creationId xmlns:a16="http://schemas.microsoft.com/office/drawing/2014/main" id="{4C62FDCD-3877-7B66-CF7D-37D46DBFF11B}"/>
               </a:ext>
             </a:extLst>
           </p:cNvPr>
@@ -19274,14 +19274,61 @@
         </p:blipFill>
         <p:spPr>
           <a:xfrm>
-            <a:off x="815418" y="1591432"/>
-            <a:ext cx="7513163" cy="4126742"/>
+            <a:off x="1600200" y="1517104"/>
+            <a:ext cx="5943600" cy="4275397"/>
           </a:xfrm>
           <a:prstGeom prst="rect">
             <a:avLst/>
           </a:prstGeom>
         </p:spPr>
       </p:pic>
+      <p:cxnSp>
+        <p:nvCxnSpPr>
+          <p:cNvPr id="14" name="Straight Arrow Connector 13">
+            <a:extLst>
+              <a:ext uri="{FF2B5EF4-FFF2-40B4-BE49-F238E27FC236}">
+                <a16:creationId xmlns:a16="http://schemas.microsoft.com/office/drawing/2014/main" id="{07070622-8251-7BA3-EC4F-8C11518FA23D}"/>
+              </a:ext>
+            </a:extLst>
+          </p:cNvPr>
+          <p:cNvCxnSpPr>
+            <a:cxnSpLocks/>
+          </p:cNvCxnSpPr>
+          <p:nvPr/>
+        </p:nvCxnSpPr>
+        <p:spPr>
+          <a:xfrm flipH="1" flipV="1">
+            <a:off x="6822649" y="4399733"/>
+            <a:ext cx="1661475" cy="941163"/>
+          </a:xfrm>
+          <a:prstGeom prst="straightConnector1">
+            <a:avLst/>
+          </a:prstGeom>
+          <a:ln w="76200" cap="flat" cmpd="sng" algn="ctr">
+            <a:solidFill>
+              <a:schemeClr val="accent2"/>
+            </a:solidFill>
+            <a:prstDash val="solid"/>
+            <a:round/>
+            <a:headEnd type="none" w="med" len="med"/>
+            <a:tailEnd type="arrow" w="med" len="med"/>
+          </a:ln>
+        </p:spPr>
+        <p:style>
+          <a:lnRef idx="0">
+            <a:scrgbClr r="0" g="0" b="0"/>
+          </a:lnRef>
+          <a:fillRef idx="0">
+            <a:scrgbClr r="0" g="0" b="0"/>
+          </a:fillRef>
+          <a:effectRef idx="0">
+            <a:scrgbClr r="0" g="0" b="0"/>
+          </a:effectRef>
+          <a:fontRef idx="minor">
+            <a:schemeClr val="tx1"/>
+          </a:fontRef>
+        </p:style>
+      </p:cxnSp>
     </p:spTree>
     <p:extLst>
       <p:ext uri="{BB962C8B-B14F-4D97-AF65-F5344CB8AC3E}">

--- a/Slide_20520605_VoAnhKiet.pptx
+++ b/Slide_20520605_VoAnhKiet.pptx
@@ -526,30 +526,6 @@
           <pc:docMk/>
           <pc:sldMk cId="2450257863" sldId="593"/>
         </pc:sldMkLst>
-      </pc:sldChg>
-    </pc:docChg>
-  </pc:docChgLst>
-  <pc:docChgLst>
-    <pc:chgData name="Phan Thế Duy" userId="5e9b9ff8-8bfd-40c4-a934-0fae842c79b4" providerId="ADAL" clId="{FBC1AA16-DC26-448B-8343-D0F3E02D0C1F}"/>
-    <pc:docChg chg="undo custSel modSld">
-      <pc:chgData name="Phan Thế Duy" userId="5e9b9ff8-8bfd-40c4-a934-0fae842c79b4" providerId="ADAL" clId="{FBC1AA16-DC26-448B-8343-D0F3E02D0C1F}" dt="2022-04-18T03:42:50.949" v="14" actId="20577"/>
-      <pc:docMkLst>
-        <pc:docMk/>
-      </pc:docMkLst>
-      <pc:sldChg chg="modSp mod">
-        <pc:chgData name="Phan Thế Duy" userId="5e9b9ff8-8bfd-40c4-a934-0fae842c79b4" providerId="ADAL" clId="{FBC1AA16-DC26-448B-8343-D0F3E02D0C1F}" dt="2022-04-18T03:42:50.949" v="14" actId="20577"/>
-        <pc:sldMkLst>
-          <pc:docMk/>
-          <pc:sldMk cId="0" sldId="456"/>
-        </pc:sldMkLst>
-        <pc:spChg chg="mod">
-          <ac:chgData name="Phan Thế Duy" userId="5e9b9ff8-8bfd-40c4-a934-0fae842c79b4" providerId="ADAL" clId="{FBC1AA16-DC26-448B-8343-D0F3E02D0C1F}" dt="2022-04-18T03:42:50.949" v="14" actId="20577"/>
-          <ac:spMkLst>
-            <pc:docMk/>
-            <pc:sldMk cId="0" sldId="456"/>
-            <ac:spMk id="106" creationId="{00000000-0000-0000-0000-000000000000}"/>
-          </ac:spMkLst>
-        </pc:spChg>
       </pc:sldChg>
     </pc:docChg>
   </pc:docChgLst>
@@ -1223,6 +1199,30 @@
             <pc:docMk/>
             <pc:sldMk cId="3408194910" sldId="617"/>
             <ac:spMk id="16" creationId="{711BF7A4-3C63-2B65-24A4-66B50E86D26B}"/>
+          </ac:spMkLst>
+        </pc:spChg>
+      </pc:sldChg>
+    </pc:docChg>
+  </pc:docChgLst>
+  <pc:docChgLst>
+    <pc:chgData name="Phan Thế Duy" userId="5e9b9ff8-8bfd-40c4-a934-0fae842c79b4" providerId="ADAL" clId="{FBC1AA16-DC26-448B-8343-D0F3E02D0C1F}"/>
+    <pc:docChg chg="undo custSel modSld">
+      <pc:chgData name="Phan Thế Duy" userId="5e9b9ff8-8bfd-40c4-a934-0fae842c79b4" providerId="ADAL" clId="{FBC1AA16-DC26-448B-8343-D0F3E02D0C1F}" dt="2022-04-18T03:42:50.949" v="14" actId="20577"/>
+      <pc:docMkLst>
+        <pc:docMk/>
+      </pc:docMkLst>
+      <pc:sldChg chg="modSp mod">
+        <pc:chgData name="Phan Thế Duy" userId="5e9b9ff8-8bfd-40c4-a934-0fae842c79b4" providerId="ADAL" clId="{FBC1AA16-DC26-448B-8343-D0F3E02D0C1F}" dt="2022-04-18T03:42:50.949" v="14" actId="20577"/>
+        <pc:sldMkLst>
+          <pc:docMk/>
+          <pc:sldMk cId="0" sldId="456"/>
+        </pc:sldMkLst>
+        <pc:spChg chg="mod">
+          <ac:chgData name="Phan Thế Duy" userId="5e9b9ff8-8bfd-40c4-a934-0fae842c79b4" providerId="ADAL" clId="{FBC1AA16-DC26-448B-8343-D0F3E02D0C1F}" dt="2022-04-18T03:42:50.949" v="14" actId="20577"/>
+          <ac:spMkLst>
+            <pc:docMk/>
+            <pc:sldMk cId="0" sldId="456"/>
+            <ac:spMk id="106" creationId="{00000000-0000-0000-0000-000000000000}"/>
           </ac:spMkLst>
         </pc:spChg>
       </pc:sldChg>
@@ -9673,10 +9673,20 @@
             </a:r>
             <a:r>
               <a:rPr lang="en-US" sz="1400" i="1" dirty="0"/>
-              <a:t> Y. Xu, G. Hu, L. You, and C. Cao, “A novel machine learning-based analysis model for smart contract vulnerability,” Security and Communication Networks, vol. 2021, pp. 1–12, 2021.</a:t>
-            </a:r>
-            <a:r>
-              <a:rPr lang="vi-VN" sz="1400" i="1" dirty="0"/>
+              <a:t> </a:t>
+            </a:r>
+            <a:r>
+              <a:rPr lang="en-US" sz="1400" i="1" dirty="0">
+                <a:latin typeface="Arial" panose="020B0604020202020204" pitchFamily="34" charset="0"/>
+                <a:cs typeface="Arial" panose="020B0604020202020204" pitchFamily="34" charset="0"/>
+              </a:rPr>
+              <a:t>Y. Xu, G. Hu, L. You, and C. Cao, “A novel machine learning-based analysis model for smart contract vulnerability,” Security and Communication Networks, vol. 2021, pp. 1–12, 2021.</a:t>
+            </a:r>
+            <a:r>
+              <a:rPr lang="vi-VN" sz="1400" i="1" dirty="0">
+                <a:latin typeface="Arial" panose="020B0604020202020204" pitchFamily="34" charset="0"/>
+                <a:cs typeface="Arial" panose="020B0604020202020204" pitchFamily="34" charset="0"/>
+              </a:rPr>
               <a:t> </a:t>
             </a:r>
           </a:p>
@@ -30112,6 +30122,147 @@
           </a:p>
         </p:txBody>
       </p:sp>
+      <p:sp>
+        <p:nvSpPr>
+          <p:cNvPr id="5" name="TextBox 5">
+            <a:extLst>
+              <a:ext uri="{FF2B5EF4-FFF2-40B4-BE49-F238E27FC236}">
+                <a16:creationId xmlns:a16="http://schemas.microsoft.com/office/drawing/2014/main" id="{30EB6ECB-5C7E-5B15-6B76-26D37EFEB61A}"/>
+              </a:ext>
+            </a:extLst>
+          </p:cNvPr>
+          <p:cNvSpPr txBox="1"/>
+          <p:nvPr/>
+        </p:nvSpPr>
+        <p:spPr>
+          <a:xfrm>
+            <a:off x="53637" y="5825719"/>
+            <a:ext cx="8757487" cy="307777"/>
+          </a:xfrm>
+          <a:prstGeom prst="rect">
+            <a:avLst/>
+          </a:prstGeom>
+          <a:noFill/>
+        </p:spPr>
+        <p:txBody>
+          <a:bodyPr wrap="square">
+            <a:spAutoFit/>
+          </a:bodyPr>
+          <a:lstStyle>
+            <a:defPPr>
+              <a:defRPr lang="en-US"/>
+            </a:defPPr>
+            <a:lvl1pPr marL="0" algn="l" defTabSz="457200" rtl="0" eaLnBrk="1" latinLnBrk="0" hangingPunct="1">
+              <a:defRPr sz="1800" kern="1200">
+                <a:solidFill>
+                  <a:schemeClr val="tx1"/>
+                </a:solidFill>
+                <a:latin typeface="+mn-lt"/>
+                <a:ea typeface="+mn-ea"/>
+                <a:cs typeface="+mn-cs"/>
+              </a:defRPr>
+            </a:lvl1pPr>
+            <a:lvl2pPr marL="457200" algn="l" defTabSz="457200" rtl="0" eaLnBrk="1" latinLnBrk="0" hangingPunct="1">
+              <a:defRPr sz="1800" kern="1200">
+                <a:solidFill>
+                  <a:schemeClr val="tx1"/>
+                </a:solidFill>
+                <a:latin typeface="+mn-lt"/>
+                <a:ea typeface="+mn-ea"/>
+                <a:cs typeface="+mn-cs"/>
+              </a:defRPr>
+            </a:lvl2pPr>
+            <a:lvl3pPr marL="914400" algn="l" defTabSz="457200" rtl="0" eaLnBrk="1" latinLnBrk="0" hangingPunct="1">
+              <a:defRPr sz="1800" kern="1200">
+                <a:solidFill>
+                  <a:schemeClr val="tx1"/>
+                </a:solidFill>
+                <a:latin typeface="+mn-lt"/>
+                <a:ea typeface="+mn-ea"/>
+                <a:cs typeface="+mn-cs"/>
+              </a:defRPr>
+            </a:lvl3pPr>
+            <a:lvl4pPr marL="1371600" algn="l" defTabSz="457200" rtl="0" eaLnBrk="1" latinLnBrk="0" hangingPunct="1">
+              <a:defRPr sz="1800" kern="1200">
+                <a:solidFill>
+                  <a:schemeClr val="tx1"/>
+                </a:solidFill>
+                <a:latin typeface="+mn-lt"/>
+                <a:ea typeface="+mn-ea"/>
+                <a:cs typeface="+mn-cs"/>
+              </a:defRPr>
+            </a:lvl4pPr>
+            <a:lvl5pPr marL="1828800" algn="l" defTabSz="457200" rtl="0" eaLnBrk="1" latinLnBrk="0" hangingPunct="1">
+              <a:defRPr sz="1800" kern="1200">
+                <a:solidFill>
+                  <a:schemeClr val="tx1"/>
+                </a:solidFill>
+                <a:latin typeface="+mn-lt"/>
+                <a:ea typeface="+mn-ea"/>
+                <a:cs typeface="+mn-cs"/>
+              </a:defRPr>
+            </a:lvl5pPr>
+            <a:lvl6pPr marL="2286000" algn="l" defTabSz="457200" rtl="0" eaLnBrk="1" latinLnBrk="0" hangingPunct="1">
+              <a:defRPr sz="1800" kern="1200">
+                <a:solidFill>
+                  <a:schemeClr val="tx1"/>
+                </a:solidFill>
+                <a:latin typeface="+mn-lt"/>
+                <a:ea typeface="+mn-ea"/>
+                <a:cs typeface="+mn-cs"/>
+              </a:defRPr>
+            </a:lvl6pPr>
+            <a:lvl7pPr marL="2743200" algn="l" defTabSz="457200" rtl="0" eaLnBrk="1" latinLnBrk="0" hangingPunct="1">
+              <a:defRPr sz="1800" kern="1200">
+                <a:solidFill>
+                  <a:schemeClr val="tx1"/>
+                </a:solidFill>
+                <a:latin typeface="+mn-lt"/>
+                <a:ea typeface="+mn-ea"/>
+                <a:cs typeface="+mn-cs"/>
+              </a:defRPr>
+            </a:lvl7pPr>
+            <a:lvl8pPr marL="3200400" algn="l" defTabSz="457200" rtl="0" eaLnBrk="1" latinLnBrk="0" hangingPunct="1">
+              <a:defRPr sz="1800" kern="1200">
+                <a:solidFill>
+                  <a:schemeClr val="tx1"/>
+                </a:solidFill>
+                <a:latin typeface="+mn-lt"/>
+                <a:ea typeface="+mn-ea"/>
+                <a:cs typeface="+mn-cs"/>
+              </a:defRPr>
+            </a:lvl8pPr>
+            <a:lvl9pPr marL="3657600" algn="l" defTabSz="457200" rtl="0" eaLnBrk="1" latinLnBrk="0" hangingPunct="1">
+              <a:defRPr sz="1800" kern="1200">
+                <a:solidFill>
+                  <a:schemeClr val="tx1"/>
+                </a:solidFill>
+                <a:latin typeface="+mn-lt"/>
+                <a:ea typeface="+mn-ea"/>
+                <a:cs typeface="+mn-cs"/>
+              </a:defRPr>
+            </a:lvl9pPr>
+          </a:lstStyle>
+          <a:p>
+            <a:pPr algn="r" rtl="0">
+              <a:spcBef>
+                <a:spcPts val="0"/>
+              </a:spcBef>
+              <a:spcAft>
+                <a:spcPts val="1200"/>
+              </a:spcAft>
+            </a:pPr>
+            <a:r>
+              <a:rPr lang="vi-VN" sz="1400" i="1" dirty="0"/>
+              <a:t>Nguồn: ISO Standard, IEEE Standard</a:t>
+            </a:r>
+            <a:endParaRPr lang="vi-VN" sz="1400" i="1" dirty="0">
+              <a:latin typeface="Arial" panose="020B0604020202020204" pitchFamily="34" charset="0"/>
+              <a:cs typeface="Arial" panose="020B0604020202020204" pitchFamily="34" charset="0"/>
+            </a:endParaRPr>
+          </a:p>
+        </p:txBody>
+      </p:sp>
     </p:spTree>
     <p:extLst>
       <p:ext uri="{BB962C8B-B14F-4D97-AF65-F5344CB8AC3E}">
@@ -30363,6 +30514,147 @@
               <a:t>9</a:t>
             </a:fld>
             <a:endParaRPr lang="en-US"/>
+          </a:p>
+        </p:txBody>
+      </p:sp>
+      <p:sp>
+        <p:nvSpPr>
+          <p:cNvPr id="5" name="TextBox 5">
+            <a:extLst>
+              <a:ext uri="{FF2B5EF4-FFF2-40B4-BE49-F238E27FC236}">
+                <a16:creationId xmlns:a16="http://schemas.microsoft.com/office/drawing/2014/main" id="{5BC78DE1-0C65-968A-F13F-F4696EE31B75}"/>
+              </a:ext>
+            </a:extLst>
+          </p:cNvPr>
+          <p:cNvSpPr txBox="1"/>
+          <p:nvPr/>
+        </p:nvSpPr>
+        <p:spPr>
+          <a:xfrm>
+            <a:off x="53637" y="5825719"/>
+            <a:ext cx="8757487" cy="307777"/>
+          </a:xfrm>
+          <a:prstGeom prst="rect">
+            <a:avLst/>
+          </a:prstGeom>
+          <a:noFill/>
+        </p:spPr>
+        <p:txBody>
+          <a:bodyPr wrap="square">
+            <a:spAutoFit/>
+          </a:bodyPr>
+          <a:lstStyle>
+            <a:defPPr>
+              <a:defRPr lang="en-US"/>
+            </a:defPPr>
+            <a:lvl1pPr marL="0" algn="l" defTabSz="457200" rtl="0" eaLnBrk="1" latinLnBrk="0" hangingPunct="1">
+              <a:defRPr sz="1800" kern="1200">
+                <a:solidFill>
+                  <a:schemeClr val="tx1"/>
+                </a:solidFill>
+                <a:latin typeface="+mn-lt"/>
+                <a:ea typeface="+mn-ea"/>
+                <a:cs typeface="+mn-cs"/>
+              </a:defRPr>
+            </a:lvl1pPr>
+            <a:lvl2pPr marL="457200" algn="l" defTabSz="457200" rtl="0" eaLnBrk="1" latinLnBrk="0" hangingPunct="1">
+              <a:defRPr sz="1800" kern="1200">
+                <a:solidFill>
+                  <a:schemeClr val="tx1"/>
+                </a:solidFill>
+                <a:latin typeface="+mn-lt"/>
+                <a:ea typeface="+mn-ea"/>
+                <a:cs typeface="+mn-cs"/>
+              </a:defRPr>
+            </a:lvl2pPr>
+            <a:lvl3pPr marL="914400" algn="l" defTabSz="457200" rtl="0" eaLnBrk="1" latinLnBrk="0" hangingPunct="1">
+              <a:defRPr sz="1800" kern="1200">
+                <a:solidFill>
+                  <a:schemeClr val="tx1"/>
+                </a:solidFill>
+                <a:latin typeface="+mn-lt"/>
+                <a:ea typeface="+mn-ea"/>
+                <a:cs typeface="+mn-cs"/>
+              </a:defRPr>
+            </a:lvl3pPr>
+            <a:lvl4pPr marL="1371600" algn="l" defTabSz="457200" rtl="0" eaLnBrk="1" latinLnBrk="0" hangingPunct="1">
+              <a:defRPr sz="1800" kern="1200">
+                <a:solidFill>
+                  <a:schemeClr val="tx1"/>
+                </a:solidFill>
+                <a:latin typeface="+mn-lt"/>
+                <a:ea typeface="+mn-ea"/>
+                <a:cs typeface="+mn-cs"/>
+              </a:defRPr>
+            </a:lvl4pPr>
+            <a:lvl5pPr marL="1828800" algn="l" defTabSz="457200" rtl="0" eaLnBrk="1" latinLnBrk="0" hangingPunct="1">
+              <a:defRPr sz="1800" kern="1200">
+                <a:solidFill>
+                  <a:schemeClr val="tx1"/>
+                </a:solidFill>
+                <a:latin typeface="+mn-lt"/>
+                <a:ea typeface="+mn-ea"/>
+                <a:cs typeface="+mn-cs"/>
+              </a:defRPr>
+            </a:lvl5pPr>
+            <a:lvl6pPr marL="2286000" algn="l" defTabSz="457200" rtl="0" eaLnBrk="1" latinLnBrk="0" hangingPunct="1">
+              <a:defRPr sz="1800" kern="1200">
+                <a:solidFill>
+                  <a:schemeClr val="tx1"/>
+                </a:solidFill>
+                <a:latin typeface="+mn-lt"/>
+                <a:ea typeface="+mn-ea"/>
+                <a:cs typeface="+mn-cs"/>
+              </a:defRPr>
+            </a:lvl6pPr>
+            <a:lvl7pPr marL="2743200" algn="l" defTabSz="457200" rtl="0" eaLnBrk="1" latinLnBrk="0" hangingPunct="1">
+              <a:defRPr sz="1800" kern="1200">
+                <a:solidFill>
+                  <a:schemeClr val="tx1"/>
+                </a:solidFill>
+                <a:latin typeface="+mn-lt"/>
+                <a:ea typeface="+mn-ea"/>
+                <a:cs typeface="+mn-cs"/>
+              </a:defRPr>
+            </a:lvl7pPr>
+            <a:lvl8pPr marL="3200400" algn="l" defTabSz="457200" rtl="0" eaLnBrk="1" latinLnBrk="0" hangingPunct="1">
+              <a:defRPr sz="1800" kern="1200">
+                <a:solidFill>
+                  <a:schemeClr val="tx1"/>
+                </a:solidFill>
+                <a:latin typeface="+mn-lt"/>
+                <a:ea typeface="+mn-ea"/>
+                <a:cs typeface="+mn-cs"/>
+              </a:defRPr>
+            </a:lvl8pPr>
+            <a:lvl9pPr marL="3657600" algn="l" defTabSz="457200" rtl="0" eaLnBrk="1" latinLnBrk="0" hangingPunct="1">
+              <a:defRPr sz="1800" kern="1200">
+                <a:solidFill>
+                  <a:schemeClr val="tx1"/>
+                </a:solidFill>
+                <a:latin typeface="+mn-lt"/>
+                <a:ea typeface="+mn-ea"/>
+                <a:cs typeface="+mn-cs"/>
+              </a:defRPr>
+            </a:lvl9pPr>
+          </a:lstStyle>
+          <a:p>
+            <a:pPr algn="r" rtl="0">
+              <a:spcBef>
+                <a:spcPts val="0"/>
+              </a:spcBef>
+              <a:spcAft>
+                <a:spcPts val="1200"/>
+              </a:spcAft>
+            </a:pPr>
+            <a:r>
+              <a:rPr lang="vi-VN" sz="1400" i="1" dirty="0"/>
+              <a:t>Nguồn: ISO Standard, IEEE Standard</a:t>
+            </a:r>
+            <a:endParaRPr lang="vi-VN" sz="1400" i="1" dirty="0">
+              <a:latin typeface="Arial" panose="020B0604020202020204" pitchFamily="34" charset="0"/>
+              <a:cs typeface="Arial" panose="020B0604020202020204" pitchFamily="34" charset="0"/>
+            </a:endParaRPr>
           </a:p>
         </p:txBody>
       </p:sp>

--- a/Slide_20520605_VoAnhKiet.pptx
+++ b/Slide_20520605_VoAnhKiet.pptx
@@ -5,7 +5,7 @@
     <p:sldMasterId id="2147483660" r:id="rId1"/>
   </p:sldMasterIdLst>
   <p:notesMasterIdLst>
-    <p:notesMasterId r:id="rId33"/>
+    <p:notesMasterId r:id="rId35"/>
   </p:notesMasterIdLst>
   <p:sldIdLst>
     <p:sldId id="456" r:id="rId2"/>
@@ -36,9 +36,11 @@
     <p:sldId id="626" r:id="rId27"/>
     <p:sldId id="641" r:id="rId28"/>
     <p:sldId id="638" r:id="rId29"/>
-    <p:sldId id="639" r:id="rId30"/>
-    <p:sldId id="640" r:id="rId31"/>
-    <p:sldId id="587" r:id="rId32"/>
+    <p:sldId id="644" r:id="rId30"/>
+    <p:sldId id="639" r:id="rId31"/>
+    <p:sldId id="640" r:id="rId32"/>
+    <p:sldId id="646" r:id="rId33"/>
+    <p:sldId id="587" r:id="rId34"/>
   </p:sldIdLst>
   <p:sldSz cx="9144000" cy="6858000" type="screen4x3"/>
   <p:notesSz cx="6858000" cy="9144000"/>
@@ -526,6 +528,30 @@
           <pc:docMk/>
           <pc:sldMk cId="2450257863" sldId="593"/>
         </pc:sldMkLst>
+      </pc:sldChg>
+    </pc:docChg>
+  </pc:docChgLst>
+  <pc:docChgLst>
+    <pc:chgData name="Phan Thế Duy" userId="5e9b9ff8-8bfd-40c4-a934-0fae842c79b4" providerId="ADAL" clId="{FBC1AA16-DC26-448B-8343-D0F3E02D0C1F}"/>
+    <pc:docChg chg="undo custSel modSld">
+      <pc:chgData name="Phan Thế Duy" userId="5e9b9ff8-8bfd-40c4-a934-0fae842c79b4" providerId="ADAL" clId="{FBC1AA16-DC26-448B-8343-D0F3E02D0C1F}" dt="2022-04-18T03:42:50.949" v="14" actId="20577"/>
+      <pc:docMkLst>
+        <pc:docMk/>
+      </pc:docMkLst>
+      <pc:sldChg chg="modSp mod">
+        <pc:chgData name="Phan Thế Duy" userId="5e9b9ff8-8bfd-40c4-a934-0fae842c79b4" providerId="ADAL" clId="{FBC1AA16-DC26-448B-8343-D0F3E02D0C1F}" dt="2022-04-18T03:42:50.949" v="14" actId="20577"/>
+        <pc:sldMkLst>
+          <pc:docMk/>
+          <pc:sldMk cId="0" sldId="456"/>
+        </pc:sldMkLst>
+        <pc:spChg chg="mod">
+          <ac:chgData name="Phan Thế Duy" userId="5e9b9ff8-8bfd-40c4-a934-0fae842c79b4" providerId="ADAL" clId="{FBC1AA16-DC26-448B-8343-D0F3E02D0C1F}" dt="2022-04-18T03:42:50.949" v="14" actId="20577"/>
+          <ac:spMkLst>
+            <pc:docMk/>
+            <pc:sldMk cId="0" sldId="456"/>
+            <ac:spMk id="106" creationId="{00000000-0000-0000-0000-000000000000}"/>
+          </ac:spMkLst>
+        </pc:spChg>
       </pc:sldChg>
     </pc:docChg>
   </pc:docChgLst>
@@ -1199,30 +1225,6 @@
             <pc:docMk/>
             <pc:sldMk cId="3408194910" sldId="617"/>
             <ac:spMk id="16" creationId="{711BF7A4-3C63-2B65-24A4-66B50E86D26B}"/>
-          </ac:spMkLst>
-        </pc:spChg>
-      </pc:sldChg>
-    </pc:docChg>
-  </pc:docChgLst>
-  <pc:docChgLst>
-    <pc:chgData name="Phan Thế Duy" userId="5e9b9ff8-8bfd-40c4-a934-0fae842c79b4" providerId="ADAL" clId="{FBC1AA16-DC26-448B-8343-D0F3E02D0C1F}"/>
-    <pc:docChg chg="undo custSel modSld">
-      <pc:chgData name="Phan Thế Duy" userId="5e9b9ff8-8bfd-40c4-a934-0fae842c79b4" providerId="ADAL" clId="{FBC1AA16-DC26-448B-8343-D0F3E02D0C1F}" dt="2022-04-18T03:42:50.949" v="14" actId="20577"/>
-      <pc:docMkLst>
-        <pc:docMk/>
-      </pc:docMkLst>
-      <pc:sldChg chg="modSp mod">
-        <pc:chgData name="Phan Thế Duy" userId="5e9b9ff8-8bfd-40c4-a934-0fae842c79b4" providerId="ADAL" clId="{FBC1AA16-DC26-448B-8343-D0F3E02D0C1F}" dt="2022-04-18T03:42:50.949" v="14" actId="20577"/>
-        <pc:sldMkLst>
-          <pc:docMk/>
-          <pc:sldMk cId="0" sldId="456"/>
-        </pc:sldMkLst>
-        <pc:spChg chg="mod">
-          <ac:chgData name="Phan Thế Duy" userId="5e9b9ff8-8bfd-40c4-a934-0fae842c79b4" providerId="ADAL" clId="{FBC1AA16-DC26-448B-8343-D0F3E02D0C1F}" dt="2022-04-18T03:42:50.949" v="14" actId="20577"/>
-          <ac:spMkLst>
-            <pc:docMk/>
-            <pc:sldMk cId="0" sldId="456"/>
-            <ac:spMk id="106" creationId="{00000000-0000-0000-0000-000000000000}"/>
           </ac:spMkLst>
         </pc:spChg>
       </pc:sldChg>
@@ -10283,7 +10285,7 @@
           <a:p>
             <a:r>
               <a:rPr lang="vi-VN" dirty="0"/>
-              <a:t>Phần III: Phương pháp thiết kế</a:t>
+              <a:t>Phần III: Hệ thống đề xuất</a:t>
             </a:r>
           </a:p>
         </p:txBody>
@@ -10509,7 +10511,7 @@
           <a:p>
             <a:r>
               <a:rPr lang="vi-VN" dirty="0"/>
-              <a:t>Phần III: Phương pháp thiết kế</a:t>
+              <a:t>Phần III: Hệ thống đề xuất</a:t>
             </a:r>
           </a:p>
         </p:txBody>
@@ -10635,7 +10637,7 @@
           <a:p>
             <a:r>
               <a:rPr lang="vi-VN" dirty="0"/>
-              <a:t>Phần III: Phương pháp thiết kế</a:t>
+              <a:t>Phần III: Hệ thống đề xuất</a:t>
             </a:r>
           </a:p>
         </p:txBody>
@@ -11088,7 +11090,7 @@
         </p:nvSpPr>
         <p:spPr>
           <a:xfrm flipH="1">
-            <a:off x="5037320" y="5311575"/>
+            <a:off x="4856507" y="5238874"/>
             <a:ext cx="4106679" cy="677108"/>
           </a:xfrm>
           <a:prstGeom prst="rect">
@@ -11195,7 +11197,7 @@
           <a:p>
             <a:r>
               <a:rPr lang="vi-VN" dirty="0"/>
-              <a:t>Phần III: Phương pháp thiết kế</a:t>
+              <a:t>Phần III: Hệ thống đề xuất</a:t>
             </a:r>
           </a:p>
         </p:txBody>
@@ -11733,7 +11735,7 @@
           <a:p>
             <a:r>
               <a:rPr lang="vi-VN" dirty="0"/>
-              <a:t>Phần III: Phương pháp thiết kế</a:t>
+              <a:t>Phần III: Hệ thống đề xuất</a:t>
             </a:r>
           </a:p>
         </p:txBody>
@@ -11929,7 +11931,7 @@
           <a:p>
             <a:r>
               <a:rPr lang="vi-VN" dirty="0"/>
-              <a:t>Phần III: Phương pháp thiết kế</a:t>
+              <a:t>Phần III: Hệ thống đề xuất</a:t>
             </a:r>
           </a:p>
         </p:txBody>
@@ -13349,39 +13351,7 @@
             </a:pPr>
             <a:r>
               <a:rPr lang="vi-VN" sz="3200" b="1" dirty="0"/>
-              <a:t>Phần III:</a:t>
-            </a:r>
-            <a:r>
-              <a:rPr lang="en-US" sz="3200" b="1" dirty="0"/>
-              <a:t> </a:t>
-            </a:r>
-            <a:r>
-              <a:rPr lang="en-US" sz="3200" b="1" dirty="0" err="1"/>
-              <a:t>Phương</a:t>
-            </a:r>
-            <a:r>
-              <a:rPr lang="en-US" sz="3200" b="1" dirty="0"/>
-              <a:t> </a:t>
-            </a:r>
-            <a:r>
-              <a:rPr lang="en-US" sz="3200" b="1" dirty="0" err="1"/>
-              <a:t>pháp</a:t>
-            </a:r>
-            <a:r>
-              <a:rPr lang="en-US" sz="3200" b="1" dirty="0"/>
-              <a:t> </a:t>
-            </a:r>
-            <a:r>
-              <a:rPr lang="en-US" sz="3200" b="1" dirty="0" err="1"/>
-              <a:t>thiết</a:t>
-            </a:r>
-            <a:r>
-              <a:rPr lang="en-US" sz="3200" b="1" dirty="0"/>
-              <a:t> </a:t>
-            </a:r>
-            <a:r>
-              <a:rPr lang="en-US" sz="3200" b="1" dirty="0" err="1"/>
-              <a:t>kế</a:t>
+              <a:t>Phần III: Hệ thống đề xuất</a:t>
             </a:r>
             <a:endParaRPr lang="en-US" sz="3200" b="1" dirty="0"/>
           </a:p>
@@ -21462,8 +21432,8 @@
         </p:nvSpPr>
         <p:spPr>
           <a:xfrm>
-            <a:off x="169946" y="831522"/>
-            <a:ext cx="8759415" cy="5693866"/>
+            <a:off x="42486" y="851560"/>
+            <a:ext cx="9059027" cy="5632311"/>
           </a:xfrm>
           <a:prstGeom prst="rect">
             <a:avLst/>
@@ -21477,1566 +21447,964 @@
           <a:lstStyle/>
           <a:p>
             <a:r>
-              <a:rPr lang="vi-VN" sz="1400" dirty="0"/>
+              <a:rPr lang="vi-VN" dirty="0"/>
               <a:t>[1] P. </a:t>
             </a:r>
             <a:r>
-              <a:rPr lang="vi-VN" sz="1400" dirty="0" err="1"/>
+              <a:rPr lang="vi-VN" dirty="0" err="1"/>
               <a:t>Patel</a:t>
             </a:r>
             <a:r>
-              <a:rPr lang="vi-VN" sz="1400" dirty="0"/>
-              <a:t> </a:t>
-            </a:r>
-            <a:r>
-              <a:rPr lang="vi-VN" sz="1400" dirty="0" err="1"/>
+              <a:rPr lang="vi-VN" dirty="0"/>
+              <a:t> </a:t>
+            </a:r>
+            <a:r>
+              <a:rPr lang="vi-VN" dirty="0" err="1"/>
               <a:t>and</a:t>
             </a:r>
             <a:r>
-              <a:rPr lang="vi-VN" sz="1400" dirty="0"/>
+              <a:rPr lang="vi-VN" dirty="0"/>
               <a:t> H. </a:t>
             </a:r>
             <a:r>
-              <a:rPr lang="vi-VN" sz="1400" dirty="0" err="1"/>
+              <a:rPr lang="vi-VN" dirty="0" err="1"/>
               <a:t>Patel</a:t>
             </a:r>
             <a:r>
-              <a:rPr lang="vi-VN" sz="1400" dirty="0"/>
+              <a:rPr lang="vi-VN" dirty="0"/>
               <a:t>, “</a:t>
             </a:r>
             <a:r>
-              <a:rPr lang="vi-VN" sz="1400" dirty="0" err="1"/>
+              <a:rPr lang="vi-VN" dirty="0" err="1"/>
               <a:t>Achieving</a:t>
             </a:r>
             <a:r>
-              <a:rPr lang="vi-VN" sz="1400" dirty="0"/>
+              <a:rPr lang="vi-VN" dirty="0"/>
               <a:t> a </a:t>
             </a:r>
             <a:r>
-              <a:rPr lang="vi-VN" sz="1400" dirty="0" err="1"/>
+              <a:rPr lang="vi-VN" dirty="0" err="1"/>
               <a:t>secure</a:t>
             </a:r>
             <a:r>
-              <a:rPr lang="vi-VN" sz="1400" dirty="0"/>
-              <a:t> </a:t>
-            </a:r>
-            <a:r>
-              <a:rPr lang="vi-VN" sz="1400" dirty="0" err="1"/>
+              <a:rPr lang="vi-VN" dirty="0"/>
+              <a:t> </a:t>
+            </a:r>
+            <a:r>
+              <a:rPr lang="vi-VN" dirty="0" err="1"/>
               <a:t>cloud</a:t>
             </a:r>
             <a:r>
-              <a:rPr lang="vi-VN" sz="1400" dirty="0"/>
-              <a:t> </a:t>
-            </a:r>
-            <a:r>
-              <a:rPr lang="vi-VN" sz="1400" dirty="0" err="1"/>
+              <a:rPr lang="vi-VN" dirty="0"/>
+              <a:t> </a:t>
+            </a:r>
+            <a:r>
+              <a:rPr lang="vi-VN" dirty="0" err="1"/>
               <a:t>storage</a:t>
             </a:r>
             <a:r>
-              <a:rPr lang="vi-VN" sz="1400" dirty="0"/>
-              <a:t> </a:t>
-            </a:r>
-            <a:r>
-              <a:rPr lang="vi-VN" sz="1400" dirty="0" err="1"/>
+              <a:rPr lang="vi-VN" dirty="0"/>
+              <a:t> </a:t>
+            </a:r>
+            <a:r>
+              <a:rPr lang="vi-VN" dirty="0" err="1"/>
               <a:t>mechanism</a:t>
             </a:r>
             <a:r>
-              <a:rPr lang="vi-VN" sz="1400" dirty="0"/>
-              <a:t> </a:t>
-            </a:r>
-            <a:r>
-              <a:rPr lang="vi-VN" sz="1400" dirty="0" err="1"/>
+              <a:rPr lang="vi-VN" dirty="0"/>
+              <a:t> </a:t>
+            </a:r>
+            <a:r>
+              <a:rPr lang="vi-VN" dirty="0" err="1"/>
               <a:t>using</a:t>
             </a:r>
             <a:r>
-              <a:rPr lang="vi-VN" sz="1400" dirty="0"/>
-              <a:t> </a:t>
-            </a:r>
-            <a:r>
-              <a:rPr lang="vi-VN" sz="1400" dirty="0" err="1"/>
+              <a:rPr lang="vi-VN" dirty="0"/>
+              <a:t> </a:t>
+            </a:r>
+            <a:r>
+              <a:rPr lang="vi-VN" dirty="0" err="1"/>
               <a:t>blockchain</a:t>
             </a:r>
             <a:r>
-              <a:rPr lang="vi-VN" sz="1400" dirty="0"/>
-              <a:t> </a:t>
-            </a:r>
-            <a:r>
-              <a:rPr lang="vi-VN" sz="1400" dirty="0" err="1"/>
+              <a:rPr lang="vi-VN" dirty="0"/>
+              <a:t> </a:t>
+            </a:r>
+            <a:r>
+              <a:rPr lang="vi-VN" dirty="0" err="1"/>
               <a:t>technology</a:t>
             </a:r>
             <a:r>
-              <a:rPr lang="vi-VN" sz="1400" dirty="0"/>
+              <a:rPr lang="vi-VN" dirty="0"/>
               <a:t>,” p. 130–142, 2023. [</a:t>
             </a:r>
             <a:r>
-              <a:rPr lang="vi-VN" sz="1400" dirty="0" err="1"/>
+              <a:rPr lang="vi-VN" dirty="0" err="1"/>
               <a:t>Online</a:t>
             </a:r>
             <a:r>
-              <a:rPr lang="vi-VN" sz="1400" dirty="0"/>
+              <a:rPr lang="vi-VN" dirty="0"/>
               <a:t>]. </a:t>
             </a:r>
             <a:r>
-              <a:rPr lang="vi-VN" sz="1400" dirty="0" err="1"/>
+              <a:rPr lang="vi-VN" dirty="0" err="1"/>
               <a:t>Available</a:t>
             </a:r>
             <a:r>
-              <a:rPr lang="vi-VN" sz="1400" dirty="0"/>
+              <a:rPr lang="vi-VN" dirty="0"/>
               <a:t>: http://dx.doi.org/10.7763/IJCTE.2023.V15.1342 </a:t>
             </a:r>
           </a:p>
           <a:p>
             <a:r>
-              <a:rPr lang="vi-VN" sz="1400" dirty="0"/>
+              <a:rPr lang="vi-VN" dirty="0"/>
               <a:t>[2] M. </a:t>
             </a:r>
             <a:r>
-              <a:rPr lang="vi-VN" sz="1400" dirty="0" err="1"/>
+              <a:rPr lang="vi-VN" dirty="0" err="1"/>
               <a:t>Kumarathunga</a:t>
             </a:r>
             <a:r>
-              <a:rPr lang="vi-VN" sz="1400" dirty="0"/>
+              <a:rPr lang="vi-VN" dirty="0"/>
               <a:t>, R. N. </a:t>
             </a:r>
             <a:r>
-              <a:rPr lang="vi-VN" sz="1400" dirty="0" err="1"/>
+              <a:rPr lang="vi-VN" dirty="0" err="1"/>
               <a:t>Calheiros</a:t>
             </a:r>
             <a:r>
-              <a:rPr lang="vi-VN" sz="1400" dirty="0"/>
+              <a:rPr lang="vi-VN" dirty="0"/>
               <a:t>, </a:t>
             </a:r>
             <a:r>
-              <a:rPr lang="vi-VN" sz="1400" dirty="0" err="1"/>
+              <a:rPr lang="vi-VN" dirty="0" err="1"/>
               <a:t>and</a:t>
             </a:r>
             <a:r>
-              <a:rPr lang="vi-VN" sz="1400" dirty="0"/>
+              <a:rPr lang="vi-VN" dirty="0"/>
               <a:t> A. </a:t>
             </a:r>
             <a:r>
-              <a:rPr lang="vi-VN" sz="1400" dirty="0" err="1"/>
+              <a:rPr lang="vi-VN" dirty="0" err="1"/>
               <a:t>Ginige</a:t>
             </a:r>
             <a:r>
-              <a:rPr lang="vi-VN" sz="1400" dirty="0"/>
+              <a:rPr lang="vi-VN" dirty="0"/>
               <a:t>, “</a:t>
             </a:r>
             <a:r>
-              <a:rPr lang="vi-VN" sz="1400" dirty="0" err="1"/>
+              <a:rPr lang="vi-VN" dirty="0" err="1"/>
               <a:t>Sustainable</a:t>
             </a:r>
             <a:r>
-              <a:rPr lang="vi-VN" sz="1400" dirty="0"/>
-              <a:t> </a:t>
-            </a:r>
-            <a:r>
-              <a:rPr lang="vi-VN" sz="1400" dirty="0" err="1"/>
+              <a:rPr lang="vi-VN" dirty="0"/>
+              <a:t> </a:t>
+            </a:r>
+            <a:r>
+              <a:rPr lang="vi-VN" dirty="0" err="1"/>
               <a:t>microfinance</a:t>
             </a:r>
             <a:r>
-              <a:rPr lang="vi-VN" sz="1400" dirty="0"/>
-              <a:t> </a:t>
-            </a:r>
-            <a:r>
-              <a:rPr lang="vi-VN" sz="1400" dirty="0" err="1"/>
+              <a:rPr lang="vi-VN" dirty="0"/>
+              <a:t> </a:t>
+            </a:r>
+            <a:r>
+              <a:rPr lang="vi-VN" dirty="0" err="1"/>
               <a:t>outreach</a:t>
             </a:r>
             <a:r>
-              <a:rPr lang="vi-VN" sz="1400" dirty="0"/>
-              <a:t> </a:t>
-            </a:r>
-            <a:r>
-              <a:rPr lang="vi-VN" sz="1400" dirty="0" err="1"/>
+              <a:rPr lang="vi-VN" dirty="0"/>
+              <a:t> </a:t>
+            </a:r>
+            <a:r>
+              <a:rPr lang="vi-VN" dirty="0" err="1"/>
               <a:t>for</a:t>
             </a:r>
             <a:r>
-              <a:rPr lang="vi-VN" sz="1400" dirty="0"/>
-              <a:t> </a:t>
-            </a:r>
-            <a:r>
-              <a:rPr lang="vi-VN" sz="1400" dirty="0" err="1"/>
+              <a:rPr lang="vi-VN" dirty="0"/>
+              <a:t> </a:t>
+            </a:r>
+            <a:r>
+              <a:rPr lang="vi-VN" dirty="0" err="1"/>
               <a:t>farmers</a:t>
             </a:r>
             <a:r>
-              <a:rPr lang="vi-VN" sz="1400" dirty="0"/>
-              <a:t> </a:t>
-            </a:r>
-            <a:r>
-              <a:rPr lang="vi-VN" sz="1400" dirty="0" err="1"/>
+              <a:rPr lang="vi-VN" dirty="0"/>
+              <a:t> </a:t>
+            </a:r>
+            <a:r>
+              <a:rPr lang="vi-VN" dirty="0" err="1"/>
               <a:t>with</a:t>
             </a:r>
             <a:r>
-              <a:rPr lang="vi-VN" sz="1400" dirty="0"/>
-              <a:t> </a:t>
-            </a:r>
-            <a:r>
-              <a:rPr lang="vi-VN" sz="1400" dirty="0" err="1"/>
+              <a:rPr lang="vi-VN" dirty="0"/>
+              <a:t> </a:t>
+            </a:r>
+            <a:r>
+              <a:rPr lang="vi-VN" dirty="0" err="1"/>
               <a:t>blockchain</a:t>
             </a:r>
             <a:r>
-              <a:rPr lang="vi-VN" sz="1400" dirty="0"/>
-              <a:t> </a:t>
-            </a:r>
-            <a:r>
-              <a:rPr lang="vi-VN" sz="1400" dirty="0" err="1"/>
+              <a:rPr lang="vi-VN" dirty="0"/>
+              <a:t> </a:t>
+            </a:r>
+            <a:r>
+              <a:rPr lang="vi-VN" dirty="0" err="1"/>
               <a:t>cryptocurrency</a:t>
             </a:r>
             <a:r>
-              <a:rPr lang="vi-VN" sz="1400" dirty="0"/>
-              <a:t> </a:t>
-            </a:r>
-            <a:r>
-              <a:rPr lang="vi-VN" sz="1400" dirty="0" err="1"/>
+              <a:rPr lang="vi-VN" dirty="0"/>
+              <a:t> </a:t>
+            </a:r>
+            <a:r>
+              <a:rPr lang="vi-VN" dirty="0" err="1"/>
               <a:t>and</a:t>
             </a:r>
             <a:r>
-              <a:rPr lang="vi-VN" sz="1400" dirty="0"/>
-              <a:t> </a:t>
-            </a:r>
-            <a:r>
-              <a:rPr lang="vi-VN" sz="1400" dirty="0" err="1"/>
+              <a:rPr lang="vi-VN" dirty="0"/>
+              <a:t> </a:t>
+            </a:r>
+            <a:r>
+              <a:rPr lang="vi-VN" dirty="0" err="1"/>
               <a:t>smart</a:t>
             </a:r>
             <a:r>
-              <a:rPr lang="vi-VN" sz="1400" dirty="0"/>
-              <a:t> </a:t>
-            </a:r>
-            <a:r>
-              <a:rPr lang="vi-VN" sz="1400" dirty="0" err="1"/>
+              <a:rPr lang="vi-VN" dirty="0"/>
+              <a:t> </a:t>
+            </a:r>
+            <a:r>
+              <a:rPr lang="vi-VN" dirty="0" err="1"/>
               <a:t>contracts</a:t>
             </a:r>
             <a:r>
-              <a:rPr lang="vi-VN" sz="1400" dirty="0"/>
+              <a:rPr lang="vi-VN" dirty="0"/>
               <a:t>,” p. 9–14, 2022. [</a:t>
             </a:r>
             <a:r>
-              <a:rPr lang="vi-VN" sz="1400" dirty="0" err="1"/>
+              <a:rPr lang="vi-VN" dirty="0" err="1"/>
               <a:t>Online</a:t>
             </a:r>
             <a:r>
-              <a:rPr lang="vi-VN" sz="1400" dirty="0"/>
+              <a:rPr lang="vi-VN" dirty="0"/>
               <a:t>]. </a:t>
             </a:r>
             <a:r>
-              <a:rPr lang="vi-VN" sz="1400" dirty="0" err="1"/>
+              <a:rPr lang="vi-VN" dirty="0" err="1"/>
               <a:t>Available</a:t>
             </a:r>
             <a:r>
-              <a:rPr lang="vi-VN" sz="1400" dirty="0"/>
+              <a:rPr lang="vi-VN" dirty="0"/>
               <a:t>: http://dx.doi.org/10. 7763/IJCTE.2022.V14.1304 </a:t>
             </a:r>
           </a:p>
           <a:p>
             <a:r>
-              <a:rPr lang="vi-VN" sz="1400" dirty="0"/>
+              <a:rPr lang="vi-VN" dirty="0"/>
               <a:t>[3] T. </a:t>
             </a:r>
             <a:r>
-              <a:rPr lang="vi-VN" sz="1400" dirty="0" err="1"/>
+              <a:rPr lang="vi-VN" dirty="0" err="1"/>
               <a:t>Xie</a:t>
             </a:r>
             <a:r>
-              <a:rPr lang="vi-VN" sz="1400" dirty="0"/>
+              <a:rPr lang="vi-VN" dirty="0"/>
               <a:t>, J. </a:t>
             </a:r>
             <a:r>
-              <a:rPr lang="vi-VN" sz="1400" dirty="0" err="1"/>
+              <a:rPr lang="vi-VN" dirty="0" err="1"/>
               <a:t>Zhang</a:t>
             </a:r>
             <a:r>
-              <a:rPr lang="vi-VN" sz="1400" dirty="0"/>
+              <a:rPr lang="vi-VN" dirty="0"/>
               <a:t>, Z. Cheng, F. </a:t>
             </a:r>
             <a:r>
-              <a:rPr lang="vi-VN" sz="1400" dirty="0" err="1"/>
+              <a:rPr lang="vi-VN" dirty="0" err="1"/>
               <a:t>Zhang</a:t>
             </a:r>
             <a:r>
-              <a:rPr lang="vi-VN" sz="1400" dirty="0"/>
+              <a:rPr lang="vi-VN" dirty="0"/>
               <a:t>, Y. </a:t>
             </a:r>
             <a:r>
-              <a:rPr lang="vi-VN" sz="1400" dirty="0" err="1"/>
+              <a:rPr lang="vi-VN" dirty="0" err="1"/>
               <a:t>Zhang</a:t>
             </a:r>
             <a:r>
-              <a:rPr lang="vi-VN" sz="1400" dirty="0"/>
+              <a:rPr lang="vi-VN" dirty="0"/>
               <a:t>, Y. </a:t>
             </a:r>
             <a:r>
-              <a:rPr lang="vi-VN" sz="1400" dirty="0" err="1"/>
+              <a:rPr lang="vi-VN" dirty="0" err="1"/>
               <a:t>Jia</a:t>
             </a:r>
             <a:r>
-              <a:rPr lang="vi-VN" sz="1400" dirty="0"/>
+              <a:rPr lang="vi-VN" dirty="0"/>
               <a:t>, D. </a:t>
             </a:r>
             <a:r>
-              <a:rPr lang="vi-VN" sz="1400" dirty="0" err="1"/>
+              <a:rPr lang="vi-VN" dirty="0" err="1"/>
               <a:t>Boneh</a:t>
             </a:r>
             <a:r>
-              <a:rPr lang="vi-VN" sz="1400" dirty="0"/>
+              <a:rPr lang="vi-VN" dirty="0"/>
               <a:t>, </a:t>
             </a:r>
             <a:r>
-              <a:rPr lang="vi-VN" sz="1400" dirty="0" err="1"/>
+              <a:rPr lang="vi-VN" dirty="0" err="1"/>
               <a:t>and</a:t>
             </a:r>
             <a:r>
-              <a:rPr lang="vi-VN" sz="1400" dirty="0"/>
+              <a:rPr lang="vi-VN" dirty="0"/>
               <a:t> D. Song, “</a:t>
             </a:r>
             <a:r>
-              <a:rPr lang="vi-VN" sz="1400" dirty="0" err="1"/>
+              <a:rPr lang="vi-VN" dirty="0" err="1"/>
               <a:t>zkbridge</a:t>
             </a:r>
             <a:r>
-              <a:rPr lang="vi-VN" sz="1400" dirty="0"/>
+              <a:rPr lang="vi-VN" dirty="0"/>
               <a:t>: </a:t>
             </a:r>
             <a:r>
-              <a:rPr lang="vi-VN" sz="1400" dirty="0" err="1"/>
+              <a:rPr lang="vi-VN" dirty="0" err="1"/>
               <a:t>Trustless</a:t>
             </a:r>
             <a:r>
-              <a:rPr lang="vi-VN" sz="1400" dirty="0"/>
-              <a:t> </a:t>
-            </a:r>
-            <a:r>
-              <a:rPr lang="vi-VN" sz="1400" dirty="0" err="1"/>
+              <a:rPr lang="vi-VN" dirty="0"/>
+              <a:t> </a:t>
+            </a:r>
+            <a:r>
+              <a:rPr lang="vi-VN" dirty="0" err="1"/>
               <a:t>cross-chain</a:t>
             </a:r>
             <a:r>
-              <a:rPr lang="vi-VN" sz="1400" dirty="0"/>
-              <a:t> </a:t>
-            </a:r>
-            <a:r>
-              <a:rPr lang="vi-VN" sz="1400" dirty="0" err="1"/>
+              <a:rPr lang="vi-VN" dirty="0"/>
+              <a:t> </a:t>
+            </a:r>
+            <a:r>
+              <a:rPr lang="vi-VN" dirty="0" err="1"/>
               <a:t>bridges</a:t>
             </a:r>
             <a:r>
-              <a:rPr lang="vi-VN" sz="1400" dirty="0"/>
-              <a:t> </a:t>
-            </a:r>
-            <a:r>
-              <a:rPr lang="vi-VN" sz="1400" dirty="0" err="1"/>
+              <a:rPr lang="vi-VN" dirty="0"/>
+              <a:t> </a:t>
+            </a:r>
+            <a:r>
+              <a:rPr lang="vi-VN" dirty="0" err="1"/>
               <a:t>made</a:t>
             </a:r>
             <a:r>
-              <a:rPr lang="vi-VN" sz="1400" dirty="0"/>
-              <a:t> </a:t>
-            </a:r>
-            <a:r>
-              <a:rPr lang="vi-VN" sz="1400" dirty="0" err="1"/>
+              <a:rPr lang="vi-VN" dirty="0"/>
+              <a:t> </a:t>
+            </a:r>
+            <a:r>
+              <a:rPr lang="vi-VN" dirty="0" err="1"/>
               <a:t>practical</a:t>
             </a:r>
             <a:r>
-              <a:rPr lang="vi-VN" sz="1400" dirty="0"/>
+              <a:rPr lang="vi-VN" dirty="0"/>
               <a:t>,” in </a:t>
             </a:r>
             <a:r>
-              <a:rPr lang="vi-VN" sz="1400" dirty="0" err="1"/>
+              <a:rPr lang="vi-VN" dirty="0" err="1"/>
               <a:t>Proceedings</a:t>
             </a:r>
             <a:r>
-              <a:rPr lang="vi-VN" sz="1400" dirty="0"/>
-              <a:t> </a:t>
-            </a:r>
-            <a:r>
-              <a:rPr lang="vi-VN" sz="1400" dirty="0" err="1"/>
+              <a:rPr lang="vi-VN" dirty="0"/>
+              <a:t> </a:t>
+            </a:r>
+            <a:r>
+              <a:rPr lang="vi-VN" dirty="0" err="1"/>
               <a:t>of</a:t>
             </a:r>
             <a:r>
-              <a:rPr lang="vi-VN" sz="1400" dirty="0"/>
+              <a:rPr lang="vi-VN" dirty="0"/>
               <a:t> the 2022 ACM SIGSAC </a:t>
             </a:r>
             <a:r>
-              <a:rPr lang="vi-VN" sz="1400" dirty="0" err="1"/>
+              <a:rPr lang="vi-VN" dirty="0" err="1"/>
               <a:t>Conference</a:t>
             </a:r>
             <a:r>
-              <a:rPr lang="vi-VN" sz="1400" dirty="0"/>
-              <a:t> </a:t>
-            </a:r>
-            <a:r>
-              <a:rPr lang="vi-VN" sz="1400" dirty="0" err="1"/>
+              <a:rPr lang="vi-VN" dirty="0"/>
+              <a:t> </a:t>
+            </a:r>
+            <a:r>
+              <a:rPr lang="vi-VN" dirty="0" err="1"/>
               <a:t>on</a:t>
             </a:r>
             <a:r>
-              <a:rPr lang="vi-VN" sz="1400" dirty="0"/>
-              <a:t> </a:t>
-            </a:r>
-            <a:r>
-              <a:rPr lang="vi-VN" sz="1400" dirty="0" err="1"/>
+              <a:rPr lang="vi-VN" dirty="0"/>
+              <a:t> </a:t>
+            </a:r>
+            <a:r>
+              <a:rPr lang="vi-VN" dirty="0" err="1"/>
               <a:t>Computer</a:t>
             </a:r>
             <a:r>
-              <a:rPr lang="vi-VN" sz="1400" dirty="0"/>
-              <a:t> </a:t>
-            </a:r>
-            <a:r>
-              <a:rPr lang="vi-VN" sz="1400" dirty="0" err="1"/>
+              <a:rPr lang="vi-VN" dirty="0"/>
+              <a:t> </a:t>
+            </a:r>
+            <a:r>
+              <a:rPr lang="vi-VN" dirty="0" err="1"/>
               <a:t>and</a:t>
             </a:r>
             <a:r>
-              <a:rPr lang="vi-VN" sz="1400" dirty="0"/>
-              <a:t> </a:t>
-            </a:r>
-            <a:r>
-              <a:rPr lang="vi-VN" sz="1400" dirty="0" err="1"/>
+              <a:rPr lang="vi-VN" dirty="0"/>
+              <a:t> </a:t>
+            </a:r>
+            <a:r>
+              <a:rPr lang="vi-VN" dirty="0" err="1"/>
               <a:t>Communications</a:t>
             </a:r>
             <a:r>
-              <a:rPr lang="vi-VN" sz="1400" dirty="0"/>
-              <a:t> </a:t>
-            </a:r>
-            <a:r>
-              <a:rPr lang="vi-VN" sz="1400" dirty="0" err="1"/>
+              <a:rPr lang="vi-VN" dirty="0"/>
+              <a:t> </a:t>
+            </a:r>
+            <a:r>
+              <a:rPr lang="vi-VN" dirty="0" err="1"/>
               <a:t>Security</a:t>
             </a:r>
             <a:r>
-              <a:rPr lang="vi-VN" sz="1400" dirty="0"/>
+              <a:rPr lang="vi-VN" dirty="0"/>
               <a:t>, 2022, </a:t>
             </a:r>
             <a:r>
-              <a:rPr lang="vi-VN" sz="1400" dirty="0" err="1"/>
+              <a:rPr lang="vi-VN" dirty="0" err="1"/>
               <a:t>pp</a:t>
             </a:r>
             <a:r>
-              <a:rPr lang="vi-VN" sz="1400" dirty="0"/>
+              <a:rPr lang="vi-VN" dirty="0"/>
               <a:t>. 3003–3017. </a:t>
             </a:r>
           </a:p>
           <a:p>
             <a:r>
-              <a:rPr lang="vi-VN" sz="1400" dirty="0"/>
+              <a:rPr lang="vi-VN" dirty="0"/>
               <a:t>[4] P. Han, Z. </a:t>
             </a:r>
             <a:r>
-              <a:rPr lang="vi-VN" sz="1400" dirty="0" err="1"/>
+              <a:rPr lang="vi-VN" dirty="0" err="1"/>
               <a:t>Yan</a:t>
             </a:r>
             <a:r>
-              <a:rPr lang="vi-VN" sz="1400" dirty="0"/>
+              <a:rPr lang="vi-VN" dirty="0"/>
               <a:t>, W. </a:t>
             </a:r>
             <a:r>
-              <a:rPr lang="vi-VN" sz="1400" dirty="0" err="1"/>
+              <a:rPr lang="vi-VN" dirty="0" err="1"/>
               <a:t>Ding</a:t>
             </a:r>
             <a:r>
-              <a:rPr lang="vi-VN" sz="1400" dirty="0"/>
+              <a:rPr lang="vi-VN" dirty="0"/>
               <a:t>, S. </a:t>
             </a:r>
             <a:r>
-              <a:rPr lang="vi-VN" sz="1400" dirty="0" err="1"/>
+              <a:rPr lang="vi-VN" dirty="0" err="1"/>
               <a:t>Fei</a:t>
             </a:r>
             <a:r>
-              <a:rPr lang="vi-VN" sz="1400" dirty="0"/>
+              <a:rPr lang="vi-VN" dirty="0"/>
               <a:t>, </a:t>
             </a:r>
             <a:r>
-              <a:rPr lang="vi-VN" sz="1400" dirty="0" err="1"/>
+              <a:rPr lang="vi-VN" dirty="0" err="1"/>
               <a:t>and</a:t>
             </a:r>
             <a:r>
-              <a:rPr lang="vi-VN" sz="1400" dirty="0"/>
+              <a:rPr lang="vi-VN" dirty="0"/>
               <a:t> Z. </a:t>
             </a:r>
             <a:r>
-              <a:rPr lang="vi-VN" sz="1400" dirty="0" err="1"/>
+              <a:rPr lang="vi-VN" dirty="0" err="1"/>
               <a:t>Wan</a:t>
             </a:r>
             <a:r>
-              <a:rPr lang="vi-VN" sz="1400" dirty="0"/>
+              <a:rPr lang="vi-VN" dirty="0"/>
               <a:t>, “A </a:t>
             </a:r>
             <a:r>
-              <a:rPr lang="vi-VN" sz="1400" dirty="0" err="1"/>
+              <a:rPr lang="vi-VN" dirty="0" err="1"/>
               <a:t>survey</a:t>
             </a:r>
             <a:r>
-              <a:rPr lang="vi-VN" sz="1400" dirty="0"/>
-              <a:t> </a:t>
-            </a:r>
-            <a:r>
-              <a:rPr lang="vi-VN" sz="1400" dirty="0" err="1"/>
+              <a:rPr lang="vi-VN" dirty="0"/>
+              <a:t> </a:t>
+            </a:r>
+            <a:r>
+              <a:rPr lang="vi-VN" dirty="0" err="1"/>
               <a:t>on</a:t>
             </a:r>
             <a:r>
-              <a:rPr lang="vi-VN" sz="1400" dirty="0"/>
-              <a:t> </a:t>
-            </a:r>
-            <a:r>
-              <a:rPr lang="vi-VN" sz="1400" dirty="0" err="1"/>
+              <a:rPr lang="vi-VN" dirty="0"/>
+              <a:t> </a:t>
+            </a:r>
+            <a:r>
+              <a:rPr lang="vi-VN" dirty="0" err="1"/>
               <a:t>cross-chain</a:t>
             </a:r>
             <a:r>
-              <a:rPr lang="vi-VN" sz="1400" dirty="0"/>
-              <a:t> </a:t>
-            </a:r>
-            <a:r>
-              <a:rPr lang="vi-VN" sz="1400" dirty="0" err="1"/>
+              <a:rPr lang="vi-VN" dirty="0"/>
+              <a:t> </a:t>
+            </a:r>
+            <a:r>
+              <a:rPr lang="vi-VN" dirty="0" err="1"/>
               <a:t>technologies</a:t>
             </a:r>
             <a:r>
-              <a:rPr lang="vi-VN" sz="1400" dirty="0"/>
+              <a:rPr lang="vi-VN" dirty="0"/>
               <a:t>,” </a:t>
             </a:r>
             <a:r>
-              <a:rPr lang="vi-VN" sz="1400" dirty="0" err="1"/>
+              <a:rPr lang="vi-VN" dirty="0" err="1"/>
               <a:t>Distributed</a:t>
             </a:r>
             <a:r>
-              <a:rPr lang="vi-VN" sz="1400" dirty="0"/>
-              <a:t> </a:t>
-            </a:r>
-            <a:r>
-              <a:rPr lang="vi-VN" sz="1400" dirty="0" err="1"/>
+              <a:rPr lang="vi-VN" dirty="0"/>
+              <a:t> </a:t>
+            </a:r>
+            <a:r>
+              <a:rPr lang="vi-VN" dirty="0" err="1"/>
               <a:t>Ledger</a:t>
             </a:r>
             <a:r>
-              <a:rPr lang="vi-VN" sz="1400" dirty="0"/>
+              <a:rPr lang="vi-VN" dirty="0"/>
               <a:t> Technologies: </a:t>
             </a:r>
             <a:r>
-              <a:rPr lang="vi-VN" sz="1400" dirty="0" err="1"/>
+              <a:rPr lang="vi-VN" dirty="0" err="1"/>
               <a:t>Research</a:t>
             </a:r>
             <a:r>
-              <a:rPr lang="vi-VN" sz="1400" dirty="0"/>
-              <a:t> </a:t>
-            </a:r>
-            <a:r>
-              <a:rPr lang="vi-VN" sz="1400" dirty="0" err="1"/>
+              <a:rPr lang="vi-VN" dirty="0"/>
+              <a:t> </a:t>
+            </a:r>
+            <a:r>
+              <a:rPr lang="vi-VN" dirty="0" err="1"/>
               <a:t>and</a:t>
             </a:r>
             <a:r>
-              <a:rPr lang="vi-VN" sz="1400" dirty="0"/>
-              <a:t> </a:t>
-            </a:r>
-            <a:r>
-              <a:rPr lang="vi-VN" sz="1400" dirty="0" err="1"/>
+              <a:rPr lang="vi-VN" dirty="0"/>
+              <a:t> </a:t>
+            </a:r>
+            <a:r>
+              <a:rPr lang="vi-VN" dirty="0" err="1"/>
               <a:t>Practice</a:t>
             </a:r>
             <a:r>
-              <a:rPr lang="vi-VN" sz="1400" dirty="0"/>
+              <a:rPr lang="vi-VN" dirty="0"/>
               <a:t>, </a:t>
             </a:r>
             <a:r>
-              <a:rPr lang="vi-VN" sz="1400" dirty="0" err="1"/>
+              <a:rPr lang="vi-VN" dirty="0" err="1"/>
               <a:t>vol</a:t>
             </a:r>
             <a:r>
-              <a:rPr lang="vi-VN" sz="1400" dirty="0"/>
+              <a:rPr lang="vi-VN" dirty="0"/>
               <a:t>. 2, no. 2, </a:t>
             </a:r>
             <a:r>
-              <a:rPr lang="vi-VN" sz="1400" dirty="0" err="1"/>
+              <a:rPr lang="vi-VN" dirty="0" err="1"/>
               <a:t>pp</a:t>
             </a:r>
             <a:r>
-              <a:rPr lang="vi-VN" sz="1400" dirty="0"/>
+              <a:rPr lang="vi-VN" dirty="0"/>
               <a:t>. 1–30, 2023. </a:t>
             </a:r>
           </a:p>
           <a:p>
             <a:r>
-              <a:rPr lang="vi-VN" sz="1400" dirty="0"/>
+              <a:rPr lang="vi-VN" dirty="0"/>
               <a:t>[5] Y. </a:t>
             </a:r>
             <a:r>
-              <a:rPr lang="vi-VN" sz="1400" dirty="0" err="1"/>
+              <a:rPr lang="vi-VN" dirty="0" err="1"/>
               <a:t>Hei</a:t>
             </a:r>
             <a:r>
-              <a:rPr lang="vi-VN" sz="1400" dirty="0"/>
+              <a:rPr lang="vi-VN" dirty="0"/>
               <a:t>, D. Li, C. </a:t>
             </a:r>
             <a:r>
-              <a:rPr lang="vi-VN" sz="1400" dirty="0" err="1"/>
+              <a:rPr lang="vi-VN" dirty="0" err="1"/>
               <a:t>Zhang</a:t>
             </a:r>
             <a:r>
-              <a:rPr lang="vi-VN" sz="1400" dirty="0"/>
+              <a:rPr lang="vi-VN" dirty="0"/>
               <a:t>, J. Liu, Y. Liu, </a:t>
             </a:r>
             <a:r>
-              <a:rPr lang="vi-VN" sz="1400" dirty="0" err="1"/>
+              <a:rPr lang="vi-VN" dirty="0" err="1"/>
               <a:t>and</a:t>
             </a:r>
             <a:r>
-              <a:rPr lang="vi-VN" sz="1400" dirty="0"/>
+              <a:rPr lang="vi-VN" dirty="0"/>
               <a:t> Q. </a:t>
             </a:r>
             <a:r>
-              <a:rPr lang="vi-VN" sz="1400" dirty="0" err="1"/>
+              <a:rPr lang="vi-VN" dirty="0" err="1"/>
               <a:t>Wu</a:t>
             </a:r>
             <a:r>
-              <a:rPr lang="vi-VN" sz="1400" dirty="0"/>
+              <a:rPr lang="vi-VN" dirty="0"/>
               <a:t>, “</a:t>
             </a:r>
             <a:r>
-              <a:rPr lang="vi-VN" sz="1400" dirty="0" err="1"/>
+              <a:rPr lang="vi-VN" dirty="0" err="1"/>
               <a:t>Practical</a:t>
             </a:r>
             <a:r>
-              <a:rPr lang="vi-VN" sz="1400" dirty="0"/>
-              <a:t> </a:t>
-            </a:r>
-            <a:r>
-              <a:rPr lang="vi-VN" sz="1400" dirty="0" err="1"/>
+              <a:rPr lang="vi-VN" dirty="0"/>
+              <a:t> </a:t>
+            </a:r>
+            <a:r>
+              <a:rPr lang="vi-VN" dirty="0" err="1"/>
               <a:t>agentchain</a:t>
             </a:r>
             <a:r>
-              <a:rPr lang="vi-VN" sz="1400" dirty="0"/>
+              <a:rPr lang="vi-VN" dirty="0"/>
               <a:t>: A </a:t>
             </a:r>
             <a:r>
-              <a:rPr lang="vi-VN" sz="1400" dirty="0" err="1"/>
+              <a:rPr lang="vi-VN" dirty="0" err="1"/>
               <a:t>compatible</a:t>
             </a:r>
             <a:r>
-              <a:rPr lang="vi-VN" sz="1400" dirty="0"/>
-              <a:t> </a:t>
-            </a:r>
-            <a:r>
-              <a:rPr lang="vi-VN" sz="1400" dirty="0" err="1"/>
+              <a:rPr lang="vi-VN" dirty="0"/>
+              <a:t> </a:t>
+            </a:r>
+            <a:r>
+              <a:rPr lang="vi-VN" dirty="0" err="1"/>
               <a:t>cross-chain</a:t>
             </a:r>
             <a:r>
-              <a:rPr lang="vi-VN" sz="1400" dirty="0"/>
-              <a:t> </a:t>
-            </a:r>
-            <a:r>
-              <a:rPr lang="vi-VN" sz="1400" dirty="0" err="1"/>
+              <a:rPr lang="vi-VN" dirty="0"/>
+              <a:t> </a:t>
+            </a:r>
+            <a:r>
+              <a:rPr lang="vi-VN" dirty="0" err="1"/>
               <a:t>exchange</a:t>
             </a:r>
             <a:r>
-              <a:rPr lang="vi-VN" sz="1400" dirty="0"/>
-              <a:t> </a:t>
-            </a:r>
-            <a:r>
-              <a:rPr lang="vi-VN" sz="1400" dirty="0" err="1"/>
+              <a:rPr lang="vi-VN" dirty="0"/>
+              <a:t> </a:t>
+            </a:r>
+            <a:r>
+              <a:rPr lang="vi-VN" dirty="0" err="1"/>
               <a:t>system</a:t>
             </a:r>
             <a:r>
-              <a:rPr lang="vi-VN" sz="1400" dirty="0"/>
+              <a:rPr lang="vi-VN" dirty="0"/>
               <a:t>,” </a:t>
             </a:r>
             <a:r>
-              <a:rPr lang="vi-VN" sz="1400" dirty="0" err="1"/>
+              <a:rPr lang="vi-VN" dirty="0" err="1"/>
               <a:t>Future</a:t>
             </a:r>
             <a:r>
-              <a:rPr lang="vi-VN" sz="1400" dirty="0"/>
-              <a:t> </a:t>
-            </a:r>
-            <a:r>
-              <a:rPr lang="vi-VN" sz="1400" dirty="0" err="1"/>
+              <a:rPr lang="vi-VN" dirty="0"/>
+              <a:t> </a:t>
+            </a:r>
+            <a:r>
+              <a:rPr lang="vi-VN" dirty="0" err="1"/>
               <a:t>Generation</a:t>
             </a:r>
             <a:r>
-              <a:rPr lang="vi-VN" sz="1400" dirty="0"/>
-              <a:t> </a:t>
-            </a:r>
-            <a:r>
-              <a:rPr lang="vi-VN" sz="1400" dirty="0" err="1"/>
+              <a:rPr lang="vi-VN" dirty="0"/>
+              <a:t> </a:t>
+            </a:r>
+            <a:r>
+              <a:rPr lang="vi-VN" dirty="0" err="1"/>
               <a:t>Computer</a:t>
             </a:r>
             <a:r>
-              <a:rPr lang="vi-VN" sz="1400" dirty="0"/>
-              <a:t> </a:t>
-            </a:r>
-            <a:r>
-              <a:rPr lang="vi-VN" sz="1400" dirty="0" err="1"/>
+              <a:rPr lang="vi-VN" dirty="0"/>
+              <a:t> </a:t>
+            </a:r>
+            <a:r>
+              <a:rPr lang="vi-VN" dirty="0" err="1"/>
               <a:t>Systems</a:t>
             </a:r>
             <a:r>
-              <a:rPr lang="vi-VN" sz="1400" dirty="0"/>
+              <a:rPr lang="vi-VN" dirty="0"/>
               <a:t>, </a:t>
             </a:r>
             <a:r>
-              <a:rPr lang="vi-VN" sz="1400" dirty="0" err="1"/>
+              <a:rPr lang="vi-VN" dirty="0" err="1"/>
               <a:t>vol</a:t>
             </a:r>
             <a:r>
-              <a:rPr lang="vi-VN" sz="1400" dirty="0"/>
+              <a:rPr lang="vi-VN" dirty="0"/>
               <a:t>. 130, </a:t>
             </a:r>
             <a:r>
-              <a:rPr lang="vi-VN" sz="1400" dirty="0" err="1"/>
+              <a:rPr lang="vi-VN" dirty="0" err="1"/>
               <a:t>pp</a:t>
             </a:r>
             <a:r>
-              <a:rPr lang="vi-VN" sz="1400" dirty="0"/>
+              <a:rPr lang="vi-VN" dirty="0"/>
               <a:t>. 207–218, 2022. </a:t>
             </a:r>
           </a:p>
           <a:p>
             <a:r>
-              <a:rPr lang="vi-VN" sz="1400" dirty="0"/>
+              <a:rPr lang="vi-VN" dirty="0"/>
               <a:t>[6] R. Lan, G. </a:t>
             </a:r>
             <a:r>
-              <a:rPr lang="vi-VN" sz="1400" dirty="0" err="1"/>
+              <a:rPr lang="vi-VN" dirty="0" err="1"/>
               <a:t>Upadhyaya</a:t>
             </a:r>
             <a:r>
-              <a:rPr lang="vi-VN" sz="1400" dirty="0"/>
+              <a:rPr lang="vi-VN" dirty="0"/>
               <a:t>, S. </a:t>
             </a:r>
             <a:r>
-              <a:rPr lang="vi-VN" sz="1400" dirty="0" err="1"/>
+              <a:rPr lang="vi-VN" dirty="0" err="1"/>
               <a:t>Tse</a:t>
             </a:r>
             <a:r>
-              <a:rPr lang="vi-VN" sz="1400" dirty="0"/>
+              <a:rPr lang="vi-VN" dirty="0"/>
               <a:t>, </a:t>
             </a:r>
             <a:r>
-              <a:rPr lang="vi-VN" sz="1400" dirty="0" err="1"/>
+              <a:rPr lang="vi-VN" dirty="0" err="1"/>
               <a:t>and</a:t>
             </a:r>
             <a:r>
-              <a:rPr lang="vi-VN" sz="1400" dirty="0"/>
+              <a:rPr lang="vi-VN" dirty="0"/>
               <a:t> M. </a:t>
             </a:r>
             <a:r>
-              <a:rPr lang="vi-VN" sz="1400" dirty="0" err="1"/>
+              <a:rPr lang="vi-VN" dirty="0" err="1"/>
               <a:t>Zamani</a:t>
             </a:r>
             <a:r>
-              <a:rPr lang="vi-VN" sz="1400" dirty="0"/>
+              <a:rPr lang="vi-VN" dirty="0"/>
               <a:t>, “</a:t>
             </a:r>
             <a:r>
-              <a:rPr lang="vi-VN" sz="1400" dirty="0" err="1"/>
+              <a:rPr lang="vi-VN" dirty="0" err="1"/>
               <a:t>Horizon</a:t>
             </a:r>
             <a:r>
-              <a:rPr lang="vi-VN" sz="1400" dirty="0"/>
+              <a:rPr lang="vi-VN" dirty="0"/>
               <a:t>: A </a:t>
             </a:r>
             <a:r>
-              <a:rPr lang="vi-VN" sz="1400" dirty="0" err="1"/>
+              <a:rPr lang="vi-VN" dirty="0" err="1"/>
               <a:t>gasefficient</a:t>
             </a:r>
             <a:r>
-              <a:rPr lang="vi-VN" sz="1400" dirty="0"/>
+              <a:rPr lang="vi-VN" dirty="0"/>
               <a:t>, </a:t>
             </a:r>
             <a:r>
-              <a:rPr lang="vi-VN" sz="1400" dirty="0" err="1"/>
+              <a:rPr lang="vi-VN" dirty="0" err="1"/>
               <a:t>trustless</a:t>
             </a:r>
             <a:r>
-              <a:rPr lang="vi-VN" sz="1400" dirty="0"/>
-              <a:t> </a:t>
-            </a:r>
-            <a:r>
-              <a:rPr lang="vi-VN" sz="1400" dirty="0" err="1"/>
+              <a:rPr lang="vi-VN" dirty="0"/>
+              <a:t> </a:t>
+            </a:r>
+            <a:r>
+              <a:rPr lang="vi-VN" dirty="0" err="1"/>
               <a:t>bridge</a:t>
             </a:r>
             <a:r>
-              <a:rPr lang="vi-VN" sz="1400" dirty="0"/>
-              <a:t> </a:t>
-            </a:r>
-            <a:r>
-              <a:rPr lang="vi-VN" sz="1400" dirty="0" err="1"/>
+              <a:rPr lang="vi-VN" dirty="0"/>
+              <a:t> </a:t>
+            </a:r>
+            <a:r>
+              <a:rPr lang="vi-VN" dirty="0" err="1"/>
               <a:t>for</a:t>
             </a:r>
             <a:r>
-              <a:rPr lang="vi-VN" sz="1400" dirty="0"/>
-              <a:t> </a:t>
-            </a:r>
-            <a:r>
-              <a:rPr lang="vi-VN" sz="1400" dirty="0" err="1"/>
+              <a:rPr lang="vi-VN" dirty="0"/>
+              <a:t> </a:t>
+            </a:r>
+            <a:r>
+              <a:rPr lang="vi-VN" dirty="0" err="1"/>
               <a:t>cross-chain</a:t>
             </a:r>
             <a:r>
-              <a:rPr lang="vi-VN" sz="1400" dirty="0"/>
-              <a:t> </a:t>
-            </a:r>
-            <a:r>
-              <a:rPr lang="vi-VN" sz="1400" dirty="0" err="1"/>
+              <a:rPr lang="vi-VN" dirty="0"/>
+              <a:t> </a:t>
+            </a:r>
+            <a:r>
+              <a:rPr lang="vi-VN" dirty="0" err="1"/>
               <a:t>transactions</a:t>
             </a:r>
             <a:r>
-              <a:rPr lang="vi-VN" sz="1400" dirty="0"/>
+              <a:rPr lang="vi-VN" dirty="0"/>
               <a:t>,” </a:t>
             </a:r>
             <a:r>
-              <a:rPr lang="vi-VN" sz="1400" dirty="0" err="1"/>
+              <a:rPr lang="vi-VN" dirty="0" err="1"/>
               <a:t>arXiv</a:t>
             </a:r>
             <a:r>
-              <a:rPr lang="vi-VN" sz="1400" dirty="0"/>
-              <a:t> </a:t>
-            </a:r>
-            <a:r>
-              <a:rPr lang="vi-VN" sz="1400" dirty="0" err="1"/>
+              <a:rPr lang="vi-VN" dirty="0"/>
+              <a:t> </a:t>
+            </a:r>
+            <a:r>
+              <a:rPr lang="vi-VN" dirty="0" err="1"/>
               <a:t>preprint</a:t>
             </a:r>
             <a:r>
-              <a:rPr lang="vi-VN" sz="1400" dirty="0"/>
+              <a:rPr lang="vi-VN" dirty="0"/>
               <a:t> arXiv:2101.06000, 2021</a:t>
             </a:r>
           </a:p>
           <a:p>
             <a:r>
-              <a:rPr lang="vi-VN" sz="1400" dirty="0"/>
+              <a:rPr lang="vi-VN" dirty="0"/>
               <a:t>[7] K. </a:t>
             </a:r>
             <a:r>
-              <a:rPr lang="vi-VN" sz="1400" dirty="0" err="1"/>
+              <a:rPr lang="vi-VN" dirty="0" err="1"/>
               <a:t>Qin</a:t>
             </a:r>
             <a:r>
-              <a:rPr lang="vi-VN" sz="1400" dirty="0"/>
-              <a:t> </a:t>
-            </a:r>
-            <a:r>
-              <a:rPr lang="vi-VN" sz="1400" dirty="0" err="1"/>
+              <a:rPr lang="vi-VN" dirty="0"/>
+              <a:t> </a:t>
+            </a:r>
+            <a:r>
+              <a:rPr lang="vi-VN" dirty="0" err="1"/>
               <a:t>and</a:t>
             </a:r>
             <a:r>
-              <a:rPr lang="vi-VN" sz="1400" dirty="0"/>
+              <a:rPr lang="vi-VN" dirty="0"/>
               <a:t> A. </a:t>
             </a:r>
             <a:r>
-              <a:rPr lang="vi-VN" sz="1400" dirty="0" err="1"/>
+              <a:rPr lang="vi-VN" dirty="0" err="1"/>
               <a:t>Gervais</a:t>
             </a:r>
             <a:r>
-              <a:rPr lang="vi-VN" sz="1400" dirty="0"/>
+              <a:rPr lang="vi-VN" dirty="0"/>
               <a:t>, “An </a:t>
             </a:r>
             <a:r>
-              <a:rPr lang="vi-VN" sz="1400" dirty="0" err="1"/>
+              <a:rPr lang="vi-VN" dirty="0" err="1"/>
               <a:t>overview</a:t>
             </a:r>
             <a:r>
-              <a:rPr lang="vi-VN" sz="1400" dirty="0"/>
-              <a:t> </a:t>
-            </a:r>
-            <a:r>
-              <a:rPr lang="vi-VN" sz="1400" dirty="0" err="1"/>
+              <a:rPr lang="vi-VN" dirty="0"/>
+              <a:t> </a:t>
+            </a:r>
+            <a:r>
+              <a:rPr lang="vi-VN" dirty="0" err="1"/>
               <a:t>of</a:t>
             </a:r>
             <a:r>
-              <a:rPr lang="vi-VN" sz="1400" dirty="0"/>
-              <a:t> </a:t>
-            </a:r>
-            <a:r>
-              <a:rPr lang="vi-VN" sz="1400" dirty="0" err="1"/>
+              <a:rPr lang="vi-VN" dirty="0"/>
+              <a:t> </a:t>
+            </a:r>
+            <a:r>
+              <a:rPr lang="vi-VN" dirty="0" err="1"/>
               <a:t>blockchain</a:t>
             </a:r>
             <a:r>
-              <a:rPr lang="vi-VN" sz="1400" dirty="0"/>
-              <a:t> </a:t>
-            </a:r>
-            <a:r>
-              <a:rPr lang="vi-VN" sz="1400" dirty="0" err="1"/>
+              <a:rPr lang="vi-VN" dirty="0"/>
+              <a:t> </a:t>
+            </a:r>
+            <a:r>
+              <a:rPr lang="vi-VN" dirty="0" err="1"/>
               <a:t>scalability</a:t>
             </a:r>
             <a:r>
-              <a:rPr lang="vi-VN" sz="1400" dirty="0"/>
+              <a:rPr lang="vi-VN" dirty="0"/>
               <a:t>, </a:t>
             </a:r>
             <a:r>
-              <a:rPr lang="vi-VN" sz="1400" dirty="0" err="1"/>
+              <a:rPr lang="vi-VN" dirty="0" err="1"/>
               <a:t>interoperability</a:t>
             </a:r>
             <a:r>
-              <a:rPr lang="vi-VN" sz="1400" dirty="0"/>
-              <a:t> </a:t>
-            </a:r>
-            <a:r>
-              <a:rPr lang="vi-VN" sz="1400" dirty="0" err="1"/>
+              <a:rPr lang="vi-VN" dirty="0"/>
+              <a:t> </a:t>
+            </a:r>
+            <a:r>
+              <a:rPr lang="vi-VN" dirty="0" err="1"/>
               <a:t>and</a:t>
             </a:r>
             <a:r>
-              <a:rPr lang="vi-VN" sz="1400" dirty="0"/>
-              <a:t> </a:t>
-            </a:r>
-            <a:r>
-              <a:rPr lang="vi-VN" sz="1400" dirty="0" err="1"/>
+              <a:rPr lang="vi-VN" dirty="0"/>
+              <a:t> </a:t>
+            </a:r>
+            <a:r>
+              <a:rPr lang="vi-VN" dirty="0" err="1"/>
               <a:t>sustainability</a:t>
             </a:r>
             <a:r>
-              <a:rPr lang="vi-VN" sz="1400" dirty="0"/>
+              <a:rPr lang="vi-VN" dirty="0"/>
               <a:t>,” </a:t>
             </a:r>
             <a:r>
-              <a:rPr lang="vi-VN" sz="1400" dirty="0" err="1"/>
+              <a:rPr lang="vi-VN" dirty="0" err="1"/>
               <a:t>Hochschule</a:t>
             </a:r>
             <a:r>
-              <a:rPr lang="vi-VN" sz="1400" dirty="0"/>
-              <a:t> </a:t>
-            </a:r>
-            <a:r>
-              <a:rPr lang="vi-VN" sz="1400" dirty="0" err="1"/>
+              <a:rPr lang="vi-VN" dirty="0"/>
+              <a:t> </a:t>
+            </a:r>
+            <a:r>
+              <a:rPr lang="vi-VN" dirty="0" err="1"/>
               <a:t>Luzern</a:t>
             </a:r>
             <a:r>
-              <a:rPr lang="vi-VN" sz="1400" dirty="0"/>
-              <a:t> </a:t>
-            </a:r>
-            <a:r>
-              <a:rPr lang="vi-VN" sz="1400" dirty="0" err="1"/>
+              <a:rPr lang="vi-VN" dirty="0"/>
+              <a:t> </a:t>
+            </a:r>
+            <a:r>
+              <a:rPr lang="vi-VN" dirty="0" err="1"/>
               <a:t>Imperial</a:t>
             </a:r>
             <a:r>
-              <a:rPr lang="vi-VN" sz="1400" dirty="0"/>
-              <a:t> </a:t>
-            </a:r>
-            <a:r>
-              <a:rPr lang="vi-VN" sz="1400" dirty="0" err="1"/>
+              <a:rPr lang="vi-VN" dirty="0"/>
+              <a:t> </a:t>
+            </a:r>
+            <a:r>
+              <a:rPr lang="vi-VN" dirty="0" err="1"/>
               <a:t>College</a:t>
             </a:r>
             <a:r>
-              <a:rPr lang="vi-VN" sz="1400" dirty="0"/>
-              <a:t> </a:t>
-            </a:r>
-            <a:r>
-              <a:rPr lang="vi-VN" sz="1400" dirty="0" err="1"/>
+              <a:rPr lang="vi-VN" dirty="0"/>
+              <a:t> </a:t>
+            </a:r>
+            <a:r>
+              <a:rPr lang="vi-VN" dirty="0" err="1"/>
               <a:t>London</a:t>
             </a:r>
             <a:r>
-              <a:rPr lang="vi-VN" sz="1400" dirty="0"/>
-              <a:t> </a:t>
-            </a:r>
-            <a:r>
-              <a:rPr lang="vi-VN" sz="1400" dirty="0" err="1"/>
+              <a:rPr lang="vi-VN" dirty="0"/>
+              <a:t> </a:t>
+            </a:r>
+            <a:r>
+              <a:rPr lang="vi-VN" dirty="0" err="1"/>
               <a:t>Liquidity</a:t>
             </a:r>
             <a:r>
-              <a:rPr lang="vi-VN" sz="1400" dirty="0"/>
-              <a:t> </a:t>
-            </a:r>
-            <a:r>
-              <a:rPr lang="vi-VN" sz="1400" dirty="0" err="1"/>
+              <a:rPr lang="vi-VN" dirty="0"/>
+              <a:t> </a:t>
+            </a:r>
+            <a:r>
+              <a:rPr lang="vi-VN" dirty="0" err="1"/>
               <a:t>Network</a:t>
             </a:r>
             <a:r>
-              <a:rPr lang="vi-VN" sz="1400" dirty="0"/>
+              <a:rPr lang="vi-VN" dirty="0"/>
               <a:t>, </a:t>
             </a:r>
             <a:r>
-              <a:rPr lang="vi-VN" sz="1400" dirty="0" err="1"/>
+              <a:rPr lang="vi-VN" dirty="0" err="1"/>
               <a:t>pp</a:t>
             </a:r>
             <a:r>
-              <a:rPr lang="vi-VN" sz="1400" dirty="0"/>
+              <a:rPr lang="vi-VN" dirty="0"/>
               <a:t>. 1–15, 2018. </a:t>
-            </a:r>
-          </a:p>
-          <a:p>
-            <a:r>
-              <a:rPr lang="vi-VN" sz="1400" dirty="0"/>
-              <a:t>[8] T. </a:t>
-            </a:r>
-            <a:r>
-              <a:rPr lang="vi-VN" sz="1400" dirty="0" err="1"/>
-              <a:t>Hardjono</a:t>
-            </a:r>
-            <a:r>
-              <a:rPr lang="vi-VN" sz="1400" dirty="0"/>
-              <a:t>, “</a:t>
-            </a:r>
-            <a:r>
-              <a:rPr lang="vi-VN" sz="1400" dirty="0" err="1"/>
-              <a:t>Blockchain</a:t>
-            </a:r>
-            <a:r>
-              <a:rPr lang="vi-VN" sz="1400" dirty="0"/>
-              <a:t> </a:t>
-            </a:r>
-            <a:r>
-              <a:rPr lang="vi-VN" sz="1400" dirty="0" err="1"/>
-              <a:t>gateways</a:t>
-            </a:r>
-            <a:r>
-              <a:rPr lang="vi-VN" sz="1400" dirty="0"/>
-              <a:t>, </a:t>
-            </a:r>
-            <a:r>
-              <a:rPr lang="vi-VN" sz="1400" dirty="0" err="1"/>
-              <a:t>bridges</a:t>
-            </a:r>
-            <a:r>
-              <a:rPr lang="vi-VN" sz="1400" dirty="0"/>
-              <a:t> </a:t>
-            </a:r>
-            <a:r>
-              <a:rPr lang="vi-VN" sz="1400" dirty="0" err="1"/>
-              <a:t>and</a:t>
-            </a:r>
-            <a:r>
-              <a:rPr lang="vi-VN" sz="1400" dirty="0"/>
-              <a:t> </a:t>
-            </a:r>
-            <a:r>
-              <a:rPr lang="vi-VN" sz="1400" dirty="0" err="1"/>
-              <a:t>delegated</a:t>
-            </a:r>
-            <a:r>
-              <a:rPr lang="vi-VN" sz="1400" dirty="0"/>
-              <a:t> </a:t>
-            </a:r>
-            <a:r>
-              <a:rPr lang="vi-VN" sz="1400" dirty="0" err="1"/>
-              <a:t>hash-locks</a:t>
-            </a:r>
-            <a:r>
-              <a:rPr lang="vi-VN" sz="1400" dirty="0"/>
-              <a:t>,” </a:t>
-            </a:r>
-            <a:r>
-              <a:rPr lang="vi-VN" sz="1400" dirty="0" err="1"/>
-              <a:t>arXiv</a:t>
-            </a:r>
-            <a:r>
-              <a:rPr lang="vi-VN" sz="1400" dirty="0"/>
-              <a:t> </a:t>
-            </a:r>
-            <a:r>
-              <a:rPr lang="vi-VN" sz="1400" dirty="0" err="1"/>
-              <a:t>preprint</a:t>
-            </a:r>
-            <a:r>
-              <a:rPr lang="vi-VN" sz="1400" dirty="0"/>
-              <a:t> arXiv:2102.03933, 2021. </a:t>
-            </a:r>
-          </a:p>
-          <a:p>
-            <a:r>
-              <a:rPr lang="vi-VN" sz="1400" dirty="0"/>
-              <a:t>[9] A. </a:t>
-            </a:r>
-            <a:r>
-              <a:rPr lang="vi-VN" sz="1400" dirty="0" err="1"/>
-              <a:t>Singh</a:t>
-            </a:r>
-            <a:r>
-              <a:rPr lang="vi-VN" sz="1400" dirty="0"/>
-              <a:t>, K. </a:t>
-            </a:r>
-            <a:r>
-              <a:rPr lang="vi-VN" sz="1400" dirty="0" err="1"/>
-              <a:t>Click</a:t>
-            </a:r>
-            <a:r>
-              <a:rPr lang="vi-VN" sz="1400" dirty="0"/>
-              <a:t>, R. M. </a:t>
-            </a:r>
-            <a:r>
-              <a:rPr lang="vi-VN" sz="1400" dirty="0" err="1"/>
-              <a:t>Parizi</a:t>
-            </a:r>
-            <a:r>
-              <a:rPr lang="vi-VN" sz="1400" dirty="0"/>
-              <a:t>, Q. </a:t>
-            </a:r>
-            <a:r>
-              <a:rPr lang="vi-VN" sz="1400" dirty="0" err="1"/>
-              <a:t>Zhang</a:t>
-            </a:r>
-            <a:r>
-              <a:rPr lang="vi-VN" sz="1400" dirty="0"/>
-              <a:t>, A. </a:t>
-            </a:r>
-            <a:r>
-              <a:rPr lang="vi-VN" sz="1400" dirty="0" err="1"/>
-              <a:t>Dehghantanha</a:t>
-            </a:r>
-            <a:r>
-              <a:rPr lang="vi-VN" sz="1400" dirty="0"/>
-              <a:t>, </a:t>
-            </a:r>
-            <a:r>
-              <a:rPr lang="vi-VN" sz="1400" dirty="0" err="1"/>
-              <a:t>and</a:t>
-            </a:r>
-            <a:r>
-              <a:rPr lang="vi-VN" sz="1400" dirty="0"/>
-              <a:t> K.-K. R. </a:t>
-            </a:r>
-            <a:r>
-              <a:rPr lang="vi-VN" sz="1400" dirty="0" err="1"/>
-              <a:t>Choo</a:t>
-            </a:r>
-            <a:r>
-              <a:rPr lang="vi-VN" sz="1400" dirty="0"/>
-              <a:t>, “</a:t>
-            </a:r>
-            <a:r>
-              <a:rPr lang="vi-VN" sz="1400" dirty="0" err="1"/>
-              <a:t>Sidechain</a:t>
-            </a:r>
-            <a:r>
-              <a:rPr lang="vi-VN" sz="1400" dirty="0"/>
-              <a:t> </a:t>
-            </a:r>
-            <a:r>
-              <a:rPr lang="vi-VN" sz="1400" dirty="0" err="1"/>
-              <a:t>technologies</a:t>
-            </a:r>
-            <a:r>
-              <a:rPr lang="vi-VN" sz="1400" dirty="0"/>
-              <a:t> in </a:t>
-            </a:r>
-            <a:r>
-              <a:rPr lang="vi-VN" sz="1400" dirty="0" err="1"/>
-              <a:t>blockchain</a:t>
-            </a:r>
-            <a:r>
-              <a:rPr lang="vi-VN" sz="1400" dirty="0"/>
-              <a:t> </a:t>
-            </a:r>
-            <a:r>
-              <a:rPr lang="vi-VN" sz="1400" dirty="0" err="1"/>
-              <a:t>networks</a:t>
-            </a:r>
-            <a:r>
-              <a:rPr lang="vi-VN" sz="1400" dirty="0"/>
-              <a:t>: An </a:t>
-            </a:r>
-            <a:r>
-              <a:rPr lang="vi-VN" sz="1400" dirty="0" err="1"/>
-              <a:t>examination</a:t>
-            </a:r>
-            <a:r>
-              <a:rPr lang="vi-VN" sz="1400" dirty="0"/>
-              <a:t> </a:t>
-            </a:r>
-            <a:r>
-              <a:rPr lang="vi-VN" sz="1400" dirty="0" err="1"/>
-              <a:t>and</a:t>
-            </a:r>
-            <a:r>
-              <a:rPr lang="vi-VN" sz="1400" dirty="0"/>
-              <a:t> </a:t>
-            </a:r>
-            <a:r>
-              <a:rPr lang="vi-VN" sz="1400" dirty="0" err="1"/>
-              <a:t>state</a:t>
-            </a:r>
-            <a:r>
-              <a:rPr lang="vi-VN" sz="1400" dirty="0"/>
-              <a:t>-</a:t>
-            </a:r>
-            <a:r>
-              <a:rPr lang="vi-VN" sz="1400" dirty="0" err="1"/>
-              <a:t>of</a:t>
-            </a:r>
-            <a:r>
-              <a:rPr lang="vi-VN" sz="1400" dirty="0"/>
-              <a:t>-the-</a:t>
-            </a:r>
-            <a:r>
-              <a:rPr lang="vi-VN" sz="1400" dirty="0" err="1"/>
-              <a:t>art</a:t>
-            </a:r>
-            <a:r>
-              <a:rPr lang="vi-VN" sz="1400" dirty="0"/>
-              <a:t> </a:t>
-            </a:r>
-            <a:r>
-              <a:rPr lang="vi-VN" sz="1400" dirty="0" err="1"/>
-              <a:t>review</a:t>
-            </a:r>
-            <a:r>
-              <a:rPr lang="vi-VN" sz="1400" dirty="0"/>
-              <a:t>,” </a:t>
-            </a:r>
-            <a:r>
-              <a:rPr lang="vi-VN" sz="1400" dirty="0" err="1"/>
-              <a:t>Journal</a:t>
-            </a:r>
-            <a:r>
-              <a:rPr lang="vi-VN" sz="1400" dirty="0"/>
-              <a:t> </a:t>
-            </a:r>
-            <a:r>
-              <a:rPr lang="vi-VN" sz="1400" dirty="0" err="1"/>
-              <a:t>of</a:t>
-            </a:r>
-            <a:r>
-              <a:rPr lang="vi-VN" sz="1400" dirty="0"/>
-              <a:t> </a:t>
-            </a:r>
-            <a:r>
-              <a:rPr lang="vi-VN" sz="1400" dirty="0" err="1"/>
-              <a:t>Network</a:t>
-            </a:r>
-            <a:r>
-              <a:rPr lang="vi-VN" sz="1400" dirty="0"/>
-              <a:t> </a:t>
-            </a:r>
-            <a:r>
-              <a:rPr lang="vi-VN" sz="1400" dirty="0" err="1"/>
-              <a:t>and</a:t>
-            </a:r>
-            <a:r>
-              <a:rPr lang="vi-VN" sz="1400" dirty="0"/>
-              <a:t> </a:t>
-            </a:r>
-            <a:r>
-              <a:rPr lang="vi-VN" sz="1400" dirty="0" err="1"/>
-              <a:t>Computer</a:t>
-            </a:r>
-            <a:r>
-              <a:rPr lang="vi-VN" sz="1400" dirty="0"/>
-              <a:t> </a:t>
-            </a:r>
-            <a:r>
-              <a:rPr lang="vi-VN" sz="1400" dirty="0" err="1"/>
-              <a:t>Applications</a:t>
-            </a:r>
-            <a:r>
-              <a:rPr lang="vi-VN" sz="1400" dirty="0"/>
-              <a:t>, </a:t>
-            </a:r>
-            <a:r>
-              <a:rPr lang="vi-VN" sz="1400" dirty="0" err="1"/>
-              <a:t>vol</a:t>
-            </a:r>
-            <a:r>
-              <a:rPr lang="vi-VN" sz="1400" dirty="0"/>
-              <a:t>. 149, p. 102471, 2020.</a:t>
-            </a:r>
-          </a:p>
-          <a:p>
-            <a:r>
-              <a:rPr lang="vi-VN" sz="1400" dirty="0"/>
-              <a:t>[10] M. H. </a:t>
-            </a:r>
-            <a:r>
-              <a:rPr lang="vi-VN" sz="1400" dirty="0" err="1"/>
-              <a:t>Miraz</a:t>
-            </a:r>
-            <a:r>
-              <a:rPr lang="vi-VN" sz="1400" dirty="0"/>
-              <a:t> </a:t>
-            </a:r>
-            <a:r>
-              <a:rPr lang="vi-VN" sz="1400" dirty="0" err="1"/>
-              <a:t>and</a:t>
-            </a:r>
-            <a:r>
-              <a:rPr lang="vi-VN" sz="1400" dirty="0"/>
-              <a:t> D. C. </a:t>
-            </a:r>
-            <a:r>
-              <a:rPr lang="vi-VN" sz="1400" dirty="0" err="1"/>
-              <a:t>Donald</a:t>
-            </a:r>
-            <a:r>
-              <a:rPr lang="vi-VN" sz="1400" dirty="0"/>
-              <a:t>, “</a:t>
-            </a:r>
-            <a:r>
-              <a:rPr lang="vi-VN" sz="1400" dirty="0" err="1"/>
-              <a:t>Atomic</a:t>
-            </a:r>
-            <a:r>
-              <a:rPr lang="vi-VN" sz="1400" dirty="0"/>
-              <a:t> </a:t>
-            </a:r>
-            <a:r>
-              <a:rPr lang="vi-VN" sz="1400" dirty="0" err="1"/>
-              <a:t>cross-chain</a:t>
-            </a:r>
-            <a:r>
-              <a:rPr lang="vi-VN" sz="1400" dirty="0"/>
-              <a:t> </a:t>
-            </a:r>
-            <a:r>
-              <a:rPr lang="vi-VN" sz="1400" dirty="0" err="1"/>
-              <a:t>swaps</a:t>
-            </a:r>
-            <a:r>
-              <a:rPr lang="vi-VN" sz="1400" dirty="0"/>
-              <a:t>: </a:t>
-            </a:r>
-            <a:r>
-              <a:rPr lang="vi-VN" sz="1400" dirty="0" err="1"/>
-              <a:t>development</a:t>
-            </a:r>
-            <a:r>
-              <a:rPr lang="vi-VN" sz="1400" dirty="0"/>
-              <a:t>, </a:t>
-            </a:r>
-            <a:r>
-              <a:rPr lang="vi-VN" sz="1400" dirty="0" err="1"/>
-              <a:t>trajectory</a:t>
-            </a:r>
-            <a:r>
-              <a:rPr lang="vi-VN" sz="1400" dirty="0"/>
-              <a:t> </a:t>
-            </a:r>
-            <a:r>
-              <a:rPr lang="vi-VN" sz="1400" dirty="0" err="1"/>
-              <a:t>and</a:t>
-            </a:r>
-            <a:r>
-              <a:rPr lang="vi-VN" sz="1400" dirty="0"/>
-              <a:t> </a:t>
-            </a:r>
-            <a:r>
-              <a:rPr lang="vi-VN" sz="1400" dirty="0" err="1"/>
-              <a:t>potential</a:t>
-            </a:r>
-            <a:r>
-              <a:rPr lang="vi-VN" sz="1400" dirty="0"/>
-              <a:t> </a:t>
-            </a:r>
-            <a:r>
-              <a:rPr lang="vi-VN" sz="1400" dirty="0" err="1"/>
-              <a:t>of</a:t>
-            </a:r>
-            <a:r>
-              <a:rPr lang="vi-VN" sz="1400" dirty="0"/>
-              <a:t> non-</a:t>
-            </a:r>
-            <a:r>
-              <a:rPr lang="vi-VN" sz="1400" dirty="0" err="1"/>
-              <a:t>monetary</a:t>
-            </a:r>
-            <a:r>
-              <a:rPr lang="vi-VN" sz="1400" dirty="0"/>
-              <a:t> </a:t>
-            </a:r>
-            <a:r>
-              <a:rPr lang="vi-VN" sz="1400" dirty="0" err="1"/>
-              <a:t>digital</a:t>
-            </a:r>
-            <a:r>
-              <a:rPr lang="vi-VN" sz="1400" dirty="0"/>
-              <a:t> </a:t>
-            </a:r>
-            <a:r>
-              <a:rPr lang="vi-VN" sz="1400" dirty="0" err="1"/>
-              <a:t>token</a:t>
-            </a:r>
-            <a:r>
-              <a:rPr lang="vi-VN" sz="1400" dirty="0"/>
-              <a:t> </a:t>
-            </a:r>
-            <a:r>
-              <a:rPr lang="vi-VN" sz="1400" dirty="0" err="1"/>
-              <a:t>swap</a:t>
-            </a:r>
-            <a:r>
-              <a:rPr lang="vi-VN" sz="1400" dirty="0"/>
-              <a:t> </a:t>
-            </a:r>
-            <a:r>
-              <a:rPr lang="vi-VN" sz="1400" dirty="0" err="1"/>
-              <a:t>facilities</a:t>
-            </a:r>
-            <a:r>
-              <a:rPr lang="vi-VN" sz="1400" dirty="0"/>
-              <a:t>,” </a:t>
-            </a:r>
-            <a:r>
-              <a:rPr lang="vi-VN" sz="1400" dirty="0" err="1"/>
-              <a:t>arXiv</a:t>
-            </a:r>
-            <a:r>
-              <a:rPr lang="vi-VN" sz="1400" dirty="0"/>
-              <a:t> </a:t>
-            </a:r>
-            <a:r>
-              <a:rPr lang="vi-VN" sz="1400" dirty="0" err="1"/>
-              <a:t>preprint</a:t>
-            </a:r>
-            <a:r>
-              <a:rPr lang="vi-VN" sz="1400" dirty="0"/>
-              <a:t> arXiv:1902.04471, 2019. </a:t>
-            </a:r>
-            <a:r>
-              <a:rPr lang="vi-VN" sz="1400" dirty="0" err="1"/>
-              <a:t>Proceedings</a:t>
-            </a:r>
-            <a:r>
-              <a:rPr lang="vi-VN" sz="1400" dirty="0"/>
-              <a:t> 6. </a:t>
-            </a:r>
-            <a:r>
-              <a:rPr lang="vi-VN" sz="1400" dirty="0" err="1"/>
-              <a:t>Springer</a:t>
-            </a:r>
-            <a:r>
-              <a:rPr lang="vi-VN" sz="1400" dirty="0"/>
-              <a:t>, 2017, </a:t>
-            </a:r>
-            <a:r>
-              <a:rPr lang="vi-VN" sz="1400" dirty="0" err="1"/>
-              <a:t>pp</a:t>
-            </a:r>
-            <a:r>
-              <a:rPr lang="vi-VN" sz="1400" dirty="0"/>
-              <a:t>. 164–186. [14] S. </a:t>
-            </a:r>
-            <a:r>
-              <a:rPr lang="vi-VN" sz="1400" dirty="0" err="1"/>
-              <a:t>Wang</a:t>
-            </a:r>
-            <a:r>
-              <a:rPr lang="vi-VN" sz="1400" dirty="0"/>
-              <a:t>, Y. </a:t>
-            </a:r>
-            <a:r>
-              <a:rPr lang="vi-VN" sz="1400" dirty="0" err="1"/>
-              <a:t>Yuan</a:t>
-            </a:r>
-            <a:r>
-              <a:rPr lang="vi-VN" sz="1400" dirty="0"/>
-              <a:t>, X. </a:t>
-            </a:r>
-            <a:r>
-              <a:rPr lang="vi-VN" sz="1400" dirty="0" err="1"/>
-              <a:t>Wang</a:t>
-            </a:r>
-            <a:r>
-              <a:rPr lang="vi-VN" sz="1400" dirty="0"/>
-              <a:t>, J. Li, R. </a:t>
-            </a:r>
-            <a:r>
-              <a:rPr lang="vi-VN" sz="1400" dirty="0" err="1"/>
-              <a:t>Qin</a:t>
-            </a:r>
-            <a:r>
-              <a:rPr lang="vi-VN" sz="1400" dirty="0"/>
-              <a:t>, </a:t>
-            </a:r>
-            <a:r>
-              <a:rPr lang="vi-VN" sz="1400" dirty="0" err="1"/>
-              <a:t>and</a:t>
-            </a:r>
-            <a:r>
-              <a:rPr lang="vi-VN" sz="1400" dirty="0"/>
-              <a:t> F.-Y. </a:t>
-            </a:r>
-            <a:r>
-              <a:rPr lang="vi-VN" sz="1400" dirty="0" err="1"/>
-              <a:t>Wang</a:t>
-            </a:r>
-            <a:r>
-              <a:rPr lang="vi-VN" sz="1400" dirty="0"/>
-              <a:t>, “An </a:t>
-            </a:r>
-            <a:r>
-              <a:rPr lang="vi-VN" sz="1400" dirty="0" err="1"/>
-              <a:t>overview</a:t>
-            </a:r>
-            <a:r>
-              <a:rPr lang="vi-VN" sz="1400" dirty="0"/>
-              <a:t> </a:t>
-            </a:r>
-            <a:r>
-              <a:rPr lang="vi-VN" sz="1400" dirty="0" err="1"/>
-              <a:t>of</a:t>
-            </a:r>
-            <a:r>
-              <a:rPr lang="vi-VN" sz="1400" dirty="0"/>
-              <a:t> </a:t>
-            </a:r>
-            <a:r>
-              <a:rPr lang="vi-VN" sz="1400" dirty="0" err="1"/>
-              <a:t>smart</a:t>
-            </a:r>
-            <a:r>
-              <a:rPr lang="vi-VN" sz="1400" dirty="0"/>
-              <a:t> </a:t>
-            </a:r>
-            <a:r>
-              <a:rPr lang="vi-VN" sz="1400" dirty="0" err="1"/>
-              <a:t>contract</a:t>
-            </a:r>
-            <a:r>
-              <a:rPr lang="vi-VN" sz="1400" dirty="0"/>
-              <a:t>: </a:t>
-            </a:r>
-            <a:r>
-              <a:rPr lang="vi-VN" sz="1400" dirty="0" err="1"/>
-              <a:t>architecture</a:t>
-            </a:r>
-            <a:r>
-              <a:rPr lang="vi-VN" sz="1400" dirty="0"/>
-              <a:t>, </a:t>
-            </a:r>
-            <a:r>
-              <a:rPr lang="vi-VN" sz="1400" dirty="0" err="1"/>
-              <a:t>applications</a:t>
-            </a:r>
-            <a:r>
-              <a:rPr lang="vi-VN" sz="1400" dirty="0"/>
-              <a:t>, </a:t>
-            </a:r>
-            <a:r>
-              <a:rPr lang="vi-VN" sz="1400" dirty="0" err="1"/>
-              <a:t>and</a:t>
-            </a:r>
-            <a:r>
-              <a:rPr lang="vi-VN" sz="1400" dirty="0"/>
-              <a:t> </a:t>
-            </a:r>
-            <a:r>
-              <a:rPr lang="vi-VN" sz="1400" dirty="0" err="1"/>
-              <a:t>future</a:t>
-            </a:r>
-            <a:r>
-              <a:rPr lang="vi-VN" sz="1400" dirty="0"/>
-              <a:t> </a:t>
-            </a:r>
-            <a:r>
-              <a:rPr lang="vi-VN" sz="1400" dirty="0" err="1"/>
-              <a:t>trends</a:t>
-            </a:r>
-            <a:r>
-              <a:rPr lang="vi-VN" sz="1400" dirty="0"/>
-              <a:t>,” in 2018 IEEE </a:t>
-            </a:r>
-            <a:r>
-              <a:rPr lang="vi-VN" sz="1400" dirty="0" err="1"/>
-              <a:t>Intelligent</a:t>
-            </a:r>
-            <a:r>
-              <a:rPr lang="vi-VN" sz="1400" dirty="0"/>
-              <a:t> </a:t>
-            </a:r>
-            <a:r>
-              <a:rPr lang="vi-VN" sz="1400" dirty="0" err="1"/>
-              <a:t>Vehicles</a:t>
-            </a:r>
-            <a:r>
-              <a:rPr lang="vi-VN" sz="1400" dirty="0"/>
-              <a:t> </a:t>
-            </a:r>
-            <a:r>
-              <a:rPr lang="vi-VN" sz="1400" dirty="0" err="1"/>
-              <a:t>Symposium</a:t>
-            </a:r>
-            <a:r>
-              <a:rPr lang="vi-VN" sz="1400" dirty="0"/>
-              <a:t> (IV). IEEE, 2018, </a:t>
-            </a:r>
-            <a:r>
-              <a:rPr lang="vi-VN" sz="1400" dirty="0" err="1"/>
-              <a:t>pp</a:t>
-            </a:r>
-            <a:r>
-              <a:rPr lang="vi-VN" sz="1400" dirty="0"/>
-              <a:t>. 108–113. </a:t>
             </a:r>
           </a:p>
         </p:txBody>
@@ -23346,8 +22714,8 @@
         </p:nvSpPr>
         <p:spPr>
           <a:xfrm>
-            <a:off x="169946" y="944643"/>
-            <a:ext cx="8759415" cy="5262979"/>
+            <a:off x="0" y="769345"/>
+            <a:ext cx="9144000" cy="6186309"/>
           </a:xfrm>
           <a:prstGeom prst="rect">
             <a:avLst/>
@@ -23361,1526 +22729,1164 @@
           <a:lstStyle/>
           <a:p>
             <a:r>
-              <a:rPr lang="vi-VN" sz="1400" dirty="0"/>
-              <a:t>[11] J. </a:t>
-            </a:r>
-            <a:r>
-              <a:rPr lang="vi-VN" sz="1400" dirty="0" err="1"/>
+              <a:rPr lang="vi-VN" dirty="0"/>
+              <a:t>[8] T. </a:t>
+            </a:r>
+            <a:r>
+              <a:rPr lang="vi-VN" dirty="0" err="1"/>
+              <a:t>Hardjono</a:t>
+            </a:r>
+            <a:r>
+              <a:rPr lang="vi-VN" dirty="0"/>
+              <a:t>, “</a:t>
+            </a:r>
+            <a:r>
+              <a:rPr lang="vi-VN" dirty="0" err="1"/>
+              <a:t>Blockchain</a:t>
+            </a:r>
+            <a:r>
+              <a:rPr lang="vi-VN" dirty="0"/>
+              <a:t> </a:t>
+            </a:r>
+            <a:r>
+              <a:rPr lang="vi-VN" dirty="0" err="1"/>
+              <a:t>gateways</a:t>
+            </a:r>
+            <a:r>
+              <a:rPr lang="vi-VN" dirty="0"/>
+              <a:t>, </a:t>
+            </a:r>
+            <a:r>
+              <a:rPr lang="vi-VN" dirty="0" err="1"/>
+              <a:t>bridges</a:t>
+            </a:r>
+            <a:r>
+              <a:rPr lang="vi-VN" dirty="0"/>
+              <a:t> </a:t>
+            </a:r>
+            <a:r>
+              <a:rPr lang="vi-VN" dirty="0" err="1"/>
+              <a:t>and</a:t>
+            </a:r>
+            <a:r>
+              <a:rPr lang="vi-VN" dirty="0"/>
+              <a:t> </a:t>
+            </a:r>
+            <a:r>
+              <a:rPr lang="vi-VN" dirty="0" err="1"/>
+              <a:t>delegated</a:t>
+            </a:r>
+            <a:r>
+              <a:rPr lang="vi-VN" dirty="0"/>
+              <a:t> </a:t>
+            </a:r>
+            <a:r>
+              <a:rPr lang="vi-VN" dirty="0" err="1"/>
+              <a:t>hash-locks</a:t>
+            </a:r>
+            <a:r>
+              <a:rPr lang="vi-VN" dirty="0"/>
+              <a:t>,” </a:t>
+            </a:r>
+            <a:r>
+              <a:rPr lang="vi-VN" dirty="0" err="1"/>
+              <a:t>arXiv</a:t>
+            </a:r>
+            <a:r>
+              <a:rPr lang="vi-VN" dirty="0"/>
+              <a:t> </a:t>
+            </a:r>
+            <a:r>
+              <a:rPr lang="vi-VN" dirty="0" err="1"/>
+              <a:t>preprint</a:t>
+            </a:r>
+            <a:r>
+              <a:rPr lang="vi-VN" dirty="0"/>
+              <a:t> arXiv:2102.03933, 2021. </a:t>
+            </a:r>
+          </a:p>
+          <a:p>
+            <a:r>
+              <a:rPr lang="vi-VN" dirty="0"/>
+              <a:t>[9] A. </a:t>
+            </a:r>
+            <a:r>
+              <a:rPr lang="vi-VN" dirty="0" err="1"/>
+              <a:t>Singh</a:t>
+            </a:r>
+            <a:r>
+              <a:rPr lang="vi-VN" dirty="0"/>
+              <a:t>, K. </a:t>
+            </a:r>
+            <a:r>
+              <a:rPr lang="vi-VN" dirty="0" err="1"/>
+              <a:t>Click</a:t>
+            </a:r>
+            <a:r>
+              <a:rPr lang="vi-VN" dirty="0"/>
+              <a:t>, R. M. </a:t>
+            </a:r>
+            <a:r>
+              <a:rPr lang="vi-VN" dirty="0" err="1"/>
+              <a:t>Parizi</a:t>
+            </a:r>
+            <a:r>
+              <a:rPr lang="vi-VN" dirty="0"/>
+              <a:t>, Q. </a:t>
+            </a:r>
+            <a:r>
+              <a:rPr lang="vi-VN" dirty="0" err="1"/>
               <a:t>Zhang</a:t>
             </a:r>
             <a:r>
-              <a:rPr lang="vi-VN" sz="1400" dirty="0"/>
+              <a:rPr lang="vi-VN" dirty="0"/>
+              <a:t>, A. </a:t>
+            </a:r>
+            <a:r>
+              <a:rPr lang="vi-VN" dirty="0" err="1"/>
+              <a:t>Dehghantanha</a:t>
+            </a:r>
+            <a:r>
+              <a:rPr lang="vi-VN" dirty="0"/>
+              <a:t>, </a:t>
+            </a:r>
+            <a:r>
+              <a:rPr lang="vi-VN" dirty="0" err="1"/>
+              <a:t>and</a:t>
+            </a:r>
+            <a:r>
+              <a:rPr lang="vi-VN" dirty="0"/>
+              <a:t> K.-K. R. </a:t>
+            </a:r>
+            <a:r>
+              <a:rPr lang="vi-VN" dirty="0" err="1"/>
+              <a:t>Choo</a:t>
+            </a:r>
+            <a:r>
+              <a:rPr lang="vi-VN" dirty="0"/>
+              <a:t>, “</a:t>
+            </a:r>
+            <a:r>
+              <a:rPr lang="vi-VN" dirty="0" err="1"/>
+              <a:t>Sidechain</a:t>
+            </a:r>
+            <a:r>
+              <a:rPr lang="vi-VN" dirty="0"/>
+              <a:t> </a:t>
+            </a:r>
+            <a:r>
+              <a:rPr lang="vi-VN" dirty="0" err="1"/>
+              <a:t>technologies</a:t>
+            </a:r>
+            <a:r>
+              <a:rPr lang="vi-VN" dirty="0"/>
+              <a:t> in </a:t>
+            </a:r>
+            <a:r>
+              <a:rPr lang="vi-VN" dirty="0" err="1"/>
+              <a:t>blockchain</a:t>
+            </a:r>
+            <a:r>
+              <a:rPr lang="vi-VN" dirty="0"/>
+              <a:t> </a:t>
+            </a:r>
+            <a:r>
+              <a:rPr lang="vi-VN" dirty="0" err="1"/>
+              <a:t>networks</a:t>
+            </a:r>
+            <a:r>
+              <a:rPr lang="vi-VN" dirty="0"/>
+              <a:t>: An </a:t>
+            </a:r>
+            <a:r>
+              <a:rPr lang="vi-VN" dirty="0" err="1"/>
+              <a:t>examination</a:t>
+            </a:r>
+            <a:r>
+              <a:rPr lang="vi-VN" dirty="0"/>
+              <a:t> </a:t>
+            </a:r>
+            <a:r>
+              <a:rPr lang="vi-VN" dirty="0" err="1"/>
+              <a:t>and</a:t>
+            </a:r>
+            <a:r>
+              <a:rPr lang="vi-VN" dirty="0"/>
+              <a:t> </a:t>
+            </a:r>
+            <a:r>
+              <a:rPr lang="vi-VN" dirty="0" err="1"/>
+              <a:t>state</a:t>
+            </a:r>
+            <a:r>
+              <a:rPr lang="vi-VN" dirty="0"/>
+              <a:t>-</a:t>
+            </a:r>
+            <a:r>
+              <a:rPr lang="vi-VN" dirty="0" err="1"/>
+              <a:t>of</a:t>
+            </a:r>
+            <a:r>
+              <a:rPr lang="vi-VN" dirty="0"/>
+              <a:t>-the-</a:t>
+            </a:r>
+            <a:r>
+              <a:rPr lang="vi-VN" dirty="0" err="1"/>
+              <a:t>art</a:t>
+            </a:r>
+            <a:r>
+              <a:rPr lang="vi-VN" dirty="0"/>
+              <a:t> </a:t>
+            </a:r>
+            <a:r>
+              <a:rPr lang="vi-VN" dirty="0" err="1"/>
+              <a:t>review</a:t>
+            </a:r>
+            <a:r>
+              <a:rPr lang="vi-VN" dirty="0"/>
+              <a:t>,” </a:t>
+            </a:r>
+            <a:r>
+              <a:rPr lang="vi-VN" dirty="0" err="1"/>
+              <a:t>Journal</a:t>
+            </a:r>
+            <a:r>
+              <a:rPr lang="vi-VN" dirty="0"/>
+              <a:t> </a:t>
+            </a:r>
+            <a:r>
+              <a:rPr lang="vi-VN" dirty="0" err="1"/>
+              <a:t>of</a:t>
+            </a:r>
+            <a:r>
+              <a:rPr lang="vi-VN" dirty="0"/>
+              <a:t> </a:t>
+            </a:r>
+            <a:r>
+              <a:rPr lang="vi-VN" dirty="0" err="1"/>
+              <a:t>Network</a:t>
+            </a:r>
+            <a:r>
+              <a:rPr lang="vi-VN" dirty="0"/>
+              <a:t> </a:t>
+            </a:r>
+            <a:r>
+              <a:rPr lang="vi-VN" dirty="0" err="1"/>
+              <a:t>and</a:t>
+            </a:r>
+            <a:r>
+              <a:rPr lang="vi-VN" dirty="0"/>
+              <a:t> </a:t>
+            </a:r>
+            <a:r>
+              <a:rPr lang="vi-VN" dirty="0" err="1"/>
+              <a:t>Computer</a:t>
+            </a:r>
+            <a:r>
+              <a:rPr lang="vi-VN" dirty="0"/>
+              <a:t> </a:t>
+            </a:r>
+            <a:r>
+              <a:rPr lang="vi-VN" dirty="0" err="1"/>
+              <a:t>Applications</a:t>
+            </a:r>
+            <a:r>
+              <a:rPr lang="vi-VN" dirty="0"/>
+              <a:t>, </a:t>
+            </a:r>
+            <a:r>
+              <a:rPr lang="vi-VN" dirty="0" err="1"/>
+              <a:t>vol</a:t>
+            </a:r>
+            <a:r>
+              <a:rPr lang="vi-VN" dirty="0"/>
+              <a:t>. 149, p. 102471, 2020.</a:t>
+            </a:r>
+          </a:p>
+          <a:p>
+            <a:r>
+              <a:rPr lang="vi-VN" dirty="0"/>
+              <a:t>[10] M. H. </a:t>
+            </a:r>
+            <a:r>
+              <a:rPr lang="vi-VN" dirty="0" err="1"/>
+              <a:t>Miraz</a:t>
+            </a:r>
+            <a:r>
+              <a:rPr lang="vi-VN" dirty="0"/>
+              <a:t> </a:t>
+            </a:r>
+            <a:r>
+              <a:rPr lang="vi-VN" dirty="0" err="1"/>
+              <a:t>and</a:t>
+            </a:r>
+            <a:r>
+              <a:rPr lang="vi-VN" dirty="0"/>
+              <a:t> D. C. </a:t>
+            </a:r>
+            <a:r>
+              <a:rPr lang="vi-VN" dirty="0" err="1"/>
+              <a:t>Donald</a:t>
+            </a:r>
+            <a:r>
+              <a:rPr lang="vi-VN" dirty="0"/>
+              <a:t>, “</a:t>
+            </a:r>
+            <a:r>
+              <a:rPr lang="vi-VN" dirty="0" err="1"/>
+              <a:t>Atomic</a:t>
+            </a:r>
+            <a:r>
+              <a:rPr lang="vi-VN" dirty="0"/>
+              <a:t> </a:t>
+            </a:r>
+            <a:r>
+              <a:rPr lang="vi-VN" dirty="0" err="1"/>
+              <a:t>cross-chain</a:t>
+            </a:r>
+            <a:r>
+              <a:rPr lang="vi-VN" dirty="0"/>
+              <a:t> </a:t>
+            </a:r>
+            <a:r>
+              <a:rPr lang="vi-VN" dirty="0" err="1"/>
+              <a:t>swaps</a:t>
+            </a:r>
+            <a:r>
+              <a:rPr lang="vi-VN" dirty="0"/>
+              <a:t>: </a:t>
+            </a:r>
+            <a:r>
+              <a:rPr lang="vi-VN" dirty="0" err="1"/>
+              <a:t>development</a:t>
+            </a:r>
+            <a:r>
+              <a:rPr lang="vi-VN" dirty="0"/>
+              <a:t>, </a:t>
+            </a:r>
+            <a:r>
+              <a:rPr lang="vi-VN" dirty="0" err="1"/>
+              <a:t>trajectory</a:t>
+            </a:r>
+            <a:r>
+              <a:rPr lang="vi-VN" dirty="0"/>
+              <a:t> </a:t>
+            </a:r>
+            <a:r>
+              <a:rPr lang="vi-VN" dirty="0" err="1"/>
+              <a:t>and</a:t>
+            </a:r>
+            <a:r>
+              <a:rPr lang="vi-VN" dirty="0"/>
+              <a:t> </a:t>
+            </a:r>
+            <a:r>
+              <a:rPr lang="vi-VN" dirty="0" err="1"/>
+              <a:t>potential</a:t>
+            </a:r>
+            <a:r>
+              <a:rPr lang="vi-VN" dirty="0"/>
+              <a:t> </a:t>
+            </a:r>
+            <a:r>
+              <a:rPr lang="vi-VN" dirty="0" err="1"/>
+              <a:t>of</a:t>
+            </a:r>
+            <a:r>
+              <a:rPr lang="vi-VN" dirty="0"/>
+              <a:t> non-</a:t>
+            </a:r>
+            <a:r>
+              <a:rPr lang="vi-VN" dirty="0" err="1"/>
+              <a:t>monetary</a:t>
+            </a:r>
+            <a:r>
+              <a:rPr lang="vi-VN" dirty="0"/>
+              <a:t> </a:t>
+            </a:r>
+            <a:r>
+              <a:rPr lang="vi-VN" dirty="0" err="1"/>
+              <a:t>digital</a:t>
+            </a:r>
+            <a:r>
+              <a:rPr lang="vi-VN" dirty="0"/>
+              <a:t> </a:t>
+            </a:r>
+            <a:r>
+              <a:rPr lang="vi-VN" dirty="0" err="1"/>
+              <a:t>token</a:t>
+            </a:r>
+            <a:r>
+              <a:rPr lang="vi-VN" dirty="0"/>
+              <a:t> </a:t>
+            </a:r>
+            <a:r>
+              <a:rPr lang="vi-VN" dirty="0" err="1"/>
+              <a:t>swap</a:t>
+            </a:r>
+            <a:r>
+              <a:rPr lang="vi-VN" dirty="0"/>
+              <a:t> </a:t>
+            </a:r>
+            <a:r>
+              <a:rPr lang="vi-VN" dirty="0" err="1"/>
+              <a:t>facilities</a:t>
+            </a:r>
+            <a:r>
+              <a:rPr lang="vi-VN" dirty="0"/>
+              <a:t>,” </a:t>
+            </a:r>
+            <a:r>
+              <a:rPr lang="vi-VN" dirty="0" err="1"/>
+              <a:t>arXiv</a:t>
+            </a:r>
+            <a:r>
+              <a:rPr lang="vi-VN" dirty="0"/>
+              <a:t> </a:t>
+            </a:r>
+            <a:r>
+              <a:rPr lang="vi-VN" dirty="0" err="1"/>
+              <a:t>preprint</a:t>
+            </a:r>
+            <a:r>
+              <a:rPr lang="vi-VN" dirty="0"/>
+              <a:t> arXiv:1902.04471, 2019. </a:t>
+            </a:r>
+            <a:r>
+              <a:rPr lang="vi-VN" dirty="0" err="1"/>
+              <a:t>Proceedings</a:t>
+            </a:r>
+            <a:r>
+              <a:rPr lang="vi-VN" dirty="0"/>
+              <a:t> 6. </a:t>
+            </a:r>
+            <a:r>
+              <a:rPr lang="vi-VN" dirty="0" err="1"/>
+              <a:t>Springer</a:t>
+            </a:r>
+            <a:r>
+              <a:rPr lang="vi-VN" dirty="0"/>
+              <a:t>, 2017, </a:t>
+            </a:r>
+            <a:r>
+              <a:rPr lang="vi-VN" dirty="0" err="1"/>
+              <a:t>pp</a:t>
+            </a:r>
+            <a:r>
+              <a:rPr lang="vi-VN" dirty="0"/>
+              <a:t>. 164–186. [14] S. </a:t>
+            </a:r>
+            <a:r>
+              <a:rPr lang="vi-VN" dirty="0" err="1"/>
+              <a:t>Wang</a:t>
+            </a:r>
+            <a:r>
+              <a:rPr lang="vi-VN" dirty="0"/>
+              <a:t>, Y. </a:t>
+            </a:r>
+            <a:r>
+              <a:rPr lang="vi-VN" dirty="0" err="1"/>
+              <a:t>Yuan</a:t>
+            </a:r>
+            <a:r>
+              <a:rPr lang="vi-VN" dirty="0"/>
+              <a:t>, X. </a:t>
+            </a:r>
+            <a:r>
+              <a:rPr lang="vi-VN" dirty="0" err="1"/>
+              <a:t>Wang</a:t>
+            </a:r>
+            <a:r>
+              <a:rPr lang="vi-VN" dirty="0"/>
+              <a:t>, J. Li, R. </a:t>
+            </a:r>
+            <a:r>
+              <a:rPr lang="vi-VN" dirty="0" err="1"/>
+              <a:t>Qin</a:t>
+            </a:r>
+            <a:r>
+              <a:rPr lang="vi-VN" dirty="0"/>
+              <a:t>, </a:t>
+            </a:r>
+            <a:r>
+              <a:rPr lang="vi-VN" dirty="0" err="1"/>
+              <a:t>and</a:t>
+            </a:r>
+            <a:r>
+              <a:rPr lang="vi-VN" dirty="0"/>
+              <a:t> F.-Y. </a:t>
+            </a:r>
+            <a:r>
+              <a:rPr lang="vi-VN" dirty="0" err="1"/>
+              <a:t>Wang</a:t>
+            </a:r>
+            <a:r>
+              <a:rPr lang="vi-VN" dirty="0"/>
+              <a:t>, “An </a:t>
+            </a:r>
+            <a:r>
+              <a:rPr lang="vi-VN" dirty="0" err="1"/>
+              <a:t>overview</a:t>
+            </a:r>
+            <a:r>
+              <a:rPr lang="vi-VN" dirty="0"/>
+              <a:t> </a:t>
+            </a:r>
+            <a:r>
+              <a:rPr lang="vi-VN" dirty="0" err="1"/>
+              <a:t>of</a:t>
+            </a:r>
+            <a:r>
+              <a:rPr lang="vi-VN" dirty="0"/>
+              <a:t> </a:t>
+            </a:r>
+            <a:r>
+              <a:rPr lang="vi-VN" dirty="0" err="1"/>
+              <a:t>smart</a:t>
+            </a:r>
+            <a:r>
+              <a:rPr lang="vi-VN" dirty="0"/>
+              <a:t> </a:t>
+            </a:r>
+            <a:r>
+              <a:rPr lang="vi-VN" dirty="0" err="1"/>
+              <a:t>contract</a:t>
+            </a:r>
+            <a:r>
+              <a:rPr lang="vi-VN" dirty="0"/>
+              <a:t>: </a:t>
+            </a:r>
+            <a:r>
+              <a:rPr lang="vi-VN" dirty="0" err="1"/>
+              <a:t>architecture</a:t>
+            </a:r>
+            <a:r>
+              <a:rPr lang="vi-VN" dirty="0"/>
+              <a:t>, </a:t>
+            </a:r>
+            <a:r>
+              <a:rPr lang="vi-VN" dirty="0" err="1"/>
+              <a:t>applications</a:t>
+            </a:r>
+            <a:r>
+              <a:rPr lang="vi-VN" dirty="0"/>
+              <a:t>, </a:t>
+            </a:r>
+            <a:r>
+              <a:rPr lang="vi-VN" dirty="0" err="1"/>
+              <a:t>and</a:t>
+            </a:r>
+            <a:r>
+              <a:rPr lang="vi-VN" dirty="0"/>
+              <a:t> </a:t>
+            </a:r>
+            <a:r>
+              <a:rPr lang="vi-VN" dirty="0" err="1"/>
+              <a:t>future</a:t>
+            </a:r>
+            <a:r>
+              <a:rPr lang="vi-VN" dirty="0"/>
+              <a:t> </a:t>
+            </a:r>
+            <a:r>
+              <a:rPr lang="vi-VN" dirty="0" err="1"/>
+              <a:t>trends</a:t>
+            </a:r>
+            <a:r>
+              <a:rPr lang="vi-VN" dirty="0"/>
+              <a:t>,” in 2018 IEEE </a:t>
+            </a:r>
+            <a:r>
+              <a:rPr lang="vi-VN" dirty="0" err="1"/>
+              <a:t>Intelligent</a:t>
+            </a:r>
+            <a:r>
+              <a:rPr lang="vi-VN" dirty="0"/>
+              <a:t> </a:t>
+            </a:r>
+            <a:r>
+              <a:rPr lang="vi-VN" dirty="0" err="1"/>
+              <a:t>Vehicles</a:t>
+            </a:r>
+            <a:r>
+              <a:rPr lang="vi-VN" dirty="0"/>
+              <a:t> </a:t>
+            </a:r>
+            <a:r>
+              <a:rPr lang="vi-VN" dirty="0" err="1"/>
+              <a:t>Symposium</a:t>
+            </a:r>
+            <a:r>
+              <a:rPr lang="vi-VN" dirty="0"/>
+              <a:t> (IV). IEEE, 2018, </a:t>
+            </a:r>
+            <a:r>
+              <a:rPr lang="vi-VN" dirty="0" err="1"/>
+              <a:t>pp</a:t>
+            </a:r>
+            <a:r>
+              <a:rPr lang="vi-VN" dirty="0"/>
+              <a:t>. 108–113. </a:t>
+            </a:r>
+          </a:p>
+          <a:p>
+            <a:r>
+              <a:rPr lang="vi-VN" dirty="0"/>
+              <a:t>11] J. </a:t>
+            </a:r>
+            <a:r>
+              <a:rPr lang="vi-VN" dirty="0" err="1"/>
+              <a:t>Zhang</a:t>
+            </a:r>
+            <a:r>
+              <a:rPr lang="vi-VN" dirty="0"/>
               <a:t>, J. Gao, Y. Li, Z. Chen, Z. </a:t>
             </a:r>
             <a:r>
-              <a:rPr lang="vi-VN" sz="1400" dirty="0" err="1"/>
+              <a:rPr lang="vi-VN" dirty="0" err="1"/>
               <a:t>Guan</a:t>
             </a:r>
             <a:r>
-              <a:rPr lang="vi-VN" sz="1400" dirty="0"/>
+              <a:rPr lang="vi-VN" dirty="0"/>
               <a:t>, </a:t>
             </a:r>
             <a:r>
-              <a:rPr lang="vi-VN" sz="1400" dirty="0" err="1"/>
+              <a:rPr lang="vi-VN" dirty="0" err="1"/>
               <a:t>and</a:t>
             </a:r>
             <a:r>
-              <a:rPr lang="vi-VN" sz="1400" dirty="0"/>
+              <a:rPr lang="vi-VN" dirty="0"/>
               <a:t> Z. Chen, “</a:t>
             </a:r>
             <a:r>
-              <a:rPr lang="vi-VN" sz="1400" dirty="0" err="1"/>
+              <a:rPr lang="vi-VN" dirty="0" err="1"/>
               <a:t>Xscope</a:t>
             </a:r>
             <a:r>
-              <a:rPr lang="vi-VN" sz="1400" dirty="0"/>
+              <a:rPr lang="vi-VN" dirty="0"/>
               <a:t>: </a:t>
             </a:r>
             <a:r>
-              <a:rPr lang="vi-VN" sz="1400" dirty="0" err="1"/>
+              <a:rPr lang="vi-VN" dirty="0" err="1"/>
               <a:t>Hunting</a:t>
             </a:r>
             <a:r>
-              <a:rPr lang="vi-VN" sz="1400" dirty="0"/>
-              <a:t> </a:t>
-            </a:r>
-            <a:r>
-              <a:rPr lang="vi-VN" sz="1400" dirty="0" err="1"/>
+              <a:rPr lang="vi-VN" dirty="0"/>
+              <a:t> </a:t>
+            </a:r>
+            <a:r>
+              <a:rPr lang="vi-VN" dirty="0" err="1"/>
               <a:t>for</a:t>
             </a:r>
             <a:r>
-              <a:rPr lang="vi-VN" sz="1400" dirty="0"/>
-              <a:t> </a:t>
-            </a:r>
-            <a:r>
-              <a:rPr lang="vi-VN" sz="1400" dirty="0" err="1"/>
+              <a:rPr lang="vi-VN" dirty="0"/>
+              <a:t> </a:t>
+            </a:r>
+            <a:r>
+              <a:rPr lang="vi-VN" dirty="0" err="1"/>
               <a:t>cross-chain</a:t>
             </a:r>
             <a:r>
-              <a:rPr lang="vi-VN" sz="1400" dirty="0"/>
-              <a:t> </a:t>
-            </a:r>
-            <a:r>
-              <a:rPr lang="vi-VN" sz="1400" dirty="0" err="1"/>
+              <a:rPr lang="vi-VN" dirty="0"/>
+              <a:t> </a:t>
+            </a:r>
+            <a:r>
+              <a:rPr lang="vi-VN" dirty="0" err="1"/>
               <a:t>bridge</a:t>
             </a:r>
             <a:r>
-              <a:rPr lang="vi-VN" sz="1400" dirty="0"/>
-              <a:t> </a:t>
-            </a:r>
-            <a:r>
-              <a:rPr lang="vi-VN" sz="1400" dirty="0" err="1"/>
+              <a:rPr lang="vi-VN" dirty="0"/>
+              <a:t> </a:t>
+            </a:r>
+            <a:r>
+              <a:rPr lang="vi-VN" dirty="0" err="1"/>
               <a:t>attacks</a:t>
             </a:r>
             <a:r>
-              <a:rPr lang="vi-VN" sz="1400" dirty="0"/>
+              <a:rPr lang="vi-VN" dirty="0"/>
               <a:t>,” in </a:t>
             </a:r>
             <a:r>
-              <a:rPr lang="vi-VN" sz="1400" dirty="0" err="1"/>
+              <a:rPr lang="vi-VN" dirty="0" err="1"/>
               <a:t>Proceedings</a:t>
             </a:r>
             <a:r>
-              <a:rPr lang="vi-VN" sz="1400" dirty="0"/>
-              <a:t> </a:t>
-            </a:r>
-            <a:r>
-              <a:rPr lang="vi-VN" sz="1400" dirty="0" err="1"/>
+              <a:rPr lang="vi-VN" dirty="0"/>
+              <a:t> </a:t>
+            </a:r>
+            <a:r>
+              <a:rPr lang="vi-VN" dirty="0" err="1"/>
               <a:t>of</a:t>
             </a:r>
             <a:r>
-              <a:rPr lang="vi-VN" sz="1400" dirty="0"/>
+              <a:rPr lang="vi-VN" dirty="0"/>
               <a:t> the 37th IEEE/ACM </a:t>
             </a:r>
             <a:r>
-              <a:rPr lang="vi-VN" sz="1400" dirty="0" err="1"/>
+              <a:rPr lang="vi-VN" dirty="0" err="1"/>
               <a:t>International</a:t>
             </a:r>
             <a:r>
-              <a:rPr lang="vi-VN" sz="1400" dirty="0"/>
-              <a:t> </a:t>
-            </a:r>
-            <a:r>
-              <a:rPr lang="vi-VN" sz="1400" dirty="0" err="1"/>
+              <a:rPr lang="vi-VN" dirty="0"/>
+              <a:t> </a:t>
+            </a:r>
+            <a:r>
+              <a:rPr lang="vi-VN" dirty="0" err="1"/>
               <a:t>Conference</a:t>
             </a:r>
             <a:r>
-              <a:rPr lang="vi-VN" sz="1400" dirty="0"/>
-              <a:t> </a:t>
-            </a:r>
-            <a:r>
-              <a:rPr lang="vi-VN" sz="1400" dirty="0" err="1"/>
+              <a:rPr lang="vi-VN" dirty="0"/>
+              <a:t> </a:t>
+            </a:r>
+            <a:r>
+              <a:rPr lang="vi-VN" dirty="0" err="1"/>
               <a:t>on</a:t>
             </a:r>
             <a:r>
-              <a:rPr lang="vi-VN" sz="1400" dirty="0"/>
-              <a:t> </a:t>
-            </a:r>
-            <a:r>
-              <a:rPr lang="vi-VN" sz="1400" dirty="0" err="1"/>
+              <a:rPr lang="vi-VN" dirty="0"/>
+              <a:t> </a:t>
+            </a:r>
+            <a:r>
+              <a:rPr lang="vi-VN" dirty="0" err="1"/>
               <a:t>Automated</a:t>
             </a:r>
             <a:r>
-              <a:rPr lang="vi-VN" sz="1400" dirty="0"/>
-              <a:t> </a:t>
-            </a:r>
-            <a:r>
-              <a:rPr lang="vi-VN" sz="1400" dirty="0" err="1"/>
+              <a:rPr lang="vi-VN" dirty="0"/>
+              <a:t> </a:t>
+            </a:r>
+            <a:r>
+              <a:rPr lang="vi-VN" dirty="0" err="1"/>
               <a:t>Software</a:t>
             </a:r>
             <a:r>
-              <a:rPr lang="vi-VN" sz="1400" dirty="0"/>
-              <a:t> </a:t>
-            </a:r>
-            <a:r>
-              <a:rPr lang="vi-VN" sz="1400" dirty="0" err="1"/>
+              <a:rPr lang="vi-VN" dirty="0"/>
+              <a:t> </a:t>
+            </a:r>
+            <a:r>
+              <a:rPr lang="vi-VN" dirty="0" err="1"/>
               <a:t>Engineering</a:t>
             </a:r>
             <a:r>
-              <a:rPr lang="vi-VN" sz="1400" dirty="0"/>
+              <a:rPr lang="vi-VN" dirty="0"/>
               <a:t>, 2022, </a:t>
             </a:r>
             <a:r>
-              <a:rPr lang="vi-VN" sz="1400" dirty="0" err="1"/>
+              <a:rPr lang="vi-VN" dirty="0" err="1"/>
               <a:t>pp</a:t>
             </a:r>
             <a:r>
-              <a:rPr lang="vi-VN" sz="1400" dirty="0"/>
+              <a:rPr lang="vi-VN" dirty="0"/>
               <a:t>. 1–4. </a:t>
             </a:r>
           </a:p>
           <a:p>
             <a:r>
-              <a:rPr lang="vi-VN" sz="1400" dirty="0"/>
+              <a:rPr lang="vi-VN" dirty="0"/>
               <a:t>[12] S. </a:t>
             </a:r>
             <a:r>
-              <a:rPr lang="vi-VN" sz="1400" dirty="0" err="1"/>
+              <a:rPr lang="vi-VN" dirty="0" err="1"/>
               <a:t>Sayeed</a:t>
             </a:r>
             <a:r>
-              <a:rPr lang="vi-VN" sz="1400" dirty="0"/>
+              <a:rPr lang="vi-VN" dirty="0"/>
               <a:t>, H. </a:t>
             </a:r>
             <a:r>
-              <a:rPr lang="vi-VN" sz="1400" dirty="0" err="1"/>
+              <a:rPr lang="vi-VN" dirty="0" err="1"/>
               <a:t>Marco-Gisbert</a:t>
             </a:r>
             <a:r>
-              <a:rPr lang="vi-VN" sz="1400" dirty="0"/>
+              <a:rPr lang="vi-VN" dirty="0"/>
               <a:t>, </a:t>
             </a:r>
             <a:r>
-              <a:rPr lang="vi-VN" sz="1400" dirty="0" err="1"/>
+              <a:rPr lang="vi-VN" dirty="0" err="1"/>
               <a:t>and</a:t>
             </a:r>
             <a:r>
-              <a:rPr lang="vi-VN" sz="1400" dirty="0"/>
+              <a:rPr lang="vi-VN" dirty="0"/>
               <a:t> T. </a:t>
             </a:r>
             <a:r>
-              <a:rPr lang="vi-VN" sz="1400" dirty="0" err="1"/>
+              <a:rPr lang="vi-VN" dirty="0" err="1"/>
               <a:t>Caira</a:t>
             </a:r>
             <a:r>
-              <a:rPr lang="vi-VN" sz="1400" dirty="0"/>
+              <a:rPr lang="vi-VN" dirty="0"/>
               <a:t>, “</a:t>
             </a:r>
             <a:r>
-              <a:rPr lang="vi-VN" sz="1400" dirty="0" err="1"/>
+              <a:rPr lang="vi-VN" dirty="0" err="1"/>
               <a:t>Smart</a:t>
             </a:r>
             <a:r>
-              <a:rPr lang="vi-VN" sz="1400" dirty="0"/>
-              <a:t> </a:t>
-            </a:r>
-            <a:r>
-              <a:rPr lang="vi-VN" sz="1400" dirty="0" err="1"/>
+              <a:rPr lang="vi-VN" dirty="0"/>
+              <a:t> </a:t>
+            </a:r>
+            <a:r>
+              <a:rPr lang="vi-VN" dirty="0" err="1"/>
               <a:t>contract</a:t>
             </a:r>
             <a:r>
-              <a:rPr lang="vi-VN" sz="1400" dirty="0"/>
+              <a:rPr lang="vi-VN" dirty="0"/>
               <a:t>: </a:t>
             </a:r>
             <a:r>
-              <a:rPr lang="vi-VN" sz="1400" dirty="0" err="1"/>
+              <a:rPr lang="vi-VN" dirty="0" err="1"/>
               <a:t>Attacks</a:t>
             </a:r>
             <a:r>
-              <a:rPr lang="vi-VN" sz="1400" dirty="0"/>
-              <a:t> </a:t>
-            </a:r>
-            <a:r>
-              <a:rPr lang="vi-VN" sz="1400" dirty="0" err="1"/>
+              <a:rPr lang="vi-VN" dirty="0"/>
+              <a:t> </a:t>
+            </a:r>
+            <a:r>
+              <a:rPr lang="vi-VN" dirty="0" err="1"/>
               <a:t>and</a:t>
             </a:r>
             <a:r>
-              <a:rPr lang="vi-VN" sz="1400" dirty="0"/>
-              <a:t> </a:t>
-            </a:r>
-            <a:r>
-              <a:rPr lang="vi-VN" sz="1400" dirty="0" err="1"/>
+              <a:rPr lang="vi-VN" dirty="0"/>
+              <a:t> </a:t>
+            </a:r>
+            <a:r>
+              <a:rPr lang="vi-VN" dirty="0" err="1"/>
               <a:t>protections</a:t>
             </a:r>
             <a:r>
-              <a:rPr lang="vi-VN" sz="1400" dirty="0"/>
+              <a:rPr lang="vi-VN" dirty="0"/>
               <a:t>,” IEEE Access, </a:t>
             </a:r>
             <a:r>
-              <a:rPr lang="vi-VN" sz="1400" dirty="0" err="1"/>
+              <a:rPr lang="vi-VN" dirty="0" err="1"/>
               <a:t>vol</a:t>
             </a:r>
             <a:r>
-              <a:rPr lang="vi-VN" sz="1400" dirty="0"/>
+              <a:rPr lang="vi-VN" dirty="0"/>
               <a:t>. 8, </a:t>
             </a:r>
             <a:r>
-              <a:rPr lang="vi-VN" sz="1400" dirty="0" err="1"/>
+              <a:rPr lang="vi-VN" dirty="0" err="1"/>
               <a:t>pp</a:t>
             </a:r>
             <a:r>
-              <a:rPr lang="vi-VN" sz="1400" dirty="0"/>
-              <a:t>. 24 416–24 427, 2020. </a:t>
-            </a:r>
-          </a:p>
-          <a:p>
-            <a:r>
-              <a:rPr lang="vi-VN" sz="1400" dirty="0"/>
+              <a:rPr lang="vi-VN" dirty="0"/>
+              <a:t>. 24 416–24 427, 2020.</a:t>
+            </a:r>
+          </a:p>
+          <a:p>
+            <a:r>
+              <a:rPr lang="vi-VN" dirty="0"/>
               <a:t>[13] N. </a:t>
             </a:r>
             <a:r>
-              <a:rPr lang="vi-VN" sz="1400" dirty="0" err="1"/>
+              <a:rPr lang="vi-VN" dirty="0" err="1"/>
               <a:t>Atzei</a:t>
             </a:r>
             <a:r>
-              <a:rPr lang="vi-VN" sz="1400" dirty="0"/>
+              <a:rPr lang="vi-VN" dirty="0"/>
               <a:t>, M. </a:t>
             </a:r>
             <a:r>
-              <a:rPr lang="vi-VN" sz="1400" dirty="0" err="1"/>
+              <a:rPr lang="vi-VN" dirty="0" err="1"/>
               <a:t>Bartoletti</a:t>
             </a:r>
             <a:r>
-              <a:rPr lang="vi-VN" sz="1400" dirty="0"/>
+              <a:rPr lang="vi-VN" dirty="0"/>
               <a:t>, </a:t>
             </a:r>
             <a:r>
-              <a:rPr lang="vi-VN" sz="1400" dirty="0" err="1"/>
+              <a:rPr lang="vi-VN" dirty="0" err="1"/>
               <a:t>and</a:t>
             </a:r>
             <a:r>
-              <a:rPr lang="vi-VN" sz="1400" dirty="0"/>
+              <a:rPr lang="vi-VN" dirty="0"/>
               <a:t> T. </a:t>
             </a:r>
             <a:r>
-              <a:rPr lang="vi-VN" sz="1400" dirty="0" err="1"/>
+              <a:rPr lang="vi-VN" dirty="0" err="1"/>
               <a:t>Cimoli</a:t>
             </a:r>
             <a:r>
-              <a:rPr lang="vi-VN" sz="1400" dirty="0"/>
+              <a:rPr lang="vi-VN" dirty="0"/>
               <a:t>, “A </a:t>
             </a:r>
             <a:r>
-              <a:rPr lang="vi-VN" sz="1400" dirty="0" err="1"/>
+              <a:rPr lang="vi-VN" dirty="0" err="1"/>
               <a:t>survey</a:t>
             </a:r>
             <a:r>
-              <a:rPr lang="vi-VN" sz="1400" dirty="0"/>
-              <a:t> </a:t>
-            </a:r>
-            <a:r>
-              <a:rPr lang="vi-VN" sz="1400" dirty="0" err="1"/>
+              <a:rPr lang="vi-VN" dirty="0"/>
+              <a:t> </a:t>
+            </a:r>
+            <a:r>
+              <a:rPr lang="vi-VN" dirty="0" err="1"/>
               <a:t>of</a:t>
             </a:r>
             <a:r>
-              <a:rPr lang="vi-VN" sz="1400" dirty="0"/>
-              <a:t> </a:t>
-            </a:r>
-            <a:r>
-              <a:rPr lang="vi-VN" sz="1400" dirty="0" err="1"/>
+              <a:rPr lang="vi-VN" dirty="0"/>
+              <a:t> </a:t>
+            </a:r>
+            <a:r>
+              <a:rPr lang="vi-VN" dirty="0" err="1"/>
               <a:t>attacks</a:t>
             </a:r>
             <a:r>
-              <a:rPr lang="vi-VN" sz="1400" dirty="0"/>
-              <a:t> </a:t>
-            </a:r>
-            <a:r>
-              <a:rPr lang="vi-VN" sz="1400" dirty="0" err="1"/>
+              <a:rPr lang="vi-VN" dirty="0"/>
+              <a:t> </a:t>
+            </a:r>
+            <a:r>
+              <a:rPr lang="vi-VN" dirty="0" err="1"/>
               <a:t>on</a:t>
             </a:r>
             <a:r>
-              <a:rPr lang="vi-VN" sz="1400" dirty="0"/>
-              <a:t> </a:t>
-            </a:r>
-            <a:r>
-              <a:rPr lang="vi-VN" sz="1400" dirty="0" err="1"/>
+              <a:rPr lang="vi-VN" dirty="0"/>
+              <a:t> </a:t>
+            </a:r>
+            <a:r>
+              <a:rPr lang="vi-VN" dirty="0" err="1"/>
               <a:t>ethereum</a:t>
             </a:r>
             <a:r>
-              <a:rPr lang="vi-VN" sz="1400" dirty="0"/>
-              <a:t> </a:t>
-            </a:r>
-            <a:r>
-              <a:rPr lang="vi-VN" sz="1400" dirty="0" err="1"/>
+              <a:rPr lang="vi-VN" dirty="0"/>
+              <a:t> </a:t>
+            </a:r>
+            <a:r>
+              <a:rPr lang="vi-VN" dirty="0" err="1"/>
               <a:t>smart</a:t>
             </a:r>
             <a:r>
-              <a:rPr lang="vi-VN" sz="1400" dirty="0"/>
-              <a:t> </a:t>
-            </a:r>
-            <a:r>
-              <a:rPr lang="vi-VN" sz="1400" dirty="0" err="1"/>
+              <a:rPr lang="vi-VN" dirty="0"/>
+              <a:t> </a:t>
+            </a:r>
+            <a:r>
+              <a:rPr lang="vi-VN" dirty="0" err="1"/>
               <a:t>contracts</a:t>
             </a:r>
             <a:r>
-              <a:rPr lang="vi-VN" sz="1400" dirty="0"/>
+              <a:rPr lang="vi-VN" dirty="0"/>
               <a:t> (</a:t>
             </a:r>
             <a:r>
-              <a:rPr lang="vi-VN" sz="1400" dirty="0" err="1"/>
+              <a:rPr lang="vi-VN" dirty="0" err="1"/>
               <a:t>sok</a:t>
             </a:r>
             <a:r>
-              <a:rPr lang="vi-VN" sz="1400" dirty="0"/>
+              <a:rPr lang="vi-VN" dirty="0"/>
               <a:t>),” in </a:t>
             </a:r>
             <a:r>
-              <a:rPr lang="vi-VN" sz="1400" dirty="0" err="1"/>
+              <a:rPr lang="vi-VN" dirty="0" err="1"/>
               <a:t>Principles</a:t>
             </a:r>
             <a:r>
-              <a:rPr lang="vi-VN" sz="1400" dirty="0"/>
-              <a:t> </a:t>
-            </a:r>
-            <a:r>
-              <a:rPr lang="vi-VN" sz="1400" dirty="0" err="1"/>
+              <a:rPr lang="vi-VN" dirty="0"/>
+              <a:t> </a:t>
+            </a:r>
+            <a:r>
+              <a:rPr lang="vi-VN" dirty="0" err="1"/>
               <a:t>of</a:t>
             </a:r>
             <a:r>
-              <a:rPr lang="vi-VN" sz="1400" dirty="0"/>
-              <a:t> </a:t>
-            </a:r>
-            <a:r>
-              <a:rPr lang="vi-VN" sz="1400" dirty="0" err="1"/>
+              <a:rPr lang="vi-VN" dirty="0"/>
+              <a:t> </a:t>
+            </a:r>
+            <a:r>
+              <a:rPr lang="vi-VN" dirty="0" err="1"/>
               <a:t>Security</a:t>
             </a:r>
             <a:r>
-              <a:rPr lang="vi-VN" sz="1400" dirty="0"/>
-              <a:t> </a:t>
-            </a:r>
-            <a:r>
-              <a:rPr lang="vi-VN" sz="1400" dirty="0" err="1"/>
+              <a:rPr lang="vi-VN" dirty="0"/>
+              <a:t> </a:t>
+            </a:r>
+            <a:r>
+              <a:rPr lang="vi-VN" dirty="0" err="1"/>
               <a:t>and</a:t>
             </a:r>
             <a:r>
-              <a:rPr lang="vi-VN" sz="1400" dirty="0"/>
-              <a:t> </a:t>
-            </a:r>
-            <a:r>
-              <a:rPr lang="vi-VN" sz="1400" dirty="0" err="1"/>
+              <a:rPr lang="vi-VN" dirty="0"/>
+              <a:t> </a:t>
+            </a:r>
+            <a:r>
+              <a:rPr lang="vi-VN" dirty="0" err="1"/>
               <a:t>Trust</a:t>
             </a:r>
             <a:r>
-              <a:rPr lang="vi-VN" sz="1400" dirty="0"/>
+              <a:rPr lang="vi-VN" dirty="0"/>
               <a:t>: 6th </a:t>
             </a:r>
             <a:r>
-              <a:rPr lang="vi-VN" sz="1400" dirty="0" err="1"/>
+              <a:rPr lang="vi-VN" dirty="0" err="1"/>
               <a:t>International</a:t>
             </a:r>
             <a:r>
-              <a:rPr lang="vi-VN" sz="1400" dirty="0"/>
-              <a:t> </a:t>
-            </a:r>
-            <a:r>
-              <a:rPr lang="vi-VN" sz="1400" dirty="0" err="1"/>
+              <a:rPr lang="vi-VN" dirty="0"/>
+              <a:t> </a:t>
+            </a:r>
+            <a:r>
+              <a:rPr lang="vi-VN" dirty="0" err="1"/>
               <a:t>Conference</a:t>
             </a:r>
             <a:r>
-              <a:rPr lang="vi-VN" sz="1400" dirty="0"/>
+              <a:rPr lang="vi-VN" dirty="0"/>
               <a:t>, POST 2017, </a:t>
             </a:r>
             <a:r>
-              <a:rPr lang="vi-VN" sz="1400" dirty="0" err="1"/>
+              <a:rPr lang="vi-VN" dirty="0" err="1"/>
               <a:t>Held</a:t>
             </a:r>
             <a:r>
-              <a:rPr lang="vi-VN" sz="1400" dirty="0"/>
-              <a:t> </a:t>
-            </a:r>
-            <a:r>
-              <a:rPr lang="vi-VN" sz="1400" dirty="0" err="1"/>
+              <a:rPr lang="vi-VN" dirty="0"/>
+              <a:t> </a:t>
+            </a:r>
+            <a:r>
+              <a:rPr lang="vi-VN" dirty="0" err="1"/>
               <a:t>as</a:t>
             </a:r>
             <a:r>
-              <a:rPr lang="vi-VN" sz="1400" dirty="0"/>
-              <a:t> </a:t>
-            </a:r>
-            <a:r>
-              <a:rPr lang="vi-VN" sz="1400" dirty="0" err="1"/>
+              <a:rPr lang="vi-VN" dirty="0"/>
+              <a:t> </a:t>
+            </a:r>
+            <a:r>
+              <a:rPr lang="vi-VN" dirty="0" err="1"/>
               <a:t>Part</a:t>
             </a:r>
             <a:r>
-              <a:rPr lang="vi-VN" sz="1400" dirty="0"/>
-              <a:t> </a:t>
-            </a:r>
-            <a:r>
-              <a:rPr lang="vi-VN" sz="1400" dirty="0" err="1"/>
+              <a:rPr lang="vi-VN" dirty="0"/>
+              <a:t> </a:t>
+            </a:r>
+            <a:r>
+              <a:rPr lang="vi-VN" dirty="0" err="1"/>
               <a:t>of</a:t>
             </a:r>
             <a:r>
-              <a:rPr lang="vi-VN" sz="1400" dirty="0"/>
+              <a:rPr lang="vi-VN" dirty="0"/>
               <a:t> the </a:t>
             </a:r>
             <a:r>
-              <a:rPr lang="vi-VN" sz="1400" dirty="0" err="1"/>
+              <a:rPr lang="vi-VN" dirty="0" err="1"/>
               <a:t>European</a:t>
             </a:r>
             <a:r>
-              <a:rPr lang="vi-VN" sz="1400" dirty="0"/>
-              <a:t> </a:t>
-            </a:r>
-            <a:r>
-              <a:rPr lang="vi-VN" sz="1400" dirty="0" err="1"/>
+              <a:rPr lang="vi-VN" dirty="0"/>
+              <a:t> </a:t>
+            </a:r>
+            <a:r>
+              <a:rPr lang="vi-VN" dirty="0" err="1"/>
               <a:t>Joint</a:t>
             </a:r>
             <a:r>
-              <a:rPr lang="vi-VN" sz="1400" dirty="0"/>
-              <a:t> </a:t>
-            </a:r>
-            <a:r>
-              <a:rPr lang="vi-VN" sz="1400" dirty="0" err="1"/>
+              <a:rPr lang="vi-VN" dirty="0"/>
+              <a:t> </a:t>
+            </a:r>
+            <a:r>
+              <a:rPr lang="vi-VN" dirty="0" err="1"/>
               <a:t>Conferences</a:t>
             </a:r>
             <a:r>
-              <a:rPr lang="vi-VN" sz="1400" dirty="0"/>
-              <a:t> </a:t>
-            </a:r>
-            <a:r>
-              <a:rPr lang="vi-VN" sz="1400" dirty="0" err="1"/>
+              <a:rPr lang="vi-VN" dirty="0"/>
+              <a:t> </a:t>
+            </a:r>
+            <a:r>
+              <a:rPr lang="vi-VN" dirty="0" err="1"/>
               <a:t>on</a:t>
             </a:r>
             <a:r>
-              <a:rPr lang="vi-VN" sz="1400" dirty="0"/>
-              <a:t> </a:t>
-            </a:r>
-            <a:r>
-              <a:rPr lang="vi-VN" sz="1400" dirty="0" err="1"/>
+              <a:rPr lang="vi-VN" dirty="0"/>
+              <a:t> </a:t>
+            </a:r>
+            <a:r>
+              <a:rPr lang="vi-VN" dirty="0" err="1"/>
               <a:t>Theory</a:t>
             </a:r>
             <a:r>
-              <a:rPr lang="vi-VN" sz="1400" dirty="0"/>
-              <a:t> </a:t>
-            </a:r>
-            <a:r>
-              <a:rPr lang="vi-VN" sz="1400" dirty="0" err="1"/>
+              <a:rPr lang="vi-VN" dirty="0"/>
+              <a:t> </a:t>
+            </a:r>
+            <a:r>
+              <a:rPr lang="vi-VN" dirty="0" err="1"/>
               <a:t>and</a:t>
             </a:r>
             <a:r>
-              <a:rPr lang="vi-VN" sz="1400" dirty="0"/>
-              <a:t> </a:t>
-            </a:r>
-            <a:r>
-              <a:rPr lang="vi-VN" sz="1400" dirty="0" err="1"/>
+              <a:rPr lang="vi-VN" dirty="0"/>
+              <a:t> </a:t>
+            </a:r>
+            <a:r>
+              <a:rPr lang="vi-VN" dirty="0" err="1"/>
               <a:t>Practice</a:t>
             </a:r>
             <a:r>
-              <a:rPr lang="vi-VN" sz="1400" dirty="0"/>
-              <a:t> </a:t>
-            </a:r>
-            <a:r>
-              <a:rPr lang="vi-VN" sz="1400" dirty="0" err="1"/>
+              <a:rPr lang="vi-VN" dirty="0"/>
+              <a:t> </a:t>
+            </a:r>
+            <a:r>
+              <a:rPr lang="vi-VN" dirty="0" err="1"/>
               <a:t>of</a:t>
             </a:r>
             <a:r>
-              <a:rPr lang="vi-VN" sz="1400" dirty="0"/>
-              <a:t> </a:t>
-            </a:r>
-            <a:r>
-              <a:rPr lang="vi-VN" sz="1400" dirty="0" err="1"/>
+              <a:rPr lang="vi-VN" dirty="0"/>
+              <a:t> </a:t>
+            </a:r>
+            <a:r>
+              <a:rPr lang="vi-VN" dirty="0" err="1"/>
               <a:t>Software</a:t>
             </a:r>
             <a:r>
-              <a:rPr lang="vi-VN" sz="1400" dirty="0"/>
+              <a:rPr lang="vi-VN" dirty="0"/>
               <a:t>, ETAPS 2017, </a:t>
             </a:r>
             <a:r>
-              <a:rPr lang="vi-VN" sz="1400" dirty="0" err="1"/>
+              <a:rPr lang="vi-VN" dirty="0" err="1"/>
               <a:t>Uppsala</a:t>
             </a:r>
             <a:r>
-              <a:rPr lang="vi-VN" sz="1400" dirty="0"/>
+              <a:rPr lang="vi-VN" dirty="0"/>
               <a:t>, </a:t>
             </a:r>
             <a:r>
-              <a:rPr lang="vi-VN" sz="1400" dirty="0" err="1"/>
+              <a:rPr lang="vi-VN" dirty="0" err="1"/>
               <a:t>Sweden</a:t>
             </a:r>
             <a:r>
-              <a:rPr lang="vi-VN" sz="1400" dirty="0"/>
+              <a:rPr lang="vi-VN" dirty="0"/>
               <a:t>, </a:t>
             </a:r>
             <a:r>
-              <a:rPr lang="vi-VN" sz="1400" dirty="0" err="1"/>
+              <a:rPr lang="vi-VN" dirty="0" err="1"/>
               <a:t>April</a:t>
             </a:r>
             <a:r>
-              <a:rPr lang="vi-VN" sz="1400" dirty="0"/>
+              <a:rPr lang="vi-VN" dirty="0"/>
               <a:t> 22-29, 2017, </a:t>
             </a:r>
             <a:r>
-              <a:rPr lang="vi-VN" sz="1400" dirty="0" err="1"/>
+              <a:rPr lang="vi-VN" dirty="0" err="1"/>
               <a:t>Proceedings</a:t>
             </a:r>
             <a:r>
-              <a:rPr lang="vi-VN" sz="1400" dirty="0"/>
+              <a:rPr lang="vi-VN" dirty="0"/>
               <a:t> 6. </a:t>
             </a:r>
             <a:r>
-              <a:rPr lang="vi-VN" sz="1400" dirty="0" err="1"/>
+              <a:rPr lang="vi-VN" dirty="0" err="1"/>
               <a:t>Springer</a:t>
             </a:r>
             <a:r>
-              <a:rPr lang="vi-VN" sz="1400" dirty="0"/>
+              <a:rPr lang="vi-VN" dirty="0"/>
               <a:t>, 2017, </a:t>
             </a:r>
             <a:r>
-              <a:rPr lang="vi-VN" sz="1400" dirty="0" err="1"/>
+              <a:rPr lang="vi-VN" dirty="0" err="1"/>
               <a:t>pp</a:t>
             </a:r>
             <a:r>
-              <a:rPr lang="vi-VN" sz="1400" dirty="0"/>
+              <a:rPr lang="vi-VN" dirty="0"/>
               <a:t>. 164–186. </a:t>
             </a:r>
           </a:p>
           <a:p>
             <a:r>
-              <a:rPr lang="vi-VN" sz="1400" dirty="0"/>
-              <a:t>[14] S. </a:t>
-            </a:r>
-            <a:r>
-              <a:rPr lang="vi-VN" sz="1400" dirty="0" err="1"/>
-              <a:t>Wang</a:t>
-            </a:r>
-            <a:r>
-              <a:rPr lang="vi-VN" sz="1400" dirty="0"/>
-              <a:t>, Y. </a:t>
-            </a:r>
-            <a:r>
-              <a:rPr lang="vi-VN" sz="1400" dirty="0" err="1"/>
-              <a:t>Yuan</a:t>
-            </a:r>
-            <a:r>
-              <a:rPr lang="vi-VN" sz="1400" dirty="0"/>
-              <a:t>, X. </a:t>
-            </a:r>
-            <a:r>
-              <a:rPr lang="vi-VN" sz="1400" dirty="0" err="1"/>
-              <a:t>Wang</a:t>
-            </a:r>
-            <a:r>
-              <a:rPr lang="vi-VN" sz="1400" dirty="0"/>
-              <a:t>, J. Li, R. </a:t>
-            </a:r>
-            <a:r>
-              <a:rPr lang="vi-VN" sz="1400" dirty="0" err="1"/>
-              <a:t>Qin</a:t>
-            </a:r>
-            <a:r>
-              <a:rPr lang="vi-VN" sz="1400" dirty="0"/>
-              <a:t>, </a:t>
-            </a:r>
-            <a:r>
-              <a:rPr lang="vi-VN" sz="1400" dirty="0" err="1"/>
-              <a:t>and</a:t>
-            </a:r>
-            <a:r>
-              <a:rPr lang="vi-VN" sz="1400" dirty="0"/>
-              <a:t> F.-Y. </a:t>
-            </a:r>
-            <a:r>
-              <a:rPr lang="vi-VN" sz="1400" dirty="0" err="1"/>
-              <a:t>Wang</a:t>
-            </a:r>
-            <a:r>
-              <a:rPr lang="vi-VN" sz="1400" dirty="0"/>
-              <a:t>, “An </a:t>
-            </a:r>
-            <a:r>
-              <a:rPr lang="vi-VN" sz="1400" dirty="0" err="1"/>
-              <a:t>overview</a:t>
-            </a:r>
-            <a:r>
-              <a:rPr lang="vi-VN" sz="1400" dirty="0"/>
-              <a:t> </a:t>
-            </a:r>
-            <a:r>
-              <a:rPr lang="vi-VN" sz="1400" dirty="0" err="1"/>
-              <a:t>of</a:t>
-            </a:r>
-            <a:r>
-              <a:rPr lang="vi-VN" sz="1400" dirty="0"/>
-              <a:t> </a:t>
-            </a:r>
-            <a:r>
-              <a:rPr lang="vi-VN" sz="1400" dirty="0" err="1"/>
-              <a:t>smart</a:t>
-            </a:r>
-            <a:r>
-              <a:rPr lang="vi-VN" sz="1400" dirty="0"/>
-              <a:t> </a:t>
-            </a:r>
-            <a:r>
-              <a:rPr lang="vi-VN" sz="1400" dirty="0" err="1"/>
-              <a:t>contract</a:t>
-            </a:r>
-            <a:r>
-              <a:rPr lang="vi-VN" sz="1400" dirty="0"/>
-              <a:t>: </a:t>
-            </a:r>
-            <a:r>
-              <a:rPr lang="vi-VN" sz="1400" dirty="0" err="1"/>
-              <a:t>architecture</a:t>
-            </a:r>
-            <a:r>
-              <a:rPr lang="vi-VN" sz="1400" dirty="0"/>
-              <a:t>, </a:t>
-            </a:r>
-            <a:r>
-              <a:rPr lang="vi-VN" sz="1400" dirty="0" err="1"/>
-              <a:t>applications</a:t>
-            </a:r>
-            <a:r>
-              <a:rPr lang="vi-VN" sz="1400" dirty="0"/>
-              <a:t>, </a:t>
-            </a:r>
-            <a:r>
-              <a:rPr lang="vi-VN" sz="1400" dirty="0" err="1"/>
-              <a:t>and</a:t>
-            </a:r>
-            <a:r>
-              <a:rPr lang="vi-VN" sz="1400" dirty="0"/>
-              <a:t> </a:t>
-            </a:r>
-            <a:r>
-              <a:rPr lang="vi-VN" sz="1400" dirty="0" err="1"/>
-              <a:t>future</a:t>
-            </a:r>
-            <a:r>
-              <a:rPr lang="vi-VN" sz="1400" dirty="0"/>
-              <a:t> </a:t>
-            </a:r>
-            <a:r>
-              <a:rPr lang="vi-VN" sz="1400" dirty="0" err="1"/>
-              <a:t>trends</a:t>
-            </a:r>
-            <a:r>
-              <a:rPr lang="vi-VN" sz="1400" dirty="0"/>
-              <a:t>,” in 2018 IEEE </a:t>
-            </a:r>
-            <a:r>
-              <a:rPr lang="vi-VN" sz="1400" dirty="0" err="1"/>
-              <a:t>Intelligent</a:t>
-            </a:r>
-            <a:r>
-              <a:rPr lang="vi-VN" sz="1400" dirty="0"/>
-              <a:t> </a:t>
-            </a:r>
-            <a:r>
-              <a:rPr lang="vi-VN" sz="1400" dirty="0" err="1"/>
-              <a:t>Vehicles</a:t>
-            </a:r>
-            <a:r>
-              <a:rPr lang="vi-VN" sz="1400" dirty="0"/>
-              <a:t> </a:t>
-            </a:r>
-            <a:r>
-              <a:rPr lang="vi-VN" sz="1400" dirty="0" err="1"/>
-              <a:t>Symposium</a:t>
-            </a:r>
-            <a:r>
-              <a:rPr lang="vi-VN" sz="1400" dirty="0"/>
-              <a:t> (IV). IEEE, 2018, </a:t>
-            </a:r>
-            <a:r>
-              <a:rPr lang="vi-VN" sz="1400" dirty="0" err="1"/>
-              <a:t>pp</a:t>
-            </a:r>
-            <a:r>
-              <a:rPr lang="vi-VN" sz="1400" dirty="0"/>
-              <a:t>. 108–113</a:t>
-            </a:r>
-          </a:p>
-          <a:p>
-            <a:r>
-              <a:rPr lang="vi-VN" sz="1400" dirty="0"/>
-              <a:t>[15] T. H.-D. </a:t>
-            </a:r>
-            <a:r>
-              <a:rPr lang="vi-VN" sz="1400" dirty="0" err="1"/>
-              <a:t>Huang</a:t>
-            </a:r>
-            <a:r>
-              <a:rPr lang="vi-VN" sz="1400" dirty="0"/>
-              <a:t>, “</a:t>
-            </a:r>
-            <a:r>
-              <a:rPr lang="vi-VN" sz="1400" dirty="0" err="1"/>
-              <a:t>Hunting</a:t>
-            </a:r>
-            <a:r>
-              <a:rPr lang="vi-VN" sz="1400" dirty="0"/>
-              <a:t> the </a:t>
-            </a:r>
-            <a:r>
-              <a:rPr lang="vi-VN" sz="1400" dirty="0" err="1"/>
-              <a:t>ethereum</a:t>
-            </a:r>
-            <a:r>
-              <a:rPr lang="vi-VN" sz="1400" dirty="0"/>
-              <a:t> </a:t>
-            </a:r>
-            <a:r>
-              <a:rPr lang="vi-VN" sz="1400" dirty="0" err="1"/>
-              <a:t>smart</a:t>
-            </a:r>
-            <a:r>
-              <a:rPr lang="vi-VN" sz="1400" dirty="0"/>
-              <a:t> </a:t>
-            </a:r>
-            <a:r>
-              <a:rPr lang="vi-VN" sz="1400" dirty="0" err="1"/>
-              <a:t>contract</a:t>
-            </a:r>
-            <a:r>
-              <a:rPr lang="vi-VN" sz="1400" dirty="0"/>
-              <a:t>: </a:t>
-            </a:r>
-            <a:r>
-              <a:rPr lang="vi-VN" sz="1400" dirty="0" err="1"/>
-              <a:t>Color-inspired</a:t>
-            </a:r>
-            <a:r>
-              <a:rPr lang="vi-VN" sz="1400" dirty="0"/>
-              <a:t> </a:t>
-            </a:r>
-            <a:r>
-              <a:rPr lang="vi-VN" sz="1400" dirty="0" err="1"/>
-              <a:t>inspection</a:t>
-            </a:r>
-            <a:r>
-              <a:rPr lang="vi-VN" sz="1400" dirty="0"/>
-              <a:t> </a:t>
-            </a:r>
-            <a:r>
-              <a:rPr lang="vi-VN" sz="1400" dirty="0" err="1"/>
-              <a:t>of</a:t>
-            </a:r>
-            <a:r>
-              <a:rPr lang="vi-VN" sz="1400" dirty="0"/>
-              <a:t> </a:t>
-            </a:r>
-            <a:r>
-              <a:rPr lang="vi-VN" sz="1400" dirty="0" err="1"/>
-              <a:t>potential</a:t>
-            </a:r>
-            <a:r>
-              <a:rPr lang="vi-VN" sz="1400" dirty="0"/>
-              <a:t> </a:t>
-            </a:r>
-            <a:r>
-              <a:rPr lang="vi-VN" sz="1400" dirty="0" err="1"/>
-              <a:t>attacks</a:t>
-            </a:r>
-            <a:r>
-              <a:rPr lang="vi-VN" sz="1400" dirty="0"/>
-              <a:t>,” </a:t>
-            </a:r>
-            <a:r>
-              <a:rPr lang="vi-VN" sz="1400" dirty="0" err="1"/>
-              <a:t>arXiv</a:t>
-            </a:r>
-            <a:r>
-              <a:rPr lang="vi-VN" sz="1400" dirty="0"/>
-              <a:t> </a:t>
-            </a:r>
-            <a:r>
-              <a:rPr lang="vi-VN" sz="1400" dirty="0" err="1"/>
-              <a:t>preprint</a:t>
-            </a:r>
-            <a:r>
-              <a:rPr lang="vi-VN" sz="1400" dirty="0"/>
-              <a:t> arXiv:1807.01868, 2018. </a:t>
-            </a:r>
-          </a:p>
-          <a:p>
-            <a:r>
-              <a:rPr lang="vi-VN" sz="1400" dirty="0"/>
-              <a:t>[16] L. </a:t>
-            </a:r>
-            <a:r>
-              <a:rPr lang="vi-VN" sz="1400" dirty="0" err="1"/>
-              <a:t>Zhang</a:t>
-            </a:r>
-            <a:r>
-              <a:rPr lang="vi-VN" sz="1400" dirty="0"/>
-              <a:t>, W. Chen, W. </a:t>
-            </a:r>
-            <a:r>
-              <a:rPr lang="vi-VN" sz="1400" dirty="0" err="1"/>
-              <a:t>Wang</a:t>
-            </a:r>
-            <a:r>
-              <a:rPr lang="vi-VN" sz="1400" dirty="0"/>
-              <a:t>, Z. </a:t>
-            </a:r>
-            <a:r>
-              <a:rPr lang="vi-VN" sz="1400" dirty="0" err="1"/>
-              <a:t>Jin</a:t>
-            </a:r>
-            <a:r>
-              <a:rPr lang="vi-VN" sz="1400" dirty="0"/>
-              <a:t>, C. </a:t>
-            </a:r>
-            <a:r>
-              <a:rPr lang="vi-VN" sz="1400" dirty="0" err="1"/>
-              <a:t>Zhao</a:t>
-            </a:r>
-            <a:r>
-              <a:rPr lang="vi-VN" sz="1400" dirty="0"/>
-              <a:t>, Z. Cai, </a:t>
-            </a:r>
-            <a:r>
-              <a:rPr lang="vi-VN" sz="1400" dirty="0" err="1"/>
-              <a:t>and</a:t>
-            </a:r>
-            <a:r>
-              <a:rPr lang="vi-VN" sz="1400" dirty="0"/>
-              <a:t> H. Chen, “</a:t>
-            </a:r>
-            <a:r>
-              <a:rPr lang="vi-VN" sz="1400" dirty="0" err="1"/>
-              <a:t>Cbgru</a:t>
-            </a:r>
-            <a:r>
-              <a:rPr lang="vi-VN" sz="1400" dirty="0"/>
-              <a:t>: A </a:t>
-            </a:r>
-            <a:r>
-              <a:rPr lang="vi-VN" sz="1400" dirty="0" err="1"/>
-              <a:t>detection</a:t>
-            </a:r>
-            <a:r>
-              <a:rPr lang="vi-VN" sz="1400" dirty="0"/>
-              <a:t> </a:t>
-            </a:r>
-            <a:r>
-              <a:rPr lang="vi-VN" sz="1400" dirty="0" err="1"/>
-              <a:t>method</a:t>
-            </a:r>
-            <a:r>
-              <a:rPr lang="vi-VN" sz="1400" dirty="0"/>
-              <a:t> </a:t>
-            </a:r>
-            <a:r>
-              <a:rPr lang="vi-VN" sz="1400" dirty="0" err="1"/>
-              <a:t>of</a:t>
-            </a:r>
-            <a:r>
-              <a:rPr lang="vi-VN" sz="1400" dirty="0"/>
-              <a:t> </a:t>
-            </a:r>
-            <a:r>
-              <a:rPr lang="vi-VN" sz="1400" dirty="0" err="1"/>
-              <a:t>smart</a:t>
-            </a:r>
-            <a:r>
-              <a:rPr lang="vi-VN" sz="1400" dirty="0"/>
-              <a:t> </a:t>
-            </a:r>
-            <a:r>
-              <a:rPr lang="vi-VN" sz="1400" dirty="0" err="1"/>
-              <a:t>contract</a:t>
-            </a:r>
-            <a:r>
-              <a:rPr lang="vi-VN" sz="1400" dirty="0"/>
-              <a:t> </a:t>
-            </a:r>
-            <a:r>
-              <a:rPr lang="vi-VN" sz="1400" dirty="0" err="1"/>
-              <a:t>vulnerability</a:t>
-            </a:r>
-            <a:r>
-              <a:rPr lang="vi-VN" sz="1400" dirty="0"/>
-              <a:t> </a:t>
-            </a:r>
-            <a:r>
-              <a:rPr lang="vi-VN" sz="1400" dirty="0" err="1"/>
-              <a:t>based</a:t>
-            </a:r>
-            <a:r>
-              <a:rPr lang="vi-VN" sz="1400" dirty="0"/>
-              <a:t> </a:t>
-            </a:r>
-            <a:r>
-              <a:rPr lang="vi-VN" sz="1400" dirty="0" err="1"/>
-              <a:t>on</a:t>
-            </a:r>
-            <a:r>
-              <a:rPr lang="vi-VN" sz="1400" dirty="0"/>
-              <a:t> a </a:t>
-            </a:r>
-            <a:r>
-              <a:rPr lang="vi-VN" sz="1400" dirty="0" err="1"/>
-              <a:t>hybrid</a:t>
-            </a:r>
-            <a:r>
-              <a:rPr lang="vi-VN" sz="1400" dirty="0"/>
-              <a:t> </a:t>
-            </a:r>
-            <a:r>
-              <a:rPr lang="vi-VN" sz="1400" dirty="0" err="1"/>
-              <a:t>model</a:t>
-            </a:r>
-            <a:r>
-              <a:rPr lang="vi-VN" sz="1400" dirty="0"/>
-              <a:t>,” </a:t>
-            </a:r>
-            <a:r>
-              <a:rPr lang="vi-VN" sz="1400" dirty="0" err="1"/>
-              <a:t>Sensors</a:t>
-            </a:r>
-            <a:r>
-              <a:rPr lang="vi-VN" sz="1400" dirty="0"/>
-              <a:t>, </a:t>
-            </a:r>
-            <a:r>
-              <a:rPr lang="vi-VN" sz="1400" dirty="0" err="1"/>
-              <a:t>vol</a:t>
-            </a:r>
-            <a:r>
-              <a:rPr lang="vi-VN" sz="1400" dirty="0"/>
-              <a:t>. 22, no. 9, p. 3577, 2022. </a:t>
-            </a:r>
-          </a:p>
-          <a:p>
-            <a:r>
-              <a:rPr lang="vi-VN" sz="1400" dirty="0"/>
-              <a:t>[17] E. Lai </a:t>
-            </a:r>
-            <a:r>
-              <a:rPr lang="vi-VN" sz="1400" dirty="0" err="1"/>
-              <a:t>and</a:t>
-            </a:r>
-            <a:r>
-              <a:rPr lang="vi-VN" sz="1400" dirty="0"/>
-              <a:t> W. </a:t>
-            </a:r>
-            <a:r>
-              <a:rPr lang="vi-VN" sz="1400" dirty="0" err="1"/>
-              <a:t>Luo</a:t>
-            </a:r>
-            <a:r>
-              <a:rPr lang="vi-VN" sz="1400" dirty="0"/>
-              <a:t>, “</a:t>
-            </a:r>
-            <a:r>
-              <a:rPr lang="vi-VN" sz="1400" dirty="0" err="1"/>
-              <a:t>Static</a:t>
-            </a:r>
-            <a:r>
-              <a:rPr lang="vi-VN" sz="1400" dirty="0"/>
-              <a:t> </a:t>
-            </a:r>
-            <a:r>
-              <a:rPr lang="vi-VN" sz="1400" dirty="0" err="1"/>
-              <a:t>analysis</a:t>
-            </a:r>
-            <a:r>
-              <a:rPr lang="vi-VN" sz="1400" dirty="0"/>
-              <a:t> </a:t>
-            </a:r>
-            <a:r>
-              <a:rPr lang="vi-VN" sz="1400" dirty="0" err="1"/>
-              <a:t>of</a:t>
-            </a:r>
-            <a:r>
-              <a:rPr lang="vi-VN" sz="1400" dirty="0"/>
-              <a:t> </a:t>
-            </a:r>
-            <a:r>
-              <a:rPr lang="vi-VN" sz="1400" dirty="0" err="1"/>
-              <a:t>integer</a:t>
-            </a:r>
-            <a:r>
-              <a:rPr lang="vi-VN" sz="1400" dirty="0"/>
-              <a:t> </a:t>
-            </a:r>
-            <a:r>
-              <a:rPr lang="vi-VN" sz="1400" dirty="0" err="1"/>
-              <a:t>overflow</a:t>
-            </a:r>
-            <a:r>
-              <a:rPr lang="vi-VN" sz="1400" dirty="0"/>
-              <a:t> </a:t>
-            </a:r>
-            <a:r>
-              <a:rPr lang="vi-VN" sz="1400" dirty="0" err="1"/>
-              <a:t>of</a:t>
-            </a:r>
-            <a:r>
-              <a:rPr lang="vi-VN" sz="1400" dirty="0"/>
-              <a:t> </a:t>
-            </a:r>
-            <a:r>
-              <a:rPr lang="vi-VN" sz="1400" dirty="0" err="1"/>
-              <a:t>smart</a:t>
-            </a:r>
-            <a:r>
-              <a:rPr lang="vi-VN" sz="1400" dirty="0"/>
-              <a:t> </a:t>
-            </a:r>
-            <a:r>
-              <a:rPr lang="vi-VN" sz="1400" dirty="0" err="1"/>
-              <a:t>contracts</a:t>
-            </a:r>
-            <a:r>
-              <a:rPr lang="vi-VN" sz="1400" dirty="0"/>
-              <a:t> in </a:t>
-            </a:r>
-            <a:r>
-              <a:rPr lang="vi-VN" sz="1400" dirty="0" err="1"/>
-              <a:t>ethereum</a:t>
-            </a:r>
-            <a:r>
-              <a:rPr lang="vi-VN" sz="1400" dirty="0"/>
-              <a:t>,” in </a:t>
-            </a:r>
-            <a:r>
-              <a:rPr lang="vi-VN" sz="1400" dirty="0" err="1"/>
-              <a:t>Proceedings</a:t>
-            </a:r>
-            <a:r>
-              <a:rPr lang="vi-VN" sz="1400" dirty="0"/>
-              <a:t> </a:t>
-            </a:r>
-            <a:r>
-              <a:rPr lang="vi-VN" sz="1400" dirty="0" err="1"/>
-              <a:t>of</a:t>
-            </a:r>
-            <a:r>
-              <a:rPr lang="vi-VN" sz="1400" dirty="0"/>
-              <a:t> the 2020 4th </a:t>
-            </a:r>
-            <a:r>
-              <a:rPr lang="vi-VN" sz="1400" dirty="0" err="1"/>
-              <a:t>International</a:t>
-            </a:r>
-            <a:r>
-              <a:rPr lang="vi-VN" sz="1400" dirty="0"/>
-              <a:t> </a:t>
-            </a:r>
-            <a:r>
-              <a:rPr lang="vi-VN" sz="1400" dirty="0" err="1"/>
-              <a:t>Conference</a:t>
-            </a:r>
-            <a:r>
-              <a:rPr lang="vi-VN" sz="1400" dirty="0"/>
-              <a:t> </a:t>
-            </a:r>
-            <a:r>
-              <a:rPr lang="vi-VN" sz="1400" dirty="0" err="1"/>
-              <a:t>on</a:t>
-            </a:r>
-            <a:r>
-              <a:rPr lang="vi-VN" sz="1400" dirty="0"/>
-              <a:t> </a:t>
-            </a:r>
-            <a:r>
-              <a:rPr lang="vi-VN" sz="1400" dirty="0" err="1"/>
-              <a:t>Cryptography</a:t>
-            </a:r>
-            <a:r>
-              <a:rPr lang="vi-VN" sz="1400" dirty="0"/>
-              <a:t>, </a:t>
-            </a:r>
-            <a:r>
-              <a:rPr lang="vi-VN" sz="1400" dirty="0" err="1"/>
-              <a:t>Security</a:t>
-            </a:r>
-            <a:r>
-              <a:rPr lang="vi-VN" sz="1400" dirty="0"/>
-              <a:t> </a:t>
-            </a:r>
-            <a:r>
-              <a:rPr lang="vi-VN" sz="1400" dirty="0" err="1"/>
-              <a:t>and</a:t>
-            </a:r>
-            <a:r>
-              <a:rPr lang="vi-VN" sz="1400" dirty="0"/>
-              <a:t> </a:t>
-            </a:r>
-            <a:r>
-              <a:rPr lang="vi-VN" sz="1400" dirty="0" err="1"/>
-              <a:t>Privacy</a:t>
-            </a:r>
-            <a:r>
-              <a:rPr lang="vi-VN" sz="1400" dirty="0"/>
-              <a:t>, 2020, </a:t>
-            </a:r>
-            <a:r>
-              <a:rPr lang="vi-VN" sz="1400" dirty="0" err="1"/>
-              <a:t>pp</a:t>
-            </a:r>
-            <a:r>
-              <a:rPr lang="vi-VN" sz="1400" dirty="0"/>
-              <a:t>. 110–115. </a:t>
-            </a:r>
-          </a:p>
-          <a:p>
-            <a:r>
-              <a:rPr lang="vi-VN" sz="1400" dirty="0"/>
-              <a:t>[18] M. </a:t>
-            </a:r>
-            <a:r>
-              <a:rPr lang="vi-VN" sz="1400" dirty="0" err="1"/>
-              <a:t>Staderini</a:t>
-            </a:r>
-            <a:r>
-              <a:rPr lang="vi-VN" sz="1400" dirty="0"/>
-              <a:t>, C. </a:t>
-            </a:r>
-            <a:r>
-              <a:rPr lang="vi-VN" sz="1400" dirty="0" err="1"/>
-              <a:t>Palli</a:t>
-            </a:r>
-            <a:r>
-              <a:rPr lang="vi-VN" sz="1400" dirty="0"/>
-              <a:t>, </a:t>
-            </a:r>
-            <a:r>
-              <a:rPr lang="vi-VN" sz="1400" dirty="0" err="1"/>
-              <a:t>and</a:t>
-            </a:r>
-            <a:r>
-              <a:rPr lang="vi-VN" sz="1400" dirty="0"/>
-              <a:t> A. </a:t>
-            </a:r>
-            <a:r>
-              <a:rPr lang="vi-VN" sz="1400" dirty="0" err="1"/>
-              <a:t>Bondavalli</a:t>
-            </a:r>
-            <a:r>
-              <a:rPr lang="vi-VN" sz="1400" dirty="0"/>
-              <a:t>, “</a:t>
-            </a:r>
-            <a:r>
-              <a:rPr lang="vi-VN" sz="1400" dirty="0" err="1"/>
-              <a:t>Classification</a:t>
-            </a:r>
-            <a:r>
-              <a:rPr lang="vi-VN" sz="1400" dirty="0"/>
-              <a:t> </a:t>
-            </a:r>
-            <a:r>
-              <a:rPr lang="vi-VN" sz="1400" dirty="0" err="1"/>
-              <a:t>of</a:t>
-            </a:r>
-            <a:r>
-              <a:rPr lang="vi-VN" sz="1400" dirty="0"/>
-              <a:t> </a:t>
-            </a:r>
-            <a:r>
-              <a:rPr lang="vi-VN" sz="1400" dirty="0" err="1"/>
-              <a:t>ethereum</a:t>
-            </a:r>
-            <a:r>
-              <a:rPr lang="vi-VN" sz="1400" dirty="0"/>
-              <a:t> </a:t>
-            </a:r>
-            <a:r>
-              <a:rPr lang="vi-VN" sz="1400" dirty="0" err="1"/>
-              <a:t>vulnerabilities</a:t>
-            </a:r>
-            <a:r>
-              <a:rPr lang="vi-VN" sz="1400" dirty="0"/>
-              <a:t> </a:t>
-            </a:r>
-            <a:r>
-              <a:rPr lang="vi-VN" sz="1400" dirty="0" err="1"/>
-              <a:t>and</a:t>
-            </a:r>
-            <a:r>
-              <a:rPr lang="vi-VN" sz="1400" dirty="0"/>
-              <a:t> </a:t>
-            </a:r>
-            <a:r>
-              <a:rPr lang="vi-VN" sz="1400" dirty="0" err="1"/>
-              <a:t>their</a:t>
-            </a:r>
-            <a:r>
-              <a:rPr lang="vi-VN" sz="1400" dirty="0"/>
-              <a:t> </a:t>
-            </a:r>
-            <a:r>
-              <a:rPr lang="vi-VN" sz="1400" dirty="0" err="1"/>
-              <a:t>propagations</a:t>
-            </a:r>
-            <a:r>
-              <a:rPr lang="vi-VN" sz="1400" dirty="0"/>
-              <a:t>,” in 2020 </a:t>
-            </a:r>
-            <a:r>
-              <a:rPr lang="vi-VN" sz="1400" dirty="0" err="1"/>
-              <a:t>Second</a:t>
-            </a:r>
-            <a:r>
-              <a:rPr lang="vi-VN" sz="1400" dirty="0"/>
-              <a:t> </a:t>
-            </a:r>
-            <a:r>
-              <a:rPr lang="vi-VN" sz="1400" dirty="0" err="1"/>
-              <a:t>International</a:t>
-            </a:r>
-            <a:r>
-              <a:rPr lang="vi-VN" sz="1400" dirty="0"/>
-              <a:t> </a:t>
-            </a:r>
-            <a:r>
-              <a:rPr lang="vi-VN" sz="1400" dirty="0" err="1"/>
-              <a:t>Conference</a:t>
-            </a:r>
-            <a:r>
-              <a:rPr lang="vi-VN" sz="1400" dirty="0"/>
-              <a:t> </a:t>
-            </a:r>
-            <a:r>
-              <a:rPr lang="vi-VN" sz="1400" dirty="0" err="1"/>
-              <a:t>on</a:t>
-            </a:r>
-            <a:r>
-              <a:rPr lang="vi-VN" sz="1400" dirty="0"/>
-              <a:t> </a:t>
-            </a:r>
-            <a:r>
-              <a:rPr lang="vi-VN" sz="1400" dirty="0" err="1"/>
-              <a:t>Blockchain</a:t>
-            </a:r>
-            <a:r>
-              <a:rPr lang="vi-VN" sz="1400" dirty="0"/>
-              <a:t> </a:t>
-            </a:r>
-            <a:r>
-              <a:rPr lang="vi-VN" sz="1400" dirty="0" err="1"/>
-              <a:t>Computing</a:t>
-            </a:r>
-            <a:r>
-              <a:rPr lang="vi-VN" sz="1400" dirty="0"/>
-              <a:t> </a:t>
-            </a:r>
-            <a:r>
-              <a:rPr lang="vi-VN" sz="1400" dirty="0" err="1"/>
-              <a:t>and</a:t>
-            </a:r>
-            <a:r>
-              <a:rPr lang="vi-VN" sz="1400" dirty="0"/>
-              <a:t> </a:t>
-            </a:r>
-            <a:r>
-              <a:rPr lang="vi-VN" sz="1400" dirty="0" err="1"/>
-              <a:t>Applications</a:t>
-            </a:r>
-            <a:r>
-              <a:rPr lang="vi-VN" sz="1400" dirty="0"/>
-              <a:t> (BCCA). IEEE, 2020, </a:t>
-            </a:r>
-            <a:r>
-              <a:rPr lang="vi-VN" sz="1400" dirty="0" err="1"/>
-              <a:t>pp</a:t>
-            </a:r>
-            <a:r>
-              <a:rPr lang="vi-VN" sz="1400" dirty="0"/>
-              <a:t>. 44– 51. </a:t>
-            </a:r>
-          </a:p>
-          <a:p>
-            <a:r>
-              <a:rPr lang="vi-VN" sz="1400" dirty="0"/>
-              <a:t>[19] H. Mao, T. </a:t>
-            </a:r>
-            <a:r>
-              <a:rPr lang="vi-VN" sz="1400" dirty="0" err="1"/>
-              <a:t>Nie</a:t>
-            </a:r>
-            <a:r>
-              <a:rPr lang="vi-VN" sz="1400" dirty="0"/>
-              <a:t>, H. Sun, D. </a:t>
-            </a:r>
-            <a:r>
-              <a:rPr lang="vi-VN" sz="1400" dirty="0" err="1"/>
-              <a:t>Shen</a:t>
-            </a:r>
-            <a:r>
-              <a:rPr lang="vi-VN" sz="1400" dirty="0"/>
-              <a:t>, </a:t>
-            </a:r>
-            <a:r>
-              <a:rPr lang="vi-VN" sz="1400" dirty="0" err="1"/>
-              <a:t>and</a:t>
-            </a:r>
-            <a:r>
-              <a:rPr lang="vi-VN" sz="1400" dirty="0"/>
-              <a:t> G. </a:t>
-            </a:r>
-            <a:r>
-              <a:rPr lang="vi-VN" sz="1400" dirty="0" err="1"/>
-              <a:t>Yu</a:t>
-            </a:r>
-            <a:r>
-              <a:rPr lang="vi-VN" sz="1400" dirty="0"/>
-              <a:t>, “A </a:t>
-            </a:r>
-            <a:r>
-              <a:rPr lang="vi-VN" sz="1400" dirty="0" err="1"/>
-              <a:t>survey</a:t>
-            </a:r>
-            <a:r>
-              <a:rPr lang="vi-VN" sz="1400" dirty="0"/>
-              <a:t> </a:t>
-            </a:r>
-            <a:r>
-              <a:rPr lang="vi-VN" sz="1400" dirty="0" err="1"/>
-              <a:t>on</a:t>
-            </a:r>
-            <a:r>
-              <a:rPr lang="vi-VN" sz="1400" dirty="0"/>
-              <a:t> </a:t>
-            </a:r>
-            <a:r>
-              <a:rPr lang="vi-VN" sz="1400" dirty="0" err="1"/>
-              <a:t>cross-chain</a:t>
-            </a:r>
-            <a:r>
-              <a:rPr lang="vi-VN" sz="1400" dirty="0"/>
-              <a:t> </a:t>
-            </a:r>
-            <a:r>
-              <a:rPr lang="vi-VN" sz="1400" dirty="0" err="1"/>
-              <a:t>technology</a:t>
-            </a:r>
-            <a:r>
-              <a:rPr lang="vi-VN" sz="1400" dirty="0"/>
-              <a:t>: </a:t>
-            </a:r>
-            <a:r>
-              <a:rPr lang="vi-VN" sz="1400" dirty="0" err="1"/>
-              <a:t>Challenges</a:t>
-            </a:r>
-            <a:r>
-              <a:rPr lang="vi-VN" sz="1400" dirty="0"/>
-              <a:t>, </a:t>
-            </a:r>
-            <a:r>
-              <a:rPr lang="vi-VN" sz="1400" dirty="0" err="1"/>
-              <a:t>development</a:t>
-            </a:r>
-            <a:r>
-              <a:rPr lang="vi-VN" sz="1400" dirty="0"/>
-              <a:t>, </a:t>
-            </a:r>
-            <a:r>
-              <a:rPr lang="vi-VN" sz="1400" dirty="0" err="1"/>
-              <a:t>and</a:t>
-            </a:r>
-            <a:r>
-              <a:rPr lang="vi-VN" sz="1400" dirty="0"/>
-              <a:t> </a:t>
-            </a:r>
-            <a:r>
-              <a:rPr lang="vi-VN" sz="1400" dirty="0" err="1"/>
-              <a:t>prospect</a:t>
-            </a:r>
-            <a:r>
-              <a:rPr lang="vi-VN" sz="1400" dirty="0"/>
-              <a:t>,” IEEE Access, 2022. </a:t>
-            </a:r>
-          </a:p>
-          <a:p>
-            <a:r>
-              <a:rPr lang="vi-VN" sz="1400" dirty="0"/>
-              <a:t>[20] M. </a:t>
-            </a:r>
-            <a:r>
-              <a:rPr lang="vi-VN" sz="1400" dirty="0" err="1"/>
-              <a:t>Rodler</a:t>
-            </a:r>
-            <a:r>
-              <a:rPr lang="vi-VN" sz="1400" dirty="0"/>
-              <a:t>, W. Li, G. O. </a:t>
-            </a:r>
-            <a:r>
-              <a:rPr lang="vi-VN" sz="1400" dirty="0" err="1"/>
-              <a:t>Karame</a:t>
-            </a:r>
-            <a:r>
-              <a:rPr lang="vi-VN" sz="1400" dirty="0"/>
-              <a:t>, </a:t>
-            </a:r>
-            <a:r>
-              <a:rPr lang="vi-VN" sz="1400" dirty="0" err="1"/>
-              <a:t>and</a:t>
-            </a:r>
-            <a:r>
-              <a:rPr lang="vi-VN" sz="1400" dirty="0"/>
-              <a:t> L. </a:t>
-            </a:r>
-            <a:r>
-              <a:rPr lang="vi-VN" sz="1400" dirty="0" err="1"/>
-              <a:t>Davi</a:t>
-            </a:r>
-            <a:r>
-              <a:rPr lang="vi-VN" sz="1400" dirty="0"/>
-              <a:t>, “</a:t>
-            </a:r>
-            <a:r>
-              <a:rPr lang="vi-VN" sz="1400" dirty="0" err="1"/>
-              <a:t>Sereum</a:t>
-            </a:r>
-            <a:r>
-              <a:rPr lang="vi-VN" sz="1400" dirty="0"/>
-              <a:t>: </a:t>
-            </a:r>
-            <a:r>
-              <a:rPr lang="vi-VN" sz="1400" dirty="0" err="1"/>
-              <a:t>Protecting</a:t>
-            </a:r>
-            <a:r>
-              <a:rPr lang="vi-VN" sz="1400" dirty="0"/>
-              <a:t> </a:t>
-            </a:r>
-            <a:r>
-              <a:rPr lang="vi-VN" sz="1400" dirty="0" err="1"/>
-              <a:t>existing</a:t>
-            </a:r>
-            <a:r>
-              <a:rPr lang="vi-VN" sz="1400" dirty="0"/>
-              <a:t> </a:t>
-            </a:r>
-            <a:r>
-              <a:rPr lang="vi-VN" sz="1400" dirty="0" err="1"/>
-              <a:t>smart</a:t>
-            </a:r>
-            <a:r>
-              <a:rPr lang="vi-VN" sz="1400" dirty="0"/>
-              <a:t> </a:t>
-            </a:r>
-            <a:r>
-              <a:rPr lang="vi-VN" sz="1400" dirty="0" err="1"/>
-              <a:t>contracts</a:t>
-            </a:r>
-            <a:r>
-              <a:rPr lang="vi-VN" sz="1400" dirty="0"/>
-              <a:t> </a:t>
-            </a:r>
-            <a:r>
-              <a:rPr lang="vi-VN" sz="1400" dirty="0" err="1"/>
-              <a:t>against</a:t>
-            </a:r>
-            <a:r>
-              <a:rPr lang="vi-VN" sz="1400" dirty="0"/>
-              <a:t> re-</a:t>
-            </a:r>
-            <a:r>
-              <a:rPr lang="vi-VN" sz="1400" dirty="0" err="1"/>
-              <a:t>entrancy</a:t>
-            </a:r>
-            <a:r>
-              <a:rPr lang="vi-VN" sz="1400" dirty="0"/>
-              <a:t> </a:t>
-            </a:r>
-            <a:r>
-              <a:rPr lang="vi-VN" sz="1400" dirty="0" err="1"/>
-              <a:t>attacks</a:t>
-            </a:r>
-            <a:r>
-              <a:rPr lang="vi-VN" sz="1400" dirty="0"/>
-              <a:t>,” </a:t>
-            </a:r>
-            <a:r>
-              <a:rPr lang="vi-VN" sz="1400" dirty="0" err="1"/>
-              <a:t>arXiv</a:t>
-            </a:r>
-            <a:r>
-              <a:rPr lang="vi-VN" sz="1400" dirty="0"/>
-              <a:t> </a:t>
-            </a:r>
-            <a:r>
-              <a:rPr lang="vi-VN" sz="1400" dirty="0" err="1"/>
-              <a:t>preprint</a:t>
-            </a:r>
-            <a:r>
-              <a:rPr lang="vi-VN" sz="1400" dirty="0"/>
-              <a:t> arXiv:1812.05934, 2018. </a:t>
+              <a:rPr lang="vi-VN" dirty="0"/>
+              <a:t> </a:t>
             </a:r>
           </a:p>
         </p:txBody>
@@ -24888,7 +23894,7 @@
     </p:spTree>
     <p:extLst>
       <p:ext uri="{BB962C8B-B14F-4D97-AF65-F5344CB8AC3E}">
-        <p14:creationId xmlns:p14="http://schemas.microsoft.com/office/powerpoint/2010/main" val="1050113596"/>
+        <p14:creationId xmlns:p14="http://schemas.microsoft.com/office/powerpoint/2010/main" val="2421697228"/>
       </p:ext>
     </p:extLst>
   </p:cSld>
@@ -25692,8 +24698,8 @@
         </p:nvSpPr>
         <p:spPr>
           <a:xfrm>
-            <a:off x="169946" y="1033296"/>
-            <a:ext cx="8759415" cy="4893647"/>
+            <a:off x="169946" y="944643"/>
+            <a:ext cx="8759415" cy="5078313"/>
           </a:xfrm>
           <a:prstGeom prst="rect">
             <a:avLst/>
@@ -25707,1810 +24713,2200 @@
           <a:lstStyle/>
           <a:p>
             <a:r>
-              <a:rPr lang="vi-VN" sz="1200" dirty="0"/>
+              <a:rPr lang="vi-VN" dirty="0"/>
+              <a:t>[14] S. </a:t>
+            </a:r>
+            <a:r>
+              <a:rPr lang="vi-VN" dirty="0" err="1"/>
+              <a:t>Wang</a:t>
+            </a:r>
+            <a:r>
+              <a:rPr lang="vi-VN" dirty="0"/>
+              <a:t>, Y. </a:t>
+            </a:r>
+            <a:r>
+              <a:rPr lang="vi-VN" dirty="0" err="1"/>
+              <a:t>Yuan</a:t>
+            </a:r>
+            <a:r>
+              <a:rPr lang="vi-VN" dirty="0"/>
+              <a:t>, X. </a:t>
+            </a:r>
+            <a:r>
+              <a:rPr lang="vi-VN" dirty="0" err="1"/>
+              <a:t>Wang</a:t>
+            </a:r>
+            <a:r>
+              <a:rPr lang="vi-VN" dirty="0"/>
+              <a:t>, J. Li, R. </a:t>
+            </a:r>
+            <a:r>
+              <a:rPr lang="vi-VN" dirty="0" err="1"/>
+              <a:t>Qin</a:t>
+            </a:r>
+            <a:r>
+              <a:rPr lang="vi-VN" dirty="0"/>
+              <a:t>, </a:t>
+            </a:r>
+            <a:r>
+              <a:rPr lang="vi-VN" dirty="0" err="1"/>
+              <a:t>and</a:t>
+            </a:r>
+            <a:r>
+              <a:rPr lang="vi-VN" dirty="0"/>
+              <a:t> F.-Y. </a:t>
+            </a:r>
+            <a:r>
+              <a:rPr lang="vi-VN" dirty="0" err="1"/>
+              <a:t>Wang</a:t>
+            </a:r>
+            <a:r>
+              <a:rPr lang="vi-VN" dirty="0"/>
+              <a:t>, “An </a:t>
+            </a:r>
+            <a:r>
+              <a:rPr lang="vi-VN" dirty="0" err="1"/>
+              <a:t>overview</a:t>
+            </a:r>
+            <a:r>
+              <a:rPr lang="vi-VN" dirty="0"/>
+              <a:t> </a:t>
+            </a:r>
+            <a:r>
+              <a:rPr lang="vi-VN" dirty="0" err="1"/>
+              <a:t>of</a:t>
+            </a:r>
+            <a:r>
+              <a:rPr lang="vi-VN" dirty="0"/>
+              <a:t> </a:t>
+            </a:r>
+            <a:r>
+              <a:rPr lang="vi-VN" dirty="0" err="1"/>
+              <a:t>smart</a:t>
+            </a:r>
+            <a:r>
+              <a:rPr lang="vi-VN" dirty="0"/>
+              <a:t> </a:t>
+            </a:r>
+            <a:r>
+              <a:rPr lang="vi-VN" dirty="0" err="1"/>
+              <a:t>contract</a:t>
+            </a:r>
+            <a:r>
+              <a:rPr lang="vi-VN" dirty="0"/>
+              <a:t>: </a:t>
+            </a:r>
+            <a:r>
+              <a:rPr lang="vi-VN" dirty="0" err="1"/>
+              <a:t>architecture</a:t>
+            </a:r>
+            <a:r>
+              <a:rPr lang="vi-VN" dirty="0"/>
+              <a:t>, </a:t>
+            </a:r>
+            <a:r>
+              <a:rPr lang="vi-VN" dirty="0" err="1"/>
+              <a:t>applications</a:t>
+            </a:r>
+            <a:r>
+              <a:rPr lang="vi-VN" dirty="0"/>
+              <a:t>, </a:t>
+            </a:r>
+            <a:r>
+              <a:rPr lang="vi-VN" dirty="0" err="1"/>
+              <a:t>and</a:t>
+            </a:r>
+            <a:r>
+              <a:rPr lang="vi-VN" dirty="0"/>
+              <a:t> </a:t>
+            </a:r>
+            <a:r>
+              <a:rPr lang="vi-VN" dirty="0" err="1"/>
+              <a:t>future</a:t>
+            </a:r>
+            <a:r>
+              <a:rPr lang="vi-VN" dirty="0"/>
+              <a:t> </a:t>
+            </a:r>
+            <a:r>
+              <a:rPr lang="vi-VN" dirty="0" err="1"/>
+              <a:t>trends</a:t>
+            </a:r>
+            <a:r>
+              <a:rPr lang="vi-VN" dirty="0"/>
+              <a:t>,” in 2018 IEEE </a:t>
+            </a:r>
+            <a:r>
+              <a:rPr lang="vi-VN" dirty="0" err="1"/>
+              <a:t>Intelligent</a:t>
+            </a:r>
+            <a:r>
+              <a:rPr lang="vi-VN" dirty="0"/>
+              <a:t> </a:t>
+            </a:r>
+            <a:r>
+              <a:rPr lang="vi-VN" dirty="0" err="1"/>
+              <a:t>Vehicles</a:t>
+            </a:r>
+            <a:r>
+              <a:rPr lang="vi-VN" dirty="0"/>
+              <a:t> </a:t>
+            </a:r>
+            <a:r>
+              <a:rPr lang="vi-VN" dirty="0" err="1"/>
+              <a:t>Symposium</a:t>
+            </a:r>
+            <a:r>
+              <a:rPr lang="vi-VN" dirty="0"/>
+              <a:t> (IV). IEEE, 2018, </a:t>
+            </a:r>
+            <a:r>
+              <a:rPr lang="vi-VN" dirty="0" err="1"/>
+              <a:t>pp</a:t>
+            </a:r>
+            <a:r>
+              <a:rPr lang="vi-VN" dirty="0"/>
+              <a:t>. 108–113</a:t>
+            </a:r>
+          </a:p>
+          <a:p>
+            <a:r>
+              <a:rPr lang="vi-VN" dirty="0"/>
+              <a:t>[15] T. H.-D. </a:t>
+            </a:r>
+            <a:r>
+              <a:rPr lang="vi-VN" dirty="0" err="1"/>
+              <a:t>Huang</a:t>
+            </a:r>
+            <a:r>
+              <a:rPr lang="vi-VN" dirty="0"/>
+              <a:t>, “</a:t>
+            </a:r>
+            <a:r>
+              <a:rPr lang="vi-VN" dirty="0" err="1"/>
+              <a:t>Hunting</a:t>
+            </a:r>
+            <a:r>
+              <a:rPr lang="vi-VN" dirty="0"/>
+              <a:t> the </a:t>
+            </a:r>
+            <a:r>
+              <a:rPr lang="vi-VN" dirty="0" err="1"/>
+              <a:t>ethereum</a:t>
+            </a:r>
+            <a:r>
+              <a:rPr lang="vi-VN" dirty="0"/>
+              <a:t> </a:t>
+            </a:r>
+            <a:r>
+              <a:rPr lang="vi-VN" dirty="0" err="1"/>
+              <a:t>smart</a:t>
+            </a:r>
+            <a:r>
+              <a:rPr lang="vi-VN" dirty="0"/>
+              <a:t> </a:t>
+            </a:r>
+            <a:r>
+              <a:rPr lang="vi-VN" dirty="0" err="1"/>
+              <a:t>contract</a:t>
+            </a:r>
+            <a:r>
+              <a:rPr lang="vi-VN" dirty="0"/>
+              <a:t>: </a:t>
+            </a:r>
+            <a:r>
+              <a:rPr lang="vi-VN" dirty="0" err="1"/>
+              <a:t>Color-inspired</a:t>
+            </a:r>
+            <a:r>
+              <a:rPr lang="vi-VN" dirty="0"/>
+              <a:t> </a:t>
+            </a:r>
+            <a:r>
+              <a:rPr lang="vi-VN" dirty="0" err="1"/>
+              <a:t>inspection</a:t>
+            </a:r>
+            <a:r>
+              <a:rPr lang="vi-VN" dirty="0"/>
+              <a:t> </a:t>
+            </a:r>
+            <a:r>
+              <a:rPr lang="vi-VN" dirty="0" err="1"/>
+              <a:t>of</a:t>
+            </a:r>
+            <a:r>
+              <a:rPr lang="vi-VN" dirty="0"/>
+              <a:t> </a:t>
+            </a:r>
+            <a:r>
+              <a:rPr lang="vi-VN" dirty="0" err="1"/>
+              <a:t>potential</a:t>
+            </a:r>
+            <a:r>
+              <a:rPr lang="vi-VN" dirty="0"/>
+              <a:t> </a:t>
+            </a:r>
+            <a:r>
+              <a:rPr lang="vi-VN" dirty="0" err="1"/>
+              <a:t>attacks</a:t>
+            </a:r>
+            <a:r>
+              <a:rPr lang="vi-VN" dirty="0"/>
+              <a:t>,” </a:t>
+            </a:r>
+            <a:r>
+              <a:rPr lang="vi-VN" dirty="0" err="1"/>
+              <a:t>arXiv</a:t>
+            </a:r>
+            <a:r>
+              <a:rPr lang="vi-VN" dirty="0"/>
+              <a:t> </a:t>
+            </a:r>
+            <a:r>
+              <a:rPr lang="vi-VN" dirty="0" err="1"/>
+              <a:t>preprint</a:t>
+            </a:r>
+            <a:r>
+              <a:rPr lang="vi-VN" dirty="0"/>
+              <a:t> arXiv:1807.01868, 2018. </a:t>
+            </a:r>
+          </a:p>
+          <a:p>
+            <a:r>
+              <a:rPr lang="vi-VN" dirty="0"/>
+              <a:t>[16] L. </a:t>
+            </a:r>
+            <a:r>
+              <a:rPr lang="vi-VN" dirty="0" err="1"/>
+              <a:t>Zhang</a:t>
+            </a:r>
+            <a:r>
+              <a:rPr lang="vi-VN" dirty="0"/>
+              <a:t>, W. Chen, W. </a:t>
+            </a:r>
+            <a:r>
+              <a:rPr lang="vi-VN" dirty="0" err="1"/>
+              <a:t>Wang</a:t>
+            </a:r>
+            <a:r>
+              <a:rPr lang="vi-VN" dirty="0"/>
+              <a:t>, Z. </a:t>
+            </a:r>
+            <a:r>
+              <a:rPr lang="vi-VN" dirty="0" err="1"/>
+              <a:t>Jin</a:t>
+            </a:r>
+            <a:r>
+              <a:rPr lang="vi-VN" dirty="0"/>
+              <a:t>, C. </a:t>
+            </a:r>
+            <a:r>
+              <a:rPr lang="vi-VN" dirty="0" err="1"/>
+              <a:t>Zhao</a:t>
+            </a:r>
+            <a:r>
+              <a:rPr lang="vi-VN" dirty="0"/>
+              <a:t>, Z. Cai, </a:t>
+            </a:r>
+            <a:r>
+              <a:rPr lang="vi-VN" dirty="0" err="1"/>
+              <a:t>and</a:t>
+            </a:r>
+            <a:r>
+              <a:rPr lang="vi-VN" dirty="0"/>
+              <a:t> H. Chen, “</a:t>
+            </a:r>
+            <a:r>
+              <a:rPr lang="vi-VN" dirty="0" err="1"/>
+              <a:t>Cbgru</a:t>
+            </a:r>
+            <a:r>
+              <a:rPr lang="vi-VN" dirty="0"/>
+              <a:t>: A </a:t>
+            </a:r>
+            <a:r>
+              <a:rPr lang="vi-VN" dirty="0" err="1"/>
+              <a:t>detection</a:t>
+            </a:r>
+            <a:r>
+              <a:rPr lang="vi-VN" dirty="0"/>
+              <a:t> </a:t>
+            </a:r>
+            <a:r>
+              <a:rPr lang="vi-VN" dirty="0" err="1"/>
+              <a:t>method</a:t>
+            </a:r>
+            <a:r>
+              <a:rPr lang="vi-VN" dirty="0"/>
+              <a:t> </a:t>
+            </a:r>
+            <a:r>
+              <a:rPr lang="vi-VN" dirty="0" err="1"/>
+              <a:t>of</a:t>
+            </a:r>
+            <a:r>
+              <a:rPr lang="vi-VN" dirty="0"/>
+              <a:t> </a:t>
+            </a:r>
+            <a:r>
+              <a:rPr lang="vi-VN" dirty="0" err="1"/>
+              <a:t>smart</a:t>
+            </a:r>
+            <a:r>
+              <a:rPr lang="vi-VN" dirty="0"/>
+              <a:t> </a:t>
+            </a:r>
+            <a:r>
+              <a:rPr lang="vi-VN" dirty="0" err="1"/>
+              <a:t>contract</a:t>
+            </a:r>
+            <a:r>
+              <a:rPr lang="vi-VN" dirty="0"/>
+              <a:t> </a:t>
+            </a:r>
+            <a:r>
+              <a:rPr lang="vi-VN" dirty="0" err="1"/>
+              <a:t>vulnerability</a:t>
+            </a:r>
+            <a:r>
+              <a:rPr lang="vi-VN" dirty="0"/>
+              <a:t> </a:t>
+            </a:r>
+            <a:r>
+              <a:rPr lang="vi-VN" dirty="0" err="1"/>
+              <a:t>based</a:t>
+            </a:r>
+            <a:r>
+              <a:rPr lang="vi-VN" dirty="0"/>
+              <a:t> </a:t>
+            </a:r>
+            <a:r>
+              <a:rPr lang="vi-VN" dirty="0" err="1"/>
+              <a:t>on</a:t>
+            </a:r>
+            <a:r>
+              <a:rPr lang="vi-VN" dirty="0"/>
+              <a:t> a </a:t>
+            </a:r>
+            <a:r>
+              <a:rPr lang="vi-VN" dirty="0" err="1"/>
+              <a:t>hybrid</a:t>
+            </a:r>
+            <a:r>
+              <a:rPr lang="vi-VN" dirty="0"/>
+              <a:t> </a:t>
+            </a:r>
+            <a:r>
+              <a:rPr lang="vi-VN" dirty="0" err="1"/>
+              <a:t>model</a:t>
+            </a:r>
+            <a:r>
+              <a:rPr lang="vi-VN" dirty="0"/>
+              <a:t>,” </a:t>
+            </a:r>
+            <a:r>
+              <a:rPr lang="vi-VN" dirty="0" err="1"/>
+              <a:t>Sensors</a:t>
+            </a:r>
+            <a:r>
+              <a:rPr lang="vi-VN" dirty="0"/>
+              <a:t>, </a:t>
+            </a:r>
+            <a:r>
+              <a:rPr lang="vi-VN" dirty="0" err="1"/>
+              <a:t>vol</a:t>
+            </a:r>
+            <a:r>
+              <a:rPr lang="vi-VN" dirty="0"/>
+              <a:t>. 22, no. 9, p. 3577, 2022. </a:t>
+            </a:r>
+          </a:p>
+          <a:p>
+            <a:r>
+              <a:rPr lang="vi-VN" dirty="0"/>
+              <a:t>[17] E. Lai </a:t>
+            </a:r>
+            <a:r>
+              <a:rPr lang="vi-VN" dirty="0" err="1"/>
+              <a:t>and</a:t>
+            </a:r>
+            <a:r>
+              <a:rPr lang="vi-VN" dirty="0"/>
+              <a:t> W. </a:t>
+            </a:r>
+            <a:r>
+              <a:rPr lang="vi-VN" dirty="0" err="1"/>
+              <a:t>Luo</a:t>
+            </a:r>
+            <a:r>
+              <a:rPr lang="vi-VN" dirty="0"/>
+              <a:t>, “</a:t>
+            </a:r>
+            <a:r>
+              <a:rPr lang="vi-VN" dirty="0" err="1"/>
+              <a:t>Static</a:t>
+            </a:r>
+            <a:r>
+              <a:rPr lang="vi-VN" dirty="0"/>
+              <a:t> </a:t>
+            </a:r>
+            <a:r>
+              <a:rPr lang="vi-VN" dirty="0" err="1"/>
+              <a:t>analysis</a:t>
+            </a:r>
+            <a:r>
+              <a:rPr lang="vi-VN" dirty="0"/>
+              <a:t> </a:t>
+            </a:r>
+            <a:r>
+              <a:rPr lang="vi-VN" dirty="0" err="1"/>
+              <a:t>of</a:t>
+            </a:r>
+            <a:r>
+              <a:rPr lang="vi-VN" dirty="0"/>
+              <a:t> </a:t>
+            </a:r>
+            <a:r>
+              <a:rPr lang="vi-VN" dirty="0" err="1"/>
+              <a:t>integer</a:t>
+            </a:r>
+            <a:r>
+              <a:rPr lang="vi-VN" dirty="0"/>
+              <a:t> </a:t>
+            </a:r>
+            <a:r>
+              <a:rPr lang="vi-VN" dirty="0" err="1"/>
+              <a:t>overflow</a:t>
+            </a:r>
+            <a:r>
+              <a:rPr lang="vi-VN" dirty="0"/>
+              <a:t> </a:t>
+            </a:r>
+            <a:r>
+              <a:rPr lang="vi-VN" dirty="0" err="1"/>
+              <a:t>of</a:t>
+            </a:r>
+            <a:r>
+              <a:rPr lang="vi-VN" dirty="0"/>
+              <a:t> </a:t>
+            </a:r>
+            <a:r>
+              <a:rPr lang="vi-VN" dirty="0" err="1"/>
+              <a:t>smart</a:t>
+            </a:r>
+            <a:r>
+              <a:rPr lang="vi-VN" dirty="0"/>
+              <a:t> </a:t>
+            </a:r>
+            <a:r>
+              <a:rPr lang="vi-VN" dirty="0" err="1"/>
+              <a:t>contracts</a:t>
+            </a:r>
+            <a:r>
+              <a:rPr lang="vi-VN" dirty="0"/>
+              <a:t> in </a:t>
+            </a:r>
+            <a:r>
+              <a:rPr lang="vi-VN" dirty="0" err="1"/>
+              <a:t>ethereum</a:t>
+            </a:r>
+            <a:r>
+              <a:rPr lang="vi-VN" dirty="0"/>
+              <a:t>,” in </a:t>
+            </a:r>
+            <a:r>
+              <a:rPr lang="vi-VN" dirty="0" err="1"/>
+              <a:t>Proceedings</a:t>
+            </a:r>
+            <a:r>
+              <a:rPr lang="vi-VN" dirty="0"/>
+              <a:t> </a:t>
+            </a:r>
+            <a:r>
+              <a:rPr lang="vi-VN" dirty="0" err="1"/>
+              <a:t>of</a:t>
+            </a:r>
+            <a:r>
+              <a:rPr lang="vi-VN" dirty="0"/>
+              <a:t> the 2020 4th </a:t>
+            </a:r>
+            <a:r>
+              <a:rPr lang="vi-VN" dirty="0" err="1"/>
+              <a:t>International</a:t>
+            </a:r>
+            <a:r>
+              <a:rPr lang="vi-VN" dirty="0"/>
+              <a:t> </a:t>
+            </a:r>
+            <a:r>
+              <a:rPr lang="vi-VN" dirty="0" err="1"/>
+              <a:t>Conference</a:t>
+            </a:r>
+            <a:r>
+              <a:rPr lang="vi-VN" dirty="0"/>
+              <a:t> </a:t>
+            </a:r>
+            <a:r>
+              <a:rPr lang="vi-VN" dirty="0" err="1"/>
+              <a:t>on</a:t>
+            </a:r>
+            <a:r>
+              <a:rPr lang="vi-VN" dirty="0"/>
+              <a:t> </a:t>
+            </a:r>
+            <a:r>
+              <a:rPr lang="vi-VN" dirty="0" err="1"/>
+              <a:t>Cryptography</a:t>
+            </a:r>
+            <a:r>
+              <a:rPr lang="vi-VN" dirty="0"/>
+              <a:t>, </a:t>
+            </a:r>
+            <a:r>
+              <a:rPr lang="vi-VN" dirty="0" err="1"/>
+              <a:t>Security</a:t>
+            </a:r>
+            <a:r>
+              <a:rPr lang="vi-VN" dirty="0"/>
+              <a:t> </a:t>
+            </a:r>
+            <a:r>
+              <a:rPr lang="vi-VN" dirty="0" err="1"/>
+              <a:t>and</a:t>
+            </a:r>
+            <a:r>
+              <a:rPr lang="vi-VN" dirty="0"/>
+              <a:t> </a:t>
+            </a:r>
+            <a:r>
+              <a:rPr lang="vi-VN" dirty="0" err="1"/>
+              <a:t>Privacy</a:t>
+            </a:r>
+            <a:r>
+              <a:rPr lang="vi-VN" dirty="0"/>
+              <a:t>, 2020, </a:t>
+            </a:r>
+            <a:r>
+              <a:rPr lang="vi-VN" dirty="0" err="1"/>
+              <a:t>pp</a:t>
+            </a:r>
+            <a:r>
+              <a:rPr lang="vi-VN" dirty="0"/>
+              <a:t>. 110–115. </a:t>
+            </a:r>
+          </a:p>
+          <a:p>
+            <a:r>
+              <a:rPr lang="vi-VN" dirty="0"/>
+              <a:t>[18] M. </a:t>
+            </a:r>
+            <a:r>
+              <a:rPr lang="vi-VN" dirty="0" err="1"/>
+              <a:t>Staderini</a:t>
+            </a:r>
+            <a:r>
+              <a:rPr lang="vi-VN" dirty="0"/>
+              <a:t>, C. </a:t>
+            </a:r>
+            <a:r>
+              <a:rPr lang="vi-VN" dirty="0" err="1"/>
+              <a:t>Palli</a:t>
+            </a:r>
+            <a:r>
+              <a:rPr lang="vi-VN" dirty="0"/>
+              <a:t>, </a:t>
+            </a:r>
+            <a:r>
+              <a:rPr lang="vi-VN" dirty="0" err="1"/>
+              <a:t>and</a:t>
+            </a:r>
+            <a:r>
+              <a:rPr lang="vi-VN" dirty="0"/>
+              <a:t> A. </a:t>
+            </a:r>
+            <a:r>
+              <a:rPr lang="vi-VN" dirty="0" err="1"/>
+              <a:t>Bondavalli</a:t>
+            </a:r>
+            <a:r>
+              <a:rPr lang="vi-VN" dirty="0"/>
+              <a:t>, “</a:t>
+            </a:r>
+            <a:r>
+              <a:rPr lang="vi-VN" dirty="0" err="1"/>
+              <a:t>Classification</a:t>
+            </a:r>
+            <a:r>
+              <a:rPr lang="vi-VN" dirty="0"/>
+              <a:t> </a:t>
+            </a:r>
+            <a:r>
+              <a:rPr lang="vi-VN" dirty="0" err="1"/>
+              <a:t>of</a:t>
+            </a:r>
+            <a:r>
+              <a:rPr lang="vi-VN" dirty="0"/>
+              <a:t> </a:t>
+            </a:r>
+            <a:r>
+              <a:rPr lang="vi-VN" dirty="0" err="1"/>
+              <a:t>ethereum</a:t>
+            </a:r>
+            <a:r>
+              <a:rPr lang="vi-VN" dirty="0"/>
+              <a:t> </a:t>
+            </a:r>
+            <a:r>
+              <a:rPr lang="vi-VN" dirty="0" err="1"/>
+              <a:t>vulnerabilities</a:t>
+            </a:r>
+            <a:r>
+              <a:rPr lang="vi-VN" dirty="0"/>
+              <a:t> </a:t>
+            </a:r>
+            <a:r>
+              <a:rPr lang="vi-VN" dirty="0" err="1"/>
+              <a:t>and</a:t>
+            </a:r>
+            <a:r>
+              <a:rPr lang="vi-VN" dirty="0"/>
+              <a:t> </a:t>
+            </a:r>
+            <a:r>
+              <a:rPr lang="vi-VN" dirty="0" err="1"/>
+              <a:t>their</a:t>
+            </a:r>
+            <a:r>
+              <a:rPr lang="vi-VN" dirty="0"/>
+              <a:t> </a:t>
+            </a:r>
+            <a:r>
+              <a:rPr lang="vi-VN" dirty="0" err="1"/>
+              <a:t>propagations</a:t>
+            </a:r>
+            <a:r>
+              <a:rPr lang="vi-VN" dirty="0"/>
+              <a:t>,” in 2020 </a:t>
+            </a:r>
+            <a:r>
+              <a:rPr lang="vi-VN" dirty="0" err="1"/>
+              <a:t>Second</a:t>
+            </a:r>
+            <a:r>
+              <a:rPr lang="vi-VN" dirty="0"/>
+              <a:t> </a:t>
+            </a:r>
+            <a:r>
+              <a:rPr lang="vi-VN" dirty="0" err="1"/>
+              <a:t>International</a:t>
+            </a:r>
+            <a:r>
+              <a:rPr lang="vi-VN" dirty="0"/>
+              <a:t> </a:t>
+            </a:r>
+            <a:r>
+              <a:rPr lang="vi-VN" dirty="0" err="1"/>
+              <a:t>Conference</a:t>
+            </a:r>
+            <a:r>
+              <a:rPr lang="vi-VN" dirty="0"/>
+              <a:t> </a:t>
+            </a:r>
+            <a:r>
+              <a:rPr lang="vi-VN" dirty="0" err="1"/>
+              <a:t>on</a:t>
+            </a:r>
+            <a:r>
+              <a:rPr lang="vi-VN" dirty="0"/>
+              <a:t> </a:t>
+            </a:r>
+            <a:r>
+              <a:rPr lang="vi-VN" dirty="0" err="1"/>
+              <a:t>Blockchain</a:t>
+            </a:r>
+            <a:r>
+              <a:rPr lang="vi-VN" dirty="0"/>
+              <a:t> </a:t>
+            </a:r>
+            <a:r>
+              <a:rPr lang="vi-VN" dirty="0" err="1"/>
+              <a:t>Computing</a:t>
+            </a:r>
+            <a:r>
+              <a:rPr lang="vi-VN" dirty="0"/>
+              <a:t> </a:t>
+            </a:r>
+            <a:r>
+              <a:rPr lang="vi-VN" dirty="0" err="1"/>
+              <a:t>and</a:t>
+            </a:r>
+            <a:r>
+              <a:rPr lang="vi-VN" dirty="0"/>
+              <a:t> </a:t>
+            </a:r>
+            <a:r>
+              <a:rPr lang="vi-VN" dirty="0" err="1"/>
+              <a:t>Applications</a:t>
+            </a:r>
+            <a:r>
+              <a:rPr lang="vi-VN" dirty="0"/>
+              <a:t> (BCCA). IEEE, 2020, </a:t>
+            </a:r>
+            <a:r>
+              <a:rPr lang="vi-VN" dirty="0" err="1"/>
+              <a:t>pp</a:t>
+            </a:r>
+            <a:r>
+              <a:rPr lang="vi-VN" dirty="0"/>
+              <a:t>. 44– 51. </a:t>
+            </a:r>
+          </a:p>
+          <a:p>
+            <a:r>
+              <a:rPr lang="vi-VN" sz="1800" dirty="0"/>
+              <a:t>[19] H. Mao, T. </a:t>
+            </a:r>
+            <a:r>
+              <a:rPr lang="vi-VN" sz="1800" dirty="0" err="1"/>
+              <a:t>Nie</a:t>
+            </a:r>
+            <a:r>
+              <a:rPr lang="vi-VN" sz="1800" dirty="0"/>
+              <a:t>, H. Sun, D. </a:t>
+            </a:r>
+            <a:r>
+              <a:rPr lang="vi-VN" sz="1800" dirty="0" err="1"/>
+              <a:t>Shen</a:t>
+            </a:r>
+            <a:r>
+              <a:rPr lang="vi-VN" sz="1800" dirty="0"/>
+              <a:t>, </a:t>
+            </a:r>
+            <a:r>
+              <a:rPr lang="vi-VN" sz="1800" dirty="0" err="1"/>
+              <a:t>and</a:t>
+            </a:r>
+            <a:r>
+              <a:rPr lang="vi-VN" sz="1800" dirty="0"/>
+              <a:t> G. </a:t>
+            </a:r>
+            <a:r>
+              <a:rPr lang="vi-VN" sz="1800" dirty="0" err="1"/>
+              <a:t>Yu</a:t>
+            </a:r>
+            <a:r>
+              <a:rPr lang="vi-VN" sz="1800" dirty="0"/>
+              <a:t>, “A </a:t>
+            </a:r>
+            <a:r>
+              <a:rPr lang="vi-VN" sz="1800" dirty="0" err="1"/>
+              <a:t>survey</a:t>
+            </a:r>
+            <a:r>
+              <a:rPr lang="vi-VN" sz="1800" dirty="0"/>
+              <a:t> </a:t>
+            </a:r>
+            <a:r>
+              <a:rPr lang="vi-VN" sz="1800" dirty="0" err="1"/>
+              <a:t>on</a:t>
+            </a:r>
+            <a:r>
+              <a:rPr lang="vi-VN" sz="1800" dirty="0"/>
+              <a:t> </a:t>
+            </a:r>
+            <a:r>
+              <a:rPr lang="vi-VN" sz="1800" dirty="0" err="1"/>
+              <a:t>cross-chain</a:t>
+            </a:r>
+            <a:r>
+              <a:rPr lang="vi-VN" sz="1800" dirty="0"/>
+              <a:t> </a:t>
+            </a:r>
+            <a:r>
+              <a:rPr lang="vi-VN" sz="1800" dirty="0" err="1"/>
+              <a:t>technology</a:t>
+            </a:r>
+            <a:r>
+              <a:rPr lang="vi-VN" sz="1800" dirty="0"/>
+              <a:t>: </a:t>
+            </a:r>
+            <a:r>
+              <a:rPr lang="vi-VN" sz="1800" dirty="0" err="1"/>
+              <a:t>Challenges</a:t>
+            </a:r>
+            <a:r>
+              <a:rPr lang="vi-VN" sz="1800" dirty="0"/>
+              <a:t>, </a:t>
+            </a:r>
+            <a:r>
+              <a:rPr lang="vi-VN" sz="1800" dirty="0" err="1"/>
+              <a:t>development</a:t>
+            </a:r>
+            <a:r>
+              <a:rPr lang="vi-VN" sz="1800" dirty="0"/>
+              <a:t>, </a:t>
+            </a:r>
+            <a:r>
+              <a:rPr lang="vi-VN" sz="1800" dirty="0" err="1"/>
+              <a:t>and</a:t>
+            </a:r>
+            <a:r>
+              <a:rPr lang="vi-VN" sz="1800" dirty="0"/>
+              <a:t> </a:t>
+            </a:r>
+            <a:r>
+              <a:rPr lang="vi-VN" sz="1800" dirty="0" err="1"/>
+              <a:t>prospect</a:t>
+            </a:r>
+            <a:r>
+              <a:rPr lang="vi-VN" sz="1800" dirty="0"/>
+              <a:t>,” IEEE Access, 2022. </a:t>
+            </a:r>
+          </a:p>
+          <a:p>
+            <a:r>
+              <a:rPr lang="vi-VN" sz="1800" dirty="0"/>
+              <a:t>[20] M. </a:t>
+            </a:r>
+            <a:r>
+              <a:rPr lang="vi-VN" sz="1800" dirty="0" err="1"/>
+              <a:t>Rodler</a:t>
+            </a:r>
+            <a:r>
+              <a:rPr lang="vi-VN" sz="1800" dirty="0"/>
+              <a:t>, W. Li, G. O. </a:t>
+            </a:r>
+            <a:r>
+              <a:rPr lang="vi-VN" sz="1800" dirty="0" err="1"/>
+              <a:t>Karame</a:t>
+            </a:r>
+            <a:r>
+              <a:rPr lang="vi-VN" sz="1800" dirty="0"/>
+              <a:t>, </a:t>
+            </a:r>
+            <a:r>
+              <a:rPr lang="vi-VN" sz="1800" dirty="0" err="1"/>
+              <a:t>and</a:t>
+            </a:r>
+            <a:r>
+              <a:rPr lang="vi-VN" sz="1800" dirty="0"/>
+              <a:t> L. </a:t>
+            </a:r>
+            <a:r>
+              <a:rPr lang="vi-VN" sz="1800" dirty="0" err="1"/>
+              <a:t>Davi</a:t>
+            </a:r>
+            <a:r>
+              <a:rPr lang="vi-VN" sz="1800" dirty="0"/>
+              <a:t>, “</a:t>
+            </a:r>
+            <a:r>
+              <a:rPr lang="vi-VN" sz="1800" dirty="0" err="1"/>
+              <a:t>Sereum</a:t>
+            </a:r>
+            <a:r>
+              <a:rPr lang="vi-VN" sz="1800" dirty="0"/>
+              <a:t>: </a:t>
+            </a:r>
+            <a:r>
+              <a:rPr lang="vi-VN" sz="1800" dirty="0" err="1"/>
+              <a:t>Protecting</a:t>
+            </a:r>
+            <a:r>
+              <a:rPr lang="vi-VN" sz="1800" dirty="0"/>
+              <a:t> </a:t>
+            </a:r>
+            <a:r>
+              <a:rPr lang="vi-VN" sz="1800" dirty="0" err="1"/>
+              <a:t>existing</a:t>
+            </a:r>
+            <a:r>
+              <a:rPr lang="vi-VN" sz="1800" dirty="0"/>
+              <a:t> </a:t>
+            </a:r>
+            <a:r>
+              <a:rPr lang="vi-VN" sz="1800" dirty="0" err="1"/>
+              <a:t>smart</a:t>
+            </a:r>
+            <a:r>
+              <a:rPr lang="vi-VN" sz="1800" dirty="0"/>
+              <a:t> </a:t>
+            </a:r>
+            <a:r>
+              <a:rPr lang="vi-VN" sz="1800" dirty="0" err="1"/>
+              <a:t>contracts</a:t>
+            </a:r>
+            <a:r>
+              <a:rPr lang="vi-VN" sz="1800" dirty="0"/>
+              <a:t> </a:t>
+            </a:r>
+            <a:r>
+              <a:rPr lang="vi-VN" sz="1800" dirty="0" err="1"/>
+              <a:t>against</a:t>
+            </a:r>
+            <a:r>
+              <a:rPr lang="vi-VN" sz="1800" dirty="0"/>
+              <a:t> re-</a:t>
+            </a:r>
+            <a:r>
+              <a:rPr lang="vi-VN" sz="1800" dirty="0" err="1"/>
+              <a:t>entrancy</a:t>
+            </a:r>
+            <a:r>
+              <a:rPr lang="vi-VN" sz="1800" dirty="0"/>
+              <a:t> </a:t>
+            </a:r>
+            <a:r>
+              <a:rPr lang="vi-VN" sz="1800" dirty="0" err="1"/>
+              <a:t>attacks</a:t>
+            </a:r>
+            <a:r>
+              <a:rPr lang="vi-VN" sz="1800" dirty="0"/>
+              <a:t>,” </a:t>
+            </a:r>
+            <a:r>
+              <a:rPr lang="vi-VN" sz="1800" dirty="0" err="1"/>
+              <a:t>arXiv</a:t>
+            </a:r>
+            <a:r>
+              <a:rPr lang="vi-VN" sz="1800" dirty="0"/>
+              <a:t> </a:t>
+            </a:r>
+            <a:r>
+              <a:rPr lang="vi-VN" sz="1800" dirty="0" err="1"/>
+              <a:t>preprint</a:t>
+            </a:r>
+            <a:r>
+              <a:rPr lang="vi-VN" sz="1800" dirty="0"/>
+              <a:t> arXiv:1812.05934, 2018. </a:t>
+            </a:r>
+          </a:p>
+        </p:txBody>
+      </p:sp>
+    </p:spTree>
+    <p:extLst>
+      <p:ext uri="{BB962C8B-B14F-4D97-AF65-F5344CB8AC3E}">
+        <p14:creationId xmlns:p14="http://schemas.microsoft.com/office/powerpoint/2010/main" val="1050113596"/>
+      </p:ext>
+    </p:extLst>
+  </p:cSld>
+  <p:clrMapOvr>
+    <a:masterClrMapping/>
+  </p:clrMapOvr>
+</p:sld>
+</file>
+
+<file path=ppt/slides/slide31.xml><?xml version="1.0" encoding="utf-8"?>
+<p:sld xmlns:a="http://schemas.openxmlformats.org/drawingml/2006/main" xmlns:r="http://schemas.openxmlformats.org/officeDocument/2006/relationships" xmlns:p="http://schemas.openxmlformats.org/presentationml/2006/main">
+  <p:cSld>
+    <p:spTree>
+      <p:nvGrpSpPr>
+        <p:cNvPr id="1" name=""/>
+        <p:cNvGrpSpPr/>
+        <p:nvPr/>
+      </p:nvGrpSpPr>
+      <p:grpSpPr>
+        <a:xfrm>
+          <a:off x="0" y="0"/>
+          <a:ext cx="0" cy="0"/>
+          <a:chOff x="0" y="0"/>
+          <a:chExt cx="0" cy="0"/>
+        </a:xfrm>
+      </p:grpSpPr>
+      <p:sp>
+        <p:nvSpPr>
+          <p:cNvPr id="2" name="Title 1">
+            <a:extLst>
+              <a:ext uri="{FF2B5EF4-FFF2-40B4-BE49-F238E27FC236}">
+                <a16:creationId xmlns:a16="http://schemas.microsoft.com/office/drawing/2014/main" id="{8702FCD4-3209-E8AE-E1E9-E312424B65F3}"/>
+              </a:ext>
+            </a:extLst>
+          </p:cNvPr>
+          <p:cNvSpPr>
+            <a:spLocks noGrp="1"/>
+          </p:cNvSpPr>
+          <p:nvPr>
+            <p:ph type="title"/>
+          </p:nvPr>
+        </p:nvSpPr>
+        <p:spPr/>
+        <p:txBody>
+          <a:bodyPr>
+            <a:normAutofit/>
+          </a:bodyPr>
+          <a:lstStyle/>
+          <a:p>
+            <a:r>
+              <a:rPr lang="vi-VN" dirty="0"/>
+              <a:t>Tài liệu tham khảo</a:t>
+            </a:r>
+            <a:endParaRPr lang="en-US" dirty="0"/>
+          </a:p>
+        </p:txBody>
+      </p:sp>
+      <p:sp>
+        <p:nvSpPr>
+          <p:cNvPr id="4" name="Slide Number Placeholder 3">
+            <a:extLst>
+              <a:ext uri="{FF2B5EF4-FFF2-40B4-BE49-F238E27FC236}">
+                <a16:creationId xmlns:a16="http://schemas.microsoft.com/office/drawing/2014/main" id="{4EAA5658-CA57-8D22-AD11-C48B20FCB3E7}"/>
+              </a:ext>
+            </a:extLst>
+          </p:cNvPr>
+          <p:cNvSpPr>
+            <a:spLocks noGrp="1"/>
+          </p:cNvSpPr>
+          <p:nvPr>
+            <p:ph type="sldNum" sz="quarter" idx="12"/>
+          </p:nvPr>
+        </p:nvSpPr>
+        <p:spPr/>
+        <p:txBody>
+          <a:bodyPr/>
+          <a:lstStyle/>
+          <a:p>
+            <a:fld id="{B487F271-60DF-4592-BB7F-B45BB4441AA9}" type="slidenum">
+              <a:rPr lang="en-US" smtClean="0"/>
+              <a:pPr/>
+              <a:t>31</a:t>
+            </a:fld>
+            <a:endParaRPr lang="en-US"/>
+          </a:p>
+        </p:txBody>
+      </p:sp>
+      <p:sp>
+        <p:nvSpPr>
+          <p:cNvPr id="7" name="Chỗ dành sẵn cho Nội dung 2">
+            <a:extLst>
+              <a:ext uri="{FF2B5EF4-FFF2-40B4-BE49-F238E27FC236}">
+                <a16:creationId xmlns:a16="http://schemas.microsoft.com/office/drawing/2014/main" id="{CDC90EE7-79FC-AC01-CE61-87E3AFF73EC1}"/>
+              </a:ext>
+            </a:extLst>
+          </p:cNvPr>
+          <p:cNvSpPr txBox="1">
+            <a:spLocks/>
+          </p:cNvSpPr>
+          <p:nvPr/>
+        </p:nvSpPr>
+        <p:spPr>
+          <a:xfrm>
+            <a:off x="169946" y="1033296"/>
+            <a:ext cx="8594557" cy="5290319"/>
+          </a:xfrm>
+          <a:prstGeom prst="rect">
+            <a:avLst/>
+          </a:prstGeom>
+        </p:spPr>
+        <p:txBody>
+          <a:bodyPr vert="horz" lIns="91440" tIns="45720" rIns="91440" bIns="45720" rtlCol="0">
+            <a:normAutofit/>
+          </a:bodyPr>
+          <a:lstStyle>
+            <a:lvl1pPr marL="228600" indent="-228600" algn="l" defTabSz="914400" rtl="0" eaLnBrk="1" latinLnBrk="0" hangingPunct="1">
+              <a:lnSpc>
+                <a:spcPct val="90000"/>
+              </a:lnSpc>
+              <a:spcBef>
+                <a:spcPts val="1000"/>
+              </a:spcBef>
+              <a:buFont typeface="Arial" panose="020B0604020202020204" pitchFamily="34" charset="0"/>
+              <a:buChar char="•"/>
+              <a:defRPr sz="2800" kern="1200">
+                <a:solidFill>
+                  <a:schemeClr val="tx1"/>
+                </a:solidFill>
+                <a:latin typeface="Arial" panose="020B0604020202020204" pitchFamily="34" charset="0"/>
+                <a:ea typeface="+mn-ea"/>
+                <a:cs typeface="Arial" panose="020B0604020202020204" pitchFamily="34" charset="0"/>
+              </a:defRPr>
+            </a:lvl1pPr>
+            <a:lvl2pPr marL="685800" indent="-228600" algn="l" defTabSz="914400" rtl="0" eaLnBrk="1" latinLnBrk="0" hangingPunct="1">
+              <a:lnSpc>
+                <a:spcPct val="90000"/>
+              </a:lnSpc>
+              <a:spcBef>
+                <a:spcPts val="500"/>
+              </a:spcBef>
+              <a:buFont typeface="Arial" panose="020B0604020202020204" pitchFamily="34" charset="0"/>
+              <a:buChar char="•"/>
+              <a:defRPr sz="2400" kern="1200">
+                <a:solidFill>
+                  <a:schemeClr val="tx1"/>
+                </a:solidFill>
+                <a:latin typeface="Arial" panose="020B0604020202020204" pitchFamily="34" charset="0"/>
+                <a:ea typeface="+mn-ea"/>
+                <a:cs typeface="Arial" panose="020B0604020202020204" pitchFamily="34" charset="0"/>
+              </a:defRPr>
+            </a:lvl2pPr>
+            <a:lvl3pPr marL="1143000" indent="-228600" algn="l" defTabSz="914400" rtl="0" eaLnBrk="1" latinLnBrk="0" hangingPunct="1">
+              <a:lnSpc>
+                <a:spcPct val="90000"/>
+              </a:lnSpc>
+              <a:spcBef>
+                <a:spcPts val="500"/>
+              </a:spcBef>
+              <a:buFont typeface="Arial" panose="020B0604020202020204" pitchFamily="34" charset="0"/>
+              <a:buChar char="•"/>
+              <a:defRPr sz="2000" kern="1200">
+                <a:solidFill>
+                  <a:schemeClr val="tx1"/>
+                </a:solidFill>
+                <a:latin typeface="Arial" panose="020B0604020202020204" pitchFamily="34" charset="0"/>
+                <a:ea typeface="+mn-ea"/>
+                <a:cs typeface="Arial" panose="020B0604020202020204" pitchFamily="34" charset="0"/>
+              </a:defRPr>
+            </a:lvl3pPr>
+            <a:lvl4pPr marL="1600200" indent="-228600" algn="l" defTabSz="914400" rtl="0" eaLnBrk="1" latinLnBrk="0" hangingPunct="1">
+              <a:lnSpc>
+                <a:spcPct val="90000"/>
+              </a:lnSpc>
+              <a:spcBef>
+                <a:spcPts val="500"/>
+              </a:spcBef>
+              <a:buFont typeface="Arial" panose="020B0604020202020204" pitchFamily="34" charset="0"/>
+              <a:buChar char="•"/>
+              <a:defRPr sz="1800" kern="1200">
+                <a:solidFill>
+                  <a:schemeClr val="tx1"/>
+                </a:solidFill>
+                <a:latin typeface="Arial" panose="020B0604020202020204" pitchFamily="34" charset="0"/>
+                <a:ea typeface="+mn-ea"/>
+                <a:cs typeface="Arial" panose="020B0604020202020204" pitchFamily="34" charset="0"/>
+              </a:defRPr>
+            </a:lvl4pPr>
+            <a:lvl5pPr marL="2057400" indent="-228600" algn="l" defTabSz="914400" rtl="0" eaLnBrk="1" latinLnBrk="0" hangingPunct="1">
+              <a:lnSpc>
+                <a:spcPct val="90000"/>
+              </a:lnSpc>
+              <a:spcBef>
+                <a:spcPts val="500"/>
+              </a:spcBef>
+              <a:buFont typeface="Arial" panose="020B0604020202020204" pitchFamily="34" charset="0"/>
+              <a:buChar char="•"/>
+              <a:defRPr sz="1800" kern="1200">
+                <a:solidFill>
+                  <a:schemeClr val="tx1"/>
+                </a:solidFill>
+                <a:latin typeface="Arial" panose="020B0604020202020204" pitchFamily="34" charset="0"/>
+                <a:ea typeface="+mn-ea"/>
+                <a:cs typeface="Arial" panose="020B0604020202020204" pitchFamily="34" charset="0"/>
+              </a:defRPr>
+            </a:lvl5pPr>
+            <a:lvl6pPr marL="2514600" indent="-228600" algn="l" defTabSz="914400" rtl="0" eaLnBrk="1" latinLnBrk="0" hangingPunct="1">
+              <a:lnSpc>
+                <a:spcPct val="90000"/>
+              </a:lnSpc>
+              <a:spcBef>
+                <a:spcPts val="500"/>
+              </a:spcBef>
+              <a:buFont typeface="Arial" panose="020B0604020202020204" pitchFamily="34" charset="0"/>
+              <a:buChar char="•"/>
+              <a:defRPr sz="1800" kern="1200">
+                <a:solidFill>
+                  <a:schemeClr val="tx1"/>
+                </a:solidFill>
+                <a:latin typeface="+mn-lt"/>
+                <a:ea typeface="+mn-ea"/>
+                <a:cs typeface="+mn-cs"/>
+              </a:defRPr>
+            </a:lvl6pPr>
+            <a:lvl7pPr marL="2971800" indent="-228600" algn="l" defTabSz="914400" rtl="0" eaLnBrk="1" latinLnBrk="0" hangingPunct="1">
+              <a:lnSpc>
+                <a:spcPct val="90000"/>
+              </a:lnSpc>
+              <a:spcBef>
+                <a:spcPts val="500"/>
+              </a:spcBef>
+              <a:buFont typeface="Arial" panose="020B0604020202020204" pitchFamily="34" charset="0"/>
+              <a:buChar char="•"/>
+              <a:defRPr sz="1800" kern="1200">
+                <a:solidFill>
+                  <a:schemeClr val="tx1"/>
+                </a:solidFill>
+                <a:latin typeface="+mn-lt"/>
+                <a:ea typeface="+mn-ea"/>
+                <a:cs typeface="+mn-cs"/>
+              </a:defRPr>
+            </a:lvl7pPr>
+            <a:lvl8pPr marL="3429000" indent="-228600" algn="l" defTabSz="914400" rtl="0" eaLnBrk="1" latinLnBrk="0" hangingPunct="1">
+              <a:lnSpc>
+                <a:spcPct val="90000"/>
+              </a:lnSpc>
+              <a:spcBef>
+                <a:spcPts val="500"/>
+              </a:spcBef>
+              <a:buFont typeface="Arial" panose="020B0604020202020204" pitchFamily="34" charset="0"/>
+              <a:buChar char="•"/>
+              <a:defRPr sz="1800" kern="1200">
+                <a:solidFill>
+                  <a:schemeClr val="tx1"/>
+                </a:solidFill>
+                <a:latin typeface="+mn-lt"/>
+                <a:ea typeface="+mn-ea"/>
+                <a:cs typeface="+mn-cs"/>
+              </a:defRPr>
+            </a:lvl8pPr>
+            <a:lvl9pPr marL="3886200" indent="-228600" algn="l" defTabSz="914400" rtl="0" eaLnBrk="1" latinLnBrk="0" hangingPunct="1">
+              <a:lnSpc>
+                <a:spcPct val="90000"/>
+              </a:lnSpc>
+              <a:spcBef>
+                <a:spcPts val="500"/>
+              </a:spcBef>
+              <a:buFont typeface="Arial" panose="020B0604020202020204" pitchFamily="34" charset="0"/>
+              <a:buChar char="•"/>
+              <a:defRPr sz="1800" kern="1200">
+                <a:solidFill>
+                  <a:schemeClr val="tx1"/>
+                </a:solidFill>
+                <a:latin typeface="+mn-lt"/>
+                <a:ea typeface="+mn-ea"/>
+                <a:cs typeface="+mn-cs"/>
+              </a:defRPr>
+            </a:lvl9pPr>
+          </a:lstStyle>
+          <a:p>
+            <a:pPr marL="0" indent="0">
+              <a:buFont typeface="Arial" panose="020B0604020202020204" pitchFamily="34" charset="0"/>
+              <a:buNone/>
+            </a:pPr>
+            <a:endParaRPr lang="en-US" dirty="0"/>
+          </a:p>
+        </p:txBody>
+      </p:sp>
+      <p:sp>
+        <p:nvSpPr>
+          <p:cNvPr id="3" name="TextBox 2">
+            <a:extLst>
+              <a:ext uri="{FF2B5EF4-FFF2-40B4-BE49-F238E27FC236}">
+                <a16:creationId xmlns:a16="http://schemas.microsoft.com/office/drawing/2014/main" id="{F2531948-1AAC-6D40-6EB8-7ACF3C8509E2}"/>
+              </a:ext>
+            </a:extLst>
+          </p:cNvPr>
+          <p:cNvSpPr txBox="1"/>
+          <p:nvPr/>
+        </p:nvSpPr>
+        <p:spPr>
+          <a:xfrm>
+            <a:off x="80503" y="1139298"/>
+            <a:ext cx="8893551" cy="5078313"/>
+          </a:xfrm>
+          <a:prstGeom prst="rect">
+            <a:avLst/>
+          </a:prstGeom>
+          <a:noFill/>
+        </p:spPr>
+        <p:txBody>
+          <a:bodyPr wrap="square" rtlCol="0">
+            <a:spAutoFit/>
+          </a:bodyPr>
+          <a:lstStyle/>
+          <a:p>
+            <a:r>
+              <a:rPr lang="vi-VN" dirty="0"/>
               <a:t>[21] P. </a:t>
             </a:r>
             <a:r>
-              <a:rPr lang="vi-VN" sz="1200" dirty="0" err="1"/>
+              <a:rPr lang="vi-VN" dirty="0" err="1"/>
               <a:t>Praitheeshan</a:t>
             </a:r>
             <a:r>
-              <a:rPr lang="vi-VN" sz="1200" dirty="0"/>
+              <a:rPr lang="vi-VN" dirty="0"/>
               <a:t>, L. </a:t>
             </a:r>
             <a:r>
-              <a:rPr lang="vi-VN" sz="1200" dirty="0" err="1"/>
+              <a:rPr lang="vi-VN" dirty="0" err="1"/>
               <a:t>Pan</a:t>
             </a:r>
             <a:r>
-              <a:rPr lang="vi-VN" sz="1200" dirty="0"/>
+              <a:rPr lang="vi-VN" dirty="0"/>
               <a:t>, J. </a:t>
             </a:r>
             <a:r>
-              <a:rPr lang="vi-VN" sz="1200" dirty="0" err="1"/>
+              <a:rPr lang="vi-VN" dirty="0" err="1"/>
               <a:t>Yu</a:t>
             </a:r>
             <a:r>
-              <a:rPr lang="vi-VN" sz="1200" dirty="0"/>
+              <a:rPr lang="vi-VN" dirty="0"/>
               <a:t>, J. Liu, </a:t>
             </a:r>
             <a:r>
-              <a:rPr lang="vi-VN" sz="1200" dirty="0" err="1"/>
+              <a:rPr lang="vi-VN" dirty="0" err="1"/>
               <a:t>and</a:t>
             </a:r>
             <a:r>
-              <a:rPr lang="vi-VN" sz="1200" dirty="0"/>
+              <a:rPr lang="vi-VN" dirty="0"/>
               <a:t> R. </a:t>
             </a:r>
             <a:r>
-              <a:rPr lang="vi-VN" sz="1200" dirty="0" err="1"/>
+              <a:rPr lang="vi-VN" dirty="0" err="1"/>
               <a:t>Doss</a:t>
             </a:r>
             <a:r>
-              <a:rPr lang="vi-VN" sz="1200" dirty="0"/>
+              <a:rPr lang="vi-VN" dirty="0"/>
               <a:t>, “</a:t>
             </a:r>
             <a:r>
-              <a:rPr lang="vi-VN" sz="1200" dirty="0" err="1"/>
+              <a:rPr lang="vi-VN" dirty="0" err="1"/>
               <a:t>Security</a:t>
             </a:r>
             <a:r>
-              <a:rPr lang="vi-VN" sz="1200" dirty="0"/>
-              <a:t> </a:t>
-            </a:r>
-            <a:r>
-              <a:rPr lang="vi-VN" sz="1200" dirty="0" err="1"/>
+              <a:rPr lang="vi-VN" dirty="0"/>
+              <a:t> </a:t>
+            </a:r>
+            <a:r>
+              <a:rPr lang="vi-VN" dirty="0" err="1"/>
               <a:t>analysis</a:t>
             </a:r>
             <a:r>
-              <a:rPr lang="vi-VN" sz="1200" dirty="0"/>
-              <a:t> </a:t>
-            </a:r>
-            <a:r>
-              <a:rPr lang="vi-VN" sz="1200" dirty="0" err="1"/>
+              <a:rPr lang="vi-VN" dirty="0"/>
+              <a:t> </a:t>
+            </a:r>
+            <a:r>
+              <a:rPr lang="vi-VN" dirty="0" err="1"/>
               <a:t>methods</a:t>
             </a:r>
             <a:r>
-              <a:rPr lang="vi-VN" sz="1200" dirty="0"/>
-              <a:t> </a:t>
-            </a:r>
-            <a:r>
-              <a:rPr lang="vi-VN" sz="1200" dirty="0" err="1"/>
+              <a:rPr lang="vi-VN" dirty="0"/>
+              <a:t> </a:t>
+            </a:r>
+            <a:r>
+              <a:rPr lang="vi-VN" dirty="0" err="1"/>
               <a:t>on</a:t>
             </a:r>
             <a:r>
-              <a:rPr lang="vi-VN" sz="1200" dirty="0"/>
-              <a:t> </a:t>
-            </a:r>
-            <a:r>
-              <a:rPr lang="vi-VN" sz="1200" dirty="0" err="1"/>
+              <a:rPr lang="vi-VN" dirty="0"/>
+              <a:t> </a:t>
+            </a:r>
+            <a:r>
+              <a:rPr lang="vi-VN" dirty="0" err="1"/>
               <a:t>ethereum</a:t>
             </a:r>
             <a:r>
-              <a:rPr lang="vi-VN" sz="1200" dirty="0"/>
-              <a:t> </a:t>
-            </a:r>
-            <a:r>
-              <a:rPr lang="vi-VN" sz="1200" dirty="0" err="1"/>
+              <a:rPr lang="vi-VN" dirty="0"/>
+              <a:t> </a:t>
+            </a:r>
+            <a:r>
+              <a:rPr lang="vi-VN" dirty="0" err="1"/>
               <a:t>smart</a:t>
             </a:r>
             <a:r>
-              <a:rPr lang="vi-VN" sz="1200" dirty="0"/>
-              <a:t> </a:t>
-            </a:r>
-            <a:r>
-              <a:rPr lang="vi-VN" sz="1200" dirty="0" err="1"/>
+              <a:rPr lang="vi-VN" dirty="0"/>
+              <a:t> </a:t>
+            </a:r>
+            <a:r>
+              <a:rPr lang="vi-VN" dirty="0" err="1"/>
               <a:t>contract</a:t>
             </a:r>
             <a:r>
-              <a:rPr lang="vi-VN" sz="1200" dirty="0"/>
-              <a:t> </a:t>
-            </a:r>
-            <a:r>
-              <a:rPr lang="vi-VN" sz="1200" dirty="0" err="1"/>
+              <a:rPr lang="vi-VN" dirty="0"/>
+              <a:t> </a:t>
+            </a:r>
+            <a:r>
+              <a:rPr lang="vi-VN" dirty="0" err="1"/>
               <a:t>vulnerabilities</a:t>
             </a:r>
             <a:r>
-              <a:rPr lang="vi-VN" sz="1200" dirty="0"/>
+              <a:rPr lang="vi-VN" dirty="0"/>
               <a:t>: a </a:t>
             </a:r>
             <a:r>
-              <a:rPr lang="vi-VN" sz="1200" dirty="0" err="1"/>
+              <a:rPr lang="vi-VN" dirty="0" err="1"/>
               <a:t>survey</a:t>
             </a:r>
             <a:r>
-              <a:rPr lang="vi-VN" sz="1200" dirty="0"/>
+              <a:rPr lang="vi-VN" dirty="0"/>
               <a:t>,” </a:t>
             </a:r>
             <a:r>
-              <a:rPr lang="vi-VN" sz="1200" dirty="0" err="1"/>
+              <a:rPr lang="vi-VN" dirty="0" err="1"/>
               <a:t>arXiv</a:t>
             </a:r>
             <a:r>
-              <a:rPr lang="vi-VN" sz="1200" dirty="0"/>
-              <a:t> </a:t>
-            </a:r>
-            <a:r>
-              <a:rPr lang="vi-VN" sz="1200" dirty="0" err="1"/>
+              <a:rPr lang="vi-VN" dirty="0"/>
+              <a:t> </a:t>
+            </a:r>
+            <a:r>
+              <a:rPr lang="vi-VN" dirty="0" err="1"/>
               <a:t>preprint</a:t>
             </a:r>
             <a:r>
-              <a:rPr lang="vi-VN" sz="1200" dirty="0"/>
+              <a:rPr lang="vi-VN" dirty="0"/>
               <a:t> arXiv:1908.08605, 2019. </a:t>
             </a:r>
           </a:p>
           <a:p>
             <a:r>
-              <a:rPr lang="vi-VN" sz="1200" dirty="0"/>
+              <a:rPr lang="vi-VN" dirty="0"/>
               <a:t>[22] S. S. </a:t>
             </a:r>
             <a:r>
-              <a:rPr lang="vi-VN" sz="1200" dirty="0" err="1"/>
+              <a:rPr lang="vi-VN" dirty="0" err="1"/>
               <a:t>Kushwaha</a:t>
             </a:r>
             <a:r>
-              <a:rPr lang="vi-VN" sz="1200" dirty="0"/>
+              <a:rPr lang="vi-VN" dirty="0"/>
               <a:t>, S. </a:t>
             </a:r>
             <a:r>
-              <a:rPr lang="vi-VN" sz="1200" dirty="0" err="1"/>
+              <a:rPr lang="vi-VN" dirty="0" err="1"/>
               <a:t>Joshi</a:t>
             </a:r>
             <a:r>
-              <a:rPr lang="vi-VN" sz="1200" dirty="0"/>
+              <a:rPr lang="vi-VN" dirty="0"/>
               <a:t>, D. </a:t>
             </a:r>
             <a:r>
-              <a:rPr lang="vi-VN" sz="1200" dirty="0" err="1"/>
+              <a:rPr lang="vi-VN" dirty="0" err="1"/>
               <a:t>Singh</a:t>
             </a:r>
             <a:r>
-              <a:rPr lang="vi-VN" sz="1200" dirty="0"/>
+              <a:rPr lang="vi-VN" dirty="0"/>
               <a:t>, M. </a:t>
             </a:r>
             <a:r>
-              <a:rPr lang="vi-VN" sz="1200" dirty="0" err="1"/>
+              <a:rPr lang="vi-VN" dirty="0" err="1"/>
               <a:t>Kaur</a:t>
             </a:r>
             <a:r>
-              <a:rPr lang="vi-VN" sz="1200" dirty="0"/>
+              <a:rPr lang="vi-VN" dirty="0"/>
               <a:t>, </a:t>
             </a:r>
             <a:r>
-              <a:rPr lang="vi-VN" sz="1200" dirty="0" err="1"/>
+              <a:rPr lang="vi-VN" dirty="0" err="1"/>
               <a:t>and</a:t>
             </a:r>
             <a:r>
-              <a:rPr lang="vi-VN" sz="1200" dirty="0"/>
+              <a:rPr lang="vi-VN" dirty="0"/>
               <a:t> H.-N. </a:t>
             </a:r>
             <a:r>
-              <a:rPr lang="vi-VN" sz="1200" dirty="0" err="1"/>
+              <a:rPr lang="vi-VN" dirty="0" err="1"/>
               <a:t>Lee</a:t>
             </a:r>
             <a:r>
-              <a:rPr lang="vi-VN" sz="1200" dirty="0"/>
+              <a:rPr lang="vi-VN" dirty="0"/>
               <a:t>, “</a:t>
             </a:r>
             <a:r>
-              <a:rPr lang="vi-VN" sz="1200" dirty="0" err="1"/>
+              <a:rPr lang="vi-VN" dirty="0" err="1"/>
               <a:t>Systematic</a:t>
             </a:r>
             <a:r>
-              <a:rPr lang="vi-VN" sz="1200" dirty="0"/>
-              <a:t> </a:t>
-            </a:r>
-            <a:r>
-              <a:rPr lang="vi-VN" sz="1200" dirty="0" err="1"/>
+              <a:rPr lang="vi-VN" dirty="0"/>
+              <a:t> </a:t>
+            </a:r>
+            <a:r>
+              <a:rPr lang="vi-VN" dirty="0" err="1"/>
               <a:t>review</a:t>
             </a:r>
             <a:r>
-              <a:rPr lang="vi-VN" sz="1200" dirty="0"/>
-              <a:t> </a:t>
-            </a:r>
-            <a:r>
-              <a:rPr lang="vi-VN" sz="1200" dirty="0" err="1"/>
+              <a:rPr lang="vi-VN" dirty="0"/>
+              <a:t> </a:t>
+            </a:r>
+            <a:r>
+              <a:rPr lang="vi-VN" dirty="0" err="1"/>
               <a:t>of</a:t>
             </a:r>
             <a:r>
-              <a:rPr lang="vi-VN" sz="1200" dirty="0"/>
-              <a:t> </a:t>
-            </a:r>
-            <a:r>
-              <a:rPr lang="vi-VN" sz="1200" dirty="0" err="1"/>
+              <a:rPr lang="vi-VN" dirty="0"/>
+              <a:t> </a:t>
+            </a:r>
+            <a:r>
+              <a:rPr lang="vi-VN" dirty="0" err="1"/>
               <a:t>security</a:t>
             </a:r>
             <a:r>
-              <a:rPr lang="vi-VN" sz="1200" dirty="0"/>
-              <a:t> </a:t>
-            </a:r>
-            <a:r>
-              <a:rPr lang="vi-VN" sz="1200" dirty="0" err="1"/>
+              <a:rPr lang="vi-VN" dirty="0"/>
+              <a:t> </a:t>
+            </a:r>
+            <a:r>
+              <a:rPr lang="vi-VN" dirty="0" err="1"/>
               <a:t>vulnerabilities</a:t>
             </a:r>
             <a:r>
-              <a:rPr lang="vi-VN" sz="1200" dirty="0"/>
+              <a:rPr lang="vi-VN" dirty="0"/>
               <a:t> in </a:t>
             </a:r>
             <a:r>
-              <a:rPr lang="vi-VN" sz="1200" dirty="0" err="1"/>
+              <a:rPr lang="vi-VN" dirty="0" err="1"/>
               <a:t>ethereum</a:t>
             </a:r>
             <a:r>
-              <a:rPr lang="vi-VN" sz="1200" dirty="0"/>
-              <a:t> </a:t>
-            </a:r>
-            <a:r>
-              <a:rPr lang="vi-VN" sz="1200" dirty="0" err="1"/>
+              <a:rPr lang="vi-VN" dirty="0"/>
+              <a:t> </a:t>
+            </a:r>
+            <a:r>
+              <a:rPr lang="vi-VN" dirty="0" err="1"/>
               <a:t>blockchain</a:t>
             </a:r>
             <a:r>
-              <a:rPr lang="vi-VN" sz="1200" dirty="0"/>
-              <a:t> </a:t>
-            </a:r>
-            <a:r>
-              <a:rPr lang="vi-VN" sz="1200" dirty="0" err="1"/>
+              <a:rPr lang="vi-VN" dirty="0"/>
+              <a:t> </a:t>
+            </a:r>
+            <a:r>
+              <a:rPr lang="vi-VN" dirty="0" err="1"/>
               <a:t>smart</a:t>
             </a:r>
             <a:r>
-              <a:rPr lang="vi-VN" sz="1200" dirty="0"/>
-              <a:t> </a:t>
-            </a:r>
-            <a:r>
-              <a:rPr lang="vi-VN" sz="1200" dirty="0" err="1"/>
+              <a:rPr lang="vi-VN" dirty="0"/>
+              <a:t> </a:t>
+            </a:r>
+            <a:r>
+              <a:rPr lang="vi-VN" dirty="0" err="1"/>
               <a:t>contract</a:t>
             </a:r>
             <a:r>
-              <a:rPr lang="vi-VN" sz="1200" dirty="0"/>
+              <a:rPr lang="vi-VN" dirty="0"/>
               <a:t>,” IEEE Access, </a:t>
             </a:r>
             <a:r>
-              <a:rPr lang="vi-VN" sz="1200" dirty="0" err="1"/>
+              <a:rPr lang="vi-VN" dirty="0" err="1"/>
               <a:t>vol</a:t>
             </a:r>
             <a:r>
-              <a:rPr lang="vi-VN" sz="1200" dirty="0"/>
+              <a:rPr lang="vi-VN" dirty="0"/>
               <a:t>. 10, </a:t>
             </a:r>
             <a:r>
-              <a:rPr lang="vi-VN" sz="1200" dirty="0" err="1"/>
+              <a:rPr lang="vi-VN" dirty="0" err="1"/>
               <a:t>pp</a:t>
             </a:r>
             <a:r>
-              <a:rPr lang="vi-VN" sz="1200" dirty="0"/>
+              <a:rPr lang="vi-VN" dirty="0"/>
               <a:t>. 6605–6621, 2022. </a:t>
             </a:r>
           </a:p>
           <a:p>
             <a:r>
-              <a:rPr lang="vi-VN" sz="1200" dirty="0"/>
+              <a:rPr lang="vi-VN" dirty="0"/>
               <a:t>[23] J.-W. </a:t>
             </a:r>
             <a:r>
-              <a:rPr lang="vi-VN" sz="1200" dirty="0" err="1"/>
+              <a:rPr lang="vi-VN" dirty="0" err="1"/>
               <a:t>Liao</a:t>
             </a:r>
             <a:r>
-              <a:rPr lang="vi-VN" sz="1200" dirty="0"/>
+              <a:rPr lang="vi-VN" dirty="0"/>
               <a:t>, T.-T. </a:t>
             </a:r>
             <a:r>
-              <a:rPr lang="vi-VN" sz="1200" dirty="0" err="1"/>
+              <a:rPr lang="vi-VN" dirty="0" err="1"/>
               <a:t>Tsai</a:t>
             </a:r>
             <a:r>
-              <a:rPr lang="vi-VN" sz="1200" dirty="0"/>
+              <a:rPr lang="vi-VN" dirty="0"/>
               <a:t>, C.-K. He, </a:t>
             </a:r>
             <a:r>
-              <a:rPr lang="vi-VN" sz="1200" dirty="0" err="1"/>
+              <a:rPr lang="vi-VN" dirty="0" err="1"/>
               <a:t>and</a:t>
             </a:r>
             <a:r>
-              <a:rPr lang="vi-VN" sz="1200" dirty="0"/>
+              <a:rPr lang="vi-VN" dirty="0"/>
               <a:t> C.-W. </a:t>
             </a:r>
             <a:r>
-              <a:rPr lang="vi-VN" sz="1200" dirty="0" err="1"/>
+              <a:rPr lang="vi-VN" dirty="0" err="1"/>
               <a:t>Tien</a:t>
             </a:r>
             <a:r>
-              <a:rPr lang="vi-VN" sz="1200" dirty="0"/>
+              <a:rPr lang="vi-VN" dirty="0"/>
               <a:t>, “</a:t>
             </a:r>
             <a:r>
-              <a:rPr lang="vi-VN" sz="1200" dirty="0" err="1"/>
+              <a:rPr lang="vi-VN" dirty="0" err="1"/>
               <a:t>Soliaudit</a:t>
             </a:r>
             <a:r>
-              <a:rPr lang="vi-VN" sz="1200" dirty="0"/>
+              <a:rPr lang="vi-VN" dirty="0"/>
               <a:t>: </a:t>
             </a:r>
             <a:r>
-              <a:rPr lang="vi-VN" sz="1200" dirty="0" err="1"/>
+              <a:rPr lang="vi-VN" dirty="0" err="1"/>
               <a:t>Smart</a:t>
             </a:r>
             <a:r>
-              <a:rPr lang="vi-VN" sz="1200" dirty="0"/>
-              <a:t> </a:t>
-            </a:r>
-            <a:r>
-              <a:rPr lang="vi-VN" sz="1200" dirty="0" err="1"/>
+              <a:rPr lang="vi-VN" dirty="0"/>
+              <a:t> </a:t>
+            </a:r>
+            <a:r>
+              <a:rPr lang="vi-VN" dirty="0" err="1"/>
               <a:t>contract</a:t>
             </a:r>
             <a:r>
-              <a:rPr lang="vi-VN" sz="1200" dirty="0"/>
-              <a:t> </a:t>
-            </a:r>
-            <a:r>
-              <a:rPr lang="vi-VN" sz="1200" dirty="0" err="1"/>
+              <a:rPr lang="vi-VN" dirty="0"/>
+              <a:t> </a:t>
+            </a:r>
+            <a:r>
+              <a:rPr lang="vi-VN" dirty="0" err="1"/>
               <a:t>vulnerability</a:t>
             </a:r>
             <a:r>
-              <a:rPr lang="vi-VN" sz="1200" dirty="0"/>
-              <a:t> </a:t>
-            </a:r>
-            <a:r>
-              <a:rPr lang="vi-VN" sz="1200" dirty="0" err="1"/>
+              <a:rPr lang="vi-VN" dirty="0"/>
+              <a:t> </a:t>
+            </a:r>
+            <a:r>
+              <a:rPr lang="vi-VN" dirty="0" err="1"/>
               <a:t>assessment</a:t>
             </a:r>
             <a:r>
-              <a:rPr lang="vi-VN" sz="1200" dirty="0"/>
-              <a:t> </a:t>
-            </a:r>
-            <a:r>
-              <a:rPr lang="vi-VN" sz="1200" dirty="0" err="1"/>
+              <a:rPr lang="vi-VN" dirty="0"/>
+              <a:t> </a:t>
+            </a:r>
+            <a:r>
+              <a:rPr lang="vi-VN" dirty="0" err="1"/>
               <a:t>based</a:t>
             </a:r>
             <a:r>
-              <a:rPr lang="vi-VN" sz="1200" dirty="0"/>
-              <a:t> </a:t>
-            </a:r>
-            <a:r>
-              <a:rPr lang="vi-VN" sz="1200" dirty="0" err="1"/>
+              <a:rPr lang="vi-VN" dirty="0"/>
+              <a:t> </a:t>
+            </a:r>
+            <a:r>
+              <a:rPr lang="vi-VN" dirty="0" err="1"/>
               <a:t>on</a:t>
             </a:r>
             <a:r>
-              <a:rPr lang="vi-VN" sz="1200" dirty="0"/>
-              <a:t> </a:t>
-            </a:r>
-            <a:r>
-              <a:rPr lang="vi-VN" sz="1200" dirty="0" err="1"/>
+              <a:rPr lang="vi-VN" dirty="0"/>
+              <a:t> </a:t>
+            </a:r>
+            <a:r>
+              <a:rPr lang="vi-VN" dirty="0" err="1"/>
               <a:t>machine</a:t>
             </a:r>
             <a:r>
-              <a:rPr lang="vi-VN" sz="1200" dirty="0"/>
-              <a:t> </a:t>
-            </a:r>
-            <a:r>
-              <a:rPr lang="vi-VN" sz="1200" dirty="0" err="1"/>
+              <a:rPr lang="vi-VN" dirty="0"/>
+              <a:t> </a:t>
+            </a:r>
+            <a:r>
+              <a:rPr lang="vi-VN" dirty="0" err="1"/>
               <a:t>learning</a:t>
             </a:r>
             <a:r>
-              <a:rPr lang="vi-VN" sz="1200" dirty="0"/>
-              <a:t> </a:t>
-            </a:r>
-            <a:r>
-              <a:rPr lang="vi-VN" sz="1200" dirty="0" err="1"/>
+              <a:rPr lang="vi-VN" dirty="0"/>
+              <a:t> </a:t>
+            </a:r>
+            <a:r>
+              <a:rPr lang="vi-VN" dirty="0" err="1"/>
               <a:t>and</a:t>
             </a:r>
             <a:r>
-              <a:rPr lang="vi-VN" sz="1200" dirty="0"/>
-              <a:t> </a:t>
-            </a:r>
-            <a:r>
-              <a:rPr lang="vi-VN" sz="1200" dirty="0" err="1"/>
+              <a:rPr lang="vi-VN" dirty="0"/>
+              <a:t> </a:t>
+            </a:r>
+            <a:r>
+              <a:rPr lang="vi-VN" dirty="0" err="1"/>
               <a:t>fuzz</a:t>
             </a:r>
             <a:r>
-              <a:rPr lang="vi-VN" sz="1200" dirty="0"/>
-              <a:t> </a:t>
-            </a:r>
-            <a:r>
-              <a:rPr lang="vi-VN" sz="1200" dirty="0" err="1"/>
+              <a:rPr lang="vi-VN" dirty="0"/>
+              <a:t> </a:t>
+            </a:r>
+            <a:r>
+              <a:rPr lang="vi-VN" dirty="0" err="1"/>
               <a:t>testing</a:t>
             </a:r>
             <a:r>
-              <a:rPr lang="vi-VN" sz="1200" dirty="0"/>
+              <a:rPr lang="vi-VN" dirty="0"/>
               <a:t>,” in 2019 </a:t>
             </a:r>
             <a:r>
-              <a:rPr lang="vi-VN" sz="1200" dirty="0" err="1"/>
+              <a:rPr lang="vi-VN" dirty="0" err="1"/>
               <a:t>Sixth</a:t>
             </a:r>
             <a:r>
-              <a:rPr lang="vi-VN" sz="1200" dirty="0"/>
-              <a:t> </a:t>
-            </a:r>
-            <a:r>
-              <a:rPr lang="vi-VN" sz="1200" dirty="0" err="1"/>
+              <a:rPr lang="vi-VN" dirty="0"/>
+              <a:t> </a:t>
+            </a:r>
+            <a:r>
+              <a:rPr lang="vi-VN" dirty="0" err="1"/>
               <a:t>International</a:t>
             </a:r>
             <a:r>
-              <a:rPr lang="vi-VN" sz="1200" dirty="0"/>
-              <a:t> </a:t>
-            </a:r>
-            <a:r>
-              <a:rPr lang="vi-VN" sz="1200" dirty="0" err="1"/>
+              <a:rPr lang="vi-VN" dirty="0"/>
+              <a:t> </a:t>
+            </a:r>
+            <a:r>
+              <a:rPr lang="vi-VN" dirty="0" err="1"/>
               <a:t>Conference</a:t>
             </a:r>
             <a:r>
-              <a:rPr lang="vi-VN" sz="1200" dirty="0"/>
-              <a:t> </a:t>
-            </a:r>
-            <a:r>
-              <a:rPr lang="vi-VN" sz="1200" dirty="0" err="1"/>
+              <a:rPr lang="vi-VN" dirty="0"/>
+              <a:t> </a:t>
+            </a:r>
+            <a:r>
+              <a:rPr lang="vi-VN" dirty="0" err="1"/>
               <a:t>on</a:t>
             </a:r>
             <a:r>
-              <a:rPr lang="vi-VN" sz="1200" dirty="0"/>
-              <a:t> </a:t>
-            </a:r>
-            <a:r>
-              <a:rPr lang="vi-VN" sz="1200" dirty="0" err="1"/>
+              <a:rPr lang="vi-VN" dirty="0"/>
+              <a:t> </a:t>
+            </a:r>
+            <a:r>
+              <a:rPr lang="vi-VN" dirty="0" err="1"/>
               <a:t>Internet</a:t>
             </a:r>
             <a:r>
-              <a:rPr lang="vi-VN" sz="1200" dirty="0"/>
-              <a:t> </a:t>
-            </a:r>
-            <a:r>
-              <a:rPr lang="vi-VN" sz="1200" dirty="0" err="1"/>
+              <a:rPr lang="vi-VN" dirty="0"/>
+              <a:t> </a:t>
+            </a:r>
+            <a:r>
+              <a:rPr lang="vi-VN" dirty="0" err="1"/>
               <a:t>of</a:t>
             </a:r>
             <a:r>
-              <a:rPr lang="vi-VN" sz="1200" dirty="0"/>
-              <a:t> </a:t>
-            </a:r>
-            <a:r>
-              <a:rPr lang="vi-VN" sz="1200" dirty="0" err="1"/>
+              <a:rPr lang="vi-VN" dirty="0"/>
+              <a:t> </a:t>
+            </a:r>
+            <a:r>
+              <a:rPr lang="vi-VN" dirty="0" err="1"/>
               <a:t>Things</a:t>
             </a:r>
             <a:r>
-              <a:rPr lang="vi-VN" sz="1200" dirty="0"/>
+              <a:rPr lang="vi-VN" dirty="0"/>
               <a:t>: </a:t>
             </a:r>
             <a:r>
-              <a:rPr lang="vi-VN" sz="1200" dirty="0" err="1"/>
+              <a:rPr lang="vi-VN" dirty="0" err="1"/>
               <a:t>Systems</a:t>
             </a:r>
             <a:r>
-              <a:rPr lang="vi-VN" sz="1200" dirty="0"/>
+              <a:rPr lang="vi-VN" dirty="0"/>
               <a:t>, </a:t>
             </a:r>
             <a:r>
-              <a:rPr lang="vi-VN" sz="1200" dirty="0" err="1"/>
+              <a:rPr lang="vi-VN" dirty="0" err="1"/>
               <a:t>Management</a:t>
             </a:r>
             <a:r>
-              <a:rPr lang="vi-VN" sz="1200" dirty="0"/>
-              <a:t> </a:t>
-            </a:r>
-            <a:r>
-              <a:rPr lang="vi-VN" sz="1200" dirty="0" err="1"/>
+              <a:rPr lang="vi-VN" dirty="0"/>
+              <a:t> </a:t>
+            </a:r>
+            <a:r>
+              <a:rPr lang="vi-VN" dirty="0" err="1"/>
               <a:t>and</a:t>
             </a:r>
             <a:r>
-              <a:rPr lang="vi-VN" sz="1200" dirty="0"/>
-              <a:t> </a:t>
-            </a:r>
-            <a:r>
-              <a:rPr lang="vi-VN" sz="1200" dirty="0" err="1"/>
+              <a:rPr lang="vi-VN" dirty="0"/>
+              <a:t> </a:t>
+            </a:r>
+            <a:r>
+              <a:rPr lang="vi-VN" dirty="0" err="1"/>
               <a:t>Security</a:t>
             </a:r>
             <a:r>
-              <a:rPr lang="vi-VN" sz="1200" dirty="0"/>
+              <a:rPr lang="vi-VN" dirty="0"/>
               <a:t> (IOTSMS). IEEE, 2019, </a:t>
             </a:r>
             <a:r>
-              <a:rPr lang="vi-VN" sz="1200" dirty="0" err="1"/>
+              <a:rPr lang="vi-VN" dirty="0" err="1"/>
               <a:t>pp</a:t>
             </a:r>
             <a:r>
-              <a:rPr lang="vi-VN" sz="1200" dirty="0"/>
+              <a:rPr lang="vi-VN" dirty="0"/>
               <a:t>. 458–465. </a:t>
             </a:r>
           </a:p>
           <a:p>
             <a:r>
-              <a:rPr lang="vi-VN" sz="1200" dirty="0"/>
+              <a:rPr lang="vi-VN" dirty="0"/>
               <a:t>[24] S. </a:t>
             </a:r>
             <a:r>
-              <a:rPr lang="vi-VN" sz="1200" dirty="0" err="1"/>
+              <a:rPr lang="vi-VN" dirty="0" err="1"/>
               <a:t>Badillo</a:t>
             </a:r>
             <a:r>
-              <a:rPr lang="vi-VN" sz="1200" dirty="0"/>
+              <a:rPr lang="vi-VN" dirty="0"/>
               <a:t>, B. </a:t>
             </a:r>
             <a:r>
-              <a:rPr lang="vi-VN" sz="1200" dirty="0" err="1"/>
+              <a:rPr lang="vi-VN" dirty="0" err="1"/>
               <a:t>Banfai</a:t>
             </a:r>
             <a:r>
-              <a:rPr lang="vi-VN" sz="1200" dirty="0"/>
+              <a:rPr lang="vi-VN" dirty="0"/>
               <a:t>, F. </a:t>
             </a:r>
             <a:r>
-              <a:rPr lang="vi-VN" sz="1200" dirty="0" err="1"/>
+              <a:rPr lang="vi-VN" dirty="0" err="1"/>
               <a:t>Birzele</a:t>
             </a:r>
             <a:r>
-              <a:rPr lang="vi-VN" sz="1200" dirty="0"/>
+              <a:rPr lang="vi-VN" dirty="0"/>
               <a:t>, I. I. </a:t>
             </a:r>
             <a:r>
-              <a:rPr lang="vi-VN" sz="1200" dirty="0" err="1"/>
+              <a:rPr lang="vi-VN" dirty="0" err="1"/>
               <a:t>Davydov</a:t>
             </a:r>
             <a:r>
-              <a:rPr lang="vi-VN" sz="1200" dirty="0"/>
+              <a:rPr lang="vi-VN" dirty="0"/>
               <a:t>, L. </a:t>
             </a:r>
             <a:r>
-              <a:rPr lang="vi-VN" sz="1200" dirty="0" err="1"/>
+              <a:rPr lang="vi-VN" dirty="0" err="1"/>
               <a:t>Hutchinson</a:t>
             </a:r>
             <a:r>
-              <a:rPr lang="vi-VN" sz="1200" dirty="0"/>
+              <a:rPr lang="vi-VN" dirty="0"/>
               <a:t>, T. </a:t>
             </a:r>
             <a:r>
-              <a:rPr lang="vi-VN" sz="1200" dirty="0" err="1"/>
+              <a:rPr lang="vi-VN" dirty="0" err="1"/>
               <a:t>KamThong</a:t>
             </a:r>
             <a:r>
-              <a:rPr lang="vi-VN" sz="1200" dirty="0"/>
+              <a:rPr lang="vi-VN" dirty="0"/>
               <a:t>, J. </a:t>
             </a:r>
             <a:r>
-              <a:rPr lang="vi-VN" sz="1200" dirty="0" err="1"/>
+              <a:rPr lang="vi-VN" dirty="0" err="1"/>
               <a:t>Siebourg-Polster</a:t>
             </a:r>
             <a:r>
-              <a:rPr lang="vi-VN" sz="1200" dirty="0"/>
+              <a:rPr lang="vi-VN" dirty="0"/>
               <a:t>, B. </a:t>
             </a:r>
             <a:r>
-              <a:rPr lang="vi-VN" sz="1200" dirty="0" err="1"/>
+              <a:rPr lang="vi-VN" dirty="0" err="1"/>
               <a:t>Steiert</a:t>
             </a:r>
             <a:r>
-              <a:rPr lang="vi-VN" sz="1200" dirty="0"/>
+              <a:rPr lang="vi-VN" dirty="0"/>
               <a:t>, </a:t>
             </a:r>
             <a:r>
-              <a:rPr lang="vi-VN" sz="1200" dirty="0" err="1"/>
+              <a:rPr lang="vi-VN" dirty="0" err="1"/>
               <a:t>and</a:t>
             </a:r>
             <a:r>
-              <a:rPr lang="vi-VN" sz="1200" dirty="0"/>
+              <a:rPr lang="vi-VN" dirty="0"/>
               <a:t> J. D. </a:t>
             </a:r>
             <a:r>
-              <a:rPr lang="vi-VN" sz="1200" dirty="0" err="1"/>
+              <a:rPr lang="vi-VN" dirty="0" err="1"/>
               <a:t>Zhang</a:t>
             </a:r>
             <a:r>
-              <a:rPr lang="vi-VN" sz="1200" dirty="0"/>
+              <a:rPr lang="vi-VN" dirty="0"/>
               <a:t>, “An </a:t>
             </a:r>
             <a:r>
-              <a:rPr lang="vi-VN" sz="1200" dirty="0" err="1"/>
+              <a:rPr lang="vi-VN" dirty="0" err="1"/>
               <a:t>introduction</a:t>
             </a:r>
             <a:r>
-              <a:rPr lang="vi-VN" sz="1200" dirty="0"/>
+              <a:rPr lang="vi-VN" dirty="0"/>
               <a:t> to </a:t>
             </a:r>
             <a:r>
-              <a:rPr lang="vi-VN" sz="1200" dirty="0" err="1"/>
+              <a:rPr lang="vi-VN" dirty="0" err="1"/>
               <a:t>machine</a:t>
             </a:r>
             <a:r>
-              <a:rPr lang="vi-VN" sz="1200" dirty="0"/>
-              <a:t> </a:t>
-            </a:r>
-            <a:r>
-              <a:rPr lang="vi-VN" sz="1200" dirty="0" err="1"/>
+              <a:rPr lang="vi-VN" dirty="0"/>
+              <a:t> </a:t>
+            </a:r>
+            <a:r>
+              <a:rPr lang="vi-VN" dirty="0" err="1"/>
               <a:t>learning</a:t>
             </a:r>
             <a:r>
-              <a:rPr lang="vi-VN" sz="1200" dirty="0"/>
+              <a:rPr lang="vi-VN" dirty="0"/>
               <a:t>,” </a:t>
             </a:r>
             <a:r>
-              <a:rPr lang="vi-VN" sz="1200" dirty="0" err="1"/>
+              <a:rPr lang="vi-VN" dirty="0" err="1"/>
               <a:t>Clinical</a:t>
             </a:r>
             <a:r>
-              <a:rPr lang="vi-VN" sz="1200" dirty="0"/>
-              <a:t> </a:t>
-            </a:r>
-            <a:r>
-              <a:rPr lang="vi-VN" sz="1200" dirty="0" err="1"/>
+              <a:rPr lang="vi-VN" dirty="0"/>
+              <a:t> </a:t>
+            </a:r>
+            <a:r>
+              <a:rPr lang="vi-VN" dirty="0" err="1"/>
               <a:t>pharmacology</a:t>
             </a:r>
             <a:r>
-              <a:rPr lang="vi-VN" sz="1200" dirty="0"/>
+              <a:rPr lang="vi-VN" dirty="0"/>
               <a:t> &amp; </a:t>
             </a:r>
             <a:r>
-              <a:rPr lang="vi-VN" sz="1200" dirty="0" err="1"/>
+              <a:rPr lang="vi-VN" dirty="0" err="1"/>
               <a:t>therapeutics</a:t>
             </a:r>
             <a:r>
-              <a:rPr lang="vi-VN" sz="1200" dirty="0"/>
+              <a:rPr lang="vi-VN" dirty="0"/>
               <a:t>, </a:t>
             </a:r>
             <a:r>
-              <a:rPr lang="vi-VN" sz="1200" dirty="0" err="1"/>
+              <a:rPr lang="vi-VN" dirty="0" err="1"/>
               <a:t>vol</a:t>
             </a:r>
             <a:r>
-              <a:rPr lang="vi-VN" sz="1200" dirty="0"/>
+              <a:rPr lang="vi-VN" dirty="0"/>
               <a:t>. 107, no. 4, </a:t>
             </a:r>
             <a:r>
-              <a:rPr lang="vi-VN" sz="1200" dirty="0" err="1"/>
+              <a:rPr lang="vi-VN" dirty="0" err="1"/>
               <a:t>pp</a:t>
             </a:r>
             <a:r>
-              <a:rPr lang="vi-VN" sz="1200" dirty="0"/>
+              <a:rPr lang="vi-VN" dirty="0"/>
               <a:t>. 871–885, 2020. </a:t>
             </a:r>
           </a:p>
           <a:p>
             <a:r>
-              <a:rPr lang="vi-VN" sz="1200" dirty="0"/>
+              <a:rPr lang="vi-VN" dirty="0"/>
               <a:t>[25] M. </a:t>
             </a:r>
             <a:r>
-              <a:rPr lang="vi-VN" sz="1200" dirty="0" err="1"/>
+              <a:rPr lang="vi-VN" dirty="0" err="1"/>
               <a:t>Krichen</a:t>
             </a:r>
             <a:r>
-              <a:rPr lang="vi-VN" sz="1200" dirty="0"/>
+              <a:rPr lang="vi-VN" dirty="0"/>
               <a:t>, “</a:t>
             </a:r>
             <a:r>
-              <a:rPr lang="vi-VN" sz="1200" dirty="0" err="1"/>
+              <a:rPr lang="vi-VN" dirty="0" err="1"/>
               <a:t>Strengthening</a:t>
             </a:r>
             <a:r>
-              <a:rPr lang="vi-VN" sz="1200" dirty="0"/>
+              <a:rPr lang="vi-VN" dirty="0"/>
               <a:t> the </a:t>
             </a:r>
             <a:r>
-              <a:rPr lang="vi-VN" sz="1200" dirty="0" err="1"/>
+              <a:rPr lang="vi-VN" dirty="0" err="1"/>
               <a:t>security</a:t>
             </a:r>
             <a:r>
-              <a:rPr lang="vi-VN" sz="1200" dirty="0"/>
-              <a:t> </a:t>
-            </a:r>
-            <a:r>
-              <a:rPr lang="vi-VN" sz="1200" dirty="0" err="1"/>
+              <a:rPr lang="vi-VN" dirty="0"/>
+              <a:t> </a:t>
+            </a:r>
+            <a:r>
+              <a:rPr lang="vi-VN" dirty="0" err="1"/>
               <a:t>of</a:t>
             </a:r>
             <a:r>
-              <a:rPr lang="vi-VN" sz="1200" dirty="0"/>
-              <a:t> </a:t>
-            </a:r>
-            <a:r>
-              <a:rPr lang="vi-VN" sz="1200" dirty="0" err="1"/>
+              <a:rPr lang="vi-VN" dirty="0"/>
+              <a:t> </a:t>
+            </a:r>
+            <a:r>
+              <a:rPr lang="vi-VN" dirty="0" err="1"/>
               <a:t>smart</a:t>
             </a:r>
             <a:r>
-              <a:rPr lang="vi-VN" sz="1200" dirty="0"/>
-              <a:t> </a:t>
-            </a:r>
-            <a:r>
-              <a:rPr lang="vi-VN" sz="1200" dirty="0" err="1"/>
+              <a:rPr lang="vi-VN" dirty="0"/>
+              <a:t> </a:t>
+            </a:r>
+            <a:r>
+              <a:rPr lang="vi-VN" dirty="0" err="1"/>
               <a:t>contracts</a:t>
             </a:r>
             <a:r>
-              <a:rPr lang="vi-VN" sz="1200" dirty="0"/>
-              <a:t> </a:t>
-            </a:r>
-            <a:r>
-              <a:rPr lang="vi-VN" sz="1200" dirty="0" err="1"/>
+              <a:rPr lang="vi-VN" dirty="0"/>
+              <a:t> </a:t>
+            </a:r>
+            <a:r>
+              <a:rPr lang="vi-VN" dirty="0" err="1"/>
               <a:t>through</a:t>
             </a:r>
             <a:r>
-              <a:rPr lang="vi-VN" sz="1200" dirty="0"/>
+              <a:rPr lang="vi-VN" dirty="0"/>
               <a:t> the </a:t>
             </a:r>
             <a:r>
-              <a:rPr lang="vi-VN" sz="1200" dirty="0" err="1"/>
+              <a:rPr lang="vi-VN" dirty="0" err="1"/>
               <a:t>power</a:t>
             </a:r>
             <a:r>
-              <a:rPr lang="vi-VN" sz="1200" dirty="0"/>
-              <a:t> </a:t>
-            </a:r>
-            <a:r>
-              <a:rPr lang="vi-VN" sz="1200" dirty="0" err="1"/>
+              <a:rPr lang="vi-VN" dirty="0"/>
+              <a:t> </a:t>
+            </a:r>
+            <a:r>
+              <a:rPr lang="vi-VN" dirty="0" err="1"/>
               <a:t>of</a:t>
             </a:r>
             <a:r>
-              <a:rPr lang="vi-VN" sz="1200" dirty="0"/>
-              <a:t> </a:t>
-            </a:r>
-            <a:r>
-              <a:rPr lang="vi-VN" sz="1200" dirty="0" err="1"/>
+              <a:rPr lang="vi-VN" dirty="0"/>
+              <a:t> </a:t>
+            </a:r>
+            <a:r>
+              <a:rPr lang="vi-VN" dirty="0" err="1"/>
               <a:t>artificial</a:t>
             </a:r>
             <a:r>
-              <a:rPr lang="vi-VN" sz="1200" dirty="0"/>
-              <a:t> </a:t>
-            </a:r>
-            <a:r>
-              <a:rPr lang="vi-VN" sz="1200" dirty="0" err="1"/>
+              <a:rPr lang="vi-VN" dirty="0"/>
+              <a:t> </a:t>
+            </a:r>
+            <a:r>
+              <a:rPr lang="vi-VN" dirty="0" err="1"/>
               <a:t>intelligence</a:t>
             </a:r>
             <a:r>
-              <a:rPr lang="vi-VN" sz="1200" dirty="0"/>
+              <a:rPr lang="vi-VN" dirty="0"/>
               <a:t>,” </a:t>
             </a:r>
             <a:r>
-              <a:rPr lang="vi-VN" sz="1200" dirty="0" err="1"/>
+              <a:rPr lang="vi-VN" dirty="0" err="1"/>
               <a:t>Computers</a:t>
             </a:r>
             <a:r>
-              <a:rPr lang="vi-VN" sz="1200" dirty="0"/>
+              <a:rPr lang="vi-VN" dirty="0"/>
               <a:t>, </a:t>
             </a:r>
             <a:r>
-              <a:rPr lang="vi-VN" sz="1200" dirty="0" err="1"/>
+              <a:rPr lang="vi-VN" dirty="0" err="1"/>
               <a:t>vol</a:t>
             </a:r>
             <a:r>
-              <a:rPr lang="vi-VN" sz="1200" dirty="0"/>
+              <a:rPr lang="vi-VN" dirty="0"/>
               <a:t>. 12, no. 5, p. 107, 2023. </a:t>
             </a:r>
           </a:p>
           <a:p>
             <a:r>
-              <a:rPr lang="vi-VN" sz="1200" dirty="0"/>
+              <a:rPr lang="vi-VN" dirty="0"/>
               <a:t>[26] Y. Xu, G. Hu, L. </a:t>
             </a:r>
             <a:r>
-              <a:rPr lang="vi-VN" sz="1200" dirty="0" err="1"/>
+              <a:rPr lang="vi-VN" dirty="0" err="1"/>
               <a:t>You</a:t>
             </a:r>
             <a:r>
-              <a:rPr lang="vi-VN" sz="1200" dirty="0"/>
+              <a:rPr lang="vi-VN" dirty="0"/>
               <a:t>, </a:t>
             </a:r>
             <a:r>
-              <a:rPr lang="vi-VN" sz="1200" dirty="0" err="1"/>
+              <a:rPr lang="vi-VN" dirty="0" err="1"/>
               <a:t>and</a:t>
             </a:r>
             <a:r>
-              <a:rPr lang="vi-VN" sz="1200" dirty="0"/>
+              <a:rPr lang="vi-VN" dirty="0"/>
               <a:t> C. Cao, “A </a:t>
             </a:r>
             <a:r>
-              <a:rPr lang="vi-VN" sz="1200" dirty="0" err="1"/>
+              <a:rPr lang="vi-VN" dirty="0" err="1"/>
               <a:t>novel</a:t>
             </a:r>
             <a:r>
-              <a:rPr lang="vi-VN" sz="1200" dirty="0"/>
-              <a:t> </a:t>
-            </a:r>
-            <a:r>
-              <a:rPr lang="vi-VN" sz="1200" dirty="0" err="1"/>
+              <a:rPr lang="vi-VN" dirty="0"/>
+              <a:t> </a:t>
+            </a:r>
+            <a:r>
+              <a:rPr lang="vi-VN" dirty="0" err="1"/>
               <a:t>machine</a:t>
             </a:r>
             <a:r>
-              <a:rPr lang="vi-VN" sz="1200" dirty="0"/>
-              <a:t> </a:t>
-            </a:r>
-            <a:r>
-              <a:rPr lang="vi-VN" sz="1200" dirty="0" err="1"/>
+              <a:rPr lang="vi-VN" dirty="0"/>
+              <a:t> </a:t>
+            </a:r>
+            <a:r>
+              <a:rPr lang="vi-VN" dirty="0" err="1"/>
               <a:t>learning-based</a:t>
             </a:r>
             <a:r>
-              <a:rPr lang="vi-VN" sz="1200" dirty="0"/>
-              <a:t> </a:t>
-            </a:r>
-            <a:r>
-              <a:rPr lang="vi-VN" sz="1200" dirty="0" err="1"/>
+              <a:rPr lang="vi-VN" dirty="0"/>
+              <a:t> </a:t>
+            </a:r>
+            <a:r>
+              <a:rPr lang="vi-VN" dirty="0" err="1"/>
               <a:t>analysis</a:t>
             </a:r>
             <a:r>
-              <a:rPr lang="vi-VN" sz="1200" dirty="0"/>
-              <a:t> </a:t>
-            </a:r>
-            <a:r>
-              <a:rPr lang="vi-VN" sz="1200" dirty="0" err="1"/>
+              <a:rPr lang="vi-VN" dirty="0"/>
+              <a:t> </a:t>
+            </a:r>
+            <a:r>
+              <a:rPr lang="vi-VN" dirty="0" err="1"/>
               <a:t>model</a:t>
             </a:r>
             <a:r>
-              <a:rPr lang="vi-VN" sz="1200" dirty="0"/>
-              <a:t> </a:t>
-            </a:r>
-            <a:r>
-              <a:rPr lang="vi-VN" sz="1200" dirty="0" err="1"/>
+              <a:rPr lang="vi-VN" dirty="0"/>
+              <a:t> </a:t>
+            </a:r>
+            <a:r>
+              <a:rPr lang="vi-VN" dirty="0" err="1"/>
               <a:t>for</a:t>
             </a:r>
             <a:r>
-              <a:rPr lang="vi-VN" sz="1200" dirty="0"/>
-              <a:t> </a:t>
-            </a:r>
-            <a:r>
-              <a:rPr lang="vi-VN" sz="1200" dirty="0" err="1"/>
+              <a:rPr lang="vi-VN" dirty="0"/>
+              <a:t> </a:t>
+            </a:r>
+            <a:r>
+              <a:rPr lang="vi-VN" dirty="0" err="1"/>
               <a:t>smart</a:t>
             </a:r>
             <a:r>
-              <a:rPr lang="vi-VN" sz="1200" dirty="0"/>
-              <a:t> </a:t>
-            </a:r>
-            <a:r>
-              <a:rPr lang="vi-VN" sz="1200" dirty="0" err="1"/>
+              <a:rPr lang="vi-VN" dirty="0"/>
+              <a:t> </a:t>
+            </a:r>
+            <a:r>
+              <a:rPr lang="vi-VN" dirty="0" err="1"/>
               <a:t>contract</a:t>
             </a:r>
             <a:r>
-              <a:rPr lang="vi-VN" sz="1200" dirty="0"/>
-              <a:t> </a:t>
-            </a:r>
-            <a:r>
-              <a:rPr lang="vi-VN" sz="1200" dirty="0" err="1"/>
+              <a:rPr lang="vi-VN" dirty="0"/>
+              <a:t> </a:t>
+            </a:r>
+            <a:r>
+              <a:rPr lang="vi-VN" dirty="0" err="1"/>
               <a:t>vulnerability</a:t>
             </a:r>
             <a:r>
-              <a:rPr lang="vi-VN" sz="1200" dirty="0"/>
+              <a:rPr lang="vi-VN" dirty="0"/>
               <a:t>,” </a:t>
             </a:r>
             <a:r>
-              <a:rPr lang="vi-VN" sz="1200" dirty="0" err="1"/>
+              <a:rPr lang="vi-VN" dirty="0" err="1"/>
               <a:t>Security</a:t>
             </a:r>
             <a:r>
-              <a:rPr lang="vi-VN" sz="1200" dirty="0"/>
-              <a:t> </a:t>
-            </a:r>
-            <a:r>
-              <a:rPr lang="vi-VN" sz="1200" dirty="0" err="1"/>
+              <a:rPr lang="vi-VN" dirty="0"/>
+              <a:t> </a:t>
+            </a:r>
+            <a:r>
+              <a:rPr lang="vi-VN" dirty="0" err="1"/>
               <a:t>and</a:t>
             </a:r>
             <a:r>
-              <a:rPr lang="vi-VN" sz="1200" dirty="0"/>
-              <a:t> </a:t>
-            </a:r>
-            <a:r>
-              <a:rPr lang="vi-VN" sz="1200" dirty="0" err="1"/>
+              <a:rPr lang="vi-VN" dirty="0"/>
+              <a:t> </a:t>
+            </a:r>
+            <a:r>
+              <a:rPr lang="vi-VN" dirty="0" err="1"/>
               <a:t>Communication</a:t>
             </a:r>
             <a:r>
-              <a:rPr lang="vi-VN" sz="1200" dirty="0"/>
-              <a:t> </a:t>
-            </a:r>
-            <a:r>
-              <a:rPr lang="vi-VN" sz="1200" dirty="0" err="1"/>
+              <a:rPr lang="vi-VN" dirty="0"/>
+              <a:t> </a:t>
+            </a:r>
+            <a:r>
+              <a:rPr lang="vi-VN" dirty="0" err="1"/>
               <a:t>Networks</a:t>
             </a:r>
             <a:r>
-              <a:rPr lang="vi-VN" sz="1200" dirty="0"/>
+              <a:rPr lang="vi-VN" dirty="0"/>
               <a:t>, </a:t>
             </a:r>
             <a:r>
-              <a:rPr lang="vi-VN" sz="1200" dirty="0" err="1"/>
+              <a:rPr lang="vi-VN" dirty="0" err="1"/>
               <a:t>vol</a:t>
             </a:r>
             <a:r>
-              <a:rPr lang="vi-VN" sz="1200" dirty="0"/>
+              <a:rPr lang="vi-VN" dirty="0"/>
               <a:t>. 2021, </a:t>
             </a:r>
             <a:r>
-              <a:rPr lang="vi-VN" sz="1200" dirty="0" err="1"/>
+              <a:rPr lang="vi-VN" dirty="0" err="1"/>
               <a:t>pp</a:t>
             </a:r>
             <a:r>
-              <a:rPr lang="vi-VN" sz="1200" dirty="0"/>
+              <a:rPr lang="vi-VN" dirty="0"/>
               <a:t>. 1–12, 2021. </a:t>
-            </a:r>
-          </a:p>
-          <a:p>
-            <a:r>
-              <a:rPr lang="vi-VN" sz="1200" dirty="0"/>
-              <a:t>[27] T. </a:t>
-            </a:r>
-            <a:r>
-              <a:rPr lang="vi-VN" sz="1200" dirty="0" err="1"/>
-              <a:t>Haugum</a:t>
-            </a:r>
-            <a:r>
-              <a:rPr lang="vi-VN" sz="1200" dirty="0"/>
-              <a:t>, B. </a:t>
-            </a:r>
-            <a:r>
-              <a:rPr lang="vi-VN" sz="1200" dirty="0" err="1"/>
-              <a:t>Hoff</a:t>
-            </a:r>
-            <a:r>
-              <a:rPr lang="vi-VN" sz="1200" dirty="0"/>
-              <a:t>, M. </a:t>
-            </a:r>
-            <a:r>
-              <a:rPr lang="vi-VN" sz="1200" dirty="0" err="1"/>
-              <a:t>Alsadi</a:t>
-            </a:r>
-            <a:r>
-              <a:rPr lang="vi-VN" sz="1200" dirty="0"/>
-              <a:t>, </a:t>
-            </a:r>
-            <a:r>
-              <a:rPr lang="vi-VN" sz="1200" dirty="0" err="1"/>
-              <a:t>and</a:t>
-            </a:r>
-            <a:r>
-              <a:rPr lang="vi-VN" sz="1200" dirty="0"/>
-              <a:t> J. Li, “</a:t>
-            </a:r>
-            <a:r>
-              <a:rPr lang="vi-VN" sz="1200" dirty="0" err="1"/>
-              <a:t>Security</a:t>
-            </a:r>
-            <a:r>
-              <a:rPr lang="vi-VN" sz="1200" dirty="0"/>
-              <a:t> </a:t>
-            </a:r>
-            <a:r>
-              <a:rPr lang="vi-VN" sz="1200" dirty="0" err="1"/>
-              <a:t>and</a:t>
-            </a:r>
-            <a:r>
-              <a:rPr lang="vi-VN" sz="1200" dirty="0"/>
-              <a:t> </a:t>
-            </a:r>
-            <a:r>
-              <a:rPr lang="vi-VN" sz="1200" dirty="0" err="1"/>
-              <a:t>privacy</a:t>
-            </a:r>
-            <a:r>
-              <a:rPr lang="vi-VN" sz="1200" dirty="0"/>
-              <a:t> </a:t>
-            </a:r>
-            <a:r>
-              <a:rPr lang="vi-VN" sz="1200" dirty="0" err="1"/>
-              <a:t>challenges</a:t>
-            </a:r>
-            <a:r>
-              <a:rPr lang="vi-VN" sz="1200" dirty="0"/>
-              <a:t> in </a:t>
-            </a:r>
-            <a:r>
-              <a:rPr lang="vi-VN" sz="1200" dirty="0" err="1"/>
-              <a:t>blockchain</a:t>
-            </a:r>
-            <a:r>
-              <a:rPr lang="vi-VN" sz="1200" dirty="0"/>
-              <a:t> </a:t>
-            </a:r>
-            <a:r>
-              <a:rPr lang="vi-VN" sz="1200" dirty="0" err="1"/>
-              <a:t>interoperability</a:t>
-            </a:r>
-            <a:r>
-              <a:rPr lang="vi-VN" sz="1200" dirty="0"/>
-              <a:t>-a </a:t>
-            </a:r>
-            <a:r>
-              <a:rPr lang="vi-VN" sz="1200" dirty="0" err="1"/>
-              <a:t>multivocal</a:t>
-            </a:r>
-            <a:r>
-              <a:rPr lang="vi-VN" sz="1200" dirty="0"/>
-              <a:t> </a:t>
-            </a:r>
-            <a:r>
-              <a:rPr lang="vi-VN" sz="1200" dirty="0" err="1"/>
-              <a:t>literature</a:t>
-            </a:r>
-            <a:r>
-              <a:rPr lang="vi-VN" sz="1200" dirty="0"/>
-              <a:t> </a:t>
-            </a:r>
-            <a:r>
-              <a:rPr lang="vi-VN" sz="1200" dirty="0" err="1"/>
-              <a:t>review</a:t>
-            </a:r>
-            <a:r>
-              <a:rPr lang="vi-VN" sz="1200" dirty="0"/>
-              <a:t>,” in </a:t>
-            </a:r>
-            <a:r>
-              <a:rPr lang="vi-VN" sz="1200" dirty="0" err="1"/>
-              <a:t>Proceedings</a:t>
-            </a:r>
-            <a:r>
-              <a:rPr lang="vi-VN" sz="1200" dirty="0"/>
-              <a:t> </a:t>
-            </a:r>
-            <a:r>
-              <a:rPr lang="vi-VN" sz="1200" dirty="0" err="1"/>
-              <a:t>of</a:t>
-            </a:r>
-            <a:r>
-              <a:rPr lang="vi-VN" sz="1200" dirty="0"/>
-              <a:t> the 26th </a:t>
-            </a:r>
-            <a:r>
-              <a:rPr lang="vi-VN" sz="1200" dirty="0" err="1"/>
-              <a:t>International</a:t>
-            </a:r>
-            <a:r>
-              <a:rPr lang="vi-VN" sz="1200" dirty="0"/>
-              <a:t> </a:t>
-            </a:r>
-            <a:r>
-              <a:rPr lang="vi-VN" sz="1200" dirty="0" err="1"/>
-              <a:t>Conference</a:t>
-            </a:r>
-            <a:r>
-              <a:rPr lang="vi-VN" sz="1200" dirty="0"/>
-              <a:t> </a:t>
-            </a:r>
-            <a:r>
-              <a:rPr lang="vi-VN" sz="1200" dirty="0" err="1"/>
-              <a:t>on</a:t>
-            </a:r>
-            <a:r>
-              <a:rPr lang="vi-VN" sz="1200" dirty="0"/>
-              <a:t> </a:t>
-            </a:r>
-            <a:r>
-              <a:rPr lang="vi-VN" sz="1200" dirty="0" err="1"/>
-              <a:t>Evaluation</a:t>
-            </a:r>
-            <a:r>
-              <a:rPr lang="vi-VN" sz="1200" dirty="0"/>
-              <a:t> </a:t>
-            </a:r>
-            <a:r>
-              <a:rPr lang="vi-VN" sz="1200" dirty="0" err="1"/>
-              <a:t>and</a:t>
-            </a:r>
-            <a:r>
-              <a:rPr lang="vi-VN" sz="1200" dirty="0"/>
-              <a:t> </a:t>
-            </a:r>
-            <a:r>
-              <a:rPr lang="vi-VN" sz="1200" dirty="0" err="1"/>
-              <a:t>Assessment</a:t>
-            </a:r>
-            <a:r>
-              <a:rPr lang="vi-VN" sz="1200" dirty="0"/>
-              <a:t> in </a:t>
-            </a:r>
-            <a:r>
-              <a:rPr lang="vi-VN" sz="1200" dirty="0" err="1"/>
-              <a:t>Software</a:t>
-            </a:r>
-            <a:r>
-              <a:rPr lang="vi-VN" sz="1200" dirty="0"/>
-              <a:t> </a:t>
-            </a:r>
-            <a:r>
-              <a:rPr lang="vi-VN" sz="1200" dirty="0" err="1"/>
-              <a:t>Engineering</a:t>
-            </a:r>
-            <a:r>
-              <a:rPr lang="vi-VN" sz="1200" dirty="0"/>
-              <a:t>, 2022, </a:t>
-            </a:r>
-            <a:r>
-              <a:rPr lang="vi-VN" sz="1200" dirty="0" err="1"/>
-              <a:t>pp</a:t>
-            </a:r>
-            <a:r>
-              <a:rPr lang="vi-VN" sz="1200" dirty="0"/>
-              <a:t>. 347–356. </a:t>
-            </a:r>
-          </a:p>
-          <a:p>
-            <a:r>
-              <a:rPr lang="vi-VN" sz="1200" dirty="0"/>
-              <a:t>[28] D. He, Z. </a:t>
-            </a:r>
-            <a:r>
-              <a:rPr lang="vi-VN" sz="1200" dirty="0" err="1"/>
-              <a:t>Deng</a:t>
-            </a:r>
-            <a:r>
-              <a:rPr lang="vi-VN" sz="1200" dirty="0"/>
-              <a:t>, Y. </a:t>
-            </a:r>
-            <a:r>
-              <a:rPr lang="vi-VN" sz="1200" dirty="0" err="1"/>
-              <a:t>Zhang</a:t>
-            </a:r>
-            <a:r>
-              <a:rPr lang="vi-VN" sz="1200" dirty="0"/>
-              <a:t>, S. Chan, Y. Cheng, </a:t>
-            </a:r>
-            <a:r>
-              <a:rPr lang="vi-VN" sz="1200" dirty="0" err="1"/>
-              <a:t>and</a:t>
-            </a:r>
-            <a:r>
-              <a:rPr lang="vi-VN" sz="1200" dirty="0"/>
-              <a:t> N. </a:t>
-            </a:r>
-            <a:r>
-              <a:rPr lang="vi-VN" sz="1200" dirty="0" err="1"/>
-              <a:t>Guizani</a:t>
-            </a:r>
-            <a:r>
-              <a:rPr lang="vi-VN" sz="1200" dirty="0"/>
-              <a:t>, “</a:t>
-            </a:r>
-            <a:r>
-              <a:rPr lang="vi-VN" sz="1200" dirty="0" err="1"/>
-              <a:t>Smart</a:t>
-            </a:r>
-            <a:r>
-              <a:rPr lang="vi-VN" sz="1200" dirty="0"/>
-              <a:t> </a:t>
-            </a:r>
-            <a:r>
-              <a:rPr lang="vi-VN" sz="1200" dirty="0" err="1"/>
-              <a:t>contract</a:t>
-            </a:r>
-            <a:r>
-              <a:rPr lang="vi-VN" sz="1200" dirty="0"/>
-              <a:t> </a:t>
-            </a:r>
-            <a:r>
-              <a:rPr lang="vi-VN" sz="1200" dirty="0" err="1"/>
-              <a:t>vulnerability</a:t>
-            </a:r>
-            <a:r>
-              <a:rPr lang="vi-VN" sz="1200" dirty="0"/>
-              <a:t> </a:t>
-            </a:r>
-            <a:r>
-              <a:rPr lang="vi-VN" sz="1200" dirty="0" err="1"/>
-              <a:t>analysis</a:t>
-            </a:r>
-            <a:r>
-              <a:rPr lang="vi-VN" sz="1200" dirty="0"/>
-              <a:t> </a:t>
-            </a:r>
-            <a:r>
-              <a:rPr lang="vi-VN" sz="1200" dirty="0" err="1"/>
-              <a:t>and</a:t>
-            </a:r>
-            <a:r>
-              <a:rPr lang="vi-VN" sz="1200" dirty="0"/>
-              <a:t> </a:t>
-            </a:r>
-            <a:r>
-              <a:rPr lang="vi-VN" sz="1200" dirty="0" err="1"/>
-              <a:t>security</a:t>
-            </a:r>
-            <a:r>
-              <a:rPr lang="vi-VN" sz="1200" dirty="0"/>
-              <a:t> </a:t>
-            </a:r>
-            <a:r>
-              <a:rPr lang="vi-VN" sz="1200" dirty="0" err="1"/>
-              <a:t>audit</a:t>
-            </a:r>
-            <a:r>
-              <a:rPr lang="vi-VN" sz="1200" dirty="0"/>
-              <a:t>,” IEEE </a:t>
-            </a:r>
-            <a:r>
-              <a:rPr lang="vi-VN" sz="1200" dirty="0" err="1"/>
-              <a:t>Network</a:t>
-            </a:r>
-            <a:r>
-              <a:rPr lang="vi-VN" sz="1200" dirty="0"/>
-              <a:t>, </a:t>
-            </a:r>
-            <a:r>
-              <a:rPr lang="vi-VN" sz="1200" dirty="0" err="1"/>
-              <a:t>vol</a:t>
-            </a:r>
-            <a:r>
-              <a:rPr lang="vi-VN" sz="1200" dirty="0"/>
-              <a:t>. 34, no. 5, </a:t>
-            </a:r>
-            <a:r>
-              <a:rPr lang="vi-VN" sz="1200" dirty="0" err="1"/>
-              <a:t>pp</a:t>
-            </a:r>
-            <a:r>
-              <a:rPr lang="vi-VN" sz="1200" dirty="0"/>
-              <a:t>. 276–282, 2020. </a:t>
-            </a:r>
-          </a:p>
-          <a:p>
-            <a:r>
-              <a:rPr lang="vi-VN" sz="1200" dirty="0"/>
-              <a:t>[29] W. </a:t>
-            </a:r>
-            <a:r>
-              <a:rPr lang="vi-VN" sz="1200" dirty="0" err="1"/>
-              <a:t>Deng</a:t>
-            </a:r>
-            <a:r>
-              <a:rPr lang="vi-VN" sz="1200" dirty="0"/>
-              <a:t>, H. </a:t>
-            </a:r>
-            <a:r>
-              <a:rPr lang="vi-VN" sz="1200" dirty="0" err="1"/>
-              <a:t>Wei</a:t>
-            </a:r>
-            <a:r>
-              <a:rPr lang="vi-VN" sz="1200" dirty="0"/>
-              <a:t>, T. </a:t>
-            </a:r>
-            <a:r>
-              <a:rPr lang="vi-VN" sz="1200" dirty="0" err="1"/>
-              <a:t>Huang</a:t>
-            </a:r>
-            <a:r>
-              <a:rPr lang="vi-VN" sz="1200" dirty="0"/>
-              <a:t>, C. Cao, Y. </a:t>
-            </a:r>
-            <a:r>
-              <a:rPr lang="vi-VN" sz="1200" dirty="0" err="1"/>
-              <a:t>Peng</a:t>
-            </a:r>
-            <a:r>
-              <a:rPr lang="vi-VN" sz="1200" dirty="0"/>
-              <a:t>, </a:t>
-            </a:r>
-            <a:r>
-              <a:rPr lang="vi-VN" sz="1200" dirty="0" err="1"/>
-              <a:t>and</a:t>
-            </a:r>
-            <a:r>
-              <a:rPr lang="vi-VN" sz="1200" dirty="0"/>
-              <a:t> X. Hu, “</a:t>
-            </a:r>
-            <a:r>
-              <a:rPr lang="vi-VN" sz="1200" dirty="0" err="1"/>
-              <a:t>Smart</a:t>
-            </a:r>
-            <a:r>
-              <a:rPr lang="vi-VN" sz="1200" dirty="0"/>
-              <a:t> </a:t>
-            </a:r>
-            <a:r>
-              <a:rPr lang="vi-VN" sz="1200" dirty="0" err="1"/>
-              <a:t>contract</a:t>
-            </a:r>
-            <a:r>
-              <a:rPr lang="vi-VN" sz="1200" dirty="0"/>
-              <a:t> </a:t>
-            </a:r>
-            <a:r>
-              <a:rPr lang="vi-VN" sz="1200" dirty="0" err="1"/>
-              <a:t>vulnerability</a:t>
-            </a:r>
-            <a:r>
-              <a:rPr lang="vi-VN" sz="1200" dirty="0"/>
-              <a:t> </a:t>
-            </a:r>
-            <a:r>
-              <a:rPr lang="vi-VN" sz="1200" dirty="0" err="1"/>
-              <a:t>detection</a:t>
-            </a:r>
-            <a:r>
-              <a:rPr lang="vi-VN" sz="1200" dirty="0"/>
-              <a:t> </a:t>
-            </a:r>
-            <a:r>
-              <a:rPr lang="vi-VN" sz="1200" dirty="0" err="1"/>
-              <a:t>based</a:t>
-            </a:r>
-            <a:r>
-              <a:rPr lang="vi-VN" sz="1200" dirty="0"/>
-              <a:t> </a:t>
-            </a:r>
-            <a:r>
-              <a:rPr lang="vi-VN" sz="1200" dirty="0" err="1"/>
-              <a:t>on</a:t>
-            </a:r>
-            <a:r>
-              <a:rPr lang="vi-VN" sz="1200" dirty="0"/>
-              <a:t> </a:t>
-            </a:r>
-            <a:r>
-              <a:rPr lang="vi-VN" sz="1200" dirty="0" err="1"/>
-              <a:t>deep</a:t>
-            </a:r>
-            <a:r>
-              <a:rPr lang="vi-VN" sz="1200" dirty="0"/>
-              <a:t> </a:t>
-            </a:r>
-            <a:r>
-              <a:rPr lang="vi-VN" sz="1200" dirty="0" err="1"/>
-              <a:t>learning</a:t>
-            </a:r>
-            <a:r>
-              <a:rPr lang="vi-VN" sz="1200" dirty="0"/>
-              <a:t> </a:t>
-            </a:r>
-            <a:r>
-              <a:rPr lang="vi-VN" sz="1200" dirty="0" err="1"/>
-              <a:t>and</a:t>
-            </a:r>
-            <a:r>
-              <a:rPr lang="vi-VN" sz="1200" dirty="0"/>
-              <a:t> </a:t>
-            </a:r>
-            <a:r>
-              <a:rPr lang="vi-VN" sz="1200" dirty="0" err="1"/>
-              <a:t>multimodal</a:t>
-            </a:r>
-            <a:r>
-              <a:rPr lang="vi-VN" sz="1200" dirty="0"/>
-              <a:t> </a:t>
-            </a:r>
-            <a:r>
-              <a:rPr lang="vi-VN" sz="1200" dirty="0" err="1"/>
-              <a:t>decision</a:t>
-            </a:r>
-            <a:r>
-              <a:rPr lang="vi-VN" sz="1200" dirty="0"/>
-              <a:t> </a:t>
-            </a:r>
-            <a:r>
-              <a:rPr lang="vi-VN" sz="1200" dirty="0" err="1"/>
-              <a:t>fusion</a:t>
-            </a:r>
-            <a:r>
-              <a:rPr lang="vi-VN" sz="1200" dirty="0"/>
-              <a:t>,” </a:t>
-            </a:r>
-            <a:r>
-              <a:rPr lang="vi-VN" sz="1200" dirty="0" err="1"/>
-              <a:t>Sensors</a:t>
-            </a:r>
-            <a:r>
-              <a:rPr lang="vi-VN" sz="1200" dirty="0"/>
-              <a:t>, </a:t>
-            </a:r>
-            <a:r>
-              <a:rPr lang="vi-VN" sz="1200" dirty="0" err="1"/>
-              <a:t>vol</a:t>
-            </a:r>
-            <a:r>
-              <a:rPr lang="vi-VN" sz="1200" dirty="0"/>
-              <a:t>. 23, no. 16, p. 7246, 2023. </a:t>
-            </a:r>
-          </a:p>
-          <a:p>
-            <a:r>
-              <a:rPr lang="vi-VN" sz="1200" dirty="0"/>
-              <a:t>[30] J. </a:t>
-            </a:r>
-            <a:r>
-              <a:rPr lang="vi-VN" sz="1200" dirty="0" err="1"/>
-              <a:t>Huang</a:t>
-            </a:r>
-            <a:r>
-              <a:rPr lang="vi-VN" sz="1200" dirty="0"/>
-              <a:t>, K. </a:t>
-            </a:r>
-            <a:r>
-              <a:rPr lang="vi-VN" sz="1200" dirty="0" err="1"/>
-              <a:t>Zhou</a:t>
-            </a:r>
-            <a:r>
-              <a:rPr lang="vi-VN" sz="1200" dirty="0"/>
-              <a:t>, A. </a:t>
-            </a:r>
-            <a:r>
-              <a:rPr lang="vi-VN" sz="1200" dirty="0" err="1"/>
-              <a:t>Xiong</a:t>
-            </a:r>
-            <a:r>
-              <a:rPr lang="vi-VN" sz="1200" dirty="0"/>
-              <a:t>, </a:t>
-            </a:r>
-            <a:r>
-              <a:rPr lang="vi-VN" sz="1200" dirty="0" err="1"/>
-              <a:t>and</a:t>
-            </a:r>
-            <a:r>
-              <a:rPr lang="vi-VN" sz="1200" dirty="0"/>
-              <a:t> D. Li, “</a:t>
-            </a:r>
-            <a:r>
-              <a:rPr lang="vi-VN" sz="1200" dirty="0" err="1"/>
-              <a:t>Smart</a:t>
-            </a:r>
-            <a:r>
-              <a:rPr lang="vi-VN" sz="1200" dirty="0"/>
-              <a:t> </a:t>
-            </a:r>
-            <a:r>
-              <a:rPr lang="vi-VN" sz="1200" dirty="0" err="1"/>
-              <a:t>contract</a:t>
-            </a:r>
-            <a:r>
-              <a:rPr lang="vi-VN" sz="1200" dirty="0"/>
-              <a:t> </a:t>
-            </a:r>
-            <a:r>
-              <a:rPr lang="vi-VN" sz="1200" dirty="0" err="1"/>
-              <a:t>vulnerability</a:t>
-            </a:r>
-            <a:r>
-              <a:rPr lang="vi-VN" sz="1200" dirty="0"/>
-              <a:t> </a:t>
-            </a:r>
-            <a:r>
-              <a:rPr lang="vi-VN" sz="1200" dirty="0" err="1"/>
-              <a:t>detection</a:t>
-            </a:r>
-            <a:r>
-              <a:rPr lang="vi-VN" sz="1200" dirty="0"/>
-              <a:t> </a:t>
-            </a:r>
-            <a:r>
-              <a:rPr lang="vi-VN" sz="1200" dirty="0" err="1"/>
-              <a:t>model</a:t>
-            </a:r>
-            <a:r>
-              <a:rPr lang="vi-VN" sz="1200" dirty="0"/>
-              <a:t> </a:t>
-            </a:r>
-            <a:r>
-              <a:rPr lang="vi-VN" sz="1200" dirty="0" err="1"/>
-              <a:t>based</a:t>
-            </a:r>
-            <a:r>
-              <a:rPr lang="vi-VN" sz="1200" dirty="0"/>
-              <a:t> </a:t>
-            </a:r>
-            <a:r>
-              <a:rPr lang="vi-VN" sz="1200" dirty="0" err="1"/>
-              <a:t>on</a:t>
-            </a:r>
-            <a:r>
-              <a:rPr lang="vi-VN" sz="1200" dirty="0"/>
-              <a:t> </a:t>
-            </a:r>
-            <a:r>
-              <a:rPr lang="vi-VN" sz="1200" dirty="0" err="1"/>
-              <a:t>multi-task</a:t>
-            </a:r>
-            <a:r>
-              <a:rPr lang="vi-VN" sz="1200" dirty="0"/>
-              <a:t> </a:t>
-            </a:r>
-            <a:r>
-              <a:rPr lang="vi-VN" sz="1200" dirty="0" err="1"/>
-              <a:t>learning</a:t>
-            </a:r>
-            <a:r>
-              <a:rPr lang="vi-VN" sz="1200" dirty="0"/>
-              <a:t>,” </a:t>
-            </a:r>
-            <a:r>
-              <a:rPr lang="vi-VN" sz="1200" dirty="0" err="1"/>
-              <a:t>Sensors</a:t>
-            </a:r>
-            <a:r>
-              <a:rPr lang="vi-VN" sz="1200" dirty="0"/>
-              <a:t>, </a:t>
-            </a:r>
-            <a:r>
-              <a:rPr lang="vi-VN" sz="1200" dirty="0" err="1"/>
-              <a:t>vol</a:t>
-            </a:r>
-            <a:r>
-              <a:rPr lang="vi-VN" sz="1200" dirty="0"/>
-              <a:t>. 22, no. 5, p. 1829, 2022</a:t>
-            </a:r>
-          </a:p>
-          <a:p>
-            <a:r>
-              <a:rPr lang="vi-VN" sz="1200" dirty="0"/>
-              <a:t>[31] B. </a:t>
-            </a:r>
-            <a:r>
-              <a:rPr lang="vi-VN" sz="1200" dirty="0" err="1"/>
-              <a:t>Jiang</a:t>
-            </a:r>
-            <a:r>
-              <a:rPr lang="vi-VN" sz="1200" dirty="0"/>
-              <a:t>, Y. Liu, </a:t>
-            </a:r>
-            <a:r>
-              <a:rPr lang="vi-VN" sz="1200" dirty="0" err="1"/>
-              <a:t>and</a:t>
-            </a:r>
-            <a:r>
-              <a:rPr lang="vi-VN" sz="1200" dirty="0"/>
-              <a:t> W. K. Chan, “</a:t>
-            </a:r>
-            <a:r>
-              <a:rPr lang="vi-VN" sz="1200" dirty="0" err="1"/>
-              <a:t>Contractfuzzer</a:t>
-            </a:r>
-            <a:r>
-              <a:rPr lang="vi-VN" sz="1200" dirty="0"/>
-              <a:t>: </a:t>
-            </a:r>
-            <a:r>
-              <a:rPr lang="vi-VN" sz="1200" dirty="0" err="1"/>
-              <a:t>Fuzzing</a:t>
-            </a:r>
-            <a:r>
-              <a:rPr lang="vi-VN" sz="1200" dirty="0"/>
-              <a:t> </a:t>
-            </a:r>
-            <a:r>
-              <a:rPr lang="vi-VN" sz="1200" dirty="0" err="1"/>
-              <a:t>smart</a:t>
-            </a:r>
-            <a:r>
-              <a:rPr lang="vi-VN" sz="1200" dirty="0"/>
-              <a:t> </a:t>
-            </a:r>
-            <a:r>
-              <a:rPr lang="vi-VN" sz="1200" dirty="0" err="1"/>
-              <a:t>contracts</a:t>
-            </a:r>
-            <a:r>
-              <a:rPr lang="vi-VN" sz="1200" dirty="0"/>
-              <a:t> </a:t>
-            </a:r>
-            <a:r>
-              <a:rPr lang="vi-VN" sz="1200" dirty="0" err="1"/>
-              <a:t>for</a:t>
-            </a:r>
-            <a:r>
-              <a:rPr lang="vi-VN" sz="1200" dirty="0"/>
-              <a:t> </a:t>
-            </a:r>
-            <a:r>
-              <a:rPr lang="vi-VN" sz="1200" dirty="0" err="1"/>
-              <a:t>vulnerability</a:t>
-            </a:r>
-            <a:r>
-              <a:rPr lang="vi-VN" sz="1200" dirty="0"/>
-              <a:t> </a:t>
-            </a:r>
-            <a:r>
-              <a:rPr lang="vi-VN" sz="1200" dirty="0" err="1"/>
-              <a:t>detection</a:t>
-            </a:r>
-            <a:r>
-              <a:rPr lang="vi-VN" sz="1200" dirty="0"/>
-              <a:t>,” in </a:t>
-            </a:r>
-            <a:r>
-              <a:rPr lang="vi-VN" sz="1200" dirty="0" err="1"/>
-              <a:t>Proceedings</a:t>
-            </a:r>
-            <a:r>
-              <a:rPr lang="vi-VN" sz="1200" dirty="0"/>
-              <a:t> </a:t>
-            </a:r>
-            <a:r>
-              <a:rPr lang="vi-VN" sz="1200" dirty="0" err="1"/>
-              <a:t>of</a:t>
-            </a:r>
-            <a:r>
-              <a:rPr lang="vi-VN" sz="1200" dirty="0"/>
-              <a:t> the 33rd ACM/IEEE </a:t>
-            </a:r>
-            <a:r>
-              <a:rPr lang="vi-VN" sz="1200" dirty="0" err="1"/>
-              <a:t>International</a:t>
-            </a:r>
-            <a:r>
-              <a:rPr lang="vi-VN" sz="1200" dirty="0"/>
-              <a:t> </a:t>
-            </a:r>
-            <a:r>
-              <a:rPr lang="vi-VN" sz="1200" dirty="0" err="1"/>
-              <a:t>Conference</a:t>
-            </a:r>
-            <a:r>
-              <a:rPr lang="vi-VN" sz="1200" dirty="0"/>
-              <a:t> </a:t>
-            </a:r>
-            <a:r>
-              <a:rPr lang="vi-VN" sz="1200" dirty="0" err="1"/>
-              <a:t>on</a:t>
-            </a:r>
-            <a:r>
-              <a:rPr lang="vi-VN" sz="1200" dirty="0"/>
-              <a:t> </a:t>
-            </a:r>
-            <a:r>
-              <a:rPr lang="vi-VN" sz="1200" dirty="0" err="1"/>
-              <a:t>Automated</a:t>
-            </a:r>
-            <a:r>
-              <a:rPr lang="vi-VN" sz="1200" dirty="0"/>
-              <a:t> </a:t>
-            </a:r>
-            <a:r>
-              <a:rPr lang="vi-VN" sz="1200" dirty="0" err="1"/>
-              <a:t>Software</a:t>
-            </a:r>
-            <a:r>
-              <a:rPr lang="vi-VN" sz="1200" dirty="0"/>
-              <a:t> </a:t>
-            </a:r>
-            <a:r>
-              <a:rPr lang="vi-VN" sz="1200" dirty="0" err="1"/>
-              <a:t>Engineering</a:t>
-            </a:r>
-            <a:r>
-              <a:rPr lang="vi-VN" sz="1200" dirty="0"/>
-              <a:t>, 2018, </a:t>
-            </a:r>
-            <a:r>
-              <a:rPr lang="vi-VN" sz="1200" dirty="0" err="1"/>
-              <a:t>pp</a:t>
-            </a:r>
-            <a:r>
-              <a:rPr lang="vi-VN" sz="1200" dirty="0"/>
-              <a:t>. 259–269. </a:t>
-            </a:r>
-          </a:p>
-          <a:p>
-            <a:r>
-              <a:rPr lang="vi-VN" sz="1200" dirty="0"/>
-              <a:t>[32] R. M. </a:t>
-            </a:r>
-            <a:r>
-              <a:rPr lang="vi-VN" sz="1200" dirty="0" err="1"/>
-              <a:t>Parizi</a:t>
-            </a:r>
-            <a:r>
-              <a:rPr lang="vi-VN" sz="1200" dirty="0"/>
-              <a:t>, A. </a:t>
-            </a:r>
-            <a:r>
-              <a:rPr lang="vi-VN" sz="1200" dirty="0" err="1"/>
-              <a:t>Dehghantanha</a:t>
-            </a:r>
-            <a:r>
-              <a:rPr lang="vi-VN" sz="1200" dirty="0"/>
-              <a:t>, K.-K. R. </a:t>
-            </a:r>
-            <a:r>
-              <a:rPr lang="vi-VN" sz="1200" dirty="0" err="1"/>
-              <a:t>Choo</a:t>
-            </a:r>
-            <a:r>
-              <a:rPr lang="vi-VN" sz="1200" dirty="0"/>
-              <a:t>, </a:t>
-            </a:r>
-            <a:r>
-              <a:rPr lang="vi-VN" sz="1200" dirty="0" err="1"/>
-              <a:t>and</a:t>
-            </a:r>
-            <a:r>
-              <a:rPr lang="vi-VN" sz="1200" dirty="0"/>
-              <a:t> A. </a:t>
-            </a:r>
-            <a:r>
-              <a:rPr lang="vi-VN" sz="1200" dirty="0" err="1"/>
-              <a:t>Singh</a:t>
-            </a:r>
-            <a:r>
-              <a:rPr lang="vi-VN" sz="1200" dirty="0"/>
-              <a:t>, “</a:t>
-            </a:r>
-            <a:r>
-              <a:rPr lang="vi-VN" sz="1200" dirty="0" err="1"/>
-              <a:t>Empirical</a:t>
-            </a:r>
-            <a:r>
-              <a:rPr lang="vi-VN" sz="1200" dirty="0"/>
-              <a:t> </a:t>
-            </a:r>
-            <a:r>
-              <a:rPr lang="vi-VN" sz="1200" dirty="0" err="1"/>
-              <a:t>vulnerability</a:t>
-            </a:r>
-            <a:r>
-              <a:rPr lang="vi-VN" sz="1200" dirty="0"/>
-              <a:t> </a:t>
-            </a:r>
-            <a:r>
-              <a:rPr lang="vi-VN" sz="1200" dirty="0" err="1"/>
-              <a:t>analysis</a:t>
-            </a:r>
-            <a:r>
-              <a:rPr lang="vi-VN" sz="1200" dirty="0"/>
-              <a:t> </a:t>
-            </a:r>
-            <a:r>
-              <a:rPr lang="vi-VN" sz="1200" dirty="0" err="1"/>
-              <a:t>of</a:t>
-            </a:r>
-            <a:r>
-              <a:rPr lang="vi-VN" sz="1200" dirty="0"/>
-              <a:t> </a:t>
-            </a:r>
-            <a:r>
-              <a:rPr lang="vi-VN" sz="1200" dirty="0" err="1"/>
-              <a:t>automated</a:t>
-            </a:r>
-            <a:r>
-              <a:rPr lang="vi-VN" sz="1200" dirty="0"/>
-              <a:t> </a:t>
-            </a:r>
-            <a:r>
-              <a:rPr lang="vi-VN" sz="1200" dirty="0" err="1"/>
-              <a:t>smart</a:t>
-            </a:r>
-            <a:r>
-              <a:rPr lang="vi-VN" sz="1200" dirty="0"/>
-              <a:t> </a:t>
-            </a:r>
-            <a:r>
-              <a:rPr lang="vi-VN" sz="1200" dirty="0" err="1"/>
-              <a:t>contracts</a:t>
-            </a:r>
-            <a:r>
-              <a:rPr lang="vi-VN" sz="1200" dirty="0"/>
-              <a:t> </a:t>
-            </a:r>
-            <a:r>
-              <a:rPr lang="vi-VN" sz="1200" dirty="0" err="1"/>
-              <a:t>security</a:t>
-            </a:r>
-            <a:r>
-              <a:rPr lang="vi-VN" sz="1200" dirty="0"/>
-              <a:t> </a:t>
-            </a:r>
-            <a:r>
-              <a:rPr lang="vi-VN" sz="1200" dirty="0" err="1"/>
-              <a:t>testing</a:t>
-            </a:r>
-            <a:r>
-              <a:rPr lang="vi-VN" sz="1200" dirty="0"/>
-              <a:t> </a:t>
-            </a:r>
-            <a:r>
-              <a:rPr lang="vi-VN" sz="1200" dirty="0" err="1"/>
-              <a:t>on</a:t>
-            </a:r>
-            <a:r>
-              <a:rPr lang="vi-VN" sz="1200" dirty="0"/>
-              <a:t> </a:t>
-            </a:r>
-            <a:r>
-              <a:rPr lang="vi-VN" sz="1200" dirty="0" err="1"/>
-              <a:t>blockchains</a:t>
-            </a:r>
-            <a:r>
-              <a:rPr lang="vi-VN" sz="1200" dirty="0"/>
-              <a:t>,” </a:t>
-            </a:r>
-            <a:r>
-              <a:rPr lang="vi-VN" sz="1200" dirty="0" err="1"/>
-              <a:t>arXiv</a:t>
-            </a:r>
-            <a:r>
-              <a:rPr lang="vi-VN" sz="1200" dirty="0"/>
-              <a:t> </a:t>
-            </a:r>
-            <a:r>
-              <a:rPr lang="vi-VN" sz="1200" dirty="0" err="1"/>
-              <a:t>preprint</a:t>
-            </a:r>
-            <a:r>
-              <a:rPr lang="vi-VN" sz="1200" dirty="0"/>
-              <a:t> arXiv:1809.02702, 2018</a:t>
             </a:r>
           </a:p>
         </p:txBody>
@@ -27528,7 +26924,1227 @@
 </p:sld>
 </file>
 
-<file path=ppt/slides/slide31.xml><?xml version="1.0" encoding="utf-8"?>
+<file path=ppt/slides/slide32.xml><?xml version="1.0" encoding="utf-8"?>
+<p:sld xmlns:a="http://schemas.openxmlformats.org/drawingml/2006/main" xmlns:r="http://schemas.openxmlformats.org/officeDocument/2006/relationships" xmlns:p="http://schemas.openxmlformats.org/presentationml/2006/main">
+  <p:cSld>
+    <p:spTree>
+      <p:nvGrpSpPr>
+        <p:cNvPr id="1" name=""/>
+        <p:cNvGrpSpPr/>
+        <p:nvPr/>
+      </p:nvGrpSpPr>
+      <p:grpSpPr>
+        <a:xfrm>
+          <a:off x="0" y="0"/>
+          <a:ext cx="0" cy="0"/>
+          <a:chOff x="0" y="0"/>
+          <a:chExt cx="0" cy="0"/>
+        </a:xfrm>
+      </p:grpSpPr>
+      <p:sp>
+        <p:nvSpPr>
+          <p:cNvPr id="2" name="Title 1">
+            <a:extLst>
+              <a:ext uri="{FF2B5EF4-FFF2-40B4-BE49-F238E27FC236}">
+                <a16:creationId xmlns:a16="http://schemas.microsoft.com/office/drawing/2014/main" id="{8702FCD4-3209-E8AE-E1E9-E312424B65F3}"/>
+              </a:ext>
+            </a:extLst>
+          </p:cNvPr>
+          <p:cNvSpPr>
+            <a:spLocks noGrp="1"/>
+          </p:cNvSpPr>
+          <p:nvPr>
+            <p:ph type="title"/>
+          </p:nvPr>
+        </p:nvSpPr>
+        <p:spPr/>
+        <p:txBody>
+          <a:bodyPr>
+            <a:normAutofit/>
+          </a:bodyPr>
+          <a:lstStyle/>
+          <a:p>
+            <a:r>
+              <a:rPr lang="vi-VN" dirty="0"/>
+              <a:t>Tài liệu tham khảo</a:t>
+            </a:r>
+            <a:endParaRPr lang="en-US" dirty="0"/>
+          </a:p>
+        </p:txBody>
+      </p:sp>
+      <p:sp>
+        <p:nvSpPr>
+          <p:cNvPr id="4" name="Slide Number Placeholder 3">
+            <a:extLst>
+              <a:ext uri="{FF2B5EF4-FFF2-40B4-BE49-F238E27FC236}">
+                <a16:creationId xmlns:a16="http://schemas.microsoft.com/office/drawing/2014/main" id="{4EAA5658-CA57-8D22-AD11-C48B20FCB3E7}"/>
+              </a:ext>
+            </a:extLst>
+          </p:cNvPr>
+          <p:cNvSpPr>
+            <a:spLocks noGrp="1"/>
+          </p:cNvSpPr>
+          <p:nvPr>
+            <p:ph type="sldNum" sz="quarter" idx="12"/>
+          </p:nvPr>
+        </p:nvSpPr>
+        <p:spPr/>
+        <p:txBody>
+          <a:bodyPr/>
+          <a:lstStyle/>
+          <a:p>
+            <a:fld id="{B487F271-60DF-4592-BB7F-B45BB4441AA9}" type="slidenum">
+              <a:rPr lang="en-US" smtClean="0"/>
+              <a:pPr/>
+              <a:t>32</a:t>
+            </a:fld>
+            <a:endParaRPr lang="en-US"/>
+          </a:p>
+        </p:txBody>
+      </p:sp>
+      <p:sp>
+        <p:nvSpPr>
+          <p:cNvPr id="7" name="Chỗ dành sẵn cho Nội dung 2">
+            <a:extLst>
+              <a:ext uri="{FF2B5EF4-FFF2-40B4-BE49-F238E27FC236}">
+                <a16:creationId xmlns:a16="http://schemas.microsoft.com/office/drawing/2014/main" id="{CDC90EE7-79FC-AC01-CE61-87E3AFF73EC1}"/>
+              </a:ext>
+            </a:extLst>
+          </p:cNvPr>
+          <p:cNvSpPr txBox="1">
+            <a:spLocks/>
+          </p:cNvSpPr>
+          <p:nvPr/>
+        </p:nvSpPr>
+        <p:spPr>
+          <a:xfrm>
+            <a:off x="169946" y="1033296"/>
+            <a:ext cx="8594557" cy="5290319"/>
+          </a:xfrm>
+          <a:prstGeom prst="rect">
+            <a:avLst/>
+          </a:prstGeom>
+        </p:spPr>
+        <p:txBody>
+          <a:bodyPr vert="horz" lIns="91440" tIns="45720" rIns="91440" bIns="45720" rtlCol="0">
+            <a:normAutofit/>
+          </a:bodyPr>
+          <a:lstStyle>
+            <a:lvl1pPr marL="228600" indent="-228600" algn="l" defTabSz="914400" rtl="0" eaLnBrk="1" latinLnBrk="0" hangingPunct="1">
+              <a:lnSpc>
+                <a:spcPct val="90000"/>
+              </a:lnSpc>
+              <a:spcBef>
+                <a:spcPts val="1000"/>
+              </a:spcBef>
+              <a:buFont typeface="Arial" panose="020B0604020202020204" pitchFamily="34" charset="0"/>
+              <a:buChar char="•"/>
+              <a:defRPr sz="2800" kern="1200">
+                <a:solidFill>
+                  <a:schemeClr val="tx1"/>
+                </a:solidFill>
+                <a:latin typeface="Arial" panose="020B0604020202020204" pitchFamily="34" charset="0"/>
+                <a:ea typeface="+mn-ea"/>
+                <a:cs typeface="Arial" panose="020B0604020202020204" pitchFamily="34" charset="0"/>
+              </a:defRPr>
+            </a:lvl1pPr>
+            <a:lvl2pPr marL="685800" indent="-228600" algn="l" defTabSz="914400" rtl="0" eaLnBrk="1" latinLnBrk="0" hangingPunct="1">
+              <a:lnSpc>
+                <a:spcPct val="90000"/>
+              </a:lnSpc>
+              <a:spcBef>
+                <a:spcPts val="500"/>
+              </a:spcBef>
+              <a:buFont typeface="Arial" panose="020B0604020202020204" pitchFamily="34" charset="0"/>
+              <a:buChar char="•"/>
+              <a:defRPr sz="2400" kern="1200">
+                <a:solidFill>
+                  <a:schemeClr val="tx1"/>
+                </a:solidFill>
+                <a:latin typeface="Arial" panose="020B0604020202020204" pitchFamily="34" charset="0"/>
+                <a:ea typeface="+mn-ea"/>
+                <a:cs typeface="Arial" panose="020B0604020202020204" pitchFamily="34" charset="0"/>
+              </a:defRPr>
+            </a:lvl2pPr>
+            <a:lvl3pPr marL="1143000" indent="-228600" algn="l" defTabSz="914400" rtl="0" eaLnBrk="1" latinLnBrk="0" hangingPunct="1">
+              <a:lnSpc>
+                <a:spcPct val="90000"/>
+              </a:lnSpc>
+              <a:spcBef>
+                <a:spcPts val="500"/>
+              </a:spcBef>
+              <a:buFont typeface="Arial" panose="020B0604020202020204" pitchFamily="34" charset="0"/>
+              <a:buChar char="•"/>
+              <a:defRPr sz="2000" kern="1200">
+                <a:solidFill>
+                  <a:schemeClr val="tx1"/>
+                </a:solidFill>
+                <a:latin typeface="Arial" panose="020B0604020202020204" pitchFamily="34" charset="0"/>
+                <a:ea typeface="+mn-ea"/>
+                <a:cs typeface="Arial" panose="020B0604020202020204" pitchFamily="34" charset="0"/>
+              </a:defRPr>
+            </a:lvl3pPr>
+            <a:lvl4pPr marL="1600200" indent="-228600" algn="l" defTabSz="914400" rtl="0" eaLnBrk="1" latinLnBrk="0" hangingPunct="1">
+              <a:lnSpc>
+                <a:spcPct val="90000"/>
+              </a:lnSpc>
+              <a:spcBef>
+                <a:spcPts val="500"/>
+              </a:spcBef>
+              <a:buFont typeface="Arial" panose="020B0604020202020204" pitchFamily="34" charset="0"/>
+              <a:buChar char="•"/>
+              <a:defRPr sz="1800" kern="1200">
+                <a:solidFill>
+                  <a:schemeClr val="tx1"/>
+                </a:solidFill>
+                <a:latin typeface="Arial" panose="020B0604020202020204" pitchFamily="34" charset="0"/>
+                <a:ea typeface="+mn-ea"/>
+                <a:cs typeface="Arial" panose="020B0604020202020204" pitchFamily="34" charset="0"/>
+              </a:defRPr>
+            </a:lvl4pPr>
+            <a:lvl5pPr marL="2057400" indent="-228600" algn="l" defTabSz="914400" rtl="0" eaLnBrk="1" latinLnBrk="0" hangingPunct="1">
+              <a:lnSpc>
+                <a:spcPct val="90000"/>
+              </a:lnSpc>
+              <a:spcBef>
+                <a:spcPts val="500"/>
+              </a:spcBef>
+              <a:buFont typeface="Arial" panose="020B0604020202020204" pitchFamily="34" charset="0"/>
+              <a:buChar char="•"/>
+              <a:defRPr sz="1800" kern="1200">
+                <a:solidFill>
+                  <a:schemeClr val="tx1"/>
+                </a:solidFill>
+                <a:latin typeface="Arial" panose="020B0604020202020204" pitchFamily="34" charset="0"/>
+                <a:ea typeface="+mn-ea"/>
+                <a:cs typeface="Arial" panose="020B0604020202020204" pitchFamily="34" charset="0"/>
+              </a:defRPr>
+            </a:lvl5pPr>
+            <a:lvl6pPr marL="2514600" indent="-228600" algn="l" defTabSz="914400" rtl="0" eaLnBrk="1" latinLnBrk="0" hangingPunct="1">
+              <a:lnSpc>
+                <a:spcPct val="90000"/>
+              </a:lnSpc>
+              <a:spcBef>
+                <a:spcPts val="500"/>
+              </a:spcBef>
+              <a:buFont typeface="Arial" panose="020B0604020202020204" pitchFamily="34" charset="0"/>
+              <a:buChar char="•"/>
+              <a:defRPr sz="1800" kern="1200">
+                <a:solidFill>
+                  <a:schemeClr val="tx1"/>
+                </a:solidFill>
+                <a:latin typeface="+mn-lt"/>
+                <a:ea typeface="+mn-ea"/>
+                <a:cs typeface="+mn-cs"/>
+              </a:defRPr>
+            </a:lvl6pPr>
+            <a:lvl7pPr marL="2971800" indent="-228600" algn="l" defTabSz="914400" rtl="0" eaLnBrk="1" latinLnBrk="0" hangingPunct="1">
+              <a:lnSpc>
+                <a:spcPct val="90000"/>
+              </a:lnSpc>
+              <a:spcBef>
+                <a:spcPts val="500"/>
+              </a:spcBef>
+              <a:buFont typeface="Arial" panose="020B0604020202020204" pitchFamily="34" charset="0"/>
+              <a:buChar char="•"/>
+              <a:defRPr sz="1800" kern="1200">
+                <a:solidFill>
+                  <a:schemeClr val="tx1"/>
+                </a:solidFill>
+                <a:latin typeface="+mn-lt"/>
+                <a:ea typeface="+mn-ea"/>
+                <a:cs typeface="+mn-cs"/>
+              </a:defRPr>
+            </a:lvl7pPr>
+            <a:lvl8pPr marL="3429000" indent="-228600" algn="l" defTabSz="914400" rtl="0" eaLnBrk="1" latinLnBrk="0" hangingPunct="1">
+              <a:lnSpc>
+                <a:spcPct val="90000"/>
+              </a:lnSpc>
+              <a:spcBef>
+                <a:spcPts val="500"/>
+              </a:spcBef>
+              <a:buFont typeface="Arial" panose="020B0604020202020204" pitchFamily="34" charset="0"/>
+              <a:buChar char="•"/>
+              <a:defRPr sz="1800" kern="1200">
+                <a:solidFill>
+                  <a:schemeClr val="tx1"/>
+                </a:solidFill>
+                <a:latin typeface="+mn-lt"/>
+                <a:ea typeface="+mn-ea"/>
+                <a:cs typeface="+mn-cs"/>
+              </a:defRPr>
+            </a:lvl8pPr>
+            <a:lvl9pPr marL="3886200" indent="-228600" algn="l" defTabSz="914400" rtl="0" eaLnBrk="1" latinLnBrk="0" hangingPunct="1">
+              <a:lnSpc>
+                <a:spcPct val="90000"/>
+              </a:lnSpc>
+              <a:spcBef>
+                <a:spcPts val="500"/>
+              </a:spcBef>
+              <a:buFont typeface="Arial" panose="020B0604020202020204" pitchFamily="34" charset="0"/>
+              <a:buChar char="•"/>
+              <a:defRPr sz="1800" kern="1200">
+                <a:solidFill>
+                  <a:schemeClr val="tx1"/>
+                </a:solidFill>
+                <a:latin typeface="+mn-lt"/>
+                <a:ea typeface="+mn-ea"/>
+                <a:cs typeface="+mn-cs"/>
+              </a:defRPr>
+            </a:lvl9pPr>
+          </a:lstStyle>
+          <a:p>
+            <a:pPr marL="0" indent="0">
+              <a:buFont typeface="Arial" panose="020B0604020202020204" pitchFamily="34" charset="0"/>
+              <a:buNone/>
+            </a:pPr>
+            <a:endParaRPr lang="en-US" dirty="0"/>
+          </a:p>
+        </p:txBody>
+      </p:sp>
+      <p:sp>
+        <p:nvSpPr>
+          <p:cNvPr id="3" name="TextBox 2">
+            <a:extLst>
+              <a:ext uri="{FF2B5EF4-FFF2-40B4-BE49-F238E27FC236}">
+                <a16:creationId xmlns:a16="http://schemas.microsoft.com/office/drawing/2014/main" id="{F2531948-1AAC-6D40-6EB8-7ACF3C8509E2}"/>
+              </a:ext>
+            </a:extLst>
+          </p:cNvPr>
+          <p:cNvSpPr txBox="1"/>
+          <p:nvPr/>
+        </p:nvSpPr>
+        <p:spPr>
+          <a:xfrm>
+            <a:off x="169946" y="1033296"/>
+            <a:ext cx="8759415" cy="5078313"/>
+          </a:xfrm>
+          <a:prstGeom prst="rect">
+            <a:avLst/>
+          </a:prstGeom>
+          <a:noFill/>
+        </p:spPr>
+        <p:txBody>
+          <a:bodyPr wrap="square" rtlCol="0">
+            <a:spAutoFit/>
+          </a:bodyPr>
+          <a:lstStyle/>
+          <a:p>
+            <a:r>
+              <a:rPr lang="vi-VN" dirty="0"/>
+              <a:t>[27] T. </a:t>
+            </a:r>
+            <a:r>
+              <a:rPr lang="vi-VN" dirty="0" err="1"/>
+              <a:t>Haugum</a:t>
+            </a:r>
+            <a:r>
+              <a:rPr lang="vi-VN" dirty="0"/>
+              <a:t>, B. </a:t>
+            </a:r>
+            <a:r>
+              <a:rPr lang="vi-VN" dirty="0" err="1"/>
+              <a:t>Hoff</a:t>
+            </a:r>
+            <a:r>
+              <a:rPr lang="vi-VN" dirty="0"/>
+              <a:t>, M. </a:t>
+            </a:r>
+            <a:r>
+              <a:rPr lang="vi-VN" dirty="0" err="1"/>
+              <a:t>Alsadi</a:t>
+            </a:r>
+            <a:r>
+              <a:rPr lang="vi-VN" dirty="0"/>
+              <a:t>, </a:t>
+            </a:r>
+            <a:r>
+              <a:rPr lang="vi-VN" dirty="0" err="1"/>
+              <a:t>and</a:t>
+            </a:r>
+            <a:r>
+              <a:rPr lang="vi-VN" dirty="0"/>
+              <a:t> J. Li, “</a:t>
+            </a:r>
+            <a:r>
+              <a:rPr lang="vi-VN" dirty="0" err="1"/>
+              <a:t>Security</a:t>
+            </a:r>
+            <a:r>
+              <a:rPr lang="vi-VN" dirty="0"/>
+              <a:t> </a:t>
+            </a:r>
+            <a:r>
+              <a:rPr lang="vi-VN" dirty="0" err="1"/>
+              <a:t>and</a:t>
+            </a:r>
+            <a:r>
+              <a:rPr lang="vi-VN" dirty="0"/>
+              <a:t> </a:t>
+            </a:r>
+            <a:r>
+              <a:rPr lang="vi-VN" dirty="0" err="1"/>
+              <a:t>privacy</a:t>
+            </a:r>
+            <a:r>
+              <a:rPr lang="vi-VN" dirty="0"/>
+              <a:t> </a:t>
+            </a:r>
+            <a:r>
+              <a:rPr lang="vi-VN" dirty="0" err="1"/>
+              <a:t>challenges</a:t>
+            </a:r>
+            <a:r>
+              <a:rPr lang="vi-VN" dirty="0"/>
+              <a:t> in </a:t>
+            </a:r>
+            <a:r>
+              <a:rPr lang="vi-VN" dirty="0" err="1"/>
+              <a:t>blockchain</a:t>
+            </a:r>
+            <a:r>
+              <a:rPr lang="vi-VN" dirty="0"/>
+              <a:t> </a:t>
+            </a:r>
+            <a:r>
+              <a:rPr lang="vi-VN" dirty="0" err="1"/>
+              <a:t>interoperability</a:t>
+            </a:r>
+            <a:r>
+              <a:rPr lang="vi-VN" dirty="0"/>
+              <a:t>-a </a:t>
+            </a:r>
+            <a:r>
+              <a:rPr lang="vi-VN" dirty="0" err="1"/>
+              <a:t>multivocal</a:t>
+            </a:r>
+            <a:r>
+              <a:rPr lang="vi-VN" dirty="0"/>
+              <a:t> </a:t>
+            </a:r>
+            <a:r>
+              <a:rPr lang="vi-VN" dirty="0" err="1"/>
+              <a:t>literature</a:t>
+            </a:r>
+            <a:r>
+              <a:rPr lang="vi-VN" dirty="0"/>
+              <a:t> </a:t>
+            </a:r>
+            <a:r>
+              <a:rPr lang="vi-VN" dirty="0" err="1"/>
+              <a:t>review</a:t>
+            </a:r>
+            <a:r>
+              <a:rPr lang="vi-VN" dirty="0"/>
+              <a:t>,” in </a:t>
+            </a:r>
+            <a:r>
+              <a:rPr lang="vi-VN" dirty="0" err="1"/>
+              <a:t>Proceedings</a:t>
+            </a:r>
+            <a:r>
+              <a:rPr lang="vi-VN" dirty="0"/>
+              <a:t> </a:t>
+            </a:r>
+            <a:r>
+              <a:rPr lang="vi-VN" dirty="0" err="1"/>
+              <a:t>of</a:t>
+            </a:r>
+            <a:r>
+              <a:rPr lang="vi-VN" dirty="0"/>
+              <a:t> the 26th </a:t>
+            </a:r>
+            <a:r>
+              <a:rPr lang="vi-VN" dirty="0" err="1"/>
+              <a:t>International</a:t>
+            </a:r>
+            <a:r>
+              <a:rPr lang="vi-VN" dirty="0"/>
+              <a:t> </a:t>
+            </a:r>
+            <a:r>
+              <a:rPr lang="vi-VN" dirty="0" err="1"/>
+              <a:t>Conference</a:t>
+            </a:r>
+            <a:r>
+              <a:rPr lang="vi-VN" dirty="0"/>
+              <a:t> </a:t>
+            </a:r>
+            <a:r>
+              <a:rPr lang="vi-VN" dirty="0" err="1"/>
+              <a:t>on</a:t>
+            </a:r>
+            <a:r>
+              <a:rPr lang="vi-VN" dirty="0"/>
+              <a:t> </a:t>
+            </a:r>
+            <a:r>
+              <a:rPr lang="vi-VN" dirty="0" err="1"/>
+              <a:t>Evaluation</a:t>
+            </a:r>
+            <a:r>
+              <a:rPr lang="vi-VN" dirty="0"/>
+              <a:t> </a:t>
+            </a:r>
+            <a:r>
+              <a:rPr lang="vi-VN" dirty="0" err="1"/>
+              <a:t>and</a:t>
+            </a:r>
+            <a:r>
+              <a:rPr lang="vi-VN" dirty="0"/>
+              <a:t> </a:t>
+            </a:r>
+            <a:r>
+              <a:rPr lang="vi-VN" dirty="0" err="1"/>
+              <a:t>Assessment</a:t>
+            </a:r>
+            <a:r>
+              <a:rPr lang="vi-VN" dirty="0"/>
+              <a:t> in </a:t>
+            </a:r>
+            <a:r>
+              <a:rPr lang="vi-VN" dirty="0" err="1"/>
+              <a:t>Software</a:t>
+            </a:r>
+            <a:r>
+              <a:rPr lang="vi-VN" dirty="0"/>
+              <a:t> </a:t>
+            </a:r>
+            <a:r>
+              <a:rPr lang="vi-VN" dirty="0" err="1"/>
+              <a:t>Engineering</a:t>
+            </a:r>
+            <a:r>
+              <a:rPr lang="vi-VN" dirty="0"/>
+              <a:t>, 2022, </a:t>
+            </a:r>
+            <a:r>
+              <a:rPr lang="vi-VN" dirty="0" err="1"/>
+              <a:t>pp</a:t>
+            </a:r>
+            <a:r>
+              <a:rPr lang="vi-VN" dirty="0"/>
+              <a:t>. 347–356. </a:t>
+            </a:r>
+          </a:p>
+          <a:p>
+            <a:r>
+              <a:rPr lang="vi-VN" dirty="0"/>
+              <a:t>[28] D. He, Z. </a:t>
+            </a:r>
+            <a:r>
+              <a:rPr lang="vi-VN" dirty="0" err="1"/>
+              <a:t>Deng</a:t>
+            </a:r>
+            <a:r>
+              <a:rPr lang="vi-VN" dirty="0"/>
+              <a:t>, Y. </a:t>
+            </a:r>
+            <a:r>
+              <a:rPr lang="vi-VN" dirty="0" err="1"/>
+              <a:t>Zhang</a:t>
+            </a:r>
+            <a:r>
+              <a:rPr lang="vi-VN" dirty="0"/>
+              <a:t>, S. Chan, Y. Cheng, </a:t>
+            </a:r>
+            <a:r>
+              <a:rPr lang="vi-VN" dirty="0" err="1"/>
+              <a:t>and</a:t>
+            </a:r>
+            <a:r>
+              <a:rPr lang="vi-VN" dirty="0"/>
+              <a:t> N. </a:t>
+            </a:r>
+            <a:r>
+              <a:rPr lang="vi-VN" dirty="0" err="1"/>
+              <a:t>Guizani</a:t>
+            </a:r>
+            <a:r>
+              <a:rPr lang="vi-VN" dirty="0"/>
+              <a:t>, “</a:t>
+            </a:r>
+            <a:r>
+              <a:rPr lang="vi-VN" dirty="0" err="1"/>
+              <a:t>Smart</a:t>
+            </a:r>
+            <a:r>
+              <a:rPr lang="vi-VN" dirty="0"/>
+              <a:t> </a:t>
+            </a:r>
+            <a:r>
+              <a:rPr lang="vi-VN" dirty="0" err="1"/>
+              <a:t>contract</a:t>
+            </a:r>
+            <a:r>
+              <a:rPr lang="vi-VN" dirty="0"/>
+              <a:t> </a:t>
+            </a:r>
+            <a:r>
+              <a:rPr lang="vi-VN" dirty="0" err="1"/>
+              <a:t>vulnerability</a:t>
+            </a:r>
+            <a:r>
+              <a:rPr lang="vi-VN" dirty="0"/>
+              <a:t> </a:t>
+            </a:r>
+            <a:r>
+              <a:rPr lang="vi-VN" dirty="0" err="1"/>
+              <a:t>analysis</a:t>
+            </a:r>
+            <a:r>
+              <a:rPr lang="vi-VN" dirty="0"/>
+              <a:t> </a:t>
+            </a:r>
+            <a:r>
+              <a:rPr lang="vi-VN" dirty="0" err="1"/>
+              <a:t>and</a:t>
+            </a:r>
+            <a:r>
+              <a:rPr lang="vi-VN" dirty="0"/>
+              <a:t> </a:t>
+            </a:r>
+            <a:r>
+              <a:rPr lang="vi-VN" dirty="0" err="1"/>
+              <a:t>security</a:t>
+            </a:r>
+            <a:r>
+              <a:rPr lang="vi-VN" dirty="0"/>
+              <a:t> </a:t>
+            </a:r>
+            <a:r>
+              <a:rPr lang="vi-VN" dirty="0" err="1"/>
+              <a:t>audit</a:t>
+            </a:r>
+            <a:r>
+              <a:rPr lang="vi-VN" dirty="0"/>
+              <a:t>,” IEEE </a:t>
+            </a:r>
+            <a:r>
+              <a:rPr lang="vi-VN" dirty="0" err="1"/>
+              <a:t>Network</a:t>
+            </a:r>
+            <a:r>
+              <a:rPr lang="vi-VN" dirty="0"/>
+              <a:t>, </a:t>
+            </a:r>
+            <a:r>
+              <a:rPr lang="vi-VN" dirty="0" err="1"/>
+              <a:t>vol</a:t>
+            </a:r>
+            <a:r>
+              <a:rPr lang="vi-VN" dirty="0"/>
+              <a:t>. 34, no. 5, </a:t>
+            </a:r>
+            <a:r>
+              <a:rPr lang="vi-VN" dirty="0" err="1"/>
+              <a:t>pp</a:t>
+            </a:r>
+            <a:r>
+              <a:rPr lang="vi-VN" dirty="0"/>
+              <a:t>. 276–282, 2020. </a:t>
+            </a:r>
+          </a:p>
+          <a:p>
+            <a:r>
+              <a:rPr lang="vi-VN" dirty="0"/>
+              <a:t>[29] W. </a:t>
+            </a:r>
+            <a:r>
+              <a:rPr lang="vi-VN" dirty="0" err="1"/>
+              <a:t>Deng</a:t>
+            </a:r>
+            <a:r>
+              <a:rPr lang="vi-VN" dirty="0"/>
+              <a:t>, H. </a:t>
+            </a:r>
+            <a:r>
+              <a:rPr lang="vi-VN" dirty="0" err="1"/>
+              <a:t>Wei</a:t>
+            </a:r>
+            <a:r>
+              <a:rPr lang="vi-VN" dirty="0"/>
+              <a:t>, T. </a:t>
+            </a:r>
+            <a:r>
+              <a:rPr lang="vi-VN" dirty="0" err="1"/>
+              <a:t>Huang</a:t>
+            </a:r>
+            <a:r>
+              <a:rPr lang="vi-VN" dirty="0"/>
+              <a:t>, C. Cao, Y. </a:t>
+            </a:r>
+            <a:r>
+              <a:rPr lang="vi-VN" dirty="0" err="1"/>
+              <a:t>Peng</a:t>
+            </a:r>
+            <a:r>
+              <a:rPr lang="vi-VN" dirty="0"/>
+              <a:t>, </a:t>
+            </a:r>
+            <a:r>
+              <a:rPr lang="vi-VN" dirty="0" err="1"/>
+              <a:t>and</a:t>
+            </a:r>
+            <a:r>
+              <a:rPr lang="vi-VN" dirty="0"/>
+              <a:t> X. Hu, “</a:t>
+            </a:r>
+            <a:r>
+              <a:rPr lang="vi-VN" dirty="0" err="1"/>
+              <a:t>Smart</a:t>
+            </a:r>
+            <a:r>
+              <a:rPr lang="vi-VN" dirty="0"/>
+              <a:t> </a:t>
+            </a:r>
+            <a:r>
+              <a:rPr lang="vi-VN" dirty="0" err="1"/>
+              <a:t>contract</a:t>
+            </a:r>
+            <a:r>
+              <a:rPr lang="vi-VN" dirty="0"/>
+              <a:t> </a:t>
+            </a:r>
+            <a:r>
+              <a:rPr lang="vi-VN" dirty="0" err="1"/>
+              <a:t>vulnerability</a:t>
+            </a:r>
+            <a:r>
+              <a:rPr lang="vi-VN" dirty="0"/>
+              <a:t> </a:t>
+            </a:r>
+            <a:r>
+              <a:rPr lang="vi-VN" dirty="0" err="1"/>
+              <a:t>detection</a:t>
+            </a:r>
+            <a:r>
+              <a:rPr lang="vi-VN" dirty="0"/>
+              <a:t> </a:t>
+            </a:r>
+            <a:r>
+              <a:rPr lang="vi-VN" dirty="0" err="1"/>
+              <a:t>based</a:t>
+            </a:r>
+            <a:r>
+              <a:rPr lang="vi-VN" dirty="0"/>
+              <a:t> </a:t>
+            </a:r>
+            <a:r>
+              <a:rPr lang="vi-VN" dirty="0" err="1"/>
+              <a:t>on</a:t>
+            </a:r>
+            <a:r>
+              <a:rPr lang="vi-VN" dirty="0"/>
+              <a:t> </a:t>
+            </a:r>
+            <a:r>
+              <a:rPr lang="vi-VN" dirty="0" err="1"/>
+              <a:t>deep</a:t>
+            </a:r>
+            <a:r>
+              <a:rPr lang="vi-VN" dirty="0"/>
+              <a:t> </a:t>
+            </a:r>
+            <a:r>
+              <a:rPr lang="vi-VN" dirty="0" err="1"/>
+              <a:t>learning</a:t>
+            </a:r>
+            <a:r>
+              <a:rPr lang="vi-VN" dirty="0"/>
+              <a:t> </a:t>
+            </a:r>
+            <a:r>
+              <a:rPr lang="vi-VN" dirty="0" err="1"/>
+              <a:t>and</a:t>
+            </a:r>
+            <a:r>
+              <a:rPr lang="vi-VN" dirty="0"/>
+              <a:t> </a:t>
+            </a:r>
+            <a:r>
+              <a:rPr lang="vi-VN" dirty="0" err="1"/>
+              <a:t>multimodal</a:t>
+            </a:r>
+            <a:r>
+              <a:rPr lang="vi-VN" dirty="0"/>
+              <a:t> </a:t>
+            </a:r>
+            <a:r>
+              <a:rPr lang="vi-VN" dirty="0" err="1"/>
+              <a:t>decision</a:t>
+            </a:r>
+            <a:r>
+              <a:rPr lang="vi-VN" dirty="0"/>
+              <a:t> </a:t>
+            </a:r>
+            <a:r>
+              <a:rPr lang="vi-VN" dirty="0" err="1"/>
+              <a:t>fusion</a:t>
+            </a:r>
+            <a:r>
+              <a:rPr lang="vi-VN" dirty="0"/>
+              <a:t>,” </a:t>
+            </a:r>
+            <a:r>
+              <a:rPr lang="vi-VN" dirty="0" err="1"/>
+              <a:t>Sensors</a:t>
+            </a:r>
+            <a:r>
+              <a:rPr lang="vi-VN" dirty="0"/>
+              <a:t>, </a:t>
+            </a:r>
+            <a:r>
+              <a:rPr lang="vi-VN" dirty="0" err="1"/>
+              <a:t>vol</a:t>
+            </a:r>
+            <a:r>
+              <a:rPr lang="vi-VN" dirty="0"/>
+              <a:t>. 23, no. 16, p. 7246, 2023. </a:t>
+            </a:r>
+          </a:p>
+          <a:p>
+            <a:r>
+              <a:rPr lang="vi-VN" dirty="0"/>
+              <a:t>[30] J. </a:t>
+            </a:r>
+            <a:r>
+              <a:rPr lang="vi-VN" dirty="0" err="1"/>
+              <a:t>Huang</a:t>
+            </a:r>
+            <a:r>
+              <a:rPr lang="vi-VN" dirty="0"/>
+              <a:t>, K. </a:t>
+            </a:r>
+            <a:r>
+              <a:rPr lang="vi-VN" dirty="0" err="1"/>
+              <a:t>Zhou</a:t>
+            </a:r>
+            <a:r>
+              <a:rPr lang="vi-VN" dirty="0"/>
+              <a:t>, A. </a:t>
+            </a:r>
+            <a:r>
+              <a:rPr lang="vi-VN" dirty="0" err="1"/>
+              <a:t>Xiong</a:t>
+            </a:r>
+            <a:r>
+              <a:rPr lang="vi-VN" dirty="0"/>
+              <a:t>, </a:t>
+            </a:r>
+            <a:r>
+              <a:rPr lang="vi-VN" dirty="0" err="1"/>
+              <a:t>and</a:t>
+            </a:r>
+            <a:r>
+              <a:rPr lang="vi-VN" dirty="0"/>
+              <a:t> D. Li, “</a:t>
+            </a:r>
+            <a:r>
+              <a:rPr lang="vi-VN" dirty="0" err="1"/>
+              <a:t>Smart</a:t>
+            </a:r>
+            <a:r>
+              <a:rPr lang="vi-VN" dirty="0"/>
+              <a:t> </a:t>
+            </a:r>
+            <a:r>
+              <a:rPr lang="vi-VN" dirty="0" err="1"/>
+              <a:t>contract</a:t>
+            </a:r>
+            <a:r>
+              <a:rPr lang="vi-VN" dirty="0"/>
+              <a:t> </a:t>
+            </a:r>
+            <a:r>
+              <a:rPr lang="vi-VN" dirty="0" err="1"/>
+              <a:t>vulnerability</a:t>
+            </a:r>
+            <a:r>
+              <a:rPr lang="vi-VN" dirty="0"/>
+              <a:t> </a:t>
+            </a:r>
+            <a:r>
+              <a:rPr lang="vi-VN" dirty="0" err="1"/>
+              <a:t>detection</a:t>
+            </a:r>
+            <a:r>
+              <a:rPr lang="vi-VN" dirty="0"/>
+              <a:t> </a:t>
+            </a:r>
+            <a:r>
+              <a:rPr lang="vi-VN" dirty="0" err="1"/>
+              <a:t>model</a:t>
+            </a:r>
+            <a:r>
+              <a:rPr lang="vi-VN" dirty="0"/>
+              <a:t> </a:t>
+            </a:r>
+            <a:r>
+              <a:rPr lang="vi-VN" dirty="0" err="1"/>
+              <a:t>based</a:t>
+            </a:r>
+            <a:r>
+              <a:rPr lang="vi-VN" dirty="0"/>
+              <a:t> </a:t>
+            </a:r>
+            <a:r>
+              <a:rPr lang="vi-VN" dirty="0" err="1"/>
+              <a:t>on</a:t>
+            </a:r>
+            <a:r>
+              <a:rPr lang="vi-VN" dirty="0"/>
+              <a:t> </a:t>
+            </a:r>
+            <a:r>
+              <a:rPr lang="vi-VN" dirty="0" err="1"/>
+              <a:t>multi-task</a:t>
+            </a:r>
+            <a:r>
+              <a:rPr lang="vi-VN" dirty="0"/>
+              <a:t> </a:t>
+            </a:r>
+            <a:r>
+              <a:rPr lang="vi-VN" dirty="0" err="1"/>
+              <a:t>learning</a:t>
+            </a:r>
+            <a:r>
+              <a:rPr lang="vi-VN" dirty="0"/>
+              <a:t>,” </a:t>
+            </a:r>
+            <a:r>
+              <a:rPr lang="vi-VN" dirty="0" err="1"/>
+              <a:t>Sensors</a:t>
+            </a:r>
+            <a:r>
+              <a:rPr lang="vi-VN" dirty="0"/>
+              <a:t>, </a:t>
+            </a:r>
+            <a:r>
+              <a:rPr lang="vi-VN" dirty="0" err="1"/>
+              <a:t>vol</a:t>
+            </a:r>
+            <a:r>
+              <a:rPr lang="vi-VN" dirty="0"/>
+              <a:t>. 22, no. 5, p. 1829, 2022</a:t>
+            </a:r>
+          </a:p>
+          <a:p>
+            <a:r>
+              <a:rPr lang="vi-VN" dirty="0"/>
+              <a:t>[31] B. </a:t>
+            </a:r>
+            <a:r>
+              <a:rPr lang="vi-VN" dirty="0" err="1"/>
+              <a:t>Jiang</a:t>
+            </a:r>
+            <a:r>
+              <a:rPr lang="vi-VN" dirty="0"/>
+              <a:t>, Y. Liu, </a:t>
+            </a:r>
+            <a:r>
+              <a:rPr lang="vi-VN" dirty="0" err="1"/>
+              <a:t>and</a:t>
+            </a:r>
+            <a:r>
+              <a:rPr lang="vi-VN" dirty="0"/>
+              <a:t> W. K. Chan, “</a:t>
+            </a:r>
+            <a:r>
+              <a:rPr lang="vi-VN" dirty="0" err="1"/>
+              <a:t>Contractfuzzer</a:t>
+            </a:r>
+            <a:r>
+              <a:rPr lang="vi-VN" dirty="0"/>
+              <a:t>: </a:t>
+            </a:r>
+            <a:r>
+              <a:rPr lang="vi-VN" dirty="0" err="1"/>
+              <a:t>Fuzzing</a:t>
+            </a:r>
+            <a:r>
+              <a:rPr lang="vi-VN" dirty="0"/>
+              <a:t> </a:t>
+            </a:r>
+            <a:r>
+              <a:rPr lang="vi-VN" dirty="0" err="1"/>
+              <a:t>smart</a:t>
+            </a:r>
+            <a:r>
+              <a:rPr lang="vi-VN" dirty="0"/>
+              <a:t> </a:t>
+            </a:r>
+            <a:r>
+              <a:rPr lang="vi-VN" dirty="0" err="1"/>
+              <a:t>contracts</a:t>
+            </a:r>
+            <a:r>
+              <a:rPr lang="vi-VN" dirty="0"/>
+              <a:t> </a:t>
+            </a:r>
+            <a:r>
+              <a:rPr lang="vi-VN" dirty="0" err="1"/>
+              <a:t>for</a:t>
+            </a:r>
+            <a:r>
+              <a:rPr lang="vi-VN" dirty="0"/>
+              <a:t> </a:t>
+            </a:r>
+            <a:r>
+              <a:rPr lang="vi-VN" dirty="0" err="1"/>
+              <a:t>vulnerability</a:t>
+            </a:r>
+            <a:r>
+              <a:rPr lang="vi-VN" dirty="0"/>
+              <a:t> </a:t>
+            </a:r>
+            <a:r>
+              <a:rPr lang="vi-VN" dirty="0" err="1"/>
+              <a:t>detection</a:t>
+            </a:r>
+            <a:r>
+              <a:rPr lang="vi-VN" dirty="0"/>
+              <a:t>,” in </a:t>
+            </a:r>
+            <a:r>
+              <a:rPr lang="vi-VN" dirty="0" err="1"/>
+              <a:t>Proceedings</a:t>
+            </a:r>
+            <a:r>
+              <a:rPr lang="vi-VN" dirty="0"/>
+              <a:t> </a:t>
+            </a:r>
+            <a:r>
+              <a:rPr lang="vi-VN" dirty="0" err="1"/>
+              <a:t>of</a:t>
+            </a:r>
+            <a:r>
+              <a:rPr lang="vi-VN" dirty="0"/>
+              <a:t> the 33rd ACM/IEEE </a:t>
+            </a:r>
+            <a:r>
+              <a:rPr lang="vi-VN" dirty="0" err="1"/>
+              <a:t>International</a:t>
+            </a:r>
+            <a:r>
+              <a:rPr lang="vi-VN" dirty="0"/>
+              <a:t> </a:t>
+            </a:r>
+            <a:r>
+              <a:rPr lang="vi-VN" dirty="0" err="1"/>
+              <a:t>Conference</a:t>
+            </a:r>
+            <a:r>
+              <a:rPr lang="vi-VN" dirty="0"/>
+              <a:t> </a:t>
+            </a:r>
+            <a:r>
+              <a:rPr lang="vi-VN" dirty="0" err="1"/>
+              <a:t>on</a:t>
+            </a:r>
+            <a:r>
+              <a:rPr lang="vi-VN" dirty="0"/>
+              <a:t> </a:t>
+            </a:r>
+            <a:r>
+              <a:rPr lang="vi-VN" dirty="0" err="1"/>
+              <a:t>Automated</a:t>
+            </a:r>
+            <a:r>
+              <a:rPr lang="vi-VN" dirty="0"/>
+              <a:t> </a:t>
+            </a:r>
+            <a:r>
+              <a:rPr lang="vi-VN" dirty="0" err="1"/>
+              <a:t>Software</a:t>
+            </a:r>
+            <a:r>
+              <a:rPr lang="vi-VN" dirty="0"/>
+              <a:t> </a:t>
+            </a:r>
+            <a:r>
+              <a:rPr lang="vi-VN" dirty="0" err="1"/>
+              <a:t>Engineering</a:t>
+            </a:r>
+            <a:r>
+              <a:rPr lang="vi-VN" dirty="0"/>
+              <a:t>, 2018, </a:t>
+            </a:r>
+            <a:r>
+              <a:rPr lang="vi-VN" dirty="0" err="1"/>
+              <a:t>pp</a:t>
+            </a:r>
+            <a:r>
+              <a:rPr lang="vi-VN" dirty="0"/>
+              <a:t>. 259–269. </a:t>
+            </a:r>
+          </a:p>
+          <a:p>
+            <a:r>
+              <a:rPr lang="vi-VN" dirty="0"/>
+              <a:t>[32] R. M. </a:t>
+            </a:r>
+            <a:r>
+              <a:rPr lang="vi-VN" dirty="0" err="1"/>
+              <a:t>Parizi</a:t>
+            </a:r>
+            <a:r>
+              <a:rPr lang="vi-VN" dirty="0"/>
+              <a:t>, A. </a:t>
+            </a:r>
+            <a:r>
+              <a:rPr lang="vi-VN" dirty="0" err="1"/>
+              <a:t>Dehghantanha</a:t>
+            </a:r>
+            <a:r>
+              <a:rPr lang="vi-VN" dirty="0"/>
+              <a:t>, K.-K. R. </a:t>
+            </a:r>
+            <a:r>
+              <a:rPr lang="vi-VN" dirty="0" err="1"/>
+              <a:t>Choo</a:t>
+            </a:r>
+            <a:r>
+              <a:rPr lang="vi-VN" dirty="0"/>
+              <a:t>, </a:t>
+            </a:r>
+            <a:r>
+              <a:rPr lang="vi-VN" dirty="0" err="1"/>
+              <a:t>and</a:t>
+            </a:r>
+            <a:r>
+              <a:rPr lang="vi-VN" dirty="0"/>
+              <a:t> A. </a:t>
+            </a:r>
+            <a:r>
+              <a:rPr lang="vi-VN" dirty="0" err="1"/>
+              <a:t>Singh</a:t>
+            </a:r>
+            <a:r>
+              <a:rPr lang="vi-VN" dirty="0"/>
+              <a:t>, “</a:t>
+            </a:r>
+            <a:r>
+              <a:rPr lang="vi-VN" dirty="0" err="1"/>
+              <a:t>Empirical</a:t>
+            </a:r>
+            <a:r>
+              <a:rPr lang="vi-VN" dirty="0"/>
+              <a:t> </a:t>
+            </a:r>
+            <a:r>
+              <a:rPr lang="vi-VN" dirty="0" err="1"/>
+              <a:t>vulnerability</a:t>
+            </a:r>
+            <a:r>
+              <a:rPr lang="vi-VN" dirty="0"/>
+              <a:t> </a:t>
+            </a:r>
+            <a:r>
+              <a:rPr lang="vi-VN" dirty="0" err="1"/>
+              <a:t>analysis</a:t>
+            </a:r>
+            <a:r>
+              <a:rPr lang="vi-VN" dirty="0"/>
+              <a:t> </a:t>
+            </a:r>
+            <a:r>
+              <a:rPr lang="vi-VN" dirty="0" err="1"/>
+              <a:t>of</a:t>
+            </a:r>
+            <a:r>
+              <a:rPr lang="vi-VN" dirty="0"/>
+              <a:t> </a:t>
+            </a:r>
+            <a:r>
+              <a:rPr lang="vi-VN" dirty="0" err="1"/>
+              <a:t>automated</a:t>
+            </a:r>
+            <a:r>
+              <a:rPr lang="vi-VN" dirty="0"/>
+              <a:t> </a:t>
+            </a:r>
+            <a:r>
+              <a:rPr lang="vi-VN" dirty="0" err="1"/>
+              <a:t>smart</a:t>
+            </a:r>
+            <a:r>
+              <a:rPr lang="vi-VN" dirty="0"/>
+              <a:t> </a:t>
+            </a:r>
+            <a:r>
+              <a:rPr lang="vi-VN" dirty="0" err="1"/>
+              <a:t>contracts</a:t>
+            </a:r>
+            <a:r>
+              <a:rPr lang="vi-VN" dirty="0"/>
+              <a:t> </a:t>
+            </a:r>
+            <a:r>
+              <a:rPr lang="vi-VN" dirty="0" err="1"/>
+              <a:t>security</a:t>
+            </a:r>
+            <a:r>
+              <a:rPr lang="vi-VN" dirty="0"/>
+              <a:t> </a:t>
+            </a:r>
+            <a:r>
+              <a:rPr lang="vi-VN" dirty="0" err="1"/>
+              <a:t>testing</a:t>
+            </a:r>
+            <a:r>
+              <a:rPr lang="vi-VN" dirty="0"/>
+              <a:t> </a:t>
+            </a:r>
+            <a:r>
+              <a:rPr lang="vi-VN" dirty="0" err="1"/>
+              <a:t>on</a:t>
+            </a:r>
+            <a:r>
+              <a:rPr lang="vi-VN" dirty="0"/>
+              <a:t> </a:t>
+            </a:r>
+            <a:r>
+              <a:rPr lang="vi-VN" dirty="0" err="1"/>
+              <a:t>blockchains</a:t>
+            </a:r>
+            <a:r>
+              <a:rPr lang="vi-VN" dirty="0"/>
+              <a:t>,” </a:t>
+            </a:r>
+            <a:r>
+              <a:rPr lang="vi-VN" dirty="0" err="1"/>
+              <a:t>arXiv</a:t>
+            </a:r>
+            <a:r>
+              <a:rPr lang="vi-VN" dirty="0"/>
+              <a:t> </a:t>
+            </a:r>
+            <a:r>
+              <a:rPr lang="vi-VN" dirty="0" err="1"/>
+              <a:t>preprint</a:t>
+            </a:r>
+            <a:r>
+              <a:rPr lang="vi-VN" dirty="0"/>
+              <a:t> arXiv:1809.02702, 2018</a:t>
+            </a:r>
+          </a:p>
+        </p:txBody>
+      </p:sp>
+    </p:spTree>
+    <p:extLst>
+      <p:ext uri="{BB962C8B-B14F-4D97-AF65-F5344CB8AC3E}">
+        <p14:creationId xmlns:p14="http://schemas.microsoft.com/office/powerpoint/2010/main" val="3370275872"/>
+      </p:ext>
+    </p:extLst>
+  </p:cSld>
+  <p:clrMapOvr>
+    <a:masterClrMapping/>
+  </p:clrMapOvr>
+</p:sld>
+</file>
+
+<file path=ppt/slides/slide33.xml><?xml version="1.0" encoding="utf-8"?>
 <p:sld xmlns:a="http://schemas.openxmlformats.org/drawingml/2006/main" xmlns:r="http://schemas.openxmlformats.org/officeDocument/2006/relationships" xmlns:p="http://schemas.openxmlformats.org/presentationml/2006/main">
   <p:cSld>
     <p:spTree>

--- a/Slide_20520605_VoAnhKiet.pptx
+++ b/Slide_20520605_VoAnhKiet.pptx
@@ -4244,7 +4244,7 @@
           <a:p>
             <a:fld id="{E587A635-B0CF-4472-8408-4DCADBE094BF}" type="datetimeFigureOut">
               <a:rPr lang="en-US" smtClean="0"/>
-              <a:t>1/11/2024</a:t>
+              <a:t>1/15/2024</a:t>
             </a:fld>
             <a:endParaRPr lang="en-US"/>
           </a:p>
@@ -5012,7 +5012,7 @@
           <a:p>
             <a:fld id="{3132BAE4-EF96-401E-9835-FEF9D1E36FF4}" type="datetime1">
               <a:rPr lang="en-US" smtClean="0"/>
-              <a:t>1/11/2024</a:t>
+              <a:t>1/15/2024</a:t>
             </a:fld>
             <a:endParaRPr lang="en-US"/>
           </a:p>
@@ -5180,7 +5180,7 @@
           <a:p>
             <a:fld id="{1D91AC6C-1BC6-47FA-9DC8-070F2A5615A2}" type="datetime1">
               <a:rPr lang="en-US" smtClean="0"/>
-              <a:t>1/11/2024</a:t>
+              <a:t>1/15/2024</a:t>
             </a:fld>
             <a:endParaRPr lang="en-US"/>
           </a:p>
@@ -5358,7 +5358,7 @@
           <a:p>
             <a:fld id="{F236F4F4-7454-4D5D-B0E5-ADD7BEA612DE}" type="datetime1">
               <a:rPr lang="en-US" smtClean="0"/>
-              <a:t>1/11/2024</a:t>
+              <a:t>1/15/2024</a:t>
             </a:fld>
             <a:endParaRPr lang="en-US"/>
           </a:p>
@@ -6299,7 +6299,7 @@
           <a:p>
             <a:fld id="{F8FD31F5-B86C-42C2-9B18-CACBD66E1162}" type="datetime1">
               <a:rPr lang="en-US" smtClean="0"/>
-              <a:t>1/11/2024</a:t>
+              <a:t>1/15/2024</a:t>
             </a:fld>
             <a:endParaRPr lang="en-US"/>
           </a:p>
@@ -6528,7 +6528,7 @@
           <a:p>
             <a:fld id="{42F8B556-B1D1-491C-89AB-66731DCC77DE}" type="datetime1">
               <a:rPr lang="en-US" smtClean="0"/>
-              <a:t>1/11/2024</a:t>
+              <a:t>1/15/2024</a:t>
             </a:fld>
             <a:endParaRPr lang="en-US"/>
           </a:p>
@@ -6892,7 +6892,7 @@
           <a:p>
             <a:fld id="{EEDAD88C-F643-4BA5-9C82-72FA2262C860}" type="datetime1">
               <a:rPr lang="en-US" smtClean="0"/>
-              <a:t>1/11/2024</a:t>
+              <a:t>1/15/2024</a:t>
             </a:fld>
             <a:endParaRPr lang="en-US"/>
           </a:p>
@@ -7009,7 +7009,7 @@
           <a:p>
             <a:fld id="{E609ABF0-587C-4552-A769-0D8B5734B185}" type="datetime1">
               <a:rPr lang="en-US" smtClean="0"/>
-              <a:t>1/11/2024</a:t>
+              <a:t>1/15/2024</a:t>
             </a:fld>
             <a:endParaRPr lang="en-US"/>
           </a:p>
@@ -7104,7 +7104,7 @@
           <a:p>
             <a:fld id="{A77393E2-C834-4338-A398-5464AB7866F5}" type="datetime1">
               <a:rPr lang="en-US" smtClean="0"/>
-              <a:t>1/11/2024</a:t>
+              <a:t>1/15/2024</a:t>
             </a:fld>
             <a:endParaRPr lang="en-US"/>
           </a:p>
@@ -7379,7 +7379,7 @@
           <a:p>
             <a:fld id="{2891DBC9-E6B0-4610-A49D-534249B0763B}" type="datetime1">
               <a:rPr lang="en-US" smtClean="0"/>
-              <a:t>1/11/2024</a:t>
+              <a:t>1/15/2024</a:t>
             </a:fld>
             <a:endParaRPr lang="en-US"/>
           </a:p>
@@ -7634,7 +7634,7 @@
           <a:p>
             <a:fld id="{184A8F27-1C85-43B1-B996-E57117C13630}" type="datetime1">
               <a:rPr lang="en-US" smtClean="0"/>
-              <a:t>1/11/2024</a:t>
+              <a:t>1/15/2024</a:t>
             </a:fld>
             <a:endParaRPr lang="en-US"/>
           </a:p>
@@ -7845,7 +7845,7 @@
           <a:p>
             <a:fld id="{EC887FB8-3E84-421F-B192-10C24D654A3B}" type="datetime1">
               <a:rPr lang="en-US" smtClean="0"/>
-              <a:t>1/11/2024</a:t>
+              <a:t>1/15/2024</a:t>
             </a:fld>
             <a:endParaRPr lang="en-US"/>
           </a:p>
@@ -30228,8 +30228,36 @@
               <a:buAutoNum type="arabicPeriod"/>
             </a:pPr>
             <a:r>
+              <a:rPr lang="en-US" sz="2400" dirty="0"/>
+              <a:t>Thành </a:t>
+            </a:r>
+            <a:r>
               <a:rPr lang="en-US" sz="2400" dirty="0" err="1"/>
-              <a:t>Xây</a:t>
+              <a:t>công</a:t>
+            </a:r>
+            <a:r>
+              <a:rPr lang="en-US" sz="2400" dirty="0"/>
+              <a:t> </a:t>
+            </a:r>
+            <a:r>
+              <a:rPr lang="en-US" sz="2400" dirty="0" err="1"/>
+              <a:t>trong</a:t>
+            </a:r>
+            <a:r>
+              <a:rPr lang="en-US" sz="2400" dirty="0"/>
+              <a:t> </a:t>
+            </a:r>
+            <a:r>
+              <a:rPr lang="en-US" sz="2400" dirty="0" err="1"/>
+              <a:t>việc</a:t>
+            </a:r>
+            <a:r>
+              <a:rPr lang="en-US" sz="2400" dirty="0"/>
+              <a:t> </a:t>
+            </a:r>
+            <a:r>
+              <a:rPr lang="en-US" sz="2400" dirty="0" err="1"/>
+              <a:t>xây</a:t>
             </a:r>
             <a:r>
               <a:rPr lang="en-US" sz="2400" dirty="0"/>
@@ -30245,7 +30273,7 @@
             </a:r>
             <a:r>
               <a:rPr lang="en-US" sz="2400" dirty="0" err="1"/>
-              <a:t>được</a:t>
+              <a:t>ứng</a:t>
             </a:r>
             <a:r>
               <a:rPr lang="en-US" sz="2400" dirty="0"/>
@@ -30253,7 +30281,7 @@
             </a:r>
             <a:r>
               <a:rPr lang="en-US" sz="2400" dirty="0" err="1"/>
-              <a:t>tập</a:t>
+              <a:t>dụng</a:t>
             </a:r>
             <a:r>
               <a:rPr lang="en-US" sz="2400" dirty="0"/>
@@ -30261,7 +30289,7 @@
             </a:r>
             <a:r>
               <a:rPr lang="en-US" sz="2400" dirty="0" err="1"/>
-              <a:t>dữ</a:t>
+              <a:t>tự</a:t>
             </a:r>
             <a:r>
               <a:rPr lang="en-US" sz="2400" dirty="0"/>
@@ -30269,7 +30297,7 @@
             </a:r>
             <a:r>
               <a:rPr lang="en-US" sz="2400" dirty="0" err="1"/>
-              <a:t>liệu</a:t>
+              <a:t>động</a:t>
             </a:r>
             <a:r>
               <a:rPr lang="en-US" sz="2400" dirty="0"/>
@@ -30277,7 +30305,7 @@
             </a:r>
             <a:r>
               <a:rPr lang="en-US" sz="2400" dirty="0" err="1"/>
-              <a:t>nhằm</a:t>
+              <a:t>phát</a:t>
             </a:r>
             <a:r>
               <a:rPr lang="en-US" sz="2400" dirty="0"/>
@@ -30285,23 +30313,7 @@
             </a:r>
             <a:r>
               <a:rPr lang="en-US" sz="2400" dirty="0" err="1"/>
-              <a:t>xác</a:t>
-            </a:r>
-            <a:r>
-              <a:rPr lang="en-US" sz="2400" dirty="0"/>
-              <a:t> </a:t>
-            </a:r>
-            <a:r>
-              <a:rPr lang="en-US" sz="2400" dirty="0" err="1"/>
-              <a:t>định</a:t>
-            </a:r>
-            <a:r>
-              <a:rPr lang="en-US" sz="2400" dirty="0"/>
-              <a:t> </a:t>
-            </a:r>
-            <a:r>
-              <a:rPr lang="en-US" sz="2400" dirty="0" err="1"/>
-              <a:t>các</a:t>
+              <a:t>hiện</a:t>
             </a:r>
             <a:r>
               <a:rPr lang="en-US" sz="2400" dirty="0"/>
@@ -30395,6 +30407,67 @@
               <a:rPr lang="en-US" sz="2400" dirty="0"/>
               <a:t> </a:t>
             </a:r>
+            <a:r>
+              <a:rPr lang="en-US" sz="2400" dirty="0" err="1"/>
+              <a:t>bằng</a:t>
+            </a:r>
+            <a:r>
+              <a:rPr lang="en-US" sz="2400" dirty="0"/>
+              <a:t> </a:t>
+            </a:r>
+            <a:r>
+              <a:rPr lang="en-US" sz="2400" dirty="0" err="1"/>
+              <a:t>cách</a:t>
+            </a:r>
+            <a:r>
+              <a:rPr lang="en-US" sz="2400" dirty="0"/>
+              <a:t> </a:t>
+            </a:r>
+            <a:r>
+              <a:rPr lang="en-US" sz="2400" dirty="0" err="1"/>
+              <a:t>áp</a:t>
+            </a:r>
+            <a:r>
+              <a:rPr lang="en-US" sz="2400" dirty="0"/>
+              <a:t> </a:t>
+            </a:r>
+            <a:r>
+              <a:rPr lang="en-US" sz="2400" dirty="0" err="1"/>
+              <a:t>dụng</a:t>
+            </a:r>
+            <a:r>
+              <a:rPr lang="en-US" sz="2400" dirty="0"/>
+              <a:t> </a:t>
+            </a:r>
+            <a:r>
+              <a:rPr lang="en-US" sz="2400" dirty="0" err="1"/>
+              <a:t>mô</a:t>
+            </a:r>
+            <a:r>
+              <a:rPr lang="en-US" sz="2400" dirty="0"/>
+              <a:t> </a:t>
+            </a:r>
+            <a:r>
+              <a:rPr lang="en-US" sz="2400" dirty="0" err="1"/>
+              <a:t>hình</a:t>
+            </a:r>
+            <a:r>
+              <a:rPr lang="en-US" sz="2400" dirty="0"/>
+              <a:t> </a:t>
+            </a:r>
+            <a:r>
+              <a:rPr lang="en-US" sz="2400" dirty="0" err="1"/>
+              <a:t>học</a:t>
+            </a:r>
+            <a:r>
+              <a:rPr lang="en-US" sz="2400" dirty="0"/>
+              <a:t> </a:t>
+            </a:r>
+            <a:r>
+              <a:rPr lang="en-US" sz="2400" dirty="0" err="1"/>
+              <a:t>máy</a:t>
+            </a:r>
+            <a:endParaRPr lang="en-US" sz="2400" dirty="0"/>
           </a:p>
           <a:p>
             <a:pPr marL="457200" indent="-457200" algn="just">
@@ -30409,12 +30482,96 @@
               <a:buAutoNum type="arabicPeriod"/>
             </a:pPr>
             <a:r>
+              <a:rPr lang="en-US" sz="2400" dirty="0" err="1"/>
+              <a:t>Xây</a:t>
+            </a:r>
+            <a:r>
               <a:rPr lang="en-US" sz="2400" dirty="0"/>
-              <a:t>Thành </a:t>
+              <a:t> </a:t>
             </a:r>
             <a:r>
               <a:rPr lang="en-US" sz="2400" dirty="0" err="1"/>
-              <a:t>công</a:t>
+              <a:t>dựng</a:t>
+            </a:r>
+            <a:r>
+              <a:rPr lang="en-US" sz="2400" dirty="0"/>
+              <a:t> </a:t>
+            </a:r>
+            <a:r>
+              <a:rPr lang="en-US" sz="2400" dirty="0" err="1"/>
+              <a:t>được</a:t>
+            </a:r>
+            <a:r>
+              <a:rPr lang="en-US" sz="2400" dirty="0"/>
+              <a:t> </a:t>
+            </a:r>
+            <a:r>
+              <a:rPr lang="en-US" sz="2400" dirty="0" err="1"/>
+              <a:t>tập</a:t>
+            </a:r>
+            <a:r>
+              <a:rPr lang="en-US" sz="2400" dirty="0"/>
+              <a:t> </a:t>
+            </a:r>
+            <a:r>
+              <a:rPr lang="en-US" sz="2400" dirty="0" err="1"/>
+              <a:t>dữ</a:t>
+            </a:r>
+            <a:r>
+              <a:rPr lang="en-US" sz="2400" dirty="0"/>
+              <a:t> </a:t>
+            </a:r>
+            <a:r>
+              <a:rPr lang="en-US" sz="2400" dirty="0" err="1"/>
+              <a:t>liệu</a:t>
+            </a:r>
+            <a:r>
+              <a:rPr lang="en-US" sz="2400" dirty="0"/>
+              <a:t> </a:t>
+            </a:r>
+            <a:r>
+              <a:rPr lang="en-US" sz="2400" dirty="0" err="1"/>
+              <a:t>nhằm</a:t>
+            </a:r>
+            <a:r>
+              <a:rPr lang="en-US" sz="2400" dirty="0"/>
+              <a:t> </a:t>
+            </a:r>
+            <a:r>
+              <a:rPr lang="en-US" sz="2400" dirty="0" err="1"/>
+              <a:t>xác</a:t>
+            </a:r>
+            <a:r>
+              <a:rPr lang="en-US" sz="2400" dirty="0"/>
+              <a:t> </a:t>
+            </a:r>
+            <a:r>
+              <a:rPr lang="en-US" sz="2400" dirty="0" err="1"/>
+              <a:t>định</a:t>
+            </a:r>
+            <a:r>
+              <a:rPr lang="en-US" sz="2400" dirty="0"/>
+              <a:t> </a:t>
+            </a:r>
+            <a:r>
+              <a:rPr lang="en-US" sz="2400" dirty="0" err="1"/>
+              <a:t>các</a:t>
+            </a:r>
+            <a:r>
+              <a:rPr lang="en-US" sz="2400" dirty="0"/>
+              <a:t> </a:t>
+            </a:r>
+            <a:r>
+              <a:rPr lang="en-US" sz="2400" dirty="0" err="1"/>
+              <a:t>lỗ</a:t>
+            </a:r>
+            <a:r>
+              <a:rPr lang="en-US" sz="2400" dirty="0"/>
+              <a:t> </a:t>
+            </a:r>
+            <a:r>
+              <a:rPr lang="en-US" sz="2400" dirty="0" err="1"/>
+              <a:t>hỏng</a:t>
             </a:r>
             <a:r>
               <a:rPr lang="en-US" sz="2400" dirty="0"/>
@@ -30430,102 +30587,6 @@
             </a:r>
             <a:r>
               <a:rPr lang="en-US" sz="2400" dirty="0" err="1"/>
-              <a:t>việc</a:t>
-            </a:r>
-            <a:r>
-              <a:rPr lang="en-US" sz="2400" dirty="0"/>
-              <a:t> </a:t>
-            </a:r>
-            <a:r>
-              <a:rPr lang="en-US" sz="2400" dirty="0" err="1"/>
-              <a:t>xây</a:t>
-            </a:r>
-            <a:r>
-              <a:rPr lang="en-US" sz="2400" dirty="0"/>
-              <a:t> </a:t>
-            </a:r>
-            <a:r>
-              <a:rPr lang="en-US" sz="2400" dirty="0" err="1"/>
-              <a:t>dựng</a:t>
-            </a:r>
-            <a:r>
-              <a:rPr lang="en-US" sz="2400" dirty="0"/>
-              <a:t> </a:t>
-            </a:r>
-            <a:r>
-              <a:rPr lang="en-US" sz="2400" dirty="0" err="1"/>
-              <a:t>ứng</a:t>
-            </a:r>
-            <a:r>
-              <a:rPr lang="en-US" sz="2400" dirty="0"/>
-              <a:t> </a:t>
-            </a:r>
-            <a:r>
-              <a:rPr lang="en-US" sz="2400" dirty="0" err="1"/>
-              <a:t>dụng</a:t>
-            </a:r>
-            <a:r>
-              <a:rPr lang="en-US" sz="2400" dirty="0"/>
-              <a:t> </a:t>
-            </a:r>
-            <a:r>
-              <a:rPr lang="en-US" sz="2400" dirty="0" err="1"/>
-              <a:t>tự</a:t>
-            </a:r>
-            <a:r>
-              <a:rPr lang="en-US" sz="2400" dirty="0"/>
-              <a:t> </a:t>
-            </a:r>
-            <a:r>
-              <a:rPr lang="en-US" sz="2400" dirty="0" err="1"/>
-              <a:t>động</a:t>
-            </a:r>
-            <a:r>
-              <a:rPr lang="en-US" sz="2400" dirty="0"/>
-              <a:t> </a:t>
-            </a:r>
-            <a:r>
-              <a:rPr lang="en-US" sz="2400" dirty="0" err="1"/>
-              <a:t>phát</a:t>
-            </a:r>
-            <a:r>
-              <a:rPr lang="en-US" sz="2400" dirty="0"/>
-              <a:t> </a:t>
-            </a:r>
-            <a:r>
-              <a:rPr lang="en-US" sz="2400" dirty="0" err="1"/>
-              <a:t>hiện</a:t>
-            </a:r>
-            <a:r>
-              <a:rPr lang="en-US" sz="2400" dirty="0"/>
-              <a:t> </a:t>
-            </a:r>
-            <a:r>
-              <a:rPr lang="en-US" sz="2400" dirty="0" err="1"/>
-              <a:t>lỗ</a:t>
-            </a:r>
-            <a:r>
-              <a:rPr lang="en-US" sz="2400" dirty="0"/>
-              <a:t> </a:t>
-            </a:r>
-            <a:r>
-              <a:rPr lang="en-US" sz="2400" dirty="0" err="1"/>
-              <a:t>hỏng</a:t>
-            </a:r>
-            <a:r>
-              <a:rPr lang="en-US" sz="2400" dirty="0"/>
-              <a:t> </a:t>
-            </a:r>
-            <a:r>
-              <a:rPr lang="en-US" sz="2400" dirty="0" err="1"/>
-              <a:t>trong</a:t>
-            </a:r>
-            <a:r>
-              <a:rPr lang="en-US" sz="2400" dirty="0"/>
-              <a:t> </a:t>
-            </a:r>
-            <a:r>
-              <a:rPr lang="en-US" sz="2400" dirty="0" err="1"/>
               <a:t>hợp</a:t>
             </a:r>
             <a:r>
@@ -30558,7 +30619,7 @@
             </a:r>
             <a:r>
               <a:rPr lang="en-US" sz="2400" dirty="0" err="1"/>
-              <a:t>bằng</a:t>
+              <a:t>trên</a:t>
             </a:r>
             <a:r>
               <a:rPr lang="en-US" sz="2400" dirty="0"/>
@@ -30566,7 +30627,7 @@
             </a:r>
             <a:r>
               <a:rPr lang="en-US" sz="2400" dirty="0" err="1"/>
-              <a:t>cách</a:t>
+              <a:t>mạng</a:t>
             </a:r>
             <a:r>
               <a:rPr lang="en-US" sz="2400" dirty="0"/>
@@ -30574,7 +30635,7 @@
             </a:r>
             <a:r>
               <a:rPr lang="en-US" sz="2400" dirty="0" err="1"/>
-              <a:t>áp</a:t>
+              <a:t>liên</a:t>
             </a:r>
             <a:r>
               <a:rPr lang="en-US" sz="2400" dirty="0"/>
@@ -30582,40 +30643,18 @@
             </a:r>
             <a:r>
               <a:rPr lang="en-US" sz="2400" dirty="0" err="1"/>
-              <a:t>dụng</a:t>
+              <a:t>chuỗi</a:t>
             </a:r>
             <a:r>
               <a:rPr lang="en-US" sz="2400" dirty="0"/>
               <a:t> </a:t>
             </a:r>
-            <a:r>
-              <a:rPr lang="en-US" sz="2400" dirty="0" err="1"/>
-              <a:t>mô</a:t>
-            </a:r>
-            <a:r>
-              <a:rPr lang="en-US" sz="2400" dirty="0"/>
-              <a:t> </a:t>
-            </a:r>
-            <a:r>
-              <a:rPr lang="en-US" sz="2400" dirty="0" err="1"/>
-              <a:t>hình</a:t>
-            </a:r>
-            <a:r>
-              <a:rPr lang="en-US" sz="2400" dirty="0"/>
-              <a:t> </a:t>
-            </a:r>
-            <a:r>
-              <a:rPr lang="en-US" sz="2400" dirty="0" err="1"/>
-              <a:t>học</a:t>
-            </a:r>
-            <a:r>
-              <a:rPr lang="en-US" sz="2400" dirty="0"/>
-              <a:t> </a:t>
-            </a:r>
-            <a:r>
-              <a:rPr lang="en-US" sz="2400" dirty="0" err="1"/>
-              <a:t>máy</a:t>
-            </a:r>
+          </a:p>
+          <a:p>
+            <a:pPr marL="457200" indent="-457200" algn="just">
+              <a:buFont typeface="+mj-lt"/>
+              <a:buAutoNum type="arabicPeriod"/>
+            </a:pPr>
             <a:endParaRPr lang="en-US" sz="2400" dirty="0"/>
           </a:p>
         </p:txBody>

--- a/Slide_20520605_VoAnhKiet.pptx
+++ b/Slide_20520605_VoAnhKiet.pptx
@@ -528,30 +528,6 @@
           <pc:docMk/>
           <pc:sldMk cId="2450257863" sldId="593"/>
         </pc:sldMkLst>
-      </pc:sldChg>
-    </pc:docChg>
-  </pc:docChgLst>
-  <pc:docChgLst>
-    <pc:chgData name="Phan Thế Duy" userId="5e9b9ff8-8bfd-40c4-a934-0fae842c79b4" providerId="ADAL" clId="{FBC1AA16-DC26-448B-8343-D0F3E02D0C1F}"/>
-    <pc:docChg chg="undo custSel modSld">
-      <pc:chgData name="Phan Thế Duy" userId="5e9b9ff8-8bfd-40c4-a934-0fae842c79b4" providerId="ADAL" clId="{FBC1AA16-DC26-448B-8343-D0F3E02D0C1F}" dt="2022-04-18T03:42:50.949" v="14" actId="20577"/>
-      <pc:docMkLst>
-        <pc:docMk/>
-      </pc:docMkLst>
-      <pc:sldChg chg="modSp mod">
-        <pc:chgData name="Phan Thế Duy" userId="5e9b9ff8-8bfd-40c4-a934-0fae842c79b4" providerId="ADAL" clId="{FBC1AA16-DC26-448B-8343-D0F3E02D0C1F}" dt="2022-04-18T03:42:50.949" v="14" actId="20577"/>
-        <pc:sldMkLst>
-          <pc:docMk/>
-          <pc:sldMk cId="0" sldId="456"/>
-        </pc:sldMkLst>
-        <pc:spChg chg="mod">
-          <ac:chgData name="Phan Thế Duy" userId="5e9b9ff8-8bfd-40c4-a934-0fae842c79b4" providerId="ADAL" clId="{FBC1AA16-DC26-448B-8343-D0F3E02D0C1F}" dt="2022-04-18T03:42:50.949" v="14" actId="20577"/>
-          <ac:spMkLst>
-            <pc:docMk/>
-            <pc:sldMk cId="0" sldId="456"/>
-            <ac:spMk id="106" creationId="{00000000-0000-0000-0000-000000000000}"/>
-          </ac:spMkLst>
-        </pc:spChg>
       </pc:sldChg>
     </pc:docChg>
   </pc:docChgLst>
@@ -1225,6 +1201,30 @@
             <pc:docMk/>
             <pc:sldMk cId="3408194910" sldId="617"/>
             <ac:spMk id="16" creationId="{711BF7A4-3C63-2B65-24A4-66B50E86D26B}"/>
+          </ac:spMkLst>
+        </pc:spChg>
+      </pc:sldChg>
+    </pc:docChg>
+  </pc:docChgLst>
+  <pc:docChgLst>
+    <pc:chgData name="Phan Thế Duy" userId="5e9b9ff8-8bfd-40c4-a934-0fae842c79b4" providerId="ADAL" clId="{FBC1AA16-DC26-448B-8343-D0F3E02D0C1F}"/>
+    <pc:docChg chg="undo custSel modSld">
+      <pc:chgData name="Phan Thế Duy" userId="5e9b9ff8-8bfd-40c4-a934-0fae842c79b4" providerId="ADAL" clId="{FBC1AA16-DC26-448B-8343-D0F3E02D0C1F}" dt="2022-04-18T03:42:50.949" v="14" actId="20577"/>
+      <pc:docMkLst>
+        <pc:docMk/>
+      </pc:docMkLst>
+      <pc:sldChg chg="modSp mod">
+        <pc:chgData name="Phan Thế Duy" userId="5e9b9ff8-8bfd-40c4-a934-0fae842c79b4" providerId="ADAL" clId="{FBC1AA16-DC26-448B-8343-D0F3E02D0C1F}" dt="2022-04-18T03:42:50.949" v="14" actId="20577"/>
+        <pc:sldMkLst>
+          <pc:docMk/>
+          <pc:sldMk cId="0" sldId="456"/>
+        </pc:sldMkLst>
+        <pc:spChg chg="mod">
+          <ac:chgData name="Phan Thế Duy" userId="5e9b9ff8-8bfd-40c4-a934-0fae842c79b4" providerId="ADAL" clId="{FBC1AA16-DC26-448B-8343-D0F3E02D0C1F}" dt="2022-04-18T03:42:50.949" v="14" actId="20577"/>
+          <ac:spMkLst>
+            <pc:docMk/>
+            <pc:sldMk cId="0" sldId="456"/>
+            <ac:spMk id="106" creationId="{00000000-0000-0000-0000-000000000000}"/>
           </ac:spMkLst>
         </pc:spChg>
       </pc:sldChg>
@@ -21085,40 +21085,13 @@
             </a:r>
             <a:r>
               <a:rPr lang="vi-VN" dirty="0"/>
-              <a:t>. 213-224). </a:t>
-            </a:r>
-            <a:r>
-              <a:rPr lang="vi-VN" dirty="0" err="1"/>
-              <a:t>Cham</a:t>
-            </a:r>
-            <a:r>
-              <a:rPr lang="vi-VN" dirty="0"/>
-              <a:t>: </a:t>
-            </a:r>
-            <a:r>
-              <a:rPr lang="vi-VN" dirty="0" err="1"/>
-              <a:t>Springer</a:t>
-            </a:r>
-            <a:r>
-              <a:rPr lang="vi-VN" dirty="0"/>
-              <a:t> </a:t>
-            </a:r>
-            <a:r>
-              <a:rPr lang="vi-VN" dirty="0" err="1"/>
-              <a:t>Nature</a:t>
-            </a:r>
-            <a:r>
-              <a:rPr lang="vi-VN" dirty="0"/>
-              <a:t> </a:t>
-            </a:r>
-            <a:r>
-              <a:rPr lang="vi-VN" dirty="0" err="1"/>
-              <a:t>Switzerland</a:t>
-            </a:r>
-            <a:r>
-              <a:rPr lang="vi-VN" dirty="0"/>
-              <a:t>.</a:t>
-            </a:r>
+              <a:t>. </a:t>
+            </a:r>
+            <a:r>
+              <a:rPr lang="vi-VN"/>
+              <a:t>213-224).</a:t>
+            </a:r>
+            <a:endParaRPr lang="vi-VN" dirty="0"/>
           </a:p>
           <a:p>
             <a:endParaRPr lang="vi-VN" dirty="0"/>
@@ -30467,6 +30440,14 @@
               <a:rPr lang="en-US" sz="2400" dirty="0" err="1"/>
               <a:t>máy</a:t>
             </a:r>
+            <a:r>
+              <a:rPr lang="en-US" sz="2400" dirty="0"/>
+              <a:t> – </a:t>
+            </a:r>
+            <a:r>
+              <a:rPr lang="en-US" sz="2400" dirty="0" err="1"/>
+              <a:t>ChainSniper</a:t>
+            </a:r>
             <a:endParaRPr lang="en-US" sz="2400" dirty="0"/>
           </a:p>
           <a:p>
@@ -30531,6 +30512,14 @@
             </a:r>
             <a:r>
               <a:rPr lang="en-US" sz="2400" dirty="0" err="1"/>
+              <a:t>CrossChainSentinel</a:t>
+            </a:r>
+            <a:r>
+              <a:rPr lang="en-US" sz="2400" dirty="0"/>
+              <a:t> </a:t>
+            </a:r>
+            <a:r>
+              <a:rPr lang="en-US" sz="2400" dirty="0" err="1"/>
               <a:t>nhằm</a:t>
             </a:r>
             <a:r>
@@ -30571,7 +30560,7 @@
             </a:r>
             <a:r>
               <a:rPr lang="en-US" sz="2400" dirty="0" err="1"/>
-              <a:t>hỏng</a:t>
+              <a:t>hổng</a:t>
             </a:r>
             <a:r>
               <a:rPr lang="en-US" sz="2400" dirty="0"/>
